--- a/GreatLearningProject/Advanced ML/LowCode_Additional__Project_AML.pptx
+++ b/GreatLearningProject/Advanced ML/LowCode_Additional__Project_AML.pptx
@@ -6,7 +6,7 @@
     <p:sldMasterId id="2147483659" r:id="rId2"/>
   </p:sldMasterIdLst>
   <p:notesMasterIdLst>
-    <p:notesMasterId r:id="rId16"/>
+    <p:notesMasterId r:id="rId22"/>
   </p:notesMasterIdLst>
   <p:sldIdLst>
     <p:sldId id="256" r:id="rId3"/>
@@ -17,33 +17,39 @@
     <p:sldId id="269" r:id="rId8"/>
     <p:sldId id="270" r:id="rId9"/>
     <p:sldId id="260" r:id="rId10"/>
-    <p:sldId id="261" r:id="rId11"/>
-    <p:sldId id="262" r:id="rId12"/>
-    <p:sldId id="263" r:id="rId13"/>
-    <p:sldId id="264" r:id="rId14"/>
-    <p:sldId id="267" r:id="rId15"/>
+    <p:sldId id="271" r:id="rId11"/>
+    <p:sldId id="272" r:id="rId12"/>
+    <p:sldId id="273" r:id="rId13"/>
+    <p:sldId id="274" r:id="rId14"/>
+    <p:sldId id="275" r:id="rId15"/>
+    <p:sldId id="276" r:id="rId16"/>
+    <p:sldId id="261" r:id="rId17"/>
+    <p:sldId id="262" r:id="rId18"/>
+    <p:sldId id="263" r:id="rId19"/>
+    <p:sldId id="264" r:id="rId20"/>
+    <p:sldId id="267" r:id="rId21"/>
   </p:sldIdLst>
   <p:sldSz cx="9144000" cy="5143500" type="screen16x9"/>
   <p:notesSz cx="6858000" cy="9144000"/>
   <p:embeddedFontLst>
     <p:embeddedFont>
       <p:font typeface="Nunito" pitchFamily="2" charset="0"/>
-      <p:regular r:id="rId17"/>
-      <p:bold r:id="rId18"/>
-      <p:italic r:id="rId19"/>
-      <p:boldItalic r:id="rId20"/>
-    </p:embeddedFont>
-    <p:embeddedFont>
-      <p:font typeface="Nunito ExtraBold" pitchFamily="2" charset="0"/>
-      <p:bold r:id="rId21"/>
-      <p:boldItalic r:id="rId22"/>
-    </p:embeddedFont>
-    <p:embeddedFont>
-      <p:font typeface="Nunito SemiBold" pitchFamily="2" charset="0"/>
       <p:regular r:id="rId23"/>
       <p:bold r:id="rId24"/>
       <p:italic r:id="rId25"/>
       <p:boldItalic r:id="rId26"/>
+    </p:embeddedFont>
+    <p:embeddedFont>
+      <p:font typeface="Nunito ExtraBold" pitchFamily="2" charset="0"/>
+      <p:bold r:id="rId27"/>
+      <p:boldItalic r:id="rId28"/>
+    </p:embeddedFont>
+    <p:embeddedFont>
+      <p:font typeface="Nunito SemiBold" pitchFamily="2" charset="0"/>
+      <p:regular r:id="rId29"/>
+      <p:bold r:id="rId30"/>
+      <p:italic r:id="rId31"/>
+      <p:boldItalic r:id="rId32"/>
     </p:embeddedFont>
   </p:embeddedFontLst>
   <p:defaultTextStyle>
@@ -291,7 +297,7 @@
       </p15:sldGuideLst>
     </p:ext>
     <p:ext uri="http://customooxmlschemas.google.com/">
-      <go:slidesCustomData xmlns:go="http://customooxmlschemas.google.com/" xmlns:ahyp="http://schemas.microsoft.com/office/drawing/2018/hyperlinkcolor" xmlns:p15="http://schemas.microsoft.com/office/powerpoint/2012/main" xmlns:p14="http://schemas.microsoft.com/office/powerpoint/2010/main" xmlns:com="http://schemas.openxmlformats.org/drawingml/2006/compatibility" xmlns:pvml="urn:schemas-microsoft-com:office:powerpoint" xmlns:v="urn:schemas-microsoft-com:vml" xmlns:o="urn:schemas-microsoft-com:office:office" xmlns:dgm="http://schemas.openxmlformats.org/drawingml/2006/diagram" xmlns:c="http://schemas.openxmlformats.org/drawingml/2006/chart" xmlns:mv="urn:schemas-microsoft-com:mac:vml" xmlns:mc="http://schemas.openxmlformats.org/markup-compatibility/2006" xmlns="" r:id="rId30" roundtripDataSignature="AMtx7mjy58bmnyBVcGyV9EgDb1iunGsK+g=="/>
+      <go:slidesCustomData xmlns:go="http://customooxmlschemas.google.com/" xmlns:ahyp="http://schemas.microsoft.com/office/drawing/2018/hyperlinkcolor" xmlns:p15="http://schemas.microsoft.com/office/powerpoint/2012/main" xmlns:p14="http://schemas.microsoft.com/office/powerpoint/2010/main" xmlns:com="http://schemas.openxmlformats.org/drawingml/2006/compatibility" xmlns:pvml="urn:schemas-microsoft-com:office:powerpoint" xmlns:v="urn:schemas-microsoft-com:vml" xmlns:o="urn:schemas-microsoft-com:office:office" xmlns:dgm="http://schemas.openxmlformats.org/drawingml/2006/diagram" xmlns:c="http://schemas.openxmlformats.org/drawingml/2006/chart" xmlns:mv="urn:schemas-microsoft-com:mac:vml" xmlns:mc="http://schemas.openxmlformats.org/markup-compatibility/2006" xmlns="" r:id="rId33" roundtripDataSignature="AMtx7mjy58bmnyBVcGyV9EgDb1iunGsK+g=="/>
     </p:ext>
   </p:extLst>
 </p:presentation>
@@ -1003,6 +1009,763 @@
   <p:cSld>
     <p:spTree>
       <p:nvGrpSpPr>
+        <p:cNvPr id="1" name="Shape 126"/>
+        <p:cNvGrpSpPr/>
+        <p:nvPr/>
+      </p:nvGrpSpPr>
+      <p:grpSpPr>
+        <a:xfrm>
+          <a:off x="0" y="0"/>
+          <a:ext cx="0" cy="0"/>
+          <a:chOff x="0" y="0"/>
+          <a:chExt cx="0" cy="0"/>
+        </a:xfrm>
+      </p:grpSpPr>
+      <p:sp>
+        <p:nvSpPr>
+          <p:cNvPr id="127" name="Google Shape;127;g10e9006cb6c_1_7:notes"/>
+          <p:cNvSpPr>
+            <a:spLocks noGrp="1" noRot="1" noChangeAspect="1"/>
+          </p:cNvSpPr>
+          <p:nvPr>
+            <p:ph type="sldImg" idx="2"/>
+          </p:nvPr>
+        </p:nvSpPr>
+        <p:spPr>
+          <a:xfrm>
+            <a:off x="381000" y="685800"/>
+            <a:ext cx="6096000" cy="3429000"/>
+          </a:xfrm>
+          <a:custGeom>
+            <a:avLst/>
+            <a:gdLst/>
+            <a:ahLst/>
+            <a:cxnLst/>
+            <a:rect l="l" t="t" r="r" b="b"/>
+            <a:pathLst>
+              <a:path w="120000" h="120000" extrusionOk="0">
+                <a:moveTo>
+                  <a:pt x="0" y="0"/>
+                </a:moveTo>
+                <a:lnTo>
+                  <a:pt x="120000" y="0"/>
+                </a:lnTo>
+                <a:lnTo>
+                  <a:pt x="120000" y="120000"/>
+                </a:lnTo>
+                <a:lnTo>
+                  <a:pt x="0" y="120000"/>
+                </a:lnTo>
+                <a:close/>
+              </a:path>
+            </a:pathLst>
+          </a:custGeom>
+          <a:noFill/>
+          <a:ln w="9525" cap="flat" cmpd="sng">
+            <a:solidFill>
+              <a:srgbClr val="000000"/>
+            </a:solidFill>
+            <a:prstDash val="solid"/>
+            <a:round/>
+            <a:headEnd type="none" w="sm" len="sm"/>
+            <a:tailEnd type="none" w="sm" len="sm"/>
+          </a:ln>
+        </p:spPr>
+      </p:sp>
+      <p:sp>
+        <p:nvSpPr>
+          <p:cNvPr id="128" name="Google Shape;128;g10e9006cb6c_1_7:notes"/>
+          <p:cNvSpPr txBox="1">
+            <a:spLocks noGrp="1"/>
+          </p:cNvSpPr>
+          <p:nvPr>
+            <p:ph type="body" idx="1"/>
+          </p:nvPr>
+        </p:nvSpPr>
+        <p:spPr>
+          <a:xfrm>
+            <a:off x="685800" y="4343400"/>
+            <a:ext cx="5486400" cy="4114800"/>
+          </a:xfrm>
+          <a:prstGeom prst="rect">
+            <a:avLst/>
+          </a:prstGeom>
+          <a:noFill/>
+          <a:ln>
+            <a:noFill/>
+          </a:ln>
+        </p:spPr>
+        <p:txBody>
+          <a:bodyPr spcFirstLastPara="1" wrap="square" lIns="91425" tIns="91425" rIns="91425" bIns="91425" anchor="t" anchorCtr="0">
+            <a:noAutofit/>
+          </a:bodyPr>
+          <a:lstStyle/>
+          <a:p>
+            <a:pPr marL="0" lvl="0" indent="0" algn="l" rtl="0">
+              <a:lnSpc>
+                <a:spcPct val="100000"/>
+              </a:lnSpc>
+              <a:spcBef>
+                <a:spcPts val="0"/>
+              </a:spcBef>
+              <a:spcAft>
+                <a:spcPts val="0"/>
+              </a:spcAft>
+              <a:buSzPts val="1100"/>
+              <a:buNone/>
+            </a:pPr>
+            <a:endParaRPr/>
+          </a:p>
+        </p:txBody>
+      </p:sp>
+    </p:spTree>
+    <p:extLst>
+      <p:ext uri="{BB962C8B-B14F-4D97-AF65-F5344CB8AC3E}">
+        <p14:creationId xmlns:p14="http://schemas.microsoft.com/office/powerpoint/2010/main" val="2083471209"/>
+      </p:ext>
+    </p:extLst>
+  </p:cSld>
+  <p:clrMapOvr>
+    <a:masterClrMapping/>
+  </p:clrMapOvr>
+</p:notes>
+</file>
+
+<file path=ppt/notesSlides/notesSlide11.xml><?xml version="1.0" encoding="utf-8"?>
+<p:notes xmlns:a="http://schemas.openxmlformats.org/drawingml/2006/main" xmlns:r="http://schemas.openxmlformats.org/officeDocument/2006/relationships" xmlns:p="http://schemas.openxmlformats.org/presentationml/2006/main" showMasterSp="0" showMasterPhAnim="0">
+  <p:cSld>
+    <p:spTree>
+      <p:nvGrpSpPr>
+        <p:cNvPr id="1" name="Shape 126"/>
+        <p:cNvGrpSpPr/>
+        <p:nvPr/>
+      </p:nvGrpSpPr>
+      <p:grpSpPr>
+        <a:xfrm>
+          <a:off x="0" y="0"/>
+          <a:ext cx="0" cy="0"/>
+          <a:chOff x="0" y="0"/>
+          <a:chExt cx="0" cy="0"/>
+        </a:xfrm>
+      </p:grpSpPr>
+      <p:sp>
+        <p:nvSpPr>
+          <p:cNvPr id="127" name="Google Shape;127;g10e9006cb6c_1_7:notes"/>
+          <p:cNvSpPr>
+            <a:spLocks noGrp="1" noRot="1" noChangeAspect="1"/>
+          </p:cNvSpPr>
+          <p:nvPr>
+            <p:ph type="sldImg" idx="2"/>
+          </p:nvPr>
+        </p:nvSpPr>
+        <p:spPr>
+          <a:xfrm>
+            <a:off x="381000" y="685800"/>
+            <a:ext cx="6096000" cy="3429000"/>
+          </a:xfrm>
+          <a:custGeom>
+            <a:avLst/>
+            <a:gdLst/>
+            <a:ahLst/>
+            <a:cxnLst/>
+            <a:rect l="l" t="t" r="r" b="b"/>
+            <a:pathLst>
+              <a:path w="120000" h="120000" extrusionOk="0">
+                <a:moveTo>
+                  <a:pt x="0" y="0"/>
+                </a:moveTo>
+                <a:lnTo>
+                  <a:pt x="120000" y="0"/>
+                </a:lnTo>
+                <a:lnTo>
+                  <a:pt x="120000" y="120000"/>
+                </a:lnTo>
+                <a:lnTo>
+                  <a:pt x="0" y="120000"/>
+                </a:lnTo>
+                <a:close/>
+              </a:path>
+            </a:pathLst>
+          </a:custGeom>
+          <a:noFill/>
+          <a:ln w="9525" cap="flat" cmpd="sng">
+            <a:solidFill>
+              <a:srgbClr val="000000"/>
+            </a:solidFill>
+            <a:prstDash val="solid"/>
+            <a:round/>
+            <a:headEnd type="none" w="sm" len="sm"/>
+            <a:tailEnd type="none" w="sm" len="sm"/>
+          </a:ln>
+        </p:spPr>
+      </p:sp>
+      <p:sp>
+        <p:nvSpPr>
+          <p:cNvPr id="128" name="Google Shape;128;g10e9006cb6c_1_7:notes"/>
+          <p:cNvSpPr txBox="1">
+            <a:spLocks noGrp="1"/>
+          </p:cNvSpPr>
+          <p:nvPr>
+            <p:ph type="body" idx="1"/>
+          </p:nvPr>
+        </p:nvSpPr>
+        <p:spPr>
+          <a:xfrm>
+            <a:off x="685800" y="4343400"/>
+            <a:ext cx="5486400" cy="4114800"/>
+          </a:xfrm>
+          <a:prstGeom prst="rect">
+            <a:avLst/>
+          </a:prstGeom>
+          <a:noFill/>
+          <a:ln>
+            <a:noFill/>
+          </a:ln>
+        </p:spPr>
+        <p:txBody>
+          <a:bodyPr spcFirstLastPara="1" wrap="square" lIns="91425" tIns="91425" rIns="91425" bIns="91425" anchor="t" anchorCtr="0">
+            <a:noAutofit/>
+          </a:bodyPr>
+          <a:lstStyle/>
+          <a:p>
+            <a:pPr marL="0" lvl="0" indent="0" algn="l" rtl="0">
+              <a:lnSpc>
+                <a:spcPct val="100000"/>
+              </a:lnSpc>
+              <a:spcBef>
+                <a:spcPts val="0"/>
+              </a:spcBef>
+              <a:spcAft>
+                <a:spcPts val="0"/>
+              </a:spcAft>
+              <a:buSzPts val="1100"/>
+              <a:buNone/>
+            </a:pPr>
+            <a:endParaRPr/>
+          </a:p>
+        </p:txBody>
+      </p:sp>
+    </p:spTree>
+    <p:extLst>
+      <p:ext uri="{BB962C8B-B14F-4D97-AF65-F5344CB8AC3E}">
+        <p14:creationId xmlns:p14="http://schemas.microsoft.com/office/powerpoint/2010/main" val="3740040214"/>
+      </p:ext>
+    </p:extLst>
+  </p:cSld>
+  <p:clrMapOvr>
+    <a:masterClrMapping/>
+  </p:clrMapOvr>
+</p:notes>
+</file>
+
+<file path=ppt/notesSlides/notesSlide12.xml><?xml version="1.0" encoding="utf-8"?>
+<p:notes xmlns:a="http://schemas.openxmlformats.org/drawingml/2006/main" xmlns:r="http://schemas.openxmlformats.org/officeDocument/2006/relationships" xmlns:p="http://schemas.openxmlformats.org/presentationml/2006/main" showMasterSp="0" showMasterPhAnim="0">
+  <p:cSld>
+    <p:spTree>
+      <p:nvGrpSpPr>
+        <p:cNvPr id="1" name="Shape 126"/>
+        <p:cNvGrpSpPr/>
+        <p:nvPr/>
+      </p:nvGrpSpPr>
+      <p:grpSpPr>
+        <a:xfrm>
+          <a:off x="0" y="0"/>
+          <a:ext cx="0" cy="0"/>
+          <a:chOff x="0" y="0"/>
+          <a:chExt cx="0" cy="0"/>
+        </a:xfrm>
+      </p:grpSpPr>
+      <p:sp>
+        <p:nvSpPr>
+          <p:cNvPr id="127" name="Google Shape;127;g10e9006cb6c_1_7:notes"/>
+          <p:cNvSpPr>
+            <a:spLocks noGrp="1" noRot="1" noChangeAspect="1"/>
+          </p:cNvSpPr>
+          <p:nvPr>
+            <p:ph type="sldImg" idx="2"/>
+          </p:nvPr>
+        </p:nvSpPr>
+        <p:spPr>
+          <a:xfrm>
+            <a:off x="381000" y="685800"/>
+            <a:ext cx="6096000" cy="3429000"/>
+          </a:xfrm>
+          <a:custGeom>
+            <a:avLst/>
+            <a:gdLst/>
+            <a:ahLst/>
+            <a:cxnLst/>
+            <a:rect l="l" t="t" r="r" b="b"/>
+            <a:pathLst>
+              <a:path w="120000" h="120000" extrusionOk="0">
+                <a:moveTo>
+                  <a:pt x="0" y="0"/>
+                </a:moveTo>
+                <a:lnTo>
+                  <a:pt x="120000" y="0"/>
+                </a:lnTo>
+                <a:lnTo>
+                  <a:pt x="120000" y="120000"/>
+                </a:lnTo>
+                <a:lnTo>
+                  <a:pt x="0" y="120000"/>
+                </a:lnTo>
+                <a:close/>
+              </a:path>
+            </a:pathLst>
+          </a:custGeom>
+          <a:noFill/>
+          <a:ln w="9525" cap="flat" cmpd="sng">
+            <a:solidFill>
+              <a:srgbClr val="000000"/>
+            </a:solidFill>
+            <a:prstDash val="solid"/>
+            <a:round/>
+            <a:headEnd type="none" w="sm" len="sm"/>
+            <a:tailEnd type="none" w="sm" len="sm"/>
+          </a:ln>
+        </p:spPr>
+      </p:sp>
+      <p:sp>
+        <p:nvSpPr>
+          <p:cNvPr id="128" name="Google Shape;128;g10e9006cb6c_1_7:notes"/>
+          <p:cNvSpPr txBox="1">
+            <a:spLocks noGrp="1"/>
+          </p:cNvSpPr>
+          <p:nvPr>
+            <p:ph type="body" idx="1"/>
+          </p:nvPr>
+        </p:nvSpPr>
+        <p:spPr>
+          <a:xfrm>
+            <a:off x="685800" y="4343400"/>
+            <a:ext cx="5486400" cy="4114800"/>
+          </a:xfrm>
+          <a:prstGeom prst="rect">
+            <a:avLst/>
+          </a:prstGeom>
+          <a:noFill/>
+          <a:ln>
+            <a:noFill/>
+          </a:ln>
+        </p:spPr>
+        <p:txBody>
+          <a:bodyPr spcFirstLastPara="1" wrap="square" lIns="91425" tIns="91425" rIns="91425" bIns="91425" anchor="t" anchorCtr="0">
+            <a:noAutofit/>
+          </a:bodyPr>
+          <a:lstStyle/>
+          <a:p>
+            <a:pPr marL="0" lvl="0" indent="0" algn="l" rtl="0">
+              <a:lnSpc>
+                <a:spcPct val="100000"/>
+              </a:lnSpc>
+              <a:spcBef>
+                <a:spcPts val="0"/>
+              </a:spcBef>
+              <a:spcAft>
+                <a:spcPts val="0"/>
+              </a:spcAft>
+              <a:buSzPts val="1100"/>
+              <a:buNone/>
+            </a:pPr>
+            <a:endParaRPr/>
+          </a:p>
+        </p:txBody>
+      </p:sp>
+    </p:spTree>
+    <p:extLst>
+      <p:ext uri="{BB962C8B-B14F-4D97-AF65-F5344CB8AC3E}">
+        <p14:creationId xmlns:p14="http://schemas.microsoft.com/office/powerpoint/2010/main" val="2483858448"/>
+      </p:ext>
+    </p:extLst>
+  </p:cSld>
+  <p:clrMapOvr>
+    <a:masterClrMapping/>
+  </p:clrMapOvr>
+</p:notes>
+</file>
+
+<file path=ppt/notesSlides/notesSlide13.xml><?xml version="1.0" encoding="utf-8"?>
+<p:notes xmlns:a="http://schemas.openxmlformats.org/drawingml/2006/main" xmlns:r="http://schemas.openxmlformats.org/officeDocument/2006/relationships" xmlns:p="http://schemas.openxmlformats.org/presentationml/2006/main" showMasterSp="0" showMasterPhAnim="0">
+  <p:cSld>
+    <p:spTree>
+      <p:nvGrpSpPr>
+        <p:cNvPr id="1" name="Shape 126"/>
+        <p:cNvGrpSpPr/>
+        <p:nvPr/>
+      </p:nvGrpSpPr>
+      <p:grpSpPr>
+        <a:xfrm>
+          <a:off x="0" y="0"/>
+          <a:ext cx="0" cy="0"/>
+          <a:chOff x="0" y="0"/>
+          <a:chExt cx="0" cy="0"/>
+        </a:xfrm>
+      </p:grpSpPr>
+      <p:sp>
+        <p:nvSpPr>
+          <p:cNvPr id="127" name="Google Shape;127;g10e9006cb6c_1_7:notes"/>
+          <p:cNvSpPr>
+            <a:spLocks noGrp="1" noRot="1" noChangeAspect="1"/>
+          </p:cNvSpPr>
+          <p:nvPr>
+            <p:ph type="sldImg" idx="2"/>
+          </p:nvPr>
+        </p:nvSpPr>
+        <p:spPr>
+          <a:xfrm>
+            <a:off x="381000" y="685800"/>
+            <a:ext cx="6096000" cy="3429000"/>
+          </a:xfrm>
+          <a:custGeom>
+            <a:avLst/>
+            <a:gdLst/>
+            <a:ahLst/>
+            <a:cxnLst/>
+            <a:rect l="l" t="t" r="r" b="b"/>
+            <a:pathLst>
+              <a:path w="120000" h="120000" extrusionOk="0">
+                <a:moveTo>
+                  <a:pt x="0" y="0"/>
+                </a:moveTo>
+                <a:lnTo>
+                  <a:pt x="120000" y="0"/>
+                </a:lnTo>
+                <a:lnTo>
+                  <a:pt x="120000" y="120000"/>
+                </a:lnTo>
+                <a:lnTo>
+                  <a:pt x="0" y="120000"/>
+                </a:lnTo>
+                <a:close/>
+              </a:path>
+            </a:pathLst>
+          </a:custGeom>
+          <a:noFill/>
+          <a:ln w="9525" cap="flat" cmpd="sng">
+            <a:solidFill>
+              <a:srgbClr val="000000"/>
+            </a:solidFill>
+            <a:prstDash val="solid"/>
+            <a:round/>
+            <a:headEnd type="none" w="sm" len="sm"/>
+            <a:tailEnd type="none" w="sm" len="sm"/>
+          </a:ln>
+        </p:spPr>
+      </p:sp>
+      <p:sp>
+        <p:nvSpPr>
+          <p:cNvPr id="128" name="Google Shape;128;g10e9006cb6c_1_7:notes"/>
+          <p:cNvSpPr txBox="1">
+            <a:spLocks noGrp="1"/>
+          </p:cNvSpPr>
+          <p:nvPr>
+            <p:ph type="body" idx="1"/>
+          </p:nvPr>
+        </p:nvSpPr>
+        <p:spPr>
+          <a:xfrm>
+            <a:off x="685800" y="4343400"/>
+            <a:ext cx="5486400" cy="4114800"/>
+          </a:xfrm>
+          <a:prstGeom prst="rect">
+            <a:avLst/>
+          </a:prstGeom>
+          <a:noFill/>
+          <a:ln>
+            <a:noFill/>
+          </a:ln>
+        </p:spPr>
+        <p:txBody>
+          <a:bodyPr spcFirstLastPara="1" wrap="square" lIns="91425" tIns="91425" rIns="91425" bIns="91425" anchor="t" anchorCtr="0">
+            <a:noAutofit/>
+          </a:bodyPr>
+          <a:lstStyle/>
+          <a:p>
+            <a:pPr marL="0" lvl="0" indent="0" algn="l" rtl="0">
+              <a:lnSpc>
+                <a:spcPct val="100000"/>
+              </a:lnSpc>
+              <a:spcBef>
+                <a:spcPts val="0"/>
+              </a:spcBef>
+              <a:spcAft>
+                <a:spcPts val="0"/>
+              </a:spcAft>
+              <a:buSzPts val="1100"/>
+              <a:buNone/>
+            </a:pPr>
+            <a:endParaRPr/>
+          </a:p>
+        </p:txBody>
+      </p:sp>
+    </p:spTree>
+    <p:extLst>
+      <p:ext uri="{BB962C8B-B14F-4D97-AF65-F5344CB8AC3E}">
+        <p14:creationId xmlns:p14="http://schemas.microsoft.com/office/powerpoint/2010/main" val="2512910413"/>
+      </p:ext>
+    </p:extLst>
+  </p:cSld>
+  <p:clrMapOvr>
+    <a:masterClrMapping/>
+  </p:clrMapOvr>
+</p:notes>
+</file>
+
+<file path=ppt/notesSlides/notesSlide14.xml><?xml version="1.0" encoding="utf-8"?>
+<p:notes xmlns:a="http://schemas.openxmlformats.org/drawingml/2006/main" xmlns:r="http://schemas.openxmlformats.org/officeDocument/2006/relationships" xmlns:p="http://schemas.openxmlformats.org/presentationml/2006/main" showMasterSp="0" showMasterPhAnim="0">
+  <p:cSld>
+    <p:spTree>
+      <p:nvGrpSpPr>
+        <p:cNvPr id="1" name="Shape 126"/>
+        <p:cNvGrpSpPr/>
+        <p:nvPr/>
+      </p:nvGrpSpPr>
+      <p:grpSpPr>
+        <a:xfrm>
+          <a:off x="0" y="0"/>
+          <a:ext cx="0" cy="0"/>
+          <a:chOff x="0" y="0"/>
+          <a:chExt cx="0" cy="0"/>
+        </a:xfrm>
+      </p:grpSpPr>
+      <p:sp>
+        <p:nvSpPr>
+          <p:cNvPr id="127" name="Google Shape;127;g10e9006cb6c_1_7:notes"/>
+          <p:cNvSpPr>
+            <a:spLocks noGrp="1" noRot="1" noChangeAspect="1"/>
+          </p:cNvSpPr>
+          <p:nvPr>
+            <p:ph type="sldImg" idx="2"/>
+          </p:nvPr>
+        </p:nvSpPr>
+        <p:spPr>
+          <a:xfrm>
+            <a:off x="381000" y="685800"/>
+            <a:ext cx="6096000" cy="3429000"/>
+          </a:xfrm>
+          <a:custGeom>
+            <a:avLst/>
+            <a:gdLst/>
+            <a:ahLst/>
+            <a:cxnLst/>
+            <a:rect l="l" t="t" r="r" b="b"/>
+            <a:pathLst>
+              <a:path w="120000" h="120000" extrusionOk="0">
+                <a:moveTo>
+                  <a:pt x="0" y="0"/>
+                </a:moveTo>
+                <a:lnTo>
+                  <a:pt x="120000" y="0"/>
+                </a:lnTo>
+                <a:lnTo>
+                  <a:pt x="120000" y="120000"/>
+                </a:lnTo>
+                <a:lnTo>
+                  <a:pt x="0" y="120000"/>
+                </a:lnTo>
+                <a:close/>
+              </a:path>
+            </a:pathLst>
+          </a:custGeom>
+          <a:noFill/>
+          <a:ln w="9525" cap="flat" cmpd="sng">
+            <a:solidFill>
+              <a:srgbClr val="000000"/>
+            </a:solidFill>
+            <a:prstDash val="solid"/>
+            <a:round/>
+            <a:headEnd type="none" w="sm" len="sm"/>
+            <a:tailEnd type="none" w="sm" len="sm"/>
+          </a:ln>
+        </p:spPr>
+      </p:sp>
+      <p:sp>
+        <p:nvSpPr>
+          <p:cNvPr id="128" name="Google Shape;128;g10e9006cb6c_1_7:notes"/>
+          <p:cNvSpPr txBox="1">
+            <a:spLocks noGrp="1"/>
+          </p:cNvSpPr>
+          <p:nvPr>
+            <p:ph type="body" idx="1"/>
+          </p:nvPr>
+        </p:nvSpPr>
+        <p:spPr>
+          <a:xfrm>
+            <a:off x="685800" y="4343400"/>
+            <a:ext cx="5486400" cy="4114800"/>
+          </a:xfrm>
+          <a:prstGeom prst="rect">
+            <a:avLst/>
+          </a:prstGeom>
+          <a:noFill/>
+          <a:ln>
+            <a:noFill/>
+          </a:ln>
+        </p:spPr>
+        <p:txBody>
+          <a:bodyPr spcFirstLastPara="1" wrap="square" lIns="91425" tIns="91425" rIns="91425" bIns="91425" anchor="t" anchorCtr="0">
+            <a:noAutofit/>
+          </a:bodyPr>
+          <a:lstStyle/>
+          <a:p>
+            <a:pPr marL="0" lvl="0" indent="0" algn="l" rtl="0">
+              <a:lnSpc>
+                <a:spcPct val="100000"/>
+              </a:lnSpc>
+              <a:spcBef>
+                <a:spcPts val="0"/>
+              </a:spcBef>
+              <a:spcAft>
+                <a:spcPts val="0"/>
+              </a:spcAft>
+              <a:buSzPts val="1100"/>
+              <a:buNone/>
+            </a:pPr>
+            <a:endParaRPr/>
+          </a:p>
+        </p:txBody>
+      </p:sp>
+    </p:spTree>
+    <p:extLst>
+      <p:ext uri="{BB962C8B-B14F-4D97-AF65-F5344CB8AC3E}">
+        <p14:creationId xmlns:p14="http://schemas.microsoft.com/office/powerpoint/2010/main" val="2354699851"/>
+      </p:ext>
+    </p:extLst>
+  </p:cSld>
+  <p:clrMapOvr>
+    <a:masterClrMapping/>
+  </p:clrMapOvr>
+</p:notes>
+</file>
+
+<file path=ppt/notesSlides/notesSlide15.xml><?xml version="1.0" encoding="utf-8"?>
+<p:notes xmlns:a="http://schemas.openxmlformats.org/drawingml/2006/main" xmlns:r="http://schemas.openxmlformats.org/officeDocument/2006/relationships" xmlns:p="http://schemas.openxmlformats.org/presentationml/2006/main" showMasterSp="0" showMasterPhAnim="0">
+  <p:cSld>
+    <p:spTree>
+      <p:nvGrpSpPr>
+        <p:cNvPr id="1" name="Shape 133"/>
+        <p:cNvGrpSpPr/>
+        <p:nvPr/>
+      </p:nvGrpSpPr>
+      <p:grpSpPr>
+        <a:xfrm>
+          <a:off x="0" y="0"/>
+          <a:ext cx="0" cy="0"/>
+          <a:chOff x="0" y="0"/>
+          <a:chExt cx="0" cy="0"/>
+        </a:xfrm>
+      </p:grpSpPr>
+      <p:sp>
+        <p:nvSpPr>
+          <p:cNvPr id="134" name="Google Shape;134;p4:notes"/>
+          <p:cNvSpPr>
+            <a:spLocks noGrp="1" noRot="1" noChangeAspect="1"/>
+          </p:cNvSpPr>
+          <p:nvPr>
+            <p:ph type="sldImg" idx="2"/>
+          </p:nvPr>
+        </p:nvSpPr>
+        <p:spPr>
+          <a:xfrm>
+            <a:off x="381000" y="685800"/>
+            <a:ext cx="6096000" cy="3429000"/>
+          </a:xfrm>
+          <a:custGeom>
+            <a:avLst/>
+            <a:gdLst/>
+            <a:ahLst/>
+            <a:cxnLst/>
+            <a:rect l="l" t="t" r="r" b="b"/>
+            <a:pathLst>
+              <a:path w="120000" h="120000" extrusionOk="0">
+                <a:moveTo>
+                  <a:pt x="0" y="0"/>
+                </a:moveTo>
+                <a:lnTo>
+                  <a:pt x="120000" y="0"/>
+                </a:lnTo>
+                <a:lnTo>
+                  <a:pt x="120000" y="120000"/>
+                </a:lnTo>
+                <a:lnTo>
+                  <a:pt x="0" y="120000"/>
+                </a:lnTo>
+                <a:close/>
+              </a:path>
+            </a:pathLst>
+          </a:custGeom>
+          <a:noFill/>
+          <a:ln w="9525" cap="flat" cmpd="sng">
+            <a:solidFill>
+              <a:srgbClr val="000000"/>
+            </a:solidFill>
+            <a:prstDash val="solid"/>
+            <a:round/>
+            <a:headEnd type="none" w="sm" len="sm"/>
+            <a:tailEnd type="none" w="sm" len="sm"/>
+          </a:ln>
+        </p:spPr>
+      </p:sp>
+      <p:sp>
+        <p:nvSpPr>
+          <p:cNvPr id="135" name="Google Shape;135;p4:notes"/>
+          <p:cNvSpPr txBox="1">
+            <a:spLocks noGrp="1"/>
+          </p:cNvSpPr>
+          <p:nvPr>
+            <p:ph type="body" idx="1"/>
+          </p:nvPr>
+        </p:nvSpPr>
+        <p:spPr>
+          <a:xfrm>
+            <a:off x="685800" y="4343400"/>
+            <a:ext cx="5486400" cy="4114800"/>
+          </a:xfrm>
+          <a:prstGeom prst="rect">
+            <a:avLst/>
+          </a:prstGeom>
+          <a:noFill/>
+          <a:ln>
+            <a:noFill/>
+          </a:ln>
+        </p:spPr>
+        <p:txBody>
+          <a:bodyPr spcFirstLastPara="1" wrap="square" lIns="91425" tIns="91425" rIns="91425" bIns="91425" anchor="t" anchorCtr="0">
+            <a:noAutofit/>
+          </a:bodyPr>
+          <a:lstStyle/>
+          <a:p>
+            <a:pPr marL="0" lvl="0" indent="0" algn="l" rtl="0">
+              <a:lnSpc>
+                <a:spcPct val="100000"/>
+              </a:lnSpc>
+              <a:spcBef>
+                <a:spcPts val="0"/>
+              </a:spcBef>
+              <a:spcAft>
+                <a:spcPts val="0"/>
+              </a:spcAft>
+              <a:buSzPts val="1100"/>
+              <a:buNone/>
+            </a:pPr>
+            <a:endParaRPr/>
+          </a:p>
+        </p:txBody>
+      </p:sp>
+    </p:spTree>
+  </p:cSld>
+  <p:clrMapOvr>
+    <a:masterClrMapping/>
+  </p:clrMapOvr>
+</p:notes>
+</file>
+
+<file path=ppt/notesSlides/notesSlide16.xml><?xml version="1.0" encoding="utf-8"?>
+<p:notes xmlns:a="http://schemas.openxmlformats.org/drawingml/2006/main" xmlns:r="http://schemas.openxmlformats.org/officeDocument/2006/relationships" xmlns:p="http://schemas.openxmlformats.org/presentationml/2006/main" showMasterSp="0" showMasterPhAnim="0">
+  <p:cSld>
+    <p:spTree>
+      <p:nvGrpSpPr>
         <p:cNvPr id="1" name="Shape 139"/>
         <p:cNvGrpSpPr/>
         <p:nvPr/>
@@ -1120,7 +1883,7 @@
 </p:notes>
 </file>
 
-<file path=ppt/notesSlides/notesSlide11.xml><?xml version="1.0" encoding="utf-8"?>
+<file path=ppt/notesSlides/notesSlide17.xml><?xml version="1.0" encoding="utf-8"?>
 <p:notes xmlns:a="http://schemas.openxmlformats.org/drawingml/2006/main" xmlns:r="http://schemas.openxmlformats.org/officeDocument/2006/relationships" xmlns:p="http://schemas.openxmlformats.org/presentationml/2006/main" showMasterSp="0" showMasterPhAnim="0">
   <p:cSld>
     <p:spTree>
@@ -1242,7 +2005,7 @@
 </p:notes>
 </file>
 
-<file path=ppt/notesSlides/notesSlide12.xml><?xml version="1.0" encoding="utf-8"?>
+<file path=ppt/notesSlides/notesSlide18.xml><?xml version="1.0" encoding="utf-8"?>
 <p:notes xmlns:a="http://schemas.openxmlformats.org/drawingml/2006/main" xmlns:r="http://schemas.openxmlformats.org/officeDocument/2006/relationships" xmlns:p="http://schemas.openxmlformats.org/presentationml/2006/main" showMasterSp="0" showMasterPhAnim="0">
   <p:cSld>
     <p:spTree>
@@ -1364,7 +2127,7 @@
 </p:notes>
 </file>
 
-<file path=ppt/notesSlides/notesSlide13.xml><?xml version="1.0" encoding="utf-8"?>
+<file path=ppt/notesSlides/notesSlide19.xml><?xml version="1.0" encoding="utf-8"?>
 <p:notes xmlns:a="http://schemas.openxmlformats.org/drawingml/2006/main" xmlns:r="http://schemas.openxmlformats.org/officeDocument/2006/relationships" xmlns:p="http://schemas.openxmlformats.org/presentationml/2006/main" showMasterSp="0" showMasterPhAnim="0">
   <p:cSld>
     <p:spTree>
@@ -1534,7 +2297,7 @@
                 <a:cs typeface="Calibri"/>
                 <a:sym typeface="Calibri"/>
               </a:rPr>
-              <a:t>13</a:t>
+              <a:t>19</a:t>
             </a:fld>
             <a:endParaRPr sz="1200" b="0" i="0" u="none" strike="noStrike" cap="none">
               <a:solidFill>
@@ -2500,7 +3263,7 @@
   <p:cSld>
     <p:spTree>
       <p:nvGrpSpPr>
-        <p:cNvPr id="1" name="Shape 133"/>
+        <p:cNvPr id="1" name="Shape 126"/>
         <p:cNvGrpSpPr/>
         <p:nvPr/>
       </p:nvGrpSpPr>
@@ -2514,7 +3277,7 @@
       </p:grpSpPr>
       <p:sp>
         <p:nvSpPr>
-          <p:cNvPr id="134" name="Google Shape;134;p4:notes"/>
+          <p:cNvPr id="127" name="Google Shape;127;g10e9006cb6c_1_7:notes"/>
           <p:cNvSpPr>
             <a:spLocks noGrp="1" noRot="1" noChangeAspect="1"/>
           </p:cNvSpPr>
@@ -2565,7 +3328,7 @@
       </p:sp>
       <p:sp>
         <p:nvSpPr>
-          <p:cNvPr id="135" name="Google Shape;135;p4:notes"/>
+          <p:cNvPr id="128" name="Google Shape;128;g10e9006cb6c_1_7:notes"/>
           <p:cNvSpPr txBox="1">
             <a:spLocks noGrp="1"/>
           </p:cNvSpPr>
@@ -2610,6 +3373,11 @@
         </p:txBody>
       </p:sp>
     </p:spTree>
+    <p:extLst>
+      <p:ext uri="{BB962C8B-B14F-4D97-AF65-F5344CB8AC3E}">
+        <p14:creationId xmlns:p14="http://schemas.microsoft.com/office/powerpoint/2010/main" val="4088215205"/>
+      </p:ext>
+    </p:extLst>
   </p:cSld>
   <p:clrMapOvr>
     <a:masterClrMapping/>
@@ -19241,6 +20009,2345 @@
   <p:cSld>
     <p:spTree>
       <p:nvGrpSpPr>
+        <p:cNvPr id="1" name="Shape 129"/>
+        <p:cNvGrpSpPr/>
+        <p:nvPr/>
+      </p:nvGrpSpPr>
+      <p:grpSpPr>
+        <a:xfrm>
+          <a:off x="0" y="0"/>
+          <a:ext cx="0" cy="0"/>
+          <a:chOff x="0" y="0"/>
+          <a:chExt cx="0" cy="0"/>
+        </a:xfrm>
+      </p:grpSpPr>
+      <p:sp>
+        <p:nvSpPr>
+          <p:cNvPr id="130" name="Google Shape;130;g10e9006cb6c_1_7"/>
+          <p:cNvSpPr txBox="1">
+            <a:spLocks noGrp="1"/>
+          </p:cNvSpPr>
+          <p:nvPr>
+            <p:ph type="title"/>
+          </p:nvPr>
+        </p:nvSpPr>
+        <p:spPr>
+          <a:xfrm>
+            <a:off x="202550" y="289279"/>
+            <a:ext cx="8520600" cy="572700"/>
+          </a:xfrm>
+          <a:prstGeom prst="rect">
+            <a:avLst/>
+          </a:prstGeom>
+          <a:noFill/>
+          <a:ln>
+            <a:noFill/>
+          </a:ln>
+        </p:spPr>
+        <p:txBody>
+          <a:bodyPr spcFirstLastPara="1" wrap="square" lIns="91425" tIns="91425" rIns="91425" bIns="91425" anchor="t" anchorCtr="0">
+            <a:noAutofit/>
+          </a:bodyPr>
+          <a:lstStyle/>
+          <a:p>
+            <a:pPr marL="0" lvl="0" indent="0" algn="l" rtl="0">
+              <a:lnSpc>
+                <a:spcPct val="100000"/>
+              </a:lnSpc>
+              <a:spcBef>
+                <a:spcPts val="0"/>
+              </a:spcBef>
+              <a:spcAft>
+                <a:spcPts val="0"/>
+              </a:spcAft>
+              <a:buSzPts val="2200"/>
+              <a:buNone/>
+            </a:pPr>
+            <a:r>
+              <a:rPr lang="en" dirty="0">
+                <a:solidFill>
+                  <a:srgbClr val="1974D2"/>
+                </a:solidFill>
+              </a:rPr>
+              <a:t>EDA Results</a:t>
+            </a:r>
+            <a:endParaRPr dirty="0">
+              <a:solidFill>
+                <a:srgbClr val="1974D2"/>
+              </a:solidFill>
+            </a:endParaRPr>
+          </a:p>
+        </p:txBody>
+      </p:sp>
+      <p:sp>
+        <p:nvSpPr>
+          <p:cNvPr id="5" name="TextBox 4">
+            <a:extLst>
+              <a:ext uri="{FF2B5EF4-FFF2-40B4-BE49-F238E27FC236}">
+                <a16:creationId xmlns:a16="http://schemas.microsoft.com/office/drawing/2014/main" id="{0226BE46-3C74-1053-0BA6-DB71191754FB}"/>
+              </a:ext>
+            </a:extLst>
+          </p:cNvPr>
+          <p:cNvSpPr txBox="1"/>
+          <p:nvPr/>
+        </p:nvSpPr>
+        <p:spPr>
+          <a:xfrm>
+            <a:off x="202550" y="861979"/>
+            <a:ext cx="4572000" cy="307777"/>
+          </a:xfrm>
+          <a:prstGeom prst="rect">
+            <a:avLst/>
+          </a:prstGeom>
+          <a:noFill/>
+        </p:spPr>
+        <p:txBody>
+          <a:bodyPr wrap="square">
+            <a:spAutoFit/>
+          </a:bodyPr>
+          <a:lstStyle/>
+          <a:p>
+            <a:r>
+              <a:rPr lang="en-IN" b="1" dirty="0">
+                <a:solidFill>
+                  <a:srgbClr val="FF00FF"/>
+                </a:solidFill>
+              </a:rPr>
+              <a:t>Univariate Analysis</a:t>
+            </a:r>
+          </a:p>
+        </p:txBody>
+      </p:sp>
+      <p:sp>
+        <p:nvSpPr>
+          <p:cNvPr id="9" name="TextBox 8">
+            <a:extLst>
+              <a:ext uri="{FF2B5EF4-FFF2-40B4-BE49-F238E27FC236}">
+                <a16:creationId xmlns:a16="http://schemas.microsoft.com/office/drawing/2014/main" id="{A868A253-7574-A67A-BED5-0C02FB802E3E}"/>
+              </a:ext>
+            </a:extLst>
+          </p:cNvPr>
+          <p:cNvSpPr txBox="1"/>
+          <p:nvPr/>
+        </p:nvSpPr>
+        <p:spPr>
+          <a:xfrm>
+            <a:off x="202550" y="1280790"/>
+            <a:ext cx="3731559" cy="307777"/>
+          </a:xfrm>
+          <a:prstGeom prst="rect">
+            <a:avLst/>
+          </a:prstGeom>
+          <a:noFill/>
+        </p:spPr>
+        <p:txBody>
+          <a:bodyPr wrap="square">
+            <a:spAutoFit/>
+          </a:bodyPr>
+          <a:lstStyle/>
+          <a:p>
+            <a:r>
+              <a:rPr lang="en-IN" b="1" dirty="0">
+                <a:solidFill>
+                  <a:srgbClr val="0070C0"/>
+                </a:solidFill>
+              </a:rPr>
+              <a:t>Length of Service</a:t>
+            </a:r>
+          </a:p>
+        </p:txBody>
+      </p:sp>
+      <p:sp>
+        <p:nvSpPr>
+          <p:cNvPr id="11" name="TextBox 10">
+            <a:extLst>
+              <a:ext uri="{FF2B5EF4-FFF2-40B4-BE49-F238E27FC236}">
+                <a16:creationId xmlns:a16="http://schemas.microsoft.com/office/drawing/2014/main" id="{34268306-0517-25FE-E6F1-86972B0C3700}"/>
+              </a:ext>
+            </a:extLst>
+          </p:cNvPr>
+          <p:cNvSpPr txBox="1"/>
+          <p:nvPr/>
+        </p:nvSpPr>
+        <p:spPr>
+          <a:xfrm>
+            <a:off x="289112" y="1588567"/>
+            <a:ext cx="4920781" cy="1569660"/>
+          </a:xfrm>
+          <a:prstGeom prst="rect">
+            <a:avLst/>
+          </a:prstGeom>
+          <a:noFill/>
+        </p:spPr>
+        <p:txBody>
+          <a:bodyPr wrap="square">
+            <a:spAutoFit/>
+          </a:bodyPr>
+          <a:lstStyle/>
+          <a:p>
+            <a:pPr marL="285750" indent="-285750">
+              <a:buFont typeface="Arial" panose="020B0604020202020204" pitchFamily="34" charset="0"/>
+              <a:buChar char="•"/>
+            </a:pPr>
+            <a:r>
+              <a:rPr lang="en-US" sz="1200" b="1" dirty="0">
+                <a:latin typeface="Nunito" pitchFamily="2" charset="0"/>
+              </a:rPr>
+              <a:t>Observation: </a:t>
+            </a:r>
+            <a:r>
+              <a:rPr lang="en-US" sz="1200" dirty="0">
+                <a:latin typeface="Nunito" pitchFamily="2" charset="0"/>
+              </a:rPr>
+              <a:t>Employee tenure is right-skewed, most having between 1 to 10 years of service, with outliers showing up to 35 years.</a:t>
+            </a:r>
+          </a:p>
+          <a:p>
+            <a:pPr marL="285750" indent="-285750">
+              <a:buFont typeface="Arial" panose="020B0604020202020204" pitchFamily="34" charset="0"/>
+              <a:buChar char="•"/>
+            </a:pPr>
+            <a:endParaRPr lang="en-IN" sz="1200" dirty="0">
+              <a:latin typeface="Nunito" pitchFamily="2" charset="0"/>
+            </a:endParaRPr>
+          </a:p>
+          <a:p>
+            <a:pPr marL="285750" indent="-285750">
+              <a:buFont typeface="Arial" panose="020B0604020202020204" pitchFamily="34" charset="0"/>
+              <a:buChar char="•"/>
+            </a:pPr>
+            <a:r>
+              <a:rPr lang="en-US" sz="1200" b="1" dirty="0">
+                <a:latin typeface="Nunito" pitchFamily="2" charset="0"/>
+              </a:rPr>
+              <a:t>Insight: </a:t>
+            </a:r>
+            <a:r>
+              <a:rPr lang="en-US" sz="1200" dirty="0">
+                <a:latin typeface="Nunito" pitchFamily="2" charset="0"/>
+              </a:rPr>
+              <a:t>While a large part of the workforce is relatively new, there exists a segment of highly experienced employees, potentially indicating loyalty or a lack of career progression opportunities.</a:t>
+            </a:r>
+            <a:endParaRPr lang="en-IN" sz="1200" dirty="0">
+              <a:latin typeface="Nunito" pitchFamily="2" charset="0"/>
+            </a:endParaRPr>
+          </a:p>
+        </p:txBody>
+      </p:sp>
+      <p:sp>
+        <p:nvSpPr>
+          <p:cNvPr id="12" name="TextBox 11">
+            <a:extLst>
+              <a:ext uri="{FF2B5EF4-FFF2-40B4-BE49-F238E27FC236}">
+                <a16:creationId xmlns:a16="http://schemas.microsoft.com/office/drawing/2014/main" id="{BC75912C-3AB4-3407-1816-32D8BC07E8E8}"/>
+              </a:ext>
+            </a:extLst>
+          </p:cNvPr>
+          <p:cNvSpPr txBox="1"/>
+          <p:nvPr/>
+        </p:nvSpPr>
+        <p:spPr>
+          <a:xfrm>
+            <a:off x="202550" y="3247157"/>
+            <a:ext cx="3731559" cy="307777"/>
+          </a:xfrm>
+          <a:prstGeom prst="rect">
+            <a:avLst/>
+          </a:prstGeom>
+          <a:noFill/>
+        </p:spPr>
+        <p:txBody>
+          <a:bodyPr wrap="square">
+            <a:spAutoFit/>
+          </a:bodyPr>
+          <a:lstStyle/>
+          <a:p>
+            <a:r>
+              <a:rPr lang="en-IN" b="1" dirty="0">
+                <a:solidFill>
+                  <a:srgbClr val="0070C0"/>
+                </a:solidFill>
+              </a:rPr>
+              <a:t>Promotion Rates</a:t>
+            </a:r>
+          </a:p>
+        </p:txBody>
+      </p:sp>
+      <p:sp>
+        <p:nvSpPr>
+          <p:cNvPr id="13" name="TextBox 12">
+            <a:extLst>
+              <a:ext uri="{FF2B5EF4-FFF2-40B4-BE49-F238E27FC236}">
+                <a16:creationId xmlns:a16="http://schemas.microsoft.com/office/drawing/2014/main" id="{DB0F268A-E400-8428-69EC-123211A6B184}"/>
+              </a:ext>
+            </a:extLst>
+          </p:cNvPr>
+          <p:cNvSpPr txBox="1"/>
+          <p:nvPr/>
+        </p:nvSpPr>
+        <p:spPr>
+          <a:xfrm>
+            <a:off x="289111" y="3554934"/>
+            <a:ext cx="5035923" cy="1384995"/>
+          </a:xfrm>
+          <a:prstGeom prst="rect">
+            <a:avLst/>
+          </a:prstGeom>
+          <a:noFill/>
+        </p:spPr>
+        <p:txBody>
+          <a:bodyPr wrap="square">
+            <a:spAutoFit/>
+          </a:bodyPr>
+          <a:lstStyle/>
+          <a:p>
+            <a:pPr marL="285750" indent="-285750">
+              <a:buFont typeface="Arial" panose="020B0604020202020204" pitchFamily="34" charset="0"/>
+              <a:buChar char="•"/>
+            </a:pPr>
+            <a:r>
+              <a:rPr lang="en-IN" sz="1200" b="1" dirty="0">
+                <a:latin typeface="Nunito" pitchFamily="2" charset="0"/>
+              </a:rPr>
+              <a:t>Observation </a:t>
+            </a:r>
+            <a:r>
+              <a:rPr lang="en-US" sz="1200" dirty="0">
+                <a:latin typeface="Nunito" pitchFamily="2" charset="0"/>
+              </a:rPr>
+              <a:t>: A stark contrast exists between the large number of employees not promoted versus the few who are, with an overall low promotion rate.</a:t>
+            </a:r>
+          </a:p>
+          <a:p>
+            <a:endParaRPr lang="en-IN" sz="1200" dirty="0">
+              <a:latin typeface="Nunito" pitchFamily="2" charset="0"/>
+            </a:endParaRPr>
+          </a:p>
+          <a:p>
+            <a:pPr marL="285750" indent="-285750">
+              <a:buFont typeface="Arial" panose="020B0604020202020204" pitchFamily="34" charset="0"/>
+              <a:buChar char="•"/>
+            </a:pPr>
+            <a:r>
+              <a:rPr lang="en-US" sz="1200" b="1" dirty="0">
+                <a:latin typeface="Nunito" pitchFamily="2" charset="0"/>
+              </a:rPr>
+              <a:t>Insight </a:t>
+            </a:r>
+            <a:r>
+              <a:rPr lang="en-US" sz="1200" dirty="0">
+                <a:latin typeface="Nunito" pitchFamily="2" charset="0"/>
+              </a:rPr>
+              <a:t>: The competitive or stringent nature of promotions suggests potential morale or retention issues, emphasizing the need for a more transparent or criteria-based promotion system..</a:t>
+            </a:r>
+            <a:endParaRPr lang="en-IN" sz="1200" dirty="0">
+              <a:latin typeface="Nunito" pitchFamily="2" charset="0"/>
+            </a:endParaRPr>
+          </a:p>
+        </p:txBody>
+      </p:sp>
+      <p:pic>
+        <p:nvPicPr>
+          <p:cNvPr id="3" name="Picture 2">
+            <a:extLst>
+              <a:ext uri="{FF2B5EF4-FFF2-40B4-BE49-F238E27FC236}">
+                <a16:creationId xmlns:a16="http://schemas.microsoft.com/office/drawing/2014/main" id="{DC048646-F7B7-31A7-5798-74C79694E489}"/>
+              </a:ext>
+            </a:extLst>
+          </p:cNvPr>
+          <p:cNvPicPr>
+            <a:picLocks noChangeAspect="1"/>
+          </p:cNvPicPr>
+          <p:nvPr/>
+        </p:nvPicPr>
+        <p:blipFill>
+          <a:blip r:embed="rId3"/>
+          <a:stretch>
+            <a:fillRect/>
+          </a:stretch>
+        </p:blipFill>
+        <p:spPr>
+          <a:xfrm>
+            <a:off x="5171566" y="595593"/>
+            <a:ext cx="3638146" cy="2159925"/>
+          </a:xfrm>
+          <a:prstGeom prst="rect">
+            <a:avLst/>
+          </a:prstGeom>
+        </p:spPr>
+      </p:pic>
+      <p:pic>
+        <p:nvPicPr>
+          <p:cNvPr id="6" name="Picture 5">
+            <a:extLst>
+              <a:ext uri="{FF2B5EF4-FFF2-40B4-BE49-F238E27FC236}">
+                <a16:creationId xmlns:a16="http://schemas.microsoft.com/office/drawing/2014/main" id="{0521ECF6-7671-D169-D5AA-9ED903DE902C}"/>
+              </a:ext>
+            </a:extLst>
+          </p:cNvPr>
+          <p:cNvPicPr>
+            <a:picLocks noChangeAspect="1"/>
+          </p:cNvPicPr>
+          <p:nvPr/>
+        </p:nvPicPr>
+        <p:blipFill>
+          <a:blip r:embed="rId4"/>
+          <a:stretch>
+            <a:fillRect/>
+          </a:stretch>
+        </p:blipFill>
+        <p:spPr>
+          <a:xfrm>
+            <a:off x="6216532" y="2755518"/>
+            <a:ext cx="2638356" cy="2273107"/>
+          </a:xfrm>
+          <a:prstGeom prst="rect">
+            <a:avLst/>
+          </a:prstGeom>
+        </p:spPr>
+      </p:pic>
+    </p:spTree>
+    <p:extLst>
+      <p:ext uri="{BB962C8B-B14F-4D97-AF65-F5344CB8AC3E}">
+        <p14:creationId xmlns:p14="http://schemas.microsoft.com/office/powerpoint/2010/main" val="124631022"/>
+      </p:ext>
+    </p:extLst>
+  </p:cSld>
+  <p:clrMapOvr>
+    <a:masterClrMapping/>
+  </p:clrMapOvr>
+</p:sld>
+</file>
+
+<file path=ppt/slides/slide11.xml><?xml version="1.0" encoding="utf-8"?>
+<p:sld xmlns:a="http://schemas.openxmlformats.org/drawingml/2006/main" xmlns:r="http://schemas.openxmlformats.org/officeDocument/2006/relationships" xmlns:p="http://schemas.openxmlformats.org/presentationml/2006/main">
+  <p:cSld>
+    <p:spTree>
+      <p:nvGrpSpPr>
+        <p:cNvPr id="1" name="Shape 129"/>
+        <p:cNvGrpSpPr/>
+        <p:nvPr/>
+      </p:nvGrpSpPr>
+      <p:grpSpPr>
+        <a:xfrm>
+          <a:off x="0" y="0"/>
+          <a:ext cx="0" cy="0"/>
+          <a:chOff x="0" y="0"/>
+          <a:chExt cx="0" cy="0"/>
+        </a:xfrm>
+      </p:grpSpPr>
+      <p:sp>
+        <p:nvSpPr>
+          <p:cNvPr id="130" name="Google Shape;130;g10e9006cb6c_1_7"/>
+          <p:cNvSpPr txBox="1">
+            <a:spLocks noGrp="1"/>
+          </p:cNvSpPr>
+          <p:nvPr>
+            <p:ph type="title"/>
+          </p:nvPr>
+        </p:nvSpPr>
+        <p:spPr>
+          <a:xfrm>
+            <a:off x="202550" y="289279"/>
+            <a:ext cx="8520600" cy="572700"/>
+          </a:xfrm>
+          <a:prstGeom prst="rect">
+            <a:avLst/>
+          </a:prstGeom>
+          <a:noFill/>
+          <a:ln>
+            <a:noFill/>
+          </a:ln>
+        </p:spPr>
+        <p:txBody>
+          <a:bodyPr spcFirstLastPara="1" wrap="square" lIns="91425" tIns="91425" rIns="91425" bIns="91425" anchor="t" anchorCtr="0">
+            <a:noAutofit/>
+          </a:bodyPr>
+          <a:lstStyle/>
+          <a:p>
+            <a:pPr marL="0" lvl="0" indent="0" algn="l" rtl="0">
+              <a:lnSpc>
+                <a:spcPct val="100000"/>
+              </a:lnSpc>
+              <a:spcBef>
+                <a:spcPts val="0"/>
+              </a:spcBef>
+              <a:spcAft>
+                <a:spcPts val="0"/>
+              </a:spcAft>
+              <a:buSzPts val="2200"/>
+              <a:buNone/>
+            </a:pPr>
+            <a:r>
+              <a:rPr lang="en" dirty="0">
+                <a:solidFill>
+                  <a:srgbClr val="1974D2"/>
+                </a:solidFill>
+              </a:rPr>
+              <a:t>EDA Results</a:t>
+            </a:r>
+            <a:endParaRPr dirty="0">
+              <a:solidFill>
+                <a:srgbClr val="1974D2"/>
+              </a:solidFill>
+            </a:endParaRPr>
+          </a:p>
+        </p:txBody>
+      </p:sp>
+      <p:sp>
+        <p:nvSpPr>
+          <p:cNvPr id="5" name="TextBox 4">
+            <a:extLst>
+              <a:ext uri="{FF2B5EF4-FFF2-40B4-BE49-F238E27FC236}">
+                <a16:creationId xmlns:a16="http://schemas.microsoft.com/office/drawing/2014/main" id="{0226BE46-3C74-1053-0BA6-DB71191754FB}"/>
+              </a:ext>
+            </a:extLst>
+          </p:cNvPr>
+          <p:cNvSpPr txBox="1"/>
+          <p:nvPr/>
+        </p:nvSpPr>
+        <p:spPr>
+          <a:xfrm>
+            <a:off x="202550" y="861979"/>
+            <a:ext cx="4572000" cy="307777"/>
+          </a:xfrm>
+          <a:prstGeom prst="rect">
+            <a:avLst/>
+          </a:prstGeom>
+          <a:noFill/>
+        </p:spPr>
+        <p:txBody>
+          <a:bodyPr wrap="square">
+            <a:spAutoFit/>
+          </a:bodyPr>
+          <a:lstStyle/>
+          <a:p>
+            <a:r>
+              <a:rPr lang="en-IN" b="1" dirty="0">
+                <a:solidFill>
+                  <a:srgbClr val="FF00FF"/>
+                </a:solidFill>
+              </a:rPr>
+              <a:t>Univariate Analysis</a:t>
+            </a:r>
+          </a:p>
+        </p:txBody>
+      </p:sp>
+      <p:sp>
+        <p:nvSpPr>
+          <p:cNvPr id="9" name="TextBox 8">
+            <a:extLst>
+              <a:ext uri="{FF2B5EF4-FFF2-40B4-BE49-F238E27FC236}">
+                <a16:creationId xmlns:a16="http://schemas.microsoft.com/office/drawing/2014/main" id="{A868A253-7574-A67A-BED5-0C02FB802E3E}"/>
+              </a:ext>
+            </a:extLst>
+          </p:cNvPr>
+          <p:cNvSpPr txBox="1"/>
+          <p:nvPr/>
+        </p:nvSpPr>
+        <p:spPr>
+          <a:xfrm>
+            <a:off x="202550" y="1280790"/>
+            <a:ext cx="3731559" cy="307777"/>
+          </a:xfrm>
+          <a:prstGeom prst="rect">
+            <a:avLst/>
+          </a:prstGeom>
+          <a:noFill/>
+        </p:spPr>
+        <p:txBody>
+          <a:bodyPr wrap="square">
+            <a:spAutoFit/>
+          </a:bodyPr>
+          <a:lstStyle/>
+          <a:p>
+            <a:r>
+              <a:rPr lang="en-IN" b="1" dirty="0">
+                <a:solidFill>
+                  <a:srgbClr val="0070C0"/>
+                </a:solidFill>
+              </a:rPr>
+              <a:t>Average Training Score</a:t>
+            </a:r>
+          </a:p>
+        </p:txBody>
+      </p:sp>
+      <p:sp>
+        <p:nvSpPr>
+          <p:cNvPr id="11" name="TextBox 10">
+            <a:extLst>
+              <a:ext uri="{FF2B5EF4-FFF2-40B4-BE49-F238E27FC236}">
+                <a16:creationId xmlns:a16="http://schemas.microsoft.com/office/drawing/2014/main" id="{34268306-0517-25FE-E6F1-86972B0C3700}"/>
+              </a:ext>
+            </a:extLst>
+          </p:cNvPr>
+          <p:cNvSpPr txBox="1"/>
+          <p:nvPr/>
+        </p:nvSpPr>
+        <p:spPr>
+          <a:xfrm>
+            <a:off x="289112" y="1588567"/>
+            <a:ext cx="4920781" cy="1384995"/>
+          </a:xfrm>
+          <a:prstGeom prst="rect">
+            <a:avLst/>
+          </a:prstGeom>
+          <a:noFill/>
+        </p:spPr>
+        <p:txBody>
+          <a:bodyPr wrap="square">
+            <a:spAutoFit/>
+          </a:bodyPr>
+          <a:lstStyle/>
+          <a:p>
+            <a:pPr marL="285750" indent="-285750">
+              <a:buFont typeface="Arial" panose="020B0604020202020204" pitchFamily="34" charset="0"/>
+              <a:buChar char="•"/>
+            </a:pPr>
+            <a:r>
+              <a:rPr lang="en-US" sz="1200" b="1" dirty="0">
+                <a:latin typeface="Nunito" pitchFamily="2" charset="0"/>
+              </a:rPr>
+              <a:t>Observation: </a:t>
+            </a:r>
+            <a:r>
+              <a:rPr lang="en-US" sz="1200" dirty="0">
+                <a:latin typeface="Nunito" pitchFamily="2" charset="0"/>
+              </a:rPr>
+              <a:t>Scores show multiple peaks and significant variability, suggesting performance differences across departments or roles</a:t>
+            </a:r>
+          </a:p>
+          <a:p>
+            <a:pPr marL="285750" indent="-285750">
+              <a:buFont typeface="Arial" panose="020B0604020202020204" pitchFamily="34" charset="0"/>
+              <a:buChar char="•"/>
+            </a:pPr>
+            <a:endParaRPr lang="en-IN" sz="1200" dirty="0">
+              <a:latin typeface="Nunito" pitchFamily="2" charset="0"/>
+            </a:endParaRPr>
+          </a:p>
+          <a:p>
+            <a:pPr marL="285750" indent="-285750">
+              <a:buFont typeface="Arial" panose="020B0604020202020204" pitchFamily="34" charset="0"/>
+              <a:buChar char="•"/>
+            </a:pPr>
+            <a:r>
+              <a:rPr lang="en-US" sz="1200" b="1" dirty="0">
+                <a:latin typeface="Nunito" pitchFamily="2" charset="0"/>
+              </a:rPr>
+              <a:t>Insight: </a:t>
+            </a:r>
+            <a:r>
+              <a:rPr lang="en-US" sz="1200" dirty="0">
+                <a:latin typeface="Nunito" pitchFamily="2" charset="0"/>
+              </a:rPr>
+              <a:t>This diversity in scores could indicate uneven training quality or effectiveness, highlighting a need for targeted improvements in training programs..</a:t>
+            </a:r>
+            <a:endParaRPr lang="en-IN" sz="1200" dirty="0">
+              <a:latin typeface="Nunito" pitchFamily="2" charset="0"/>
+            </a:endParaRPr>
+          </a:p>
+        </p:txBody>
+      </p:sp>
+      <p:sp>
+        <p:nvSpPr>
+          <p:cNvPr id="12" name="TextBox 11">
+            <a:extLst>
+              <a:ext uri="{FF2B5EF4-FFF2-40B4-BE49-F238E27FC236}">
+                <a16:creationId xmlns:a16="http://schemas.microsoft.com/office/drawing/2014/main" id="{BC75912C-3AB4-3407-1816-32D8BC07E8E8}"/>
+              </a:ext>
+            </a:extLst>
+          </p:cNvPr>
+          <p:cNvSpPr txBox="1"/>
+          <p:nvPr/>
+        </p:nvSpPr>
+        <p:spPr>
+          <a:xfrm>
+            <a:off x="202550" y="3247157"/>
+            <a:ext cx="3731559" cy="307777"/>
+          </a:xfrm>
+          <a:prstGeom prst="rect">
+            <a:avLst/>
+          </a:prstGeom>
+          <a:noFill/>
+        </p:spPr>
+        <p:txBody>
+          <a:bodyPr wrap="square">
+            <a:spAutoFit/>
+          </a:bodyPr>
+          <a:lstStyle/>
+          <a:p>
+            <a:r>
+              <a:rPr lang="en-IN" b="1" dirty="0">
+                <a:solidFill>
+                  <a:srgbClr val="0070C0"/>
+                </a:solidFill>
+              </a:rPr>
+              <a:t>Gender Distribution</a:t>
+            </a:r>
+          </a:p>
+        </p:txBody>
+      </p:sp>
+      <p:sp>
+        <p:nvSpPr>
+          <p:cNvPr id="13" name="TextBox 12">
+            <a:extLst>
+              <a:ext uri="{FF2B5EF4-FFF2-40B4-BE49-F238E27FC236}">
+                <a16:creationId xmlns:a16="http://schemas.microsoft.com/office/drawing/2014/main" id="{DB0F268A-E400-8428-69EC-123211A6B184}"/>
+              </a:ext>
+            </a:extLst>
+          </p:cNvPr>
+          <p:cNvSpPr txBox="1"/>
+          <p:nvPr/>
+        </p:nvSpPr>
+        <p:spPr>
+          <a:xfrm>
+            <a:off x="289111" y="3554934"/>
+            <a:ext cx="5620871" cy="1200329"/>
+          </a:xfrm>
+          <a:prstGeom prst="rect">
+            <a:avLst/>
+          </a:prstGeom>
+          <a:noFill/>
+        </p:spPr>
+        <p:txBody>
+          <a:bodyPr wrap="square">
+            <a:spAutoFit/>
+          </a:bodyPr>
+          <a:lstStyle/>
+          <a:p>
+            <a:pPr marL="285750" indent="-285750">
+              <a:buFont typeface="Arial" panose="020B0604020202020204" pitchFamily="34" charset="0"/>
+              <a:buChar char="•"/>
+            </a:pPr>
+            <a:r>
+              <a:rPr lang="en-US" sz="1200" b="1" dirty="0">
+                <a:latin typeface="Nunito" pitchFamily="2" charset="0"/>
+              </a:rPr>
+              <a:t>Observation</a:t>
+            </a:r>
+            <a:r>
+              <a:rPr lang="en-US" sz="1200" dirty="0">
+                <a:latin typeface="Nunito" pitchFamily="2" charset="0"/>
+              </a:rPr>
+              <a:t>: The dataset shows a significant gender imbalance, with a much higher number of female employees compared to male employees.</a:t>
+            </a:r>
+          </a:p>
+          <a:p>
+            <a:pPr marL="285750" indent="-285750">
+              <a:buFont typeface="Arial" panose="020B0604020202020204" pitchFamily="34" charset="0"/>
+              <a:buChar char="•"/>
+            </a:pPr>
+            <a:endParaRPr lang="en-IN" sz="1200" dirty="0">
+              <a:latin typeface="Nunito" pitchFamily="2" charset="0"/>
+            </a:endParaRPr>
+          </a:p>
+          <a:p>
+            <a:pPr marL="285750" indent="-285750">
+              <a:buFont typeface="Arial" panose="020B0604020202020204" pitchFamily="34" charset="0"/>
+              <a:buChar char="•"/>
+            </a:pPr>
+            <a:r>
+              <a:rPr lang="en-US" sz="1200" b="1" dirty="0">
+                <a:latin typeface="Nunito" pitchFamily="2" charset="0"/>
+              </a:rPr>
+              <a:t>Insight</a:t>
+            </a:r>
+            <a:r>
+              <a:rPr lang="en-US" sz="1200" dirty="0">
+                <a:latin typeface="Nunito" pitchFamily="2" charset="0"/>
+              </a:rPr>
+              <a:t>: This pronounced difference in gender distribution might necessitate tailored diversity policies and initiatives to ensure equitable opportunities and promote a balanced workplace culture.</a:t>
+            </a:r>
+            <a:endParaRPr lang="en-IN" sz="1200" dirty="0">
+              <a:latin typeface="Nunito" pitchFamily="2" charset="0"/>
+            </a:endParaRPr>
+          </a:p>
+        </p:txBody>
+      </p:sp>
+      <p:pic>
+        <p:nvPicPr>
+          <p:cNvPr id="4" name="Picture 3">
+            <a:extLst>
+              <a:ext uri="{FF2B5EF4-FFF2-40B4-BE49-F238E27FC236}">
+                <a16:creationId xmlns:a16="http://schemas.microsoft.com/office/drawing/2014/main" id="{4E6853C6-4862-47C4-CFEE-BDD123D5D17F}"/>
+              </a:ext>
+            </a:extLst>
+          </p:cNvPr>
+          <p:cNvPicPr>
+            <a:picLocks noChangeAspect="1"/>
+          </p:cNvPicPr>
+          <p:nvPr/>
+        </p:nvPicPr>
+        <p:blipFill>
+          <a:blip r:embed="rId3"/>
+          <a:stretch>
+            <a:fillRect/>
+          </a:stretch>
+        </p:blipFill>
+        <p:spPr>
+          <a:xfrm>
+            <a:off x="4988893" y="612526"/>
+            <a:ext cx="4009054" cy="2380129"/>
+          </a:xfrm>
+          <a:prstGeom prst="rect">
+            <a:avLst/>
+          </a:prstGeom>
+        </p:spPr>
+      </p:pic>
+      <p:pic>
+        <p:nvPicPr>
+          <p:cNvPr id="8" name="Picture 7">
+            <a:extLst>
+              <a:ext uri="{FF2B5EF4-FFF2-40B4-BE49-F238E27FC236}">
+                <a16:creationId xmlns:a16="http://schemas.microsoft.com/office/drawing/2014/main" id="{33D20248-DF81-39EE-C1F1-6CF30AEA6612}"/>
+              </a:ext>
+            </a:extLst>
+          </p:cNvPr>
+          <p:cNvPicPr>
+            <a:picLocks noChangeAspect="1"/>
+          </p:cNvPicPr>
+          <p:nvPr/>
+        </p:nvPicPr>
+        <p:blipFill>
+          <a:blip r:embed="rId4"/>
+          <a:stretch>
+            <a:fillRect/>
+          </a:stretch>
+        </p:blipFill>
+        <p:spPr>
+          <a:xfrm>
+            <a:off x="6158753" y="2992655"/>
+            <a:ext cx="2696136" cy="2150845"/>
+          </a:xfrm>
+          <a:prstGeom prst="rect">
+            <a:avLst/>
+          </a:prstGeom>
+        </p:spPr>
+      </p:pic>
+    </p:spTree>
+    <p:extLst>
+      <p:ext uri="{BB962C8B-B14F-4D97-AF65-F5344CB8AC3E}">
+        <p14:creationId xmlns:p14="http://schemas.microsoft.com/office/powerpoint/2010/main" val="365993286"/>
+      </p:ext>
+    </p:extLst>
+  </p:cSld>
+  <p:clrMapOvr>
+    <a:masterClrMapping/>
+  </p:clrMapOvr>
+</p:sld>
+</file>
+
+<file path=ppt/slides/slide12.xml><?xml version="1.0" encoding="utf-8"?>
+<p:sld xmlns:a="http://schemas.openxmlformats.org/drawingml/2006/main" xmlns:r="http://schemas.openxmlformats.org/officeDocument/2006/relationships" xmlns:p="http://schemas.openxmlformats.org/presentationml/2006/main">
+  <p:cSld>
+    <p:spTree>
+      <p:nvGrpSpPr>
+        <p:cNvPr id="1" name="Shape 129"/>
+        <p:cNvGrpSpPr/>
+        <p:nvPr/>
+      </p:nvGrpSpPr>
+      <p:grpSpPr>
+        <a:xfrm>
+          <a:off x="0" y="0"/>
+          <a:ext cx="0" cy="0"/>
+          <a:chOff x="0" y="0"/>
+          <a:chExt cx="0" cy="0"/>
+        </a:xfrm>
+      </p:grpSpPr>
+      <p:sp>
+        <p:nvSpPr>
+          <p:cNvPr id="130" name="Google Shape;130;g10e9006cb6c_1_7"/>
+          <p:cNvSpPr txBox="1">
+            <a:spLocks noGrp="1"/>
+          </p:cNvSpPr>
+          <p:nvPr>
+            <p:ph type="title"/>
+          </p:nvPr>
+        </p:nvSpPr>
+        <p:spPr>
+          <a:xfrm>
+            <a:off x="202550" y="289279"/>
+            <a:ext cx="8520600" cy="572700"/>
+          </a:xfrm>
+          <a:prstGeom prst="rect">
+            <a:avLst/>
+          </a:prstGeom>
+          <a:noFill/>
+          <a:ln>
+            <a:noFill/>
+          </a:ln>
+        </p:spPr>
+        <p:txBody>
+          <a:bodyPr spcFirstLastPara="1" wrap="square" lIns="91425" tIns="91425" rIns="91425" bIns="91425" anchor="t" anchorCtr="0">
+            <a:noAutofit/>
+          </a:bodyPr>
+          <a:lstStyle/>
+          <a:p>
+            <a:pPr marL="0" lvl="0" indent="0" algn="l" rtl="0">
+              <a:lnSpc>
+                <a:spcPct val="100000"/>
+              </a:lnSpc>
+              <a:spcBef>
+                <a:spcPts val="0"/>
+              </a:spcBef>
+              <a:spcAft>
+                <a:spcPts val="0"/>
+              </a:spcAft>
+              <a:buSzPts val="2200"/>
+              <a:buNone/>
+            </a:pPr>
+            <a:r>
+              <a:rPr lang="en" dirty="0">
+                <a:solidFill>
+                  <a:srgbClr val="1974D2"/>
+                </a:solidFill>
+              </a:rPr>
+              <a:t>EDA Results</a:t>
+            </a:r>
+            <a:endParaRPr dirty="0">
+              <a:solidFill>
+                <a:srgbClr val="1974D2"/>
+              </a:solidFill>
+            </a:endParaRPr>
+          </a:p>
+        </p:txBody>
+      </p:sp>
+      <p:sp>
+        <p:nvSpPr>
+          <p:cNvPr id="5" name="TextBox 4">
+            <a:extLst>
+              <a:ext uri="{FF2B5EF4-FFF2-40B4-BE49-F238E27FC236}">
+                <a16:creationId xmlns:a16="http://schemas.microsoft.com/office/drawing/2014/main" id="{0226BE46-3C74-1053-0BA6-DB71191754FB}"/>
+              </a:ext>
+            </a:extLst>
+          </p:cNvPr>
+          <p:cNvSpPr txBox="1"/>
+          <p:nvPr/>
+        </p:nvSpPr>
+        <p:spPr>
+          <a:xfrm>
+            <a:off x="202550" y="861979"/>
+            <a:ext cx="4572000" cy="307777"/>
+          </a:xfrm>
+          <a:prstGeom prst="rect">
+            <a:avLst/>
+          </a:prstGeom>
+          <a:noFill/>
+        </p:spPr>
+        <p:txBody>
+          <a:bodyPr wrap="square">
+            <a:spAutoFit/>
+          </a:bodyPr>
+          <a:lstStyle/>
+          <a:p>
+            <a:r>
+              <a:rPr lang="en-IN" b="1" dirty="0">
+                <a:solidFill>
+                  <a:srgbClr val="FF00FF"/>
+                </a:solidFill>
+              </a:rPr>
+              <a:t>Bivariate Analysis</a:t>
+            </a:r>
+          </a:p>
+        </p:txBody>
+      </p:sp>
+      <p:sp>
+        <p:nvSpPr>
+          <p:cNvPr id="9" name="TextBox 8">
+            <a:extLst>
+              <a:ext uri="{FF2B5EF4-FFF2-40B4-BE49-F238E27FC236}">
+                <a16:creationId xmlns:a16="http://schemas.microsoft.com/office/drawing/2014/main" id="{A868A253-7574-A67A-BED5-0C02FB802E3E}"/>
+              </a:ext>
+            </a:extLst>
+          </p:cNvPr>
+          <p:cNvSpPr txBox="1"/>
+          <p:nvPr/>
+        </p:nvSpPr>
+        <p:spPr>
+          <a:xfrm>
+            <a:off x="202550" y="1280790"/>
+            <a:ext cx="3731559" cy="307777"/>
+          </a:xfrm>
+          <a:prstGeom prst="rect">
+            <a:avLst/>
+          </a:prstGeom>
+          <a:noFill/>
+        </p:spPr>
+        <p:txBody>
+          <a:bodyPr wrap="square">
+            <a:spAutoFit/>
+          </a:bodyPr>
+          <a:lstStyle/>
+          <a:p>
+            <a:r>
+              <a:rPr lang="en-US" b="1" dirty="0">
+                <a:solidFill>
+                  <a:srgbClr val="0070C0"/>
+                </a:solidFill>
+              </a:rPr>
+              <a:t>No. of Trainings vs. Promotion</a:t>
+            </a:r>
+            <a:endParaRPr lang="en-IN" b="1" dirty="0">
+              <a:solidFill>
+                <a:srgbClr val="0070C0"/>
+              </a:solidFill>
+            </a:endParaRPr>
+          </a:p>
+        </p:txBody>
+      </p:sp>
+      <p:sp>
+        <p:nvSpPr>
+          <p:cNvPr id="11" name="TextBox 10">
+            <a:extLst>
+              <a:ext uri="{FF2B5EF4-FFF2-40B4-BE49-F238E27FC236}">
+                <a16:creationId xmlns:a16="http://schemas.microsoft.com/office/drawing/2014/main" id="{34268306-0517-25FE-E6F1-86972B0C3700}"/>
+              </a:ext>
+            </a:extLst>
+          </p:cNvPr>
+          <p:cNvSpPr txBox="1"/>
+          <p:nvPr/>
+        </p:nvSpPr>
+        <p:spPr>
+          <a:xfrm>
+            <a:off x="289112" y="1588567"/>
+            <a:ext cx="5251076" cy="1384995"/>
+          </a:xfrm>
+          <a:prstGeom prst="rect">
+            <a:avLst/>
+          </a:prstGeom>
+          <a:noFill/>
+        </p:spPr>
+        <p:txBody>
+          <a:bodyPr wrap="square">
+            <a:spAutoFit/>
+          </a:bodyPr>
+          <a:lstStyle/>
+          <a:p>
+            <a:pPr marL="285750" indent="-285750">
+              <a:buFont typeface="Arial" panose="020B0604020202020204" pitchFamily="34" charset="0"/>
+              <a:buChar char="•"/>
+            </a:pPr>
+            <a:r>
+              <a:rPr lang="en-US" sz="1200" b="1" dirty="0">
+                <a:latin typeface="Nunito" pitchFamily="2" charset="0"/>
+              </a:rPr>
+              <a:t>Observation</a:t>
+            </a:r>
+            <a:r>
+              <a:rPr lang="en-US" sz="1200" dirty="0">
+                <a:latin typeface="Nunito" pitchFamily="2" charset="0"/>
+              </a:rPr>
+              <a:t>: There is a notable trend where employees with fewer trainings are often promoted, suggesting that having too many trainings does not necessarily increase promotion chances.</a:t>
+            </a:r>
+          </a:p>
+          <a:p>
+            <a:endParaRPr lang="en-IN" sz="1200" dirty="0">
+              <a:latin typeface="Nunito" pitchFamily="2" charset="0"/>
+            </a:endParaRPr>
+          </a:p>
+          <a:p>
+            <a:pPr marL="285750" indent="-285750">
+              <a:buFont typeface="Arial" panose="020B0604020202020204" pitchFamily="34" charset="0"/>
+              <a:buChar char="•"/>
+            </a:pPr>
+            <a:r>
+              <a:rPr lang="en-US" sz="1200" b="1" dirty="0">
+                <a:latin typeface="Nunito" pitchFamily="2" charset="0"/>
+              </a:rPr>
+              <a:t>Insight</a:t>
+            </a:r>
+            <a:r>
+              <a:rPr lang="en-US" sz="1200" dirty="0">
+                <a:latin typeface="Nunito" pitchFamily="2" charset="0"/>
+              </a:rPr>
+              <a:t>: This pattern may indicate the quality of training is more crucial than quantity. Enhancing the quality and relevance of training programs could be more beneficial than increasing their number.</a:t>
+            </a:r>
+            <a:endParaRPr lang="en-IN" sz="1200" dirty="0">
+              <a:latin typeface="Nunito" pitchFamily="2" charset="0"/>
+            </a:endParaRPr>
+          </a:p>
+        </p:txBody>
+      </p:sp>
+      <p:sp>
+        <p:nvSpPr>
+          <p:cNvPr id="12" name="TextBox 11">
+            <a:extLst>
+              <a:ext uri="{FF2B5EF4-FFF2-40B4-BE49-F238E27FC236}">
+                <a16:creationId xmlns:a16="http://schemas.microsoft.com/office/drawing/2014/main" id="{BC75912C-3AB4-3407-1816-32D8BC07E8E8}"/>
+              </a:ext>
+            </a:extLst>
+          </p:cNvPr>
+          <p:cNvSpPr txBox="1"/>
+          <p:nvPr/>
+        </p:nvSpPr>
+        <p:spPr>
+          <a:xfrm>
+            <a:off x="202550" y="3247157"/>
+            <a:ext cx="3731559" cy="307777"/>
+          </a:xfrm>
+          <a:prstGeom prst="rect">
+            <a:avLst/>
+          </a:prstGeom>
+          <a:noFill/>
+        </p:spPr>
+        <p:txBody>
+          <a:bodyPr wrap="square">
+            <a:spAutoFit/>
+          </a:bodyPr>
+          <a:lstStyle/>
+          <a:p>
+            <a:r>
+              <a:rPr lang="en-US" b="1" dirty="0">
+                <a:solidFill>
+                  <a:srgbClr val="0070C0"/>
+                </a:solidFill>
+              </a:rPr>
+              <a:t>Previous Year Rating vs. Promotion</a:t>
+            </a:r>
+            <a:endParaRPr lang="en-IN" b="1" dirty="0">
+              <a:solidFill>
+                <a:srgbClr val="0070C0"/>
+              </a:solidFill>
+            </a:endParaRPr>
+          </a:p>
+        </p:txBody>
+      </p:sp>
+      <p:sp>
+        <p:nvSpPr>
+          <p:cNvPr id="13" name="TextBox 12">
+            <a:extLst>
+              <a:ext uri="{FF2B5EF4-FFF2-40B4-BE49-F238E27FC236}">
+                <a16:creationId xmlns:a16="http://schemas.microsoft.com/office/drawing/2014/main" id="{DB0F268A-E400-8428-69EC-123211A6B184}"/>
+              </a:ext>
+            </a:extLst>
+          </p:cNvPr>
+          <p:cNvSpPr txBox="1"/>
+          <p:nvPr/>
+        </p:nvSpPr>
+        <p:spPr>
+          <a:xfrm>
+            <a:off x="289111" y="3554934"/>
+            <a:ext cx="5620871" cy="1200329"/>
+          </a:xfrm>
+          <a:prstGeom prst="rect">
+            <a:avLst/>
+          </a:prstGeom>
+          <a:noFill/>
+        </p:spPr>
+        <p:txBody>
+          <a:bodyPr wrap="square">
+            <a:spAutoFit/>
+          </a:bodyPr>
+          <a:lstStyle/>
+          <a:p>
+            <a:pPr marL="285750" indent="-285750">
+              <a:buFont typeface="Arial" panose="020B0604020202020204" pitchFamily="34" charset="0"/>
+              <a:buChar char="•"/>
+            </a:pPr>
+            <a:r>
+              <a:rPr lang="en-US" sz="1200" b="1" dirty="0">
+                <a:latin typeface="Nunito" pitchFamily="2" charset="0"/>
+              </a:rPr>
+              <a:t>Observation: </a:t>
+            </a:r>
+            <a:r>
+              <a:rPr lang="en-US" sz="1200" dirty="0">
+                <a:latin typeface="Nunito" pitchFamily="2" charset="0"/>
+              </a:rPr>
+              <a:t>Employees with higher performance ratings (4 and 5) show significantly higher promotion rates compared to those with lower ratings.</a:t>
+            </a:r>
+          </a:p>
+          <a:p>
+            <a:pPr marL="285750" indent="-285750">
+              <a:buFont typeface="Arial" panose="020B0604020202020204" pitchFamily="34" charset="0"/>
+              <a:buChar char="•"/>
+            </a:pPr>
+            <a:endParaRPr lang="en-IN" sz="1200" dirty="0">
+              <a:latin typeface="Nunito" pitchFamily="2" charset="0"/>
+            </a:endParaRPr>
+          </a:p>
+          <a:p>
+            <a:pPr marL="285750" indent="-285750">
+              <a:buFont typeface="Arial" panose="020B0604020202020204" pitchFamily="34" charset="0"/>
+              <a:buChar char="•"/>
+            </a:pPr>
+            <a:r>
+              <a:rPr lang="en-US" sz="1200" b="1" dirty="0">
+                <a:latin typeface="Nunito" pitchFamily="2" charset="0"/>
+              </a:rPr>
+              <a:t>Insight</a:t>
+            </a:r>
+            <a:r>
+              <a:rPr lang="en-US" sz="1200" dirty="0">
+                <a:latin typeface="Nunito" pitchFamily="2" charset="0"/>
+              </a:rPr>
+              <a:t>: This underscores the importance of performance evaluations in promotional decisions, suggesting that a transparent and fair rating system could directly impact employee motivation and career progression..</a:t>
+            </a:r>
+            <a:endParaRPr lang="en-IN" sz="1200" dirty="0">
+              <a:latin typeface="Nunito" pitchFamily="2" charset="0"/>
+            </a:endParaRPr>
+          </a:p>
+        </p:txBody>
+      </p:sp>
+    </p:spTree>
+    <p:extLst>
+      <p:ext uri="{BB962C8B-B14F-4D97-AF65-F5344CB8AC3E}">
+        <p14:creationId xmlns:p14="http://schemas.microsoft.com/office/powerpoint/2010/main" val="3024067633"/>
+      </p:ext>
+    </p:extLst>
+  </p:cSld>
+  <p:clrMapOvr>
+    <a:masterClrMapping/>
+  </p:clrMapOvr>
+</p:sld>
+</file>
+
+<file path=ppt/slides/slide13.xml><?xml version="1.0" encoding="utf-8"?>
+<p:sld xmlns:a="http://schemas.openxmlformats.org/drawingml/2006/main" xmlns:r="http://schemas.openxmlformats.org/officeDocument/2006/relationships" xmlns:p="http://schemas.openxmlformats.org/presentationml/2006/main">
+  <p:cSld>
+    <p:spTree>
+      <p:nvGrpSpPr>
+        <p:cNvPr id="1" name="Shape 129"/>
+        <p:cNvGrpSpPr/>
+        <p:nvPr/>
+      </p:nvGrpSpPr>
+      <p:grpSpPr>
+        <a:xfrm>
+          <a:off x="0" y="0"/>
+          <a:ext cx="0" cy="0"/>
+          <a:chOff x="0" y="0"/>
+          <a:chExt cx="0" cy="0"/>
+        </a:xfrm>
+      </p:grpSpPr>
+      <p:sp>
+        <p:nvSpPr>
+          <p:cNvPr id="130" name="Google Shape;130;g10e9006cb6c_1_7"/>
+          <p:cNvSpPr txBox="1">
+            <a:spLocks noGrp="1"/>
+          </p:cNvSpPr>
+          <p:nvPr>
+            <p:ph type="title"/>
+          </p:nvPr>
+        </p:nvSpPr>
+        <p:spPr>
+          <a:xfrm>
+            <a:off x="202550" y="289279"/>
+            <a:ext cx="8520600" cy="572700"/>
+          </a:xfrm>
+          <a:prstGeom prst="rect">
+            <a:avLst/>
+          </a:prstGeom>
+          <a:noFill/>
+          <a:ln>
+            <a:noFill/>
+          </a:ln>
+        </p:spPr>
+        <p:txBody>
+          <a:bodyPr spcFirstLastPara="1" wrap="square" lIns="91425" tIns="91425" rIns="91425" bIns="91425" anchor="t" anchorCtr="0">
+            <a:noAutofit/>
+          </a:bodyPr>
+          <a:lstStyle/>
+          <a:p>
+            <a:pPr marL="0" lvl="0" indent="0" algn="l" rtl="0">
+              <a:lnSpc>
+                <a:spcPct val="100000"/>
+              </a:lnSpc>
+              <a:spcBef>
+                <a:spcPts val="0"/>
+              </a:spcBef>
+              <a:spcAft>
+                <a:spcPts val="0"/>
+              </a:spcAft>
+              <a:buSzPts val="2200"/>
+              <a:buNone/>
+            </a:pPr>
+            <a:r>
+              <a:rPr lang="en" dirty="0">
+                <a:solidFill>
+                  <a:srgbClr val="1974D2"/>
+                </a:solidFill>
+              </a:rPr>
+              <a:t>EDA Results</a:t>
+            </a:r>
+            <a:endParaRPr dirty="0">
+              <a:solidFill>
+                <a:srgbClr val="1974D2"/>
+              </a:solidFill>
+            </a:endParaRPr>
+          </a:p>
+        </p:txBody>
+      </p:sp>
+      <p:sp>
+        <p:nvSpPr>
+          <p:cNvPr id="5" name="TextBox 4">
+            <a:extLst>
+              <a:ext uri="{FF2B5EF4-FFF2-40B4-BE49-F238E27FC236}">
+                <a16:creationId xmlns:a16="http://schemas.microsoft.com/office/drawing/2014/main" id="{0226BE46-3C74-1053-0BA6-DB71191754FB}"/>
+              </a:ext>
+            </a:extLst>
+          </p:cNvPr>
+          <p:cNvSpPr txBox="1"/>
+          <p:nvPr/>
+        </p:nvSpPr>
+        <p:spPr>
+          <a:xfrm>
+            <a:off x="202550" y="861979"/>
+            <a:ext cx="4572000" cy="307777"/>
+          </a:xfrm>
+          <a:prstGeom prst="rect">
+            <a:avLst/>
+          </a:prstGeom>
+          <a:noFill/>
+        </p:spPr>
+        <p:txBody>
+          <a:bodyPr wrap="square">
+            <a:spAutoFit/>
+          </a:bodyPr>
+          <a:lstStyle/>
+          <a:p>
+            <a:r>
+              <a:rPr lang="en-IN" b="1" dirty="0">
+                <a:solidFill>
+                  <a:srgbClr val="FF00FF"/>
+                </a:solidFill>
+              </a:rPr>
+              <a:t>Bivariate Analysis</a:t>
+            </a:r>
+          </a:p>
+        </p:txBody>
+      </p:sp>
+      <p:sp>
+        <p:nvSpPr>
+          <p:cNvPr id="9" name="TextBox 8">
+            <a:extLst>
+              <a:ext uri="{FF2B5EF4-FFF2-40B4-BE49-F238E27FC236}">
+                <a16:creationId xmlns:a16="http://schemas.microsoft.com/office/drawing/2014/main" id="{A868A253-7574-A67A-BED5-0C02FB802E3E}"/>
+              </a:ext>
+            </a:extLst>
+          </p:cNvPr>
+          <p:cNvSpPr txBox="1"/>
+          <p:nvPr/>
+        </p:nvSpPr>
+        <p:spPr>
+          <a:xfrm>
+            <a:off x="202550" y="1280790"/>
+            <a:ext cx="3731559" cy="307777"/>
+          </a:xfrm>
+          <a:prstGeom prst="rect">
+            <a:avLst/>
+          </a:prstGeom>
+          <a:noFill/>
+        </p:spPr>
+        <p:txBody>
+          <a:bodyPr wrap="square">
+            <a:spAutoFit/>
+          </a:bodyPr>
+          <a:lstStyle/>
+          <a:p>
+            <a:r>
+              <a:rPr lang="en-US" b="1" dirty="0">
+                <a:solidFill>
+                  <a:srgbClr val="0070C0"/>
+                </a:solidFill>
+              </a:rPr>
+              <a:t>Length of Service vs. Promotion</a:t>
+            </a:r>
+            <a:endParaRPr lang="en-IN" b="1" dirty="0">
+              <a:solidFill>
+                <a:srgbClr val="0070C0"/>
+              </a:solidFill>
+            </a:endParaRPr>
+          </a:p>
+        </p:txBody>
+      </p:sp>
+      <p:sp>
+        <p:nvSpPr>
+          <p:cNvPr id="11" name="TextBox 10">
+            <a:extLst>
+              <a:ext uri="{FF2B5EF4-FFF2-40B4-BE49-F238E27FC236}">
+                <a16:creationId xmlns:a16="http://schemas.microsoft.com/office/drawing/2014/main" id="{34268306-0517-25FE-E6F1-86972B0C3700}"/>
+              </a:ext>
+            </a:extLst>
+          </p:cNvPr>
+          <p:cNvSpPr txBox="1"/>
+          <p:nvPr/>
+        </p:nvSpPr>
+        <p:spPr>
+          <a:xfrm>
+            <a:off x="289112" y="1588567"/>
+            <a:ext cx="5251076" cy="1569660"/>
+          </a:xfrm>
+          <a:prstGeom prst="rect">
+            <a:avLst/>
+          </a:prstGeom>
+          <a:noFill/>
+        </p:spPr>
+        <p:txBody>
+          <a:bodyPr wrap="square">
+            <a:spAutoFit/>
+          </a:bodyPr>
+          <a:lstStyle/>
+          <a:p>
+            <a:pPr marL="285750" indent="-285750">
+              <a:buFont typeface="Arial" panose="020B0604020202020204" pitchFamily="34" charset="0"/>
+              <a:buChar char="•"/>
+            </a:pPr>
+            <a:r>
+              <a:rPr lang="en-US" sz="1200" b="1" dirty="0">
+                <a:latin typeface="Nunito" pitchFamily="2" charset="0"/>
+              </a:rPr>
+              <a:t>Observation</a:t>
+            </a:r>
+            <a:r>
+              <a:rPr lang="en-US" sz="1200" dirty="0">
+                <a:latin typeface="Nunito" pitchFamily="2" charset="0"/>
+              </a:rPr>
+              <a:t>: Contrary to expectations, longer tenure does not guarantee promotion; instead, employees with moderate lengths of service (2-10 years) are more likely to be promoted.</a:t>
+            </a:r>
+          </a:p>
+          <a:p>
+            <a:pPr marL="285750" indent="-285750">
+              <a:buFont typeface="Arial" panose="020B0604020202020204" pitchFamily="34" charset="0"/>
+              <a:buChar char="•"/>
+            </a:pPr>
+            <a:endParaRPr lang="en-IN" sz="1200" dirty="0">
+              <a:latin typeface="Nunito" pitchFamily="2" charset="0"/>
+            </a:endParaRPr>
+          </a:p>
+          <a:p>
+            <a:pPr marL="285750" indent="-285750">
+              <a:buFont typeface="Arial" panose="020B0604020202020204" pitchFamily="34" charset="0"/>
+              <a:buChar char="•"/>
+            </a:pPr>
+            <a:r>
+              <a:rPr lang="en-US" sz="1200" b="1" dirty="0">
+                <a:latin typeface="Nunito" pitchFamily="2" charset="0"/>
+              </a:rPr>
+              <a:t>Insight</a:t>
+            </a:r>
+            <a:r>
+              <a:rPr lang="en-US" sz="1200" dirty="0">
+                <a:latin typeface="Nunito" pitchFamily="2" charset="0"/>
+              </a:rPr>
+              <a:t>: This could suggest that the organization values fresh ideas and potential as much as experience, highlighting the need for career development programs that cater to employees throughout different stages of their tenure.</a:t>
+            </a:r>
+            <a:endParaRPr lang="en-IN" sz="1200" dirty="0">
+              <a:latin typeface="Nunito" pitchFamily="2" charset="0"/>
+            </a:endParaRPr>
+          </a:p>
+        </p:txBody>
+      </p:sp>
+      <p:sp>
+        <p:nvSpPr>
+          <p:cNvPr id="12" name="TextBox 11">
+            <a:extLst>
+              <a:ext uri="{FF2B5EF4-FFF2-40B4-BE49-F238E27FC236}">
+                <a16:creationId xmlns:a16="http://schemas.microsoft.com/office/drawing/2014/main" id="{BC75912C-3AB4-3407-1816-32D8BC07E8E8}"/>
+              </a:ext>
+            </a:extLst>
+          </p:cNvPr>
+          <p:cNvSpPr txBox="1"/>
+          <p:nvPr/>
+        </p:nvSpPr>
+        <p:spPr>
+          <a:xfrm>
+            <a:off x="202550" y="3247157"/>
+            <a:ext cx="3731559" cy="307777"/>
+          </a:xfrm>
+          <a:prstGeom prst="rect">
+            <a:avLst/>
+          </a:prstGeom>
+          <a:noFill/>
+        </p:spPr>
+        <p:txBody>
+          <a:bodyPr wrap="square">
+            <a:spAutoFit/>
+          </a:bodyPr>
+          <a:lstStyle/>
+          <a:p>
+            <a:r>
+              <a:rPr lang="en-US" b="1" dirty="0">
+                <a:solidFill>
+                  <a:srgbClr val="0070C0"/>
+                </a:solidFill>
+              </a:rPr>
+              <a:t>Awards Won vs. Promotion</a:t>
+            </a:r>
+            <a:endParaRPr lang="en-IN" b="1" dirty="0">
+              <a:solidFill>
+                <a:srgbClr val="0070C0"/>
+              </a:solidFill>
+            </a:endParaRPr>
+          </a:p>
+        </p:txBody>
+      </p:sp>
+      <p:sp>
+        <p:nvSpPr>
+          <p:cNvPr id="13" name="TextBox 12">
+            <a:extLst>
+              <a:ext uri="{FF2B5EF4-FFF2-40B4-BE49-F238E27FC236}">
+                <a16:creationId xmlns:a16="http://schemas.microsoft.com/office/drawing/2014/main" id="{DB0F268A-E400-8428-69EC-123211A6B184}"/>
+              </a:ext>
+            </a:extLst>
+          </p:cNvPr>
+          <p:cNvSpPr txBox="1"/>
+          <p:nvPr/>
+        </p:nvSpPr>
+        <p:spPr>
+          <a:xfrm>
+            <a:off x="289111" y="3554934"/>
+            <a:ext cx="5620871" cy="1200329"/>
+          </a:xfrm>
+          <a:prstGeom prst="rect">
+            <a:avLst/>
+          </a:prstGeom>
+          <a:noFill/>
+        </p:spPr>
+        <p:txBody>
+          <a:bodyPr wrap="square">
+            <a:spAutoFit/>
+          </a:bodyPr>
+          <a:lstStyle/>
+          <a:p>
+            <a:pPr marL="285750" indent="-285750">
+              <a:buFont typeface="Arial" panose="020B0604020202020204" pitchFamily="34" charset="0"/>
+              <a:buChar char="•"/>
+            </a:pPr>
+            <a:r>
+              <a:rPr lang="en-US" sz="1200" b="1" dirty="0">
+                <a:latin typeface="Nunito" pitchFamily="2" charset="0"/>
+              </a:rPr>
+              <a:t>Observation: </a:t>
+            </a:r>
+            <a:r>
+              <a:rPr lang="en-US" sz="1200" dirty="0">
+                <a:latin typeface="Nunito" pitchFamily="2" charset="0"/>
+              </a:rPr>
+              <a:t>There is a clear distinction showing that employees who have won awards are much more likely to be promoted..</a:t>
+            </a:r>
+          </a:p>
+          <a:p>
+            <a:pPr marL="285750" indent="-285750">
+              <a:buFont typeface="Arial" panose="020B0604020202020204" pitchFamily="34" charset="0"/>
+              <a:buChar char="•"/>
+            </a:pPr>
+            <a:endParaRPr lang="en-IN" sz="1200" dirty="0">
+              <a:latin typeface="Nunito" pitchFamily="2" charset="0"/>
+            </a:endParaRPr>
+          </a:p>
+          <a:p>
+            <a:pPr marL="285750" indent="-285750">
+              <a:buFont typeface="Arial" panose="020B0604020202020204" pitchFamily="34" charset="0"/>
+              <a:buChar char="•"/>
+            </a:pPr>
+            <a:r>
+              <a:rPr lang="en-US" sz="1200" b="1" dirty="0">
+                <a:latin typeface="Nunito" pitchFamily="2" charset="0"/>
+              </a:rPr>
+              <a:t>Insight</a:t>
+            </a:r>
+            <a:r>
+              <a:rPr lang="en-US" sz="1200" dirty="0">
+                <a:latin typeface="Nunito" pitchFamily="2" charset="0"/>
+              </a:rPr>
+              <a:t>: Recognizing and rewarding outstanding performance can significantly boost promotion rates and might be used effectively as a motivational tool within HR policies.</a:t>
+            </a:r>
+            <a:endParaRPr lang="en-IN" sz="1200" dirty="0">
+              <a:latin typeface="Nunito" pitchFamily="2" charset="0"/>
+            </a:endParaRPr>
+          </a:p>
+        </p:txBody>
+      </p:sp>
+    </p:spTree>
+    <p:extLst>
+      <p:ext uri="{BB962C8B-B14F-4D97-AF65-F5344CB8AC3E}">
+        <p14:creationId xmlns:p14="http://schemas.microsoft.com/office/powerpoint/2010/main" val="4271500433"/>
+      </p:ext>
+    </p:extLst>
+  </p:cSld>
+  <p:clrMapOvr>
+    <a:masterClrMapping/>
+  </p:clrMapOvr>
+</p:sld>
+</file>
+
+<file path=ppt/slides/slide14.xml><?xml version="1.0" encoding="utf-8"?>
+<p:sld xmlns:a="http://schemas.openxmlformats.org/drawingml/2006/main" xmlns:r="http://schemas.openxmlformats.org/officeDocument/2006/relationships" xmlns:p="http://schemas.openxmlformats.org/presentationml/2006/main">
+  <p:cSld>
+    <p:spTree>
+      <p:nvGrpSpPr>
+        <p:cNvPr id="1" name="Shape 129"/>
+        <p:cNvGrpSpPr/>
+        <p:nvPr/>
+      </p:nvGrpSpPr>
+      <p:grpSpPr>
+        <a:xfrm>
+          <a:off x="0" y="0"/>
+          <a:ext cx="0" cy="0"/>
+          <a:chOff x="0" y="0"/>
+          <a:chExt cx="0" cy="0"/>
+        </a:xfrm>
+      </p:grpSpPr>
+      <p:sp>
+        <p:nvSpPr>
+          <p:cNvPr id="130" name="Google Shape;130;g10e9006cb6c_1_7"/>
+          <p:cNvSpPr txBox="1">
+            <a:spLocks noGrp="1"/>
+          </p:cNvSpPr>
+          <p:nvPr>
+            <p:ph type="title"/>
+          </p:nvPr>
+        </p:nvSpPr>
+        <p:spPr>
+          <a:xfrm>
+            <a:off x="202550" y="289279"/>
+            <a:ext cx="8520600" cy="572700"/>
+          </a:xfrm>
+          <a:prstGeom prst="rect">
+            <a:avLst/>
+          </a:prstGeom>
+          <a:noFill/>
+          <a:ln>
+            <a:noFill/>
+          </a:ln>
+        </p:spPr>
+        <p:txBody>
+          <a:bodyPr spcFirstLastPara="1" wrap="square" lIns="91425" tIns="91425" rIns="91425" bIns="91425" anchor="t" anchorCtr="0">
+            <a:noAutofit/>
+          </a:bodyPr>
+          <a:lstStyle/>
+          <a:p>
+            <a:pPr marL="0" lvl="0" indent="0" algn="l" rtl="0">
+              <a:lnSpc>
+                <a:spcPct val="100000"/>
+              </a:lnSpc>
+              <a:spcBef>
+                <a:spcPts val="0"/>
+              </a:spcBef>
+              <a:spcAft>
+                <a:spcPts val="0"/>
+              </a:spcAft>
+              <a:buSzPts val="2200"/>
+              <a:buNone/>
+            </a:pPr>
+            <a:r>
+              <a:rPr lang="en" dirty="0">
+                <a:solidFill>
+                  <a:srgbClr val="1974D2"/>
+                </a:solidFill>
+              </a:rPr>
+              <a:t>EDA Results</a:t>
+            </a:r>
+            <a:endParaRPr dirty="0">
+              <a:solidFill>
+                <a:srgbClr val="1974D2"/>
+              </a:solidFill>
+            </a:endParaRPr>
+          </a:p>
+        </p:txBody>
+      </p:sp>
+      <p:sp>
+        <p:nvSpPr>
+          <p:cNvPr id="5" name="TextBox 4">
+            <a:extLst>
+              <a:ext uri="{FF2B5EF4-FFF2-40B4-BE49-F238E27FC236}">
+                <a16:creationId xmlns:a16="http://schemas.microsoft.com/office/drawing/2014/main" id="{0226BE46-3C74-1053-0BA6-DB71191754FB}"/>
+              </a:ext>
+            </a:extLst>
+          </p:cNvPr>
+          <p:cNvSpPr txBox="1"/>
+          <p:nvPr/>
+        </p:nvSpPr>
+        <p:spPr>
+          <a:xfrm>
+            <a:off x="202550" y="861979"/>
+            <a:ext cx="4572000" cy="307777"/>
+          </a:xfrm>
+          <a:prstGeom prst="rect">
+            <a:avLst/>
+          </a:prstGeom>
+          <a:noFill/>
+        </p:spPr>
+        <p:txBody>
+          <a:bodyPr wrap="square">
+            <a:spAutoFit/>
+          </a:bodyPr>
+          <a:lstStyle/>
+          <a:p>
+            <a:r>
+              <a:rPr lang="en-IN" b="1" dirty="0">
+                <a:solidFill>
+                  <a:srgbClr val="FF00FF"/>
+                </a:solidFill>
+              </a:rPr>
+              <a:t>Bivariate Analysis</a:t>
+            </a:r>
+          </a:p>
+        </p:txBody>
+      </p:sp>
+      <p:sp>
+        <p:nvSpPr>
+          <p:cNvPr id="9" name="TextBox 8">
+            <a:extLst>
+              <a:ext uri="{FF2B5EF4-FFF2-40B4-BE49-F238E27FC236}">
+                <a16:creationId xmlns:a16="http://schemas.microsoft.com/office/drawing/2014/main" id="{A868A253-7574-A67A-BED5-0C02FB802E3E}"/>
+              </a:ext>
+            </a:extLst>
+          </p:cNvPr>
+          <p:cNvSpPr txBox="1"/>
+          <p:nvPr/>
+        </p:nvSpPr>
+        <p:spPr>
+          <a:xfrm>
+            <a:off x="202550" y="1280790"/>
+            <a:ext cx="3731559" cy="307777"/>
+          </a:xfrm>
+          <a:prstGeom prst="rect">
+            <a:avLst/>
+          </a:prstGeom>
+          <a:noFill/>
+        </p:spPr>
+        <p:txBody>
+          <a:bodyPr wrap="square">
+            <a:spAutoFit/>
+          </a:bodyPr>
+          <a:lstStyle/>
+          <a:p>
+            <a:r>
+              <a:rPr lang="en-US" b="1" dirty="0">
+                <a:solidFill>
+                  <a:srgbClr val="0070C0"/>
+                </a:solidFill>
+              </a:rPr>
+              <a:t>Average Training Score vs. Promotion</a:t>
+            </a:r>
+            <a:endParaRPr lang="en-IN" b="1" dirty="0">
+              <a:solidFill>
+                <a:srgbClr val="0070C0"/>
+              </a:solidFill>
+            </a:endParaRPr>
+          </a:p>
+        </p:txBody>
+      </p:sp>
+      <p:sp>
+        <p:nvSpPr>
+          <p:cNvPr id="11" name="TextBox 10">
+            <a:extLst>
+              <a:ext uri="{FF2B5EF4-FFF2-40B4-BE49-F238E27FC236}">
+                <a16:creationId xmlns:a16="http://schemas.microsoft.com/office/drawing/2014/main" id="{34268306-0517-25FE-E6F1-86972B0C3700}"/>
+              </a:ext>
+            </a:extLst>
+          </p:cNvPr>
+          <p:cNvSpPr txBox="1"/>
+          <p:nvPr/>
+        </p:nvSpPr>
+        <p:spPr>
+          <a:xfrm>
+            <a:off x="289112" y="1588567"/>
+            <a:ext cx="5251076" cy="1384995"/>
+          </a:xfrm>
+          <a:prstGeom prst="rect">
+            <a:avLst/>
+          </a:prstGeom>
+          <a:noFill/>
+        </p:spPr>
+        <p:txBody>
+          <a:bodyPr wrap="square">
+            <a:spAutoFit/>
+          </a:bodyPr>
+          <a:lstStyle/>
+          <a:p>
+            <a:pPr marL="285750" indent="-285750">
+              <a:buFont typeface="Arial" panose="020B0604020202020204" pitchFamily="34" charset="0"/>
+              <a:buChar char="•"/>
+            </a:pPr>
+            <a:r>
+              <a:rPr lang="en-US" sz="1200" b="1" dirty="0">
+                <a:latin typeface="Nunito" pitchFamily="2" charset="0"/>
+              </a:rPr>
+              <a:t>Observation</a:t>
+            </a:r>
+            <a:r>
+              <a:rPr lang="en-US" sz="1200" dirty="0">
+                <a:latin typeface="Nunito" pitchFamily="2" charset="0"/>
+              </a:rPr>
+              <a:t>: Higher average training scores are associated with a greater likelihood of promotion, indicating that higher skill and knowledge levels are valued for advancement..</a:t>
+            </a:r>
+          </a:p>
+          <a:p>
+            <a:pPr marL="285750" indent="-285750">
+              <a:buFont typeface="Arial" panose="020B0604020202020204" pitchFamily="34" charset="0"/>
+              <a:buChar char="•"/>
+            </a:pPr>
+            <a:endParaRPr lang="en-IN" sz="1200" dirty="0">
+              <a:latin typeface="Nunito" pitchFamily="2" charset="0"/>
+            </a:endParaRPr>
+          </a:p>
+          <a:p>
+            <a:pPr marL="285750" indent="-285750">
+              <a:buFont typeface="Arial" panose="020B0604020202020204" pitchFamily="34" charset="0"/>
+              <a:buChar char="•"/>
+            </a:pPr>
+            <a:r>
+              <a:rPr lang="en-US" sz="1200" b="1" dirty="0">
+                <a:latin typeface="Nunito" pitchFamily="2" charset="0"/>
+              </a:rPr>
+              <a:t>Insight</a:t>
+            </a:r>
+            <a:r>
+              <a:rPr lang="en-US" sz="1200" dirty="0">
+                <a:latin typeface="Nunito" pitchFamily="2" charset="0"/>
+              </a:rPr>
+              <a:t>: Investing in employee training that directly enhances job performance can lead to more promotions, supporting a merit-based promotion system..</a:t>
+            </a:r>
+            <a:endParaRPr lang="en-IN" sz="1200" dirty="0">
+              <a:latin typeface="Nunito" pitchFamily="2" charset="0"/>
+            </a:endParaRPr>
+          </a:p>
+        </p:txBody>
+      </p:sp>
+      <p:sp>
+        <p:nvSpPr>
+          <p:cNvPr id="12" name="TextBox 11">
+            <a:extLst>
+              <a:ext uri="{FF2B5EF4-FFF2-40B4-BE49-F238E27FC236}">
+                <a16:creationId xmlns:a16="http://schemas.microsoft.com/office/drawing/2014/main" id="{BC75912C-3AB4-3407-1816-32D8BC07E8E8}"/>
+              </a:ext>
+            </a:extLst>
+          </p:cNvPr>
+          <p:cNvSpPr txBox="1"/>
+          <p:nvPr/>
+        </p:nvSpPr>
+        <p:spPr>
+          <a:xfrm>
+            <a:off x="202550" y="3247157"/>
+            <a:ext cx="3731559" cy="307777"/>
+          </a:xfrm>
+          <a:prstGeom prst="rect">
+            <a:avLst/>
+          </a:prstGeom>
+          <a:noFill/>
+        </p:spPr>
+        <p:txBody>
+          <a:bodyPr wrap="square">
+            <a:spAutoFit/>
+          </a:bodyPr>
+          <a:lstStyle/>
+          <a:p>
+            <a:r>
+              <a:rPr lang="en-US" b="1" dirty="0">
+                <a:solidFill>
+                  <a:srgbClr val="0070C0"/>
+                </a:solidFill>
+              </a:rPr>
+              <a:t>Gender vs. Promotion</a:t>
+            </a:r>
+            <a:endParaRPr lang="en-IN" b="1" dirty="0">
+              <a:solidFill>
+                <a:srgbClr val="0070C0"/>
+              </a:solidFill>
+            </a:endParaRPr>
+          </a:p>
+        </p:txBody>
+      </p:sp>
+      <p:sp>
+        <p:nvSpPr>
+          <p:cNvPr id="13" name="TextBox 12">
+            <a:extLst>
+              <a:ext uri="{FF2B5EF4-FFF2-40B4-BE49-F238E27FC236}">
+                <a16:creationId xmlns:a16="http://schemas.microsoft.com/office/drawing/2014/main" id="{DB0F268A-E400-8428-69EC-123211A6B184}"/>
+              </a:ext>
+            </a:extLst>
+          </p:cNvPr>
+          <p:cNvSpPr txBox="1"/>
+          <p:nvPr/>
+        </p:nvSpPr>
+        <p:spPr>
+          <a:xfrm>
+            <a:off x="289111" y="3554934"/>
+            <a:ext cx="5620871" cy="1384995"/>
+          </a:xfrm>
+          <a:prstGeom prst="rect">
+            <a:avLst/>
+          </a:prstGeom>
+          <a:noFill/>
+        </p:spPr>
+        <p:txBody>
+          <a:bodyPr wrap="square">
+            <a:spAutoFit/>
+          </a:bodyPr>
+          <a:lstStyle/>
+          <a:p>
+            <a:pPr marL="285750" indent="-285750">
+              <a:buFont typeface="Arial" panose="020B0604020202020204" pitchFamily="34" charset="0"/>
+              <a:buChar char="•"/>
+            </a:pPr>
+            <a:r>
+              <a:rPr lang="en-US" sz="1200" b="1" dirty="0">
+                <a:latin typeface="Nunito" pitchFamily="2" charset="0"/>
+              </a:rPr>
+              <a:t>Observation: </a:t>
+            </a:r>
+            <a:r>
+              <a:rPr lang="en-US" sz="1200" dirty="0">
+                <a:latin typeface="Nunito" pitchFamily="2" charset="0"/>
+              </a:rPr>
+              <a:t>Female employees have a slightly higher promotion rate compared to male employees, despite there being more male employees overall</a:t>
+            </a:r>
+          </a:p>
+          <a:p>
+            <a:pPr marL="285750" indent="-285750">
+              <a:buFont typeface="Arial" panose="020B0604020202020204" pitchFamily="34" charset="0"/>
+              <a:buChar char="•"/>
+            </a:pPr>
+            <a:endParaRPr lang="en-IN" sz="1200" dirty="0">
+              <a:latin typeface="Nunito" pitchFamily="2" charset="0"/>
+            </a:endParaRPr>
+          </a:p>
+          <a:p>
+            <a:pPr marL="285750" indent="-285750">
+              <a:buFont typeface="Arial" panose="020B0604020202020204" pitchFamily="34" charset="0"/>
+              <a:buChar char="•"/>
+            </a:pPr>
+            <a:r>
+              <a:rPr lang="en-US" sz="1200" b="1" dirty="0">
+                <a:latin typeface="Nunito" pitchFamily="2" charset="0"/>
+              </a:rPr>
+              <a:t>Insight</a:t>
+            </a:r>
+            <a:r>
+              <a:rPr lang="en-US" sz="1200" dirty="0">
+                <a:latin typeface="Nunito" pitchFamily="2" charset="0"/>
+              </a:rPr>
+              <a:t>: This suggests that gender diversity and inclusivity measures might be impacting promotion practices positively, but continuous monitoring is required to ensure equitable growth opportunities across all demographics.</a:t>
+            </a:r>
+            <a:endParaRPr lang="en-IN" sz="1200" dirty="0">
+              <a:latin typeface="Nunito" pitchFamily="2" charset="0"/>
+            </a:endParaRPr>
+          </a:p>
+        </p:txBody>
+      </p:sp>
+    </p:spTree>
+    <p:extLst>
+      <p:ext uri="{BB962C8B-B14F-4D97-AF65-F5344CB8AC3E}">
+        <p14:creationId xmlns:p14="http://schemas.microsoft.com/office/powerpoint/2010/main" val="1742917770"/>
+      </p:ext>
+    </p:extLst>
+  </p:cSld>
+  <p:clrMapOvr>
+    <a:masterClrMapping/>
+  </p:clrMapOvr>
+</p:sld>
+</file>
+
+<file path=ppt/slides/slide15.xml><?xml version="1.0" encoding="utf-8"?>
+<p:sld xmlns:a="http://schemas.openxmlformats.org/drawingml/2006/main" xmlns:r="http://schemas.openxmlformats.org/officeDocument/2006/relationships" xmlns:p="http://schemas.openxmlformats.org/presentationml/2006/main">
+  <p:cSld>
+    <p:spTree>
+      <p:nvGrpSpPr>
+        <p:cNvPr id="1" name="Shape 136"/>
+        <p:cNvGrpSpPr/>
+        <p:nvPr/>
+      </p:nvGrpSpPr>
+      <p:grpSpPr>
+        <a:xfrm>
+          <a:off x="0" y="0"/>
+          <a:ext cx="0" cy="0"/>
+          <a:chOff x="0" y="0"/>
+          <a:chExt cx="0" cy="0"/>
+        </a:xfrm>
+      </p:grpSpPr>
+      <p:sp>
+        <p:nvSpPr>
+          <p:cNvPr id="137" name="Google Shape;137;p4"/>
+          <p:cNvSpPr txBox="1">
+            <a:spLocks noGrp="1"/>
+          </p:cNvSpPr>
+          <p:nvPr>
+            <p:ph type="title"/>
+          </p:nvPr>
+        </p:nvSpPr>
+        <p:spPr>
+          <a:xfrm>
+            <a:off x="202550" y="289279"/>
+            <a:ext cx="8520600" cy="572700"/>
+          </a:xfrm>
+          <a:prstGeom prst="rect">
+            <a:avLst/>
+          </a:prstGeom>
+          <a:noFill/>
+          <a:ln>
+            <a:noFill/>
+          </a:ln>
+        </p:spPr>
+        <p:txBody>
+          <a:bodyPr spcFirstLastPara="1" wrap="square" lIns="91425" tIns="91425" rIns="91425" bIns="91425" anchor="t" anchorCtr="0">
+            <a:noAutofit/>
+          </a:bodyPr>
+          <a:lstStyle/>
+          <a:p>
+            <a:pPr marL="0" lvl="0" indent="0" algn="l" rtl="0">
+              <a:lnSpc>
+                <a:spcPct val="100000"/>
+              </a:lnSpc>
+              <a:spcBef>
+                <a:spcPts val="0"/>
+              </a:spcBef>
+              <a:spcAft>
+                <a:spcPts val="0"/>
+              </a:spcAft>
+              <a:buSzPts val="2200"/>
+              <a:buNone/>
+            </a:pPr>
+            <a:r>
+              <a:rPr lang="en">
+                <a:solidFill>
+                  <a:srgbClr val="1974D2"/>
+                </a:solidFill>
+              </a:rPr>
+              <a:t>Data Preprocessing </a:t>
+            </a:r>
+            <a:endParaRPr>
+              <a:solidFill>
+                <a:srgbClr val="1974D2"/>
+              </a:solidFill>
+            </a:endParaRPr>
+          </a:p>
+        </p:txBody>
+      </p:sp>
+      <p:sp>
+        <p:nvSpPr>
+          <p:cNvPr id="138" name="Google Shape;138;p4"/>
+          <p:cNvSpPr txBox="1">
+            <a:spLocks noGrp="1"/>
+          </p:cNvSpPr>
+          <p:nvPr>
+            <p:ph type="body" idx="1"/>
+          </p:nvPr>
+        </p:nvSpPr>
+        <p:spPr>
+          <a:xfrm>
+            <a:off x="202550" y="861975"/>
+            <a:ext cx="8629800" cy="3706800"/>
+          </a:xfrm>
+          <a:prstGeom prst="rect">
+            <a:avLst/>
+          </a:prstGeom>
+          <a:noFill/>
+          <a:ln>
+            <a:noFill/>
+          </a:ln>
+        </p:spPr>
+        <p:txBody>
+          <a:bodyPr spcFirstLastPara="1" wrap="square" lIns="91425" tIns="91425" rIns="91425" bIns="91425" anchor="t" anchorCtr="0">
+            <a:noAutofit/>
+          </a:bodyPr>
+          <a:lstStyle/>
+          <a:p>
+            <a:pPr marL="457200" lvl="0" indent="-317500" algn="l" rtl="0">
+              <a:lnSpc>
+                <a:spcPct val="115000"/>
+              </a:lnSpc>
+              <a:spcBef>
+                <a:spcPts val="0"/>
+              </a:spcBef>
+              <a:spcAft>
+                <a:spcPts val="0"/>
+              </a:spcAft>
+              <a:buClr>
+                <a:srgbClr val="2D3B45"/>
+              </a:buClr>
+              <a:buSzPts val="1400"/>
+              <a:buChar char="●"/>
+            </a:pPr>
+            <a:r>
+              <a:rPr lang="en" sz="1400" dirty="0">
+                <a:solidFill>
+                  <a:srgbClr val="2D3B45"/>
+                </a:solidFill>
+                <a:highlight>
+                  <a:srgbClr val="FFFFFF"/>
+                </a:highlight>
+              </a:rPr>
+              <a:t>Duplicate value check</a:t>
+            </a:r>
+            <a:endParaRPr sz="1400" dirty="0">
+              <a:solidFill>
+                <a:srgbClr val="2D3B45"/>
+              </a:solidFill>
+              <a:highlight>
+                <a:srgbClr val="FFFFFF"/>
+              </a:highlight>
+            </a:endParaRPr>
+          </a:p>
+          <a:p>
+            <a:pPr marL="457200" lvl="0" indent="-317500" algn="l" rtl="0">
+              <a:lnSpc>
+                <a:spcPct val="115000"/>
+              </a:lnSpc>
+              <a:spcBef>
+                <a:spcPts val="1000"/>
+              </a:spcBef>
+              <a:spcAft>
+                <a:spcPts val="0"/>
+              </a:spcAft>
+              <a:buClr>
+                <a:srgbClr val="2D3B45"/>
+              </a:buClr>
+              <a:buSzPts val="1400"/>
+              <a:buChar char="●"/>
+            </a:pPr>
+            <a:r>
+              <a:rPr lang="en" sz="1400" dirty="0">
+                <a:solidFill>
+                  <a:srgbClr val="2D3B45"/>
+                </a:solidFill>
+                <a:highlight>
+                  <a:srgbClr val="FFFFFF"/>
+                </a:highlight>
+              </a:rPr>
+              <a:t>Missing value treatment</a:t>
+            </a:r>
+            <a:endParaRPr sz="1400" dirty="0">
+              <a:solidFill>
+                <a:srgbClr val="2D3B45"/>
+              </a:solidFill>
+              <a:highlight>
+                <a:srgbClr val="FFFFFF"/>
+              </a:highlight>
+            </a:endParaRPr>
+          </a:p>
+          <a:p>
+            <a:pPr marL="457200" lvl="0" indent="-317500" algn="l" rtl="0">
+              <a:lnSpc>
+                <a:spcPct val="115000"/>
+              </a:lnSpc>
+              <a:spcBef>
+                <a:spcPts val="1000"/>
+              </a:spcBef>
+              <a:spcAft>
+                <a:spcPts val="0"/>
+              </a:spcAft>
+              <a:buClr>
+                <a:srgbClr val="2D3B45"/>
+              </a:buClr>
+              <a:buSzPts val="1400"/>
+              <a:buChar char="●"/>
+            </a:pPr>
+            <a:r>
+              <a:rPr lang="en" sz="1400" dirty="0">
+                <a:solidFill>
+                  <a:srgbClr val="2D3B45"/>
+                </a:solidFill>
+                <a:highlight>
+                  <a:srgbClr val="FFFFFF"/>
+                </a:highlight>
+              </a:rPr>
+              <a:t>Outlier check (</a:t>
+            </a:r>
+            <a:r>
+              <a:rPr lang="en" sz="1400" dirty="0">
+                <a:solidFill>
+                  <a:srgbClr val="2D3B45"/>
+                </a:solidFill>
+                <a:highlight>
+                  <a:schemeClr val="lt1"/>
+                </a:highlight>
+              </a:rPr>
+              <a:t>treatment </a:t>
+            </a:r>
+            <a:r>
+              <a:rPr lang="en" sz="1400" dirty="0">
+                <a:solidFill>
+                  <a:srgbClr val="2D3B45"/>
+                </a:solidFill>
+                <a:highlight>
+                  <a:srgbClr val="FFFFFF"/>
+                </a:highlight>
+              </a:rPr>
+              <a:t>if needed)</a:t>
+            </a:r>
+            <a:endParaRPr sz="1400" dirty="0">
+              <a:solidFill>
+                <a:srgbClr val="2D3B45"/>
+              </a:solidFill>
+              <a:highlight>
+                <a:srgbClr val="FFFFFF"/>
+              </a:highlight>
+            </a:endParaRPr>
+          </a:p>
+          <a:p>
+            <a:pPr marL="457200" lvl="0" indent="-317500" algn="l" rtl="0">
+              <a:lnSpc>
+                <a:spcPct val="115000"/>
+              </a:lnSpc>
+              <a:spcBef>
+                <a:spcPts val="1000"/>
+              </a:spcBef>
+              <a:spcAft>
+                <a:spcPts val="0"/>
+              </a:spcAft>
+              <a:buClr>
+                <a:srgbClr val="2D3B45"/>
+              </a:buClr>
+              <a:buSzPts val="1400"/>
+              <a:buChar char="●"/>
+            </a:pPr>
+            <a:r>
+              <a:rPr lang="en" sz="1400" dirty="0">
+                <a:solidFill>
+                  <a:srgbClr val="2D3B45"/>
+                </a:solidFill>
+                <a:highlight>
+                  <a:srgbClr val="FFFFFF"/>
+                </a:highlight>
+              </a:rPr>
+              <a:t>Feature engineering</a:t>
+            </a:r>
+            <a:endParaRPr sz="1400" dirty="0">
+              <a:solidFill>
+                <a:srgbClr val="2D3B45"/>
+              </a:solidFill>
+              <a:highlight>
+                <a:srgbClr val="FFFFFF"/>
+              </a:highlight>
+            </a:endParaRPr>
+          </a:p>
+          <a:p>
+            <a:pPr marL="457200" lvl="0" indent="-317500" algn="l" rtl="0">
+              <a:lnSpc>
+                <a:spcPct val="115000"/>
+              </a:lnSpc>
+              <a:spcBef>
+                <a:spcPts val="1000"/>
+              </a:spcBef>
+              <a:spcAft>
+                <a:spcPts val="0"/>
+              </a:spcAft>
+              <a:buClr>
+                <a:srgbClr val="2D3B45"/>
+              </a:buClr>
+              <a:buSzPts val="1400"/>
+              <a:buChar char="●"/>
+            </a:pPr>
+            <a:r>
+              <a:rPr lang="en" sz="1400" dirty="0">
+                <a:solidFill>
+                  <a:srgbClr val="2D3B45"/>
+                </a:solidFill>
+                <a:highlight>
+                  <a:srgbClr val="FFFFFF"/>
+                </a:highlight>
+              </a:rPr>
+              <a:t>Data preparation for modeling</a:t>
+            </a:r>
+            <a:endParaRPr sz="1400" dirty="0">
+              <a:solidFill>
+                <a:srgbClr val="2D3B45"/>
+              </a:solidFill>
+              <a:highlight>
+                <a:srgbClr val="FFFFFF"/>
+              </a:highlight>
+            </a:endParaRPr>
+          </a:p>
+          <a:p>
+            <a:pPr marL="0" lvl="0" indent="0" algn="l" rtl="0">
+              <a:lnSpc>
+                <a:spcPct val="115000"/>
+              </a:lnSpc>
+              <a:spcBef>
+                <a:spcPts val="1000"/>
+              </a:spcBef>
+              <a:spcAft>
+                <a:spcPts val="0"/>
+              </a:spcAft>
+              <a:buSzPts val="1500"/>
+              <a:buNone/>
+            </a:pPr>
+            <a:endParaRPr sz="1400" dirty="0">
+              <a:solidFill>
+                <a:srgbClr val="2D3B45"/>
+              </a:solidFill>
+              <a:highlight>
+                <a:srgbClr val="FFFFFF"/>
+              </a:highlight>
+            </a:endParaRPr>
+          </a:p>
+          <a:p>
+            <a:pPr marL="0" lvl="0" indent="0" algn="l" rtl="0">
+              <a:lnSpc>
+                <a:spcPct val="115000"/>
+              </a:lnSpc>
+              <a:spcBef>
+                <a:spcPts val="1000"/>
+              </a:spcBef>
+              <a:spcAft>
+                <a:spcPts val="0"/>
+              </a:spcAft>
+              <a:buSzPts val="1500"/>
+              <a:buNone/>
+            </a:pPr>
+            <a:r>
+              <a:rPr lang="en" sz="1200" b="1" i="1" dirty="0">
+                <a:solidFill>
+                  <a:srgbClr val="000000"/>
+                </a:solidFill>
+              </a:rPr>
+              <a:t>Note</a:t>
+            </a:r>
+            <a:r>
+              <a:rPr lang="en" sz="1200" i="1" dirty="0">
+                <a:solidFill>
+                  <a:srgbClr val="000000"/>
+                </a:solidFill>
+              </a:rPr>
+              <a:t>: You can use more than one slide if needed </a:t>
+            </a:r>
+            <a:endParaRPr sz="1400" dirty="0">
+              <a:solidFill>
+                <a:srgbClr val="000000"/>
+              </a:solidFill>
+            </a:endParaRPr>
+          </a:p>
+          <a:p>
+            <a:pPr marL="0" lvl="0" indent="0" algn="l" rtl="0">
+              <a:lnSpc>
+                <a:spcPct val="115000"/>
+              </a:lnSpc>
+              <a:spcBef>
+                <a:spcPts val="1000"/>
+              </a:spcBef>
+              <a:spcAft>
+                <a:spcPts val="1000"/>
+              </a:spcAft>
+              <a:buSzPts val="1500"/>
+              <a:buNone/>
+            </a:pPr>
+            <a:endParaRPr sz="1400" dirty="0">
+              <a:solidFill>
+                <a:srgbClr val="2D3B45"/>
+              </a:solidFill>
+              <a:highlight>
+                <a:srgbClr val="FFFFFF"/>
+              </a:highlight>
+            </a:endParaRPr>
+          </a:p>
+        </p:txBody>
+      </p:sp>
+    </p:spTree>
+  </p:cSld>
+  <p:clrMapOvr>
+    <a:masterClrMapping/>
+  </p:clrMapOvr>
+</p:sld>
+</file>
+
+<file path=ppt/slides/slide16.xml><?xml version="1.0" encoding="utf-8"?>
+<p:sld xmlns:a="http://schemas.openxmlformats.org/drawingml/2006/main" xmlns:r="http://schemas.openxmlformats.org/officeDocument/2006/relationships" xmlns:p="http://schemas.openxmlformats.org/presentationml/2006/main">
+  <p:cSld>
+    <p:spTree>
+      <p:nvGrpSpPr>
         <p:cNvPr id="1" name="Shape 142"/>
         <p:cNvGrpSpPr/>
         <p:nvPr/>
@@ -19534,7 +22641,7 @@
 </p:sld>
 </file>
 
-<file path=ppt/slides/slide11.xml><?xml version="1.0" encoding="utf-8"?>
+<file path=ppt/slides/slide17.xml><?xml version="1.0" encoding="utf-8"?>
 <p:sld xmlns:a="http://schemas.openxmlformats.org/drawingml/2006/main" xmlns:r="http://schemas.openxmlformats.org/officeDocument/2006/relationships" xmlns:p="http://schemas.openxmlformats.org/presentationml/2006/main">
   <p:cSld>
     <p:spTree>
@@ -19619,7 +22726,7 @@
 </p:sld>
 </file>
 
-<file path=ppt/slides/slide12.xml><?xml version="1.0" encoding="utf-8"?>
+<file path=ppt/slides/slide18.xml><?xml version="1.0" encoding="utf-8"?>
 <p:sld xmlns:a="http://schemas.openxmlformats.org/drawingml/2006/main" xmlns:r="http://schemas.openxmlformats.org/officeDocument/2006/relationships" xmlns:p="http://schemas.openxmlformats.org/presentationml/2006/main">
   <p:cSld>
     <p:spTree>
@@ -19763,7 +22870,7 @@
 </p:sld>
 </file>
 
-<file path=ppt/slides/slide13.xml><?xml version="1.0" encoding="utf-8"?>
+<file path=ppt/slides/slide19.xml><?xml version="1.0" encoding="utf-8"?>
 <p:sld xmlns:a="http://schemas.openxmlformats.org/drawingml/2006/main" xmlns:r="http://schemas.openxmlformats.org/officeDocument/2006/relationships" xmlns:p="http://schemas.openxmlformats.org/presentationml/2006/main">
   <p:cSld>
     <p:spTree>
@@ -19870,7 +22977,7 @@
             </a:pPr>
             <a:fld id="{00000000-1234-1234-1234-123412341234}" type="slidenum">
               <a:rPr lang="en"/>
-              <a:t>13</a:t>
+              <a:t>19</a:t>
             </a:fld>
             <a:endParaRPr/>
           </a:p>
@@ -22398,7 +25505,7 @@
   <p:cSld>
     <p:spTree>
       <p:nvGrpSpPr>
-        <p:cNvPr id="1" name="Shape 136"/>
+        <p:cNvPr id="1" name="Shape 129"/>
         <p:cNvGrpSpPr/>
         <p:nvPr/>
       </p:nvGrpSpPr>
@@ -22412,7 +25519,7 @@
       </p:grpSpPr>
       <p:sp>
         <p:nvSpPr>
-          <p:cNvPr id="137" name="Google Shape;137;p4"/>
+          <p:cNvPr id="130" name="Google Shape;130;g10e9006cb6c_1_7"/>
           <p:cNvSpPr txBox="1">
             <a:spLocks noGrp="1"/>
           </p:cNvSpPr>
@@ -22453,14 +25560,14 @@
               <a:buNone/>
             </a:pPr>
             <a:r>
-              <a:rPr lang="en">
+              <a:rPr lang="en" dirty="0">
                 <a:solidFill>
                   <a:srgbClr val="1974D2"/>
                 </a:solidFill>
               </a:rPr>
-              <a:t>Data Preprocessing </a:t>
+              <a:t>EDA Results</a:t>
             </a:r>
-            <a:endParaRPr>
+            <a:endParaRPr dirty="0">
               <a:solidFill>
                 <a:srgbClr val="1974D2"/>
               </a:solidFill>
@@ -22470,324 +25577,344 @@
       </p:sp>
       <p:sp>
         <p:nvSpPr>
-          <p:cNvPr id="138" name="Google Shape;138;p4"/>
-          <p:cNvSpPr txBox="1">
-            <a:spLocks noGrp="1"/>
-          </p:cNvSpPr>
-          <p:nvPr>
-            <p:ph type="body" idx="1"/>
-          </p:nvPr>
+          <p:cNvPr id="5" name="TextBox 4">
+            <a:extLst>
+              <a:ext uri="{FF2B5EF4-FFF2-40B4-BE49-F238E27FC236}">
+                <a16:creationId xmlns:a16="http://schemas.microsoft.com/office/drawing/2014/main" id="{0226BE46-3C74-1053-0BA6-DB71191754FB}"/>
+              </a:ext>
+            </a:extLst>
+          </p:cNvPr>
+          <p:cNvSpPr txBox="1"/>
+          <p:nvPr/>
         </p:nvSpPr>
         <p:spPr>
           <a:xfrm>
-            <a:off x="202550" y="861975"/>
-            <a:ext cx="8629800" cy="3706800"/>
+            <a:off x="202550" y="861979"/>
+            <a:ext cx="4572000" cy="307777"/>
           </a:xfrm>
           <a:prstGeom prst="rect">
             <a:avLst/>
           </a:prstGeom>
           <a:noFill/>
-          <a:ln>
-            <a:noFill/>
-          </a:ln>
         </p:spPr>
         <p:txBody>
-          <a:bodyPr spcFirstLastPara="1" wrap="square" lIns="91425" tIns="91425" rIns="91425" bIns="91425" anchor="t" anchorCtr="0">
-            <a:noAutofit/>
+          <a:bodyPr wrap="square">
+            <a:spAutoFit/>
           </a:bodyPr>
           <a:lstStyle/>
           <a:p>
-            <a:pPr marL="457200" lvl="0" indent="-317500" algn="l" rtl="0">
-              <a:lnSpc>
-                <a:spcPct val="115000"/>
-              </a:lnSpc>
-              <a:spcBef>
-                <a:spcPts val="0"/>
-              </a:spcBef>
-              <a:spcAft>
-                <a:spcPts val="0"/>
-              </a:spcAft>
-              <a:buClr>
-                <a:srgbClr val="2D3B45"/>
-              </a:buClr>
-              <a:buSzPts val="1400"/>
-              <a:buChar char="●"/>
+            <a:r>
+              <a:rPr lang="en-IN" b="1" dirty="0">
+                <a:solidFill>
+                  <a:srgbClr val="FF00FF"/>
+                </a:solidFill>
+              </a:rPr>
+              <a:t>Univariate Analysis</a:t>
+            </a:r>
+          </a:p>
+        </p:txBody>
+      </p:sp>
+      <p:sp>
+        <p:nvSpPr>
+          <p:cNvPr id="9" name="TextBox 8">
+            <a:extLst>
+              <a:ext uri="{FF2B5EF4-FFF2-40B4-BE49-F238E27FC236}">
+                <a16:creationId xmlns:a16="http://schemas.microsoft.com/office/drawing/2014/main" id="{A868A253-7574-A67A-BED5-0C02FB802E3E}"/>
+              </a:ext>
+            </a:extLst>
+          </p:cNvPr>
+          <p:cNvSpPr txBox="1"/>
+          <p:nvPr/>
+        </p:nvSpPr>
+        <p:spPr>
+          <a:xfrm>
+            <a:off x="202550" y="1280790"/>
+            <a:ext cx="3731559" cy="307777"/>
+          </a:xfrm>
+          <a:prstGeom prst="rect">
+            <a:avLst/>
+          </a:prstGeom>
+          <a:noFill/>
+        </p:spPr>
+        <p:txBody>
+          <a:bodyPr wrap="square">
+            <a:spAutoFit/>
+          </a:bodyPr>
+          <a:lstStyle/>
+          <a:p>
+            <a:r>
+              <a:rPr lang="en-IN" b="1" dirty="0">
+                <a:solidFill>
+                  <a:srgbClr val="0070C0"/>
+                </a:solidFill>
+              </a:rPr>
+              <a:t>Training Frequency and Intensity</a:t>
+            </a:r>
+          </a:p>
+        </p:txBody>
+      </p:sp>
+      <p:sp>
+        <p:nvSpPr>
+          <p:cNvPr id="11" name="TextBox 10">
+            <a:extLst>
+              <a:ext uri="{FF2B5EF4-FFF2-40B4-BE49-F238E27FC236}">
+                <a16:creationId xmlns:a16="http://schemas.microsoft.com/office/drawing/2014/main" id="{34268306-0517-25FE-E6F1-86972B0C3700}"/>
+              </a:ext>
+            </a:extLst>
+          </p:cNvPr>
+          <p:cNvSpPr txBox="1"/>
+          <p:nvPr/>
+        </p:nvSpPr>
+        <p:spPr>
+          <a:xfrm>
+            <a:off x="289112" y="1588567"/>
+            <a:ext cx="4920781" cy="1569660"/>
+          </a:xfrm>
+          <a:prstGeom prst="rect">
+            <a:avLst/>
+          </a:prstGeom>
+          <a:noFill/>
+        </p:spPr>
+        <p:txBody>
+          <a:bodyPr wrap="square">
+            <a:spAutoFit/>
+          </a:bodyPr>
+          <a:lstStyle/>
+          <a:p>
+            <a:pPr marL="285750" indent="-285750">
+              <a:buFont typeface="Arial" panose="020B0604020202020204" pitchFamily="34" charset="0"/>
+              <a:buChar char="•"/>
             </a:pPr>
             <a:r>
-              <a:rPr lang="en" sz="1400" dirty="0">
-                <a:solidFill>
-                  <a:srgbClr val="2D3B45"/>
-                </a:solidFill>
-                <a:highlight>
-                  <a:srgbClr val="FFFFFF"/>
-                </a:highlight>
+              <a:rPr lang="en-IN" sz="1200" b="1" dirty="0">
+                <a:latin typeface="Nunito" pitchFamily="2" charset="0"/>
               </a:rPr>
-              <a:t>Duplicate value check</a:t>
+              <a:t>Observation </a:t>
             </a:r>
-            <a:endParaRPr sz="1400" dirty="0">
-              <a:solidFill>
-                <a:srgbClr val="2D3B45"/>
-              </a:solidFill>
-              <a:highlight>
-                <a:srgbClr val="FFFFFF"/>
-              </a:highlight>
+            <a:r>
+              <a:rPr lang="en-IN" sz="1200" dirty="0">
+                <a:latin typeface="Nunito" pitchFamily="2" charset="0"/>
+              </a:rPr>
+              <a:t>: Most employees undergo only 1 or 2 training sessions, with a significant drop in numbers for more than 2 trainings.</a:t>
+            </a:r>
+          </a:p>
+          <a:p>
+            <a:pPr marL="285750" indent="-285750">
+              <a:buFont typeface="Arial" panose="020B0604020202020204" pitchFamily="34" charset="0"/>
+              <a:buChar char="•"/>
+            </a:pPr>
+            <a:endParaRPr lang="en-IN" sz="1200" dirty="0">
+              <a:latin typeface="Nunito" pitchFamily="2" charset="0"/>
             </a:endParaRPr>
           </a:p>
           <a:p>
-            <a:pPr marL="457200" lvl="0" indent="-317500" algn="l" rtl="0">
-              <a:lnSpc>
-                <a:spcPct val="115000"/>
-              </a:lnSpc>
-              <a:spcBef>
-                <a:spcPts val="1000"/>
-              </a:spcBef>
-              <a:spcAft>
-                <a:spcPts val="0"/>
-              </a:spcAft>
-              <a:buClr>
-                <a:srgbClr val="2D3B45"/>
-              </a:buClr>
-              <a:buSzPts val="1400"/>
-              <a:buChar char="●"/>
+            <a:pPr marL="285750" indent="-285750">
+              <a:buFont typeface="Arial" panose="020B0604020202020204" pitchFamily="34" charset="0"/>
+              <a:buChar char="•"/>
             </a:pPr>
             <a:r>
-              <a:rPr lang="en" sz="1400" dirty="0">
-                <a:solidFill>
-                  <a:srgbClr val="2D3B45"/>
-                </a:solidFill>
-                <a:highlight>
-                  <a:srgbClr val="FFFFFF"/>
-                </a:highlight>
+              <a:rPr lang="en-US" sz="1200" b="1" dirty="0">
+                <a:latin typeface="Nunito" pitchFamily="2" charset="0"/>
               </a:rPr>
-              <a:t>Missing value treatment</a:t>
-            </a:r>
-            <a:endParaRPr sz="1400" dirty="0">
-              <a:solidFill>
-                <a:srgbClr val="2D3B45"/>
-              </a:solidFill>
-              <a:highlight>
-                <a:srgbClr val="FFFFFF"/>
-              </a:highlight>
-            </a:endParaRPr>
-          </a:p>
-          <a:p>
-            <a:pPr marL="457200" lvl="0" indent="-317500" algn="l" rtl="0">
-              <a:lnSpc>
-                <a:spcPct val="115000"/>
-              </a:lnSpc>
-              <a:spcBef>
-                <a:spcPts val="1000"/>
-              </a:spcBef>
-              <a:spcAft>
-                <a:spcPts val="0"/>
-              </a:spcAft>
-              <a:buClr>
-                <a:srgbClr val="2D3B45"/>
-              </a:buClr>
-              <a:buSzPts val="1400"/>
-              <a:buChar char="●"/>
-            </a:pPr>
-            <a:r>
-              <a:rPr lang="en" sz="1400" dirty="0">
-                <a:solidFill>
-                  <a:srgbClr val="2D3B45"/>
-                </a:solidFill>
-                <a:highlight>
-                  <a:srgbClr val="FFFFFF"/>
-                </a:highlight>
-              </a:rPr>
-              <a:t>Outlier check (</a:t>
+              <a:t>Insight </a:t>
             </a:r>
             <a:r>
-              <a:rPr lang="en" sz="1400" dirty="0">
-                <a:solidFill>
-                  <a:srgbClr val="2D3B45"/>
-                </a:solidFill>
-                <a:highlight>
-                  <a:schemeClr val="lt1"/>
-                </a:highlight>
+              <a:rPr lang="en-US" sz="1200" dirty="0">
+                <a:latin typeface="Nunito" pitchFamily="2" charset="0"/>
               </a:rPr>
-              <a:t>treatment </a:t>
+              <a:t>: This suggests a potential underutilization of training programs, despite a small subset engaging in extensive training, which could be better leveraged to enhance overall employee performance and promotion readiness.</a:t>
             </a:r>
-            <a:r>
-              <a:rPr lang="en" sz="1400" dirty="0">
-                <a:solidFill>
-                  <a:srgbClr val="2D3B45"/>
-                </a:solidFill>
-                <a:highlight>
-                  <a:srgbClr val="FFFFFF"/>
-                </a:highlight>
-              </a:rPr>
-              <a:t>if needed)</a:t>
-            </a:r>
-            <a:endParaRPr sz="1400" dirty="0">
-              <a:solidFill>
-                <a:srgbClr val="2D3B45"/>
-              </a:solidFill>
-              <a:highlight>
-                <a:srgbClr val="FFFFFF"/>
-              </a:highlight>
-            </a:endParaRPr>
-          </a:p>
-          <a:p>
-            <a:pPr marL="457200" lvl="0" indent="-317500" algn="l" rtl="0">
-              <a:lnSpc>
-                <a:spcPct val="115000"/>
-              </a:lnSpc>
-              <a:spcBef>
-                <a:spcPts val="1000"/>
-              </a:spcBef>
-              <a:spcAft>
-                <a:spcPts val="0"/>
-              </a:spcAft>
-              <a:buClr>
-                <a:srgbClr val="2D3B45"/>
-              </a:buClr>
-              <a:buSzPts val="1400"/>
-              <a:buChar char="●"/>
-            </a:pPr>
-            <a:r>
-              <a:rPr lang="en" sz="1400" dirty="0">
-                <a:solidFill>
-                  <a:srgbClr val="2D3B45"/>
-                </a:solidFill>
-                <a:highlight>
-                  <a:srgbClr val="FFFFFF"/>
-                </a:highlight>
-              </a:rPr>
-              <a:t>Feature engineering</a:t>
-            </a:r>
-            <a:endParaRPr sz="1400" dirty="0">
-              <a:solidFill>
-                <a:srgbClr val="2D3B45"/>
-              </a:solidFill>
-              <a:highlight>
-                <a:srgbClr val="FFFFFF"/>
-              </a:highlight>
-            </a:endParaRPr>
-          </a:p>
-          <a:p>
-            <a:pPr marL="457200" lvl="0" indent="-317500" algn="l" rtl="0">
-              <a:lnSpc>
-                <a:spcPct val="115000"/>
-              </a:lnSpc>
-              <a:spcBef>
-                <a:spcPts val="1000"/>
-              </a:spcBef>
-              <a:spcAft>
-                <a:spcPts val="0"/>
-              </a:spcAft>
-              <a:buClr>
-                <a:srgbClr val="2D3B45"/>
-              </a:buClr>
-              <a:buSzPts val="1400"/>
-              <a:buChar char="●"/>
-            </a:pPr>
-            <a:r>
-              <a:rPr lang="en" sz="1400" dirty="0">
-                <a:solidFill>
-                  <a:srgbClr val="2D3B45"/>
-                </a:solidFill>
-                <a:highlight>
-                  <a:srgbClr val="FFFFFF"/>
-                </a:highlight>
-              </a:rPr>
-              <a:t>Data preparation for modeling</a:t>
-            </a:r>
-            <a:endParaRPr sz="1400" dirty="0">
-              <a:solidFill>
-                <a:srgbClr val="2D3B45"/>
-              </a:solidFill>
-              <a:highlight>
-                <a:srgbClr val="FFFFFF"/>
-              </a:highlight>
-            </a:endParaRPr>
-          </a:p>
-          <a:p>
-            <a:pPr marL="0" lvl="0" indent="0" algn="l" rtl="0">
-              <a:lnSpc>
-                <a:spcPct val="115000"/>
-              </a:lnSpc>
-              <a:spcBef>
-                <a:spcPts val="1000"/>
-              </a:spcBef>
-              <a:spcAft>
-                <a:spcPts val="0"/>
-              </a:spcAft>
-              <a:buSzPts val="1500"/>
-              <a:buNone/>
-            </a:pPr>
-            <a:endParaRPr sz="1400" dirty="0">
-              <a:solidFill>
-                <a:srgbClr val="2D3B45"/>
-              </a:solidFill>
-              <a:highlight>
-                <a:srgbClr val="FFFFFF"/>
-              </a:highlight>
-            </a:endParaRPr>
-          </a:p>
-          <a:p>
-            <a:pPr marL="0" lvl="0" indent="0" algn="l" rtl="0">
-              <a:lnSpc>
-                <a:spcPct val="115000"/>
-              </a:lnSpc>
-              <a:spcBef>
-                <a:spcPts val="1000"/>
-              </a:spcBef>
-              <a:spcAft>
-                <a:spcPts val="0"/>
-              </a:spcAft>
-              <a:buSzPts val="1500"/>
-              <a:buNone/>
-            </a:pPr>
-            <a:r>
-              <a:rPr lang="en" sz="1200" b="1" i="1" dirty="0">
-                <a:solidFill>
-                  <a:srgbClr val="000000"/>
-                </a:solidFill>
-              </a:rPr>
-              <a:t>Note</a:t>
-            </a:r>
-            <a:r>
-              <a:rPr lang="en" sz="1200" i="1" dirty="0">
-                <a:solidFill>
-                  <a:srgbClr val="000000"/>
-                </a:solidFill>
-              </a:rPr>
-              <a:t>: You can use more than one slide if needed </a:t>
-            </a:r>
-            <a:endParaRPr sz="1400" dirty="0">
-              <a:solidFill>
-                <a:srgbClr val="000000"/>
-              </a:solidFill>
-            </a:endParaRPr>
-          </a:p>
-          <a:p>
-            <a:pPr marL="0" lvl="0" indent="0" algn="l" rtl="0">
-              <a:lnSpc>
-                <a:spcPct val="115000"/>
-              </a:lnSpc>
-              <a:spcBef>
-                <a:spcPts val="1000"/>
-              </a:spcBef>
-              <a:spcAft>
-                <a:spcPts val="1000"/>
-              </a:spcAft>
-              <a:buSzPts val="1500"/>
-              <a:buNone/>
-            </a:pPr>
-            <a:endParaRPr sz="1400" dirty="0">
-              <a:solidFill>
-                <a:srgbClr val="2D3B45"/>
-              </a:solidFill>
-              <a:highlight>
-                <a:srgbClr val="FFFFFF"/>
-              </a:highlight>
+            <a:endParaRPr lang="en-IN" sz="1200" dirty="0">
+              <a:latin typeface="Nunito" pitchFamily="2" charset="0"/>
             </a:endParaRPr>
           </a:p>
         </p:txBody>
       </p:sp>
+      <p:sp>
+        <p:nvSpPr>
+          <p:cNvPr id="12" name="TextBox 11">
+            <a:extLst>
+              <a:ext uri="{FF2B5EF4-FFF2-40B4-BE49-F238E27FC236}">
+                <a16:creationId xmlns:a16="http://schemas.microsoft.com/office/drawing/2014/main" id="{BC75912C-3AB4-3407-1816-32D8BC07E8E8}"/>
+              </a:ext>
+            </a:extLst>
+          </p:cNvPr>
+          <p:cNvSpPr txBox="1"/>
+          <p:nvPr/>
+        </p:nvSpPr>
+        <p:spPr>
+          <a:xfrm>
+            <a:off x="202550" y="3247157"/>
+            <a:ext cx="3731559" cy="307777"/>
+          </a:xfrm>
+          <a:prstGeom prst="rect">
+            <a:avLst/>
+          </a:prstGeom>
+          <a:noFill/>
+        </p:spPr>
+        <p:txBody>
+          <a:bodyPr wrap="square">
+            <a:spAutoFit/>
+          </a:bodyPr>
+          <a:lstStyle/>
+          <a:p>
+            <a:r>
+              <a:rPr lang="en-IN" b="1" dirty="0">
+                <a:solidFill>
+                  <a:srgbClr val="0070C0"/>
+                </a:solidFill>
+              </a:rPr>
+              <a:t>Age Distribution</a:t>
+            </a:r>
+          </a:p>
+        </p:txBody>
+      </p:sp>
+      <p:sp>
+        <p:nvSpPr>
+          <p:cNvPr id="13" name="TextBox 12">
+            <a:extLst>
+              <a:ext uri="{FF2B5EF4-FFF2-40B4-BE49-F238E27FC236}">
+                <a16:creationId xmlns:a16="http://schemas.microsoft.com/office/drawing/2014/main" id="{DB0F268A-E400-8428-69EC-123211A6B184}"/>
+              </a:ext>
+            </a:extLst>
+          </p:cNvPr>
+          <p:cNvSpPr txBox="1"/>
+          <p:nvPr/>
+        </p:nvSpPr>
+        <p:spPr>
+          <a:xfrm>
+            <a:off x="289112" y="3554934"/>
+            <a:ext cx="4854388" cy="1200329"/>
+          </a:xfrm>
+          <a:prstGeom prst="rect">
+            <a:avLst/>
+          </a:prstGeom>
+          <a:noFill/>
+        </p:spPr>
+        <p:txBody>
+          <a:bodyPr wrap="square">
+            <a:spAutoFit/>
+          </a:bodyPr>
+          <a:lstStyle/>
+          <a:p>
+            <a:pPr marL="285750" indent="-285750">
+              <a:buFont typeface="Arial" panose="020B0604020202020204" pitchFamily="34" charset="0"/>
+              <a:buChar char="•"/>
+            </a:pPr>
+            <a:r>
+              <a:rPr lang="en-IN" sz="1200" b="1" dirty="0">
+                <a:latin typeface="Nunito" pitchFamily="2" charset="0"/>
+              </a:rPr>
+              <a:t>Observation </a:t>
+            </a:r>
+            <a:r>
+              <a:rPr lang="en-US" sz="1200" dirty="0">
+                <a:latin typeface="Nunito" pitchFamily="2" charset="0"/>
+              </a:rPr>
+              <a:t>: The age distribution is bell-shaped with most employees between 25 and 40 years old.</a:t>
+            </a:r>
+            <a:endParaRPr lang="en-IN" sz="1200" dirty="0">
+              <a:latin typeface="Nunito" pitchFamily="2" charset="0"/>
+            </a:endParaRPr>
+          </a:p>
+          <a:p>
+            <a:pPr marL="285750" indent="-285750">
+              <a:buFont typeface="Arial" panose="020B0604020202020204" pitchFamily="34" charset="0"/>
+              <a:buChar char="•"/>
+            </a:pPr>
+            <a:endParaRPr lang="en-IN" sz="1200" dirty="0">
+              <a:latin typeface="Nunito" pitchFamily="2" charset="0"/>
+            </a:endParaRPr>
+          </a:p>
+          <a:p>
+            <a:pPr marL="285750" indent="-285750">
+              <a:buFont typeface="Arial" panose="020B0604020202020204" pitchFamily="34" charset="0"/>
+              <a:buChar char="•"/>
+            </a:pPr>
+            <a:r>
+              <a:rPr lang="en-US" sz="1200" b="1" dirty="0">
+                <a:latin typeface="Nunito" pitchFamily="2" charset="0"/>
+              </a:rPr>
+              <a:t>Insight </a:t>
+            </a:r>
+            <a:r>
+              <a:rPr lang="en-US" sz="1200" dirty="0">
+                <a:latin typeface="Nunito" pitchFamily="2" charset="0"/>
+              </a:rPr>
+              <a:t>: The workforce is relatively young, but with a notable presence of employees over 55, indicating a diverse age range that could impact succession planning and training needs.</a:t>
+            </a:r>
+            <a:endParaRPr lang="en-IN" sz="1200" dirty="0">
+              <a:latin typeface="Nunito" pitchFamily="2" charset="0"/>
+            </a:endParaRPr>
+          </a:p>
+        </p:txBody>
+      </p:sp>
+      <p:pic>
+        <p:nvPicPr>
+          <p:cNvPr id="17" name="Picture 16">
+            <a:extLst>
+              <a:ext uri="{FF2B5EF4-FFF2-40B4-BE49-F238E27FC236}">
+                <a16:creationId xmlns:a16="http://schemas.microsoft.com/office/drawing/2014/main" id="{3934B7DD-A324-DCE8-EE43-69DA021C2049}"/>
+              </a:ext>
+            </a:extLst>
+          </p:cNvPr>
+          <p:cNvPicPr>
+            <a:picLocks noChangeAspect="1"/>
+          </p:cNvPicPr>
+          <p:nvPr/>
+        </p:nvPicPr>
+        <p:blipFill>
+          <a:blip r:embed="rId3"/>
+          <a:stretch>
+            <a:fillRect/>
+          </a:stretch>
+        </p:blipFill>
+        <p:spPr>
+          <a:xfrm>
+            <a:off x="5310264" y="646826"/>
+            <a:ext cx="3440128" cy="2024396"/>
+          </a:xfrm>
+          <a:prstGeom prst="rect">
+            <a:avLst/>
+          </a:prstGeom>
+        </p:spPr>
+      </p:pic>
+      <p:pic>
+        <p:nvPicPr>
+          <p:cNvPr id="19" name="Picture 18">
+            <a:extLst>
+              <a:ext uri="{FF2B5EF4-FFF2-40B4-BE49-F238E27FC236}">
+                <a16:creationId xmlns:a16="http://schemas.microsoft.com/office/drawing/2014/main" id="{D4AAB430-3BF7-C05C-5BE6-3AD005B85BA7}"/>
+              </a:ext>
+            </a:extLst>
+          </p:cNvPr>
+          <p:cNvPicPr>
+            <a:picLocks noChangeAspect="1"/>
+          </p:cNvPicPr>
+          <p:nvPr/>
+        </p:nvPicPr>
+        <p:blipFill>
+          <a:blip r:embed="rId4"/>
+          <a:stretch>
+            <a:fillRect/>
+          </a:stretch>
+        </p:blipFill>
+        <p:spPr>
+          <a:xfrm>
+            <a:off x="5310264" y="2870946"/>
+            <a:ext cx="3544623" cy="2104401"/>
+          </a:xfrm>
+          <a:prstGeom prst="rect">
+            <a:avLst/>
+          </a:prstGeom>
+        </p:spPr>
+      </p:pic>
     </p:spTree>
+    <p:extLst>
+      <p:ext uri="{BB962C8B-B14F-4D97-AF65-F5344CB8AC3E}">
+        <p14:creationId xmlns:p14="http://schemas.microsoft.com/office/powerpoint/2010/main" val="660198350"/>
+      </p:ext>
+    </p:extLst>
   </p:cSld>
   <p:clrMapOvr>
     <a:masterClrMapping/>

--- a/GreatLearningProject/Advanced ML/LowCode_Additional__Project_AML.pptx
+++ b/GreatLearningProject/Advanced ML/LowCode_Additional__Project_AML.pptx
@@ -6,7 +6,7 @@
     <p:sldMasterId id="2147483659" r:id="rId2"/>
   </p:sldMasterIdLst>
   <p:notesMasterIdLst>
-    <p:notesMasterId r:id="rId22"/>
+    <p:notesMasterId r:id="rId24"/>
   </p:notesMasterIdLst>
   <p:sldIdLst>
     <p:sldId id="256" r:id="rId3"/>
@@ -20,36 +20,38 @@
     <p:sldId id="271" r:id="rId11"/>
     <p:sldId id="272" r:id="rId12"/>
     <p:sldId id="273" r:id="rId13"/>
-    <p:sldId id="274" r:id="rId14"/>
-    <p:sldId id="275" r:id="rId15"/>
-    <p:sldId id="276" r:id="rId16"/>
+    <p:sldId id="275" r:id="rId14"/>
+    <p:sldId id="276" r:id="rId15"/>
+    <p:sldId id="274" r:id="rId16"/>
     <p:sldId id="261" r:id="rId17"/>
-    <p:sldId id="262" r:id="rId18"/>
-    <p:sldId id="263" r:id="rId19"/>
-    <p:sldId id="264" r:id="rId20"/>
-    <p:sldId id="267" r:id="rId21"/>
+    <p:sldId id="278" r:id="rId18"/>
+    <p:sldId id="277" r:id="rId19"/>
+    <p:sldId id="262" r:id="rId20"/>
+    <p:sldId id="263" r:id="rId21"/>
+    <p:sldId id="264" r:id="rId22"/>
+    <p:sldId id="267" r:id="rId23"/>
   </p:sldIdLst>
   <p:sldSz cx="9144000" cy="5143500" type="screen16x9"/>
   <p:notesSz cx="6858000" cy="9144000"/>
   <p:embeddedFontLst>
     <p:embeddedFont>
       <p:font typeface="Nunito" pitchFamily="2" charset="0"/>
-      <p:regular r:id="rId23"/>
-      <p:bold r:id="rId24"/>
-      <p:italic r:id="rId25"/>
-      <p:boldItalic r:id="rId26"/>
+      <p:regular r:id="rId25"/>
+      <p:bold r:id="rId26"/>
+      <p:italic r:id="rId27"/>
+      <p:boldItalic r:id="rId28"/>
     </p:embeddedFont>
     <p:embeddedFont>
       <p:font typeface="Nunito ExtraBold" pitchFamily="2" charset="0"/>
-      <p:bold r:id="rId27"/>
-      <p:boldItalic r:id="rId28"/>
+      <p:bold r:id="rId29"/>
+      <p:boldItalic r:id="rId30"/>
     </p:embeddedFont>
     <p:embeddedFont>
       <p:font typeface="Nunito SemiBold" pitchFamily="2" charset="0"/>
-      <p:regular r:id="rId29"/>
-      <p:bold r:id="rId30"/>
-      <p:italic r:id="rId31"/>
-      <p:boldItalic r:id="rId32"/>
+      <p:regular r:id="rId31"/>
+      <p:bold r:id="rId32"/>
+      <p:italic r:id="rId33"/>
+      <p:boldItalic r:id="rId34"/>
     </p:embeddedFont>
   </p:embeddedFontLst>
   <p:defaultTextStyle>
@@ -297,7 +299,7 @@
       </p15:sldGuideLst>
     </p:ext>
     <p:ext uri="http://customooxmlschemas.google.com/">
-      <go:slidesCustomData xmlns:go="http://customooxmlschemas.google.com/" xmlns:ahyp="http://schemas.microsoft.com/office/drawing/2018/hyperlinkcolor" xmlns:p15="http://schemas.microsoft.com/office/powerpoint/2012/main" xmlns:p14="http://schemas.microsoft.com/office/powerpoint/2010/main" xmlns:com="http://schemas.openxmlformats.org/drawingml/2006/compatibility" xmlns:pvml="urn:schemas-microsoft-com:office:powerpoint" xmlns:v="urn:schemas-microsoft-com:vml" xmlns:o="urn:schemas-microsoft-com:office:office" xmlns:dgm="http://schemas.openxmlformats.org/drawingml/2006/diagram" xmlns:c="http://schemas.openxmlformats.org/drawingml/2006/chart" xmlns:mv="urn:schemas-microsoft-com:mac:vml" xmlns:mc="http://schemas.openxmlformats.org/markup-compatibility/2006" xmlns="" r:id="rId33" roundtripDataSignature="AMtx7mjy58bmnyBVcGyV9EgDb1iunGsK+g=="/>
+      <go:slidesCustomData xmlns:go="http://customooxmlschemas.google.com/" xmlns:ahyp="http://schemas.microsoft.com/office/drawing/2018/hyperlinkcolor" xmlns:p15="http://schemas.microsoft.com/office/powerpoint/2012/main" xmlns:p14="http://schemas.microsoft.com/office/powerpoint/2010/main" xmlns:com="http://schemas.openxmlformats.org/drawingml/2006/compatibility" xmlns:pvml="urn:schemas-microsoft-com:office:powerpoint" xmlns:v="urn:schemas-microsoft-com:vml" xmlns:o="urn:schemas-microsoft-com:office:office" xmlns:dgm="http://schemas.openxmlformats.org/drawingml/2006/diagram" xmlns:c="http://schemas.openxmlformats.org/drawingml/2006/chart" xmlns:mv="urn:schemas-microsoft-com:mac:vml" xmlns:mc="http://schemas.openxmlformats.org/markup-compatibility/2006" xmlns="" r:id="rId35" roundtripDataSignature="AMtx7mjy58bmnyBVcGyV9EgDb1iunGsK+g=="/>
     </p:ext>
   </p:extLst>
 </p:presentation>
@@ -1375,7 +1377,7 @@
     </p:spTree>
     <p:extLst>
       <p:ext uri="{BB962C8B-B14F-4D97-AF65-F5344CB8AC3E}">
-        <p14:creationId xmlns:p14="http://schemas.microsoft.com/office/powerpoint/2010/main" val="2483858448"/>
+        <p14:creationId xmlns:p14="http://schemas.microsoft.com/office/powerpoint/2010/main" val="2512910413"/>
       </p:ext>
     </p:extLst>
   </p:cSld>
@@ -1502,7 +1504,7 @@
     </p:spTree>
     <p:extLst>
       <p:ext uri="{BB962C8B-B14F-4D97-AF65-F5344CB8AC3E}">
-        <p14:creationId xmlns:p14="http://schemas.microsoft.com/office/powerpoint/2010/main" val="2512910413"/>
+        <p14:creationId xmlns:p14="http://schemas.microsoft.com/office/powerpoint/2010/main" val="2354699851"/>
       </p:ext>
     </p:extLst>
   </p:cSld>
@@ -1629,7 +1631,7 @@
     </p:spTree>
     <p:extLst>
       <p:ext uri="{BB962C8B-B14F-4D97-AF65-F5344CB8AC3E}">
-        <p14:creationId xmlns:p14="http://schemas.microsoft.com/office/powerpoint/2010/main" val="2354699851"/>
+        <p14:creationId xmlns:p14="http://schemas.microsoft.com/office/powerpoint/2010/main" val="2483858448"/>
       </p:ext>
     </p:extLst>
   </p:cSld>
@@ -1766,6 +1768,260 @@
   <p:cSld>
     <p:spTree>
       <p:nvGrpSpPr>
+        <p:cNvPr id="1" name="Shape 133"/>
+        <p:cNvGrpSpPr/>
+        <p:nvPr/>
+      </p:nvGrpSpPr>
+      <p:grpSpPr>
+        <a:xfrm>
+          <a:off x="0" y="0"/>
+          <a:ext cx="0" cy="0"/>
+          <a:chOff x="0" y="0"/>
+          <a:chExt cx="0" cy="0"/>
+        </a:xfrm>
+      </p:grpSpPr>
+      <p:sp>
+        <p:nvSpPr>
+          <p:cNvPr id="134" name="Google Shape;134;p4:notes"/>
+          <p:cNvSpPr>
+            <a:spLocks noGrp="1" noRot="1" noChangeAspect="1"/>
+          </p:cNvSpPr>
+          <p:nvPr>
+            <p:ph type="sldImg" idx="2"/>
+          </p:nvPr>
+        </p:nvSpPr>
+        <p:spPr>
+          <a:xfrm>
+            <a:off x="381000" y="685800"/>
+            <a:ext cx="6096000" cy="3429000"/>
+          </a:xfrm>
+          <a:custGeom>
+            <a:avLst/>
+            <a:gdLst/>
+            <a:ahLst/>
+            <a:cxnLst/>
+            <a:rect l="l" t="t" r="r" b="b"/>
+            <a:pathLst>
+              <a:path w="120000" h="120000" extrusionOk="0">
+                <a:moveTo>
+                  <a:pt x="0" y="0"/>
+                </a:moveTo>
+                <a:lnTo>
+                  <a:pt x="120000" y="0"/>
+                </a:lnTo>
+                <a:lnTo>
+                  <a:pt x="120000" y="120000"/>
+                </a:lnTo>
+                <a:lnTo>
+                  <a:pt x="0" y="120000"/>
+                </a:lnTo>
+                <a:close/>
+              </a:path>
+            </a:pathLst>
+          </a:custGeom>
+          <a:noFill/>
+          <a:ln w="9525" cap="flat" cmpd="sng">
+            <a:solidFill>
+              <a:srgbClr val="000000"/>
+            </a:solidFill>
+            <a:prstDash val="solid"/>
+            <a:round/>
+            <a:headEnd type="none" w="sm" len="sm"/>
+            <a:tailEnd type="none" w="sm" len="sm"/>
+          </a:ln>
+        </p:spPr>
+      </p:sp>
+      <p:sp>
+        <p:nvSpPr>
+          <p:cNvPr id="135" name="Google Shape;135;p4:notes"/>
+          <p:cNvSpPr txBox="1">
+            <a:spLocks noGrp="1"/>
+          </p:cNvSpPr>
+          <p:nvPr>
+            <p:ph type="body" idx="1"/>
+          </p:nvPr>
+        </p:nvSpPr>
+        <p:spPr>
+          <a:xfrm>
+            <a:off x="685800" y="4343400"/>
+            <a:ext cx="5486400" cy="4114800"/>
+          </a:xfrm>
+          <a:prstGeom prst="rect">
+            <a:avLst/>
+          </a:prstGeom>
+          <a:noFill/>
+          <a:ln>
+            <a:noFill/>
+          </a:ln>
+        </p:spPr>
+        <p:txBody>
+          <a:bodyPr spcFirstLastPara="1" wrap="square" lIns="91425" tIns="91425" rIns="91425" bIns="91425" anchor="t" anchorCtr="0">
+            <a:noAutofit/>
+          </a:bodyPr>
+          <a:lstStyle/>
+          <a:p>
+            <a:pPr marL="0" lvl="0" indent="0" algn="l" rtl="0">
+              <a:lnSpc>
+                <a:spcPct val="100000"/>
+              </a:lnSpc>
+              <a:spcBef>
+                <a:spcPts val="0"/>
+              </a:spcBef>
+              <a:spcAft>
+                <a:spcPts val="0"/>
+              </a:spcAft>
+              <a:buSzPts val="1100"/>
+              <a:buNone/>
+            </a:pPr>
+            <a:endParaRPr/>
+          </a:p>
+        </p:txBody>
+      </p:sp>
+    </p:spTree>
+    <p:extLst>
+      <p:ext uri="{BB962C8B-B14F-4D97-AF65-F5344CB8AC3E}">
+        <p14:creationId xmlns:p14="http://schemas.microsoft.com/office/powerpoint/2010/main" val="3721180908"/>
+      </p:ext>
+    </p:extLst>
+  </p:cSld>
+  <p:clrMapOvr>
+    <a:masterClrMapping/>
+  </p:clrMapOvr>
+</p:notes>
+</file>
+
+<file path=ppt/notesSlides/notesSlide17.xml><?xml version="1.0" encoding="utf-8"?>
+<p:notes xmlns:a="http://schemas.openxmlformats.org/drawingml/2006/main" xmlns:r="http://schemas.openxmlformats.org/officeDocument/2006/relationships" xmlns:p="http://schemas.openxmlformats.org/presentationml/2006/main" showMasterSp="0" showMasterPhAnim="0">
+  <p:cSld>
+    <p:spTree>
+      <p:nvGrpSpPr>
+        <p:cNvPr id="1" name="Shape 133"/>
+        <p:cNvGrpSpPr/>
+        <p:nvPr/>
+      </p:nvGrpSpPr>
+      <p:grpSpPr>
+        <a:xfrm>
+          <a:off x="0" y="0"/>
+          <a:ext cx="0" cy="0"/>
+          <a:chOff x="0" y="0"/>
+          <a:chExt cx="0" cy="0"/>
+        </a:xfrm>
+      </p:grpSpPr>
+      <p:sp>
+        <p:nvSpPr>
+          <p:cNvPr id="134" name="Google Shape;134;p4:notes"/>
+          <p:cNvSpPr>
+            <a:spLocks noGrp="1" noRot="1" noChangeAspect="1"/>
+          </p:cNvSpPr>
+          <p:nvPr>
+            <p:ph type="sldImg" idx="2"/>
+          </p:nvPr>
+        </p:nvSpPr>
+        <p:spPr>
+          <a:xfrm>
+            <a:off x="381000" y="685800"/>
+            <a:ext cx="6096000" cy="3429000"/>
+          </a:xfrm>
+          <a:custGeom>
+            <a:avLst/>
+            <a:gdLst/>
+            <a:ahLst/>
+            <a:cxnLst/>
+            <a:rect l="l" t="t" r="r" b="b"/>
+            <a:pathLst>
+              <a:path w="120000" h="120000" extrusionOk="0">
+                <a:moveTo>
+                  <a:pt x="0" y="0"/>
+                </a:moveTo>
+                <a:lnTo>
+                  <a:pt x="120000" y="0"/>
+                </a:lnTo>
+                <a:lnTo>
+                  <a:pt x="120000" y="120000"/>
+                </a:lnTo>
+                <a:lnTo>
+                  <a:pt x="0" y="120000"/>
+                </a:lnTo>
+                <a:close/>
+              </a:path>
+            </a:pathLst>
+          </a:custGeom>
+          <a:noFill/>
+          <a:ln w="9525" cap="flat" cmpd="sng">
+            <a:solidFill>
+              <a:srgbClr val="000000"/>
+            </a:solidFill>
+            <a:prstDash val="solid"/>
+            <a:round/>
+            <a:headEnd type="none" w="sm" len="sm"/>
+            <a:tailEnd type="none" w="sm" len="sm"/>
+          </a:ln>
+        </p:spPr>
+      </p:sp>
+      <p:sp>
+        <p:nvSpPr>
+          <p:cNvPr id="135" name="Google Shape;135;p4:notes"/>
+          <p:cNvSpPr txBox="1">
+            <a:spLocks noGrp="1"/>
+          </p:cNvSpPr>
+          <p:nvPr>
+            <p:ph type="body" idx="1"/>
+          </p:nvPr>
+        </p:nvSpPr>
+        <p:spPr>
+          <a:xfrm>
+            <a:off x="685800" y="4343400"/>
+            <a:ext cx="5486400" cy="4114800"/>
+          </a:xfrm>
+          <a:prstGeom prst="rect">
+            <a:avLst/>
+          </a:prstGeom>
+          <a:noFill/>
+          <a:ln>
+            <a:noFill/>
+          </a:ln>
+        </p:spPr>
+        <p:txBody>
+          <a:bodyPr spcFirstLastPara="1" wrap="square" lIns="91425" tIns="91425" rIns="91425" bIns="91425" anchor="t" anchorCtr="0">
+            <a:noAutofit/>
+          </a:bodyPr>
+          <a:lstStyle/>
+          <a:p>
+            <a:pPr marL="0" lvl="0" indent="0" algn="l" rtl="0">
+              <a:lnSpc>
+                <a:spcPct val="100000"/>
+              </a:lnSpc>
+              <a:spcBef>
+                <a:spcPts val="0"/>
+              </a:spcBef>
+              <a:spcAft>
+                <a:spcPts val="0"/>
+              </a:spcAft>
+              <a:buSzPts val="1100"/>
+              <a:buNone/>
+            </a:pPr>
+            <a:endParaRPr/>
+          </a:p>
+        </p:txBody>
+      </p:sp>
+    </p:spTree>
+    <p:extLst>
+      <p:ext uri="{BB962C8B-B14F-4D97-AF65-F5344CB8AC3E}">
+        <p14:creationId xmlns:p14="http://schemas.microsoft.com/office/powerpoint/2010/main" val="2251441267"/>
+      </p:ext>
+    </p:extLst>
+  </p:cSld>
+  <p:clrMapOvr>
+    <a:masterClrMapping/>
+  </p:clrMapOvr>
+</p:notes>
+</file>
+
+<file path=ppt/notesSlides/notesSlide18.xml><?xml version="1.0" encoding="utf-8"?>
+<p:notes xmlns:a="http://schemas.openxmlformats.org/drawingml/2006/main" xmlns:r="http://schemas.openxmlformats.org/officeDocument/2006/relationships" xmlns:p="http://schemas.openxmlformats.org/presentationml/2006/main" showMasterSp="0" showMasterPhAnim="0">
+  <p:cSld>
+    <p:spTree>
+      <p:nvGrpSpPr>
         <p:cNvPr id="1" name="Shape 139"/>
         <p:cNvGrpSpPr/>
         <p:nvPr/>
@@ -1883,7 +2139,7 @@
 </p:notes>
 </file>
 
-<file path=ppt/notesSlides/notesSlide17.xml><?xml version="1.0" encoding="utf-8"?>
+<file path=ppt/notesSlides/notesSlide19.xml><?xml version="1.0" encoding="utf-8"?>
 <p:notes xmlns:a="http://schemas.openxmlformats.org/drawingml/2006/main" xmlns:r="http://schemas.openxmlformats.org/officeDocument/2006/relationships" xmlns:p="http://schemas.openxmlformats.org/presentationml/2006/main" showMasterSp="0" showMasterPhAnim="0">
   <p:cSld>
     <p:spTree>
@@ -1994,390 +2250,6 @@
               <a:buNone/>
             </a:pPr>
             <a:endParaRPr/>
-          </a:p>
-        </p:txBody>
-      </p:sp>
-    </p:spTree>
-  </p:cSld>
-  <p:clrMapOvr>
-    <a:masterClrMapping/>
-  </p:clrMapOvr>
-</p:notes>
-</file>
-
-<file path=ppt/notesSlides/notesSlide18.xml><?xml version="1.0" encoding="utf-8"?>
-<p:notes xmlns:a="http://schemas.openxmlformats.org/drawingml/2006/main" xmlns:r="http://schemas.openxmlformats.org/officeDocument/2006/relationships" xmlns:p="http://schemas.openxmlformats.org/presentationml/2006/main" showMasterSp="0" showMasterPhAnim="0">
-  <p:cSld>
-    <p:spTree>
-      <p:nvGrpSpPr>
-        <p:cNvPr id="1" name="Shape 151"/>
-        <p:cNvGrpSpPr/>
-        <p:nvPr/>
-      </p:nvGrpSpPr>
-      <p:grpSpPr>
-        <a:xfrm>
-          <a:off x="0" y="0"/>
-          <a:ext cx="0" cy="0"/>
-          <a:chOff x="0" y="0"/>
-          <a:chExt cx="0" cy="0"/>
-        </a:xfrm>
-      </p:grpSpPr>
-      <p:sp>
-        <p:nvSpPr>
-          <p:cNvPr id="152" name="Google Shape;152;g10ae355dec7_0_0:notes"/>
-          <p:cNvSpPr>
-            <a:spLocks noGrp="1" noRot="1" noChangeAspect="1"/>
-          </p:cNvSpPr>
-          <p:nvPr>
-            <p:ph type="sldImg" idx="2"/>
-          </p:nvPr>
-        </p:nvSpPr>
-        <p:spPr>
-          <a:xfrm>
-            <a:off x="381000" y="685800"/>
-            <a:ext cx="6096000" cy="3429000"/>
-          </a:xfrm>
-          <a:custGeom>
-            <a:avLst/>
-            <a:gdLst/>
-            <a:ahLst/>
-            <a:cxnLst/>
-            <a:rect l="l" t="t" r="r" b="b"/>
-            <a:pathLst>
-              <a:path w="120000" h="120000" extrusionOk="0">
-                <a:moveTo>
-                  <a:pt x="0" y="0"/>
-                </a:moveTo>
-                <a:lnTo>
-                  <a:pt x="120000" y="0"/>
-                </a:lnTo>
-                <a:lnTo>
-                  <a:pt x="120000" y="120000"/>
-                </a:lnTo>
-                <a:lnTo>
-                  <a:pt x="0" y="120000"/>
-                </a:lnTo>
-                <a:close/>
-              </a:path>
-            </a:pathLst>
-          </a:custGeom>
-          <a:noFill/>
-          <a:ln w="9525" cap="flat" cmpd="sng">
-            <a:solidFill>
-              <a:srgbClr val="000000"/>
-            </a:solidFill>
-            <a:prstDash val="solid"/>
-            <a:round/>
-            <a:headEnd type="none" w="sm" len="sm"/>
-            <a:tailEnd type="none" w="sm" len="sm"/>
-          </a:ln>
-        </p:spPr>
-      </p:sp>
-      <p:sp>
-        <p:nvSpPr>
-          <p:cNvPr id="153" name="Google Shape;153;g10ae355dec7_0_0:notes"/>
-          <p:cNvSpPr txBox="1">
-            <a:spLocks noGrp="1"/>
-          </p:cNvSpPr>
-          <p:nvPr>
-            <p:ph type="body" idx="1"/>
-          </p:nvPr>
-        </p:nvSpPr>
-        <p:spPr>
-          <a:xfrm>
-            <a:off x="685800" y="4343400"/>
-            <a:ext cx="5486400" cy="4114800"/>
-          </a:xfrm>
-          <a:prstGeom prst="rect">
-            <a:avLst/>
-          </a:prstGeom>
-          <a:noFill/>
-          <a:ln>
-            <a:noFill/>
-          </a:ln>
-        </p:spPr>
-        <p:txBody>
-          <a:bodyPr spcFirstLastPara="1" wrap="square" lIns="91425" tIns="91425" rIns="91425" bIns="91425" anchor="t" anchorCtr="0">
-            <a:noAutofit/>
-          </a:bodyPr>
-          <a:lstStyle/>
-          <a:p>
-            <a:pPr marL="0" lvl="0" indent="0" algn="l" rtl="0">
-              <a:lnSpc>
-                <a:spcPct val="100000"/>
-              </a:lnSpc>
-              <a:spcBef>
-                <a:spcPts val="0"/>
-              </a:spcBef>
-              <a:spcAft>
-                <a:spcPts val="0"/>
-              </a:spcAft>
-              <a:buSzPts val="1100"/>
-              <a:buNone/>
-            </a:pPr>
-            <a:endParaRPr/>
-          </a:p>
-        </p:txBody>
-      </p:sp>
-    </p:spTree>
-  </p:cSld>
-  <p:clrMapOvr>
-    <a:masterClrMapping/>
-  </p:clrMapOvr>
-</p:notes>
-</file>
-
-<file path=ppt/notesSlides/notesSlide19.xml><?xml version="1.0" encoding="utf-8"?>
-<p:notes xmlns:a="http://schemas.openxmlformats.org/drawingml/2006/main" xmlns:r="http://schemas.openxmlformats.org/officeDocument/2006/relationships" xmlns:p="http://schemas.openxmlformats.org/presentationml/2006/main" showMasterSp="0" showMasterPhAnim="0">
-  <p:cSld>
-    <p:spTree>
-      <p:nvGrpSpPr>
-        <p:cNvPr id="1" name="Shape 169"/>
-        <p:cNvGrpSpPr/>
-        <p:nvPr/>
-      </p:nvGrpSpPr>
-      <p:grpSpPr>
-        <a:xfrm>
-          <a:off x="0" y="0"/>
-          <a:ext cx="0" cy="0"/>
-          <a:chOff x="0" y="0"/>
-          <a:chExt cx="0" cy="0"/>
-        </a:xfrm>
-      </p:grpSpPr>
-      <p:sp>
-        <p:nvSpPr>
-          <p:cNvPr id="170" name="Google Shape;170;g10ee00f67ea_0_55:notes"/>
-          <p:cNvSpPr txBox="1">
-            <a:spLocks noGrp="1"/>
-          </p:cNvSpPr>
-          <p:nvPr>
-            <p:ph type="body" idx="1"/>
-          </p:nvPr>
-        </p:nvSpPr>
-        <p:spPr>
-          <a:xfrm>
-            <a:off x="685800" y="4400550"/>
-            <a:ext cx="5486400" cy="3600600"/>
-          </a:xfrm>
-          <a:prstGeom prst="rect">
-            <a:avLst/>
-          </a:prstGeom>
-          <a:noFill/>
-          <a:ln>
-            <a:noFill/>
-          </a:ln>
-        </p:spPr>
-        <p:txBody>
-          <a:bodyPr spcFirstLastPara="1" wrap="square" lIns="91425" tIns="45700" rIns="91425" bIns="45700" anchor="t" anchorCtr="0">
-            <a:noAutofit/>
-          </a:bodyPr>
-          <a:lstStyle/>
-          <a:p>
-            <a:pPr marL="0" lvl="0" indent="0" algn="l" rtl="0">
-              <a:lnSpc>
-                <a:spcPct val="100000"/>
-              </a:lnSpc>
-              <a:spcBef>
-                <a:spcPts val="0"/>
-              </a:spcBef>
-              <a:spcAft>
-                <a:spcPts val="0"/>
-              </a:spcAft>
-              <a:buSzPts val="1400"/>
-              <a:buNone/>
-            </a:pPr>
-            <a:endParaRPr/>
-          </a:p>
-        </p:txBody>
-      </p:sp>
-      <p:sp>
-        <p:nvSpPr>
-          <p:cNvPr id="171" name="Google Shape;171;g10ee00f67ea_0_55:notes"/>
-          <p:cNvSpPr>
-            <a:spLocks noGrp="1" noRot="1" noChangeAspect="1"/>
-          </p:cNvSpPr>
-          <p:nvPr>
-            <p:ph type="sldImg" idx="2"/>
-          </p:nvPr>
-        </p:nvSpPr>
-        <p:spPr>
-          <a:xfrm>
-            <a:off x="685800" y="1143000"/>
-            <a:ext cx="5486400" cy="3086100"/>
-          </a:xfrm>
-          <a:custGeom>
-            <a:avLst/>
-            <a:gdLst/>
-            <a:ahLst/>
-            <a:cxnLst/>
-            <a:rect l="l" t="t" r="r" b="b"/>
-            <a:pathLst>
-              <a:path w="120000" h="120000" extrusionOk="0">
-                <a:moveTo>
-                  <a:pt x="0" y="0"/>
-                </a:moveTo>
-                <a:lnTo>
-                  <a:pt x="120000" y="0"/>
-                </a:lnTo>
-                <a:lnTo>
-                  <a:pt x="120000" y="120000"/>
-                </a:lnTo>
-                <a:lnTo>
-                  <a:pt x="0" y="120000"/>
-                </a:lnTo>
-                <a:close/>
-              </a:path>
-            </a:pathLst>
-          </a:custGeom>
-          <a:noFill/>
-          <a:ln w="12700" cap="flat" cmpd="sng">
-            <a:solidFill>
-              <a:srgbClr val="000000"/>
-            </a:solidFill>
-            <a:prstDash val="solid"/>
-            <a:round/>
-            <a:headEnd type="none" w="sm" len="sm"/>
-            <a:tailEnd type="none" w="sm" len="sm"/>
-          </a:ln>
-        </p:spPr>
-      </p:sp>
-      <p:sp>
-        <p:nvSpPr>
-          <p:cNvPr id="172" name="Google Shape;172;g10ee00f67ea_0_55:notes"/>
-          <p:cNvSpPr txBox="1">
-            <a:spLocks noGrp="1"/>
-          </p:cNvSpPr>
-          <p:nvPr>
-            <p:ph type="sldNum" idx="12"/>
-          </p:nvPr>
-        </p:nvSpPr>
-        <p:spPr>
-          <a:xfrm>
-            <a:off x="3884613" y="8685213"/>
-            <a:ext cx="2971800" cy="458700"/>
-          </a:xfrm>
-          <a:prstGeom prst="rect">
-            <a:avLst/>
-          </a:prstGeom>
-          <a:noFill/>
-          <a:ln>
-            <a:noFill/>
-          </a:ln>
-        </p:spPr>
-        <p:txBody>
-          <a:bodyPr spcFirstLastPara="1" wrap="square" lIns="91425" tIns="45700" rIns="91425" bIns="45700" anchor="b" anchorCtr="0">
-            <a:noAutofit/>
-          </a:bodyPr>
-          <a:lstStyle/>
-          <a:p>
-            <a:pPr marL="0" marR="0" lvl="0" indent="0" algn="r" rtl="0">
-              <a:lnSpc>
-                <a:spcPct val="100000"/>
-              </a:lnSpc>
-              <a:spcBef>
-                <a:spcPts val="0"/>
-              </a:spcBef>
-              <a:spcAft>
-                <a:spcPts val="0"/>
-              </a:spcAft>
-              <a:buClr>
-                <a:srgbClr val="000000"/>
-              </a:buClr>
-              <a:buSzPts val="1200"/>
-              <a:buFont typeface="Arial"/>
-              <a:buNone/>
-            </a:pPr>
-            <a:fld id="{00000000-1234-1234-1234-123412341234}" type="slidenum">
-              <a:rPr lang="en" sz="1200" b="0" i="0" u="none" strike="noStrike" cap="none">
-                <a:solidFill>
-                  <a:schemeClr val="dk1"/>
-                </a:solidFill>
-                <a:latin typeface="Calibri"/>
-                <a:ea typeface="Calibri"/>
-                <a:cs typeface="Calibri"/>
-                <a:sym typeface="Calibri"/>
-              </a:rPr>
-              <a:t>19</a:t>
-            </a:fld>
-            <a:endParaRPr sz="1200" b="0" i="0" u="none" strike="noStrike" cap="none">
-              <a:solidFill>
-                <a:schemeClr val="dk1"/>
-              </a:solidFill>
-              <a:latin typeface="Calibri"/>
-              <a:ea typeface="Calibri"/>
-              <a:cs typeface="Calibri"/>
-              <a:sym typeface="Calibri"/>
-            </a:endParaRPr>
-          </a:p>
-        </p:txBody>
-      </p:sp>
-      <p:sp>
-        <p:nvSpPr>
-          <p:cNvPr id="173" name="Google Shape;173;g10ee00f67ea_0_55:notes"/>
-          <p:cNvSpPr txBox="1">
-            <a:spLocks noGrp="1"/>
-          </p:cNvSpPr>
-          <p:nvPr>
-            <p:ph type="ftr" idx="11"/>
-          </p:nvPr>
-        </p:nvSpPr>
-        <p:spPr>
-          <a:xfrm>
-            <a:off x="0" y="8685213"/>
-            <a:ext cx="2971800" cy="458700"/>
-          </a:xfrm>
-          <a:prstGeom prst="rect">
-            <a:avLst/>
-          </a:prstGeom>
-          <a:noFill/>
-          <a:ln>
-            <a:noFill/>
-          </a:ln>
-        </p:spPr>
-        <p:txBody>
-          <a:bodyPr spcFirstLastPara="1" wrap="square" lIns="91425" tIns="45700" rIns="91425" bIns="45700" anchor="b" anchorCtr="0">
-            <a:noAutofit/>
-          </a:bodyPr>
-          <a:lstStyle/>
-          <a:p>
-            <a:pPr marL="0" marR="0" lvl="0" indent="0" algn="l" rtl="0">
-              <a:lnSpc>
-                <a:spcPct val="100000"/>
-              </a:lnSpc>
-              <a:spcBef>
-                <a:spcPts val="0"/>
-              </a:spcBef>
-              <a:spcAft>
-                <a:spcPts val="0"/>
-              </a:spcAft>
-              <a:buClr>
-                <a:srgbClr val="000000"/>
-              </a:buClr>
-              <a:buSzPts val="1400"/>
-              <a:buFont typeface="Arial"/>
-              <a:buNone/>
-            </a:pPr>
-            <a:r>
-              <a:rPr lang="en" sz="1400" b="0" i="0" u="none" strike="noStrike" cap="none">
-                <a:solidFill>
-                  <a:srgbClr val="000000"/>
-                </a:solidFill>
-                <a:latin typeface="Arial"/>
-                <a:ea typeface="Arial"/>
-                <a:cs typeface="Arial"/>
-                <a:sym typeface="Arial"/>
-              </a:rPr>
-              <a:t>| Proprietary content. ©Great Learning. All Rights Reserved. Unauthorized use or distribution prohibited</a:t>
-            </a:r>
-            <a:endParaRPr sz="1400" b="0" i="0" u="none" strike="noStrike" cap="none">
-              <a:solidFill>
-                <a:srgbClr val="000000"/>
-              </a:solidFill>
-              <a:latin typeface="Arial"/>
-              <a:ea typeface="Arial"/>
-              <a:cs typeface="Arial"/>
-              <a:sym typeface="Arial"/>
-            </a:endParaRPr>
           </a:p>
         </p:txBody>
       </p:sp>
@@ -2500,6 +2372,390 @@
               <a:buNone/>
             </a:pPr>
             <a:endParaRPr/>
+          </a:p>
+        </p:txBody>
+      </p:sp>
+    </p:spTree>
+  </p:cSld>
+  <p:clrMapOvr>
+    <a:masterClrMapping/>
+  </p:clrMapOvr>
+</p:notes>
+</file>
+
+<file path=ppt/notesSlides/notesSlide20.xml><?xml version="1.0" encoding="utf-8"?>
+<p:notes xmlns:a="http://schemas.openxmlformats.org/drawingml/2006/main" xmlns:r="http://schemas.openxmlformats.org/officeDocument/2006/relationships" xmlns:p="http://schemas.openxmlformats.org/presentationml/2006/main" showMasterSp="0" showMasterPhAnim="0">
+  <p:cSld>
+    <p:spTree>
+      <p:nvGrpSpPr>
+        <p:cNvPr id="1" name="Shape 151"/>
+        <p:cNvGrpSpPr/>
+        <p:nvPr/>
+      </p:nvGrpSpPr>
+      <p:grpSpPr>
+        <a:xfrm>
+          <a:off x="0" y="0"/>
+          <a:ext cx="0" cy="0"/>
+          <a:chOff x="0" y="0"/>
+          <a:chExt cx="0" cy="0"/>
+        </a:xfrm>
+      </p:grpSpPr>
+      <p:sp>
+        <p:nvSpPr>
+          <p:cNvPr id="152" name="Google Shape;152;g10ae355dec7_0_0:notes"/>
+          <p:cNvSpPr>
+            <a:spLocks noGrp="1" noRot="1" noChangeAspect="1"/>
+          </p:cNvSpPr>
+          <p:nvPr>
+            <p:ph type="sldImg" idx="2"/>
+          </p:nvPr>
+        </p:nvSpPr>
+        <p:spPr>
+          <a:xfrm>
+            <a:off x="381000" y="685800"/>
+            <a:ext cx="6096000" cy="3429000"/>
+          </a:xfrm>
+          <a:custGeom>
+            <a:avLst/>
+            <a:gdLst/>
+            <a:ahLst/>
+            <a:cxnLst/>
+            <a:rect l="l" t="t" r="r" b="b"/>
+            <a:pathLst>
+              <a:path w="120000" h="120000" extrusionOk="0">
+                <a:moveTo>
+                  <a:pt x="0" y="0"/>
+                </a:moveTo>
+                <a:lnTo>
+                  <a:pt x="120000" y="0"/>
+                </a:lnTo>
+                <a:lnTo>
+                  <a:pt x="120000" y="120000"/>
+                </a:lnTo>
+                <a:lnTo>
+                  <a:pt x="0" y="120000"/>
+                </a:lnTo>
+                <a:close/>
+              </a:path>
+            </a:pathLst>
+          </a:custGeom>
+          <a:noFill/>
+          <a:ln w="9525" cap="flat" cmpd="sng">
+            <a:solidFill>
+              <a:srgbClr val="000000"/>
+            </a:solidFill>
+            <a:prstDash val="solid"/>
+            <a:round/>
+            <a:headEnd type="none" w="sm" len="sm"/>
+            <a:tailEnd type="none" w="sm" len="sm"/>
+          </a:ln>
+        </p:spPr>
+      </p:sp>
+      <p:sp>
+        <p:nvSpPr>
+          <p:cNvPr id="153" name="Google Shape;153;g10ae355dec7_0_0:notes"/>
+          <p:cNvSpPr txBox="1">
+            <a:spLocks noGrp="1"/>
+          </p:cNvSpPr>
+          <p:nvPr>
+            <p:ph type="body" idx="1"/>
+          </p:nvPr>
+        </p:nvSpPr>
+        <p:spPr>
+          <a:xfrm>
+            <a:off x="685800" y="4343400"/>
+            <a:ext cx="5486400" cy="4114800"/>
+          </a:xfrm>
+          <a:prstGeom prst="rect">
+            <a:avLst/>
+          </a:prstGeom>
+          <a:noFill/>
+          <a:ln>
+            <a:noFill/>
+          </a:ln>
+        </p:spPr>
+        <p:txBody>
+          <a:bodyPr spcFirstLastPara="1" wrap="square" lIns="91425" tIns="91425" rIns="91425" bIns="91425" anchor="t" anchorCtr="0">
+            <a:noAutofit/>
+          </a:bodyPr>
+          <a:lstStyle/>
+          <a:p>
+            <a:pPr marL="0" lvl="0" indent="0" algn="l" rtl="0">
+              <a:lnSpc>
+                <a:spcPct val="100000"/>
+              </a:lnSpc>
+              <a:spcBef>
+                <a:spcPts val="0"/>
+              </a:spcBef>
+              <a:spcAft>
+                <a:spcPts val="0"/>
+              </a:spcAft>
+              <a:buSzPts val="1100"/>
+              <a:buNone/>
+            </a:pPr>
+            <a:endParaRPr/>
+          </a:p>
+        </p:txBody>
+      </p:sp>
+    </p:spTree>
+  </p:cSld>
+  <p:clrMapOvr>
+    <a:masterClrMapping/>
+  </p:clrMapOvr>
+</p:notes>
+</file>
+
+<file path=ppt/notesSlides/notesSlide21.xml><?xml version="1.0" encoding="utf-8"?>
+<p:notes xmlns:a="http://schemas.openxmlformats.org/drawingml/2006/main" xmlns:r="http://schemas.openxmlformats.org/officeDocument/2006/relationships" xmlns:p="http://schemas.openxmlformats.org/presentationml/2006/main" showMasterSp="0" showMasterPhAnim="0">
+  <p:cSld>
+    <p:spTree>
+      <p:nvGrpSpPr>
+        <p:cNvPr id="1" name="Shape 169"/>
+        <p:cNvGrpSpPr/>
+        <p:nvPr/>
+      </p:nvGrpSpPr>
+      <p:grpSpPr>
+        <a:xfrm>
+          <a:off x="0" y="0"/>
+          <a:ext cx="0" cy="0"/>
+          <a:chOff x="0" y="0"/>
+          <a:chExt cx="0" cy="0"/>
+        </a:xfrm>
+      </p:grpSpPr>
+      <p:sp>
+        <p:nvSpPr>
+          <p:cNvPr id="170" name="Google Shape;170;g10ee00f67ea_0_55:notes"/>
+          <p:cNvSpPr txBox="1">
+            <a:spLocks noGrp="1"/>
+          </p:cNvSpPr>
+          <p:nvPr>
+            <p:ph type="body" idx="1"/>
+          </p:nvPr>
+        </p:nvSpPr>
+        <p:spPr>
+          <a:xfrm>
+            <a:off x="685800" y="4400550"/>
+            <a:ext cx="5486400" cy="3600600"/>
+          </a:xfrm>
+          <a:prstGeom prst="rect">
+            <a:avLst/>
+          </a:prstGeom>
+          <a:noFill/>
+          <a:ln>
+            <a:noFill/>
+          </a:ln>
+        </p:spPr>
+        <p:txBody>
+          <a:bodyPr spcFirstLastPara="1" wrap="square" lIns="91425" tIns="45700" rIns="91425" bIns="45700" anchor="t" anchorCtr="0">
+            <a:noAutofit/>
+          </a:bodyPr>
+          <a:lstStyle/>
+          <a:p>
+            <a:pPr marL="0" lvl="0" indent="0" algn="l" rtl="0">
+              <a:lnSpc>
+                <a:spcPct val="100000"/>
+              </a:lnSpc>
+              <a:spcBef>
+                <a:spcPts val="0"/>
+              </a:spcBef>
+              <a:spcAft>
+                <a:spcPts val="0"/>
+              </a:spcAft>
+              <a:buSzPts val="1400"/>
+              <a:buNone/>
+            </a:pPr>
+            <a:endParaRPr/>
+          </a:p>
+        </p:txBody>
+      </p:sp>
+      <p:sp>
+        <p:nvSpPr>
+          <p:cNvPr id="171" name="Google Shape;171;g10ee00f67ea_0_55:notes"/>
+          <p:cNvSpPr>
+            <a:spLocks noGrp="1" noRot="1" noChangeAspect="1"/>
+          </p:cNvSpPr>
+          <p:nvPr>
+            <p:ph type="sldImg" idx="2"/>
+          </p:nvPr>
+        </p:nvSpPr>
+        <p:spPr>
+          <a:xfrm>
+            <a:off x="685800" y="1143000"/>
+            <a:ext cx="5486400" cy="3086100"/>
+          </a:xfrm>
+          <a:custGeom>
+            <a:avLst/>
+            <a:gdLst/>
+            <a:ahLst/>
+            <a:cxnLst/>
+            <a:rect l="l" t="t" r="r" b="b"/>
+            <a:pathLst>
+              <a:path w="120000" h="120000" extrusionOk="0">
+                <a:moveTo>
+                  <a:pt x="0" y="0"/>
+                </a:moveTo>
+                <a:lnTo>
+                  <a:pt x="120000" y="0"/>
+                </a:lnTo>
+                <a:lnTo>
+                  <a:pt x="120000" y="120000"/>
+                </a:lnTo>
+                <a:lnTo>
+                  <a:pt x="0" y="120000"/>
+                </a:lnTo>
+                <a:close/>
+              </a:path>
+            </a:pathLst>
+          </a:custGeom>
+          <a:noFill/>
+          <a:ln w="12700" cap="flat" cmpd="sng">
+            <a:solidFill>
+              <a:srgbClr val="000000"/>
+            </a:solidFill>
+            <a:prstDash val="solid"/>
+            <a:round/>
+            <a:headEnd type="none" w="sm" len="sm"/>
+            <a:tailEnd type="none" w="sm" len="sm"/>
+          </a:ln>
+        </p:spPr>
+      </p:sp>
+      <p:sp>
+        <p:nvSpPr>
+          <p:cNvPr id="172" name="Google Shape;172;g10ee00f67ea_0_55:notes"/>
+          <p:cNvSpPr txBox="1">
+            <a:spLocks noGrp="1"/>
+          </p:cNvSpPr>
+          <p:nvPr>
+            <p:ph type="sldNum" idx="12"/>
+          </p:nvPr>
+        </p:nvSpPr>
+        <p:spPr>
+          <a:xfrm>
+            <a:off x="3884613" y="8685213"/>
+            <a:ext cx="2971800" cy="458700"/>
+          </a:xfrm>
+          <a:prstGeom prst="rect">
+            <a:avLst/>
+          </a:prstGeom>
+          <a:noFill/>
+          <a:ln>
+            <a:noFill/>
+          </a:ln>
+        </p:spPr>
+        <p:txBody>
+          <a:bodyPr spcFirstLastPara="1" wrap="square" lIns="91425" tIns="45700" rIns="91425" bIns="45700" anchor="b" anchorCtr="0">
+            <a:noAutofit/>
+          </a:bodyPr>
+          <a:lstStyle/>
+          <a:p>
+            <a:pPr marL="0" marR="0" lvl="0" indent="0" algn="r" rtl="0">
+              <a:lnSpc>
+                <a:spcPct val="100000"/>
+              </a:lnSpc>
+              <a:spcBef>
+                <a:spcPts val="0"/>
+              </a:spcBef>
+              <a:spcAft>
+                <a:spcPts val="0"/>
+              </a:spcAft>
+              <a:buClr>
+                <a:srgbClr val="000000"/>
+              </a:buClr>
+              <a:buSzPts val="1200"/>
+              <a:buFont typeface="Arial"/>
+              <a:buNone/>
+            </a:pPr>
+            <a:fld id="{00000000-1234-1234-1234-123412341234}" type="slidenum">
+              <a:rPr lang="en" sz="1200" b="0" i="0" u="none" strike="noStrike" cap="none">
+                <a:solidFill>
+                  <a:schemeClr val="dk1"/>
+                </a:solidFill>
+                <a:latin typeface="Calibri"/>
+                <a:ea typeface="Calibri"/>
+                <a:cs typeface="Calibri"/>
+                <a:sym typeface="Calibri"/>
+              </a:rPr>
+              <a:t>21</a:t>
+            </a:fld>
+            <a:endParaRPr sz="1200" b="0" i="0" u="none" strike="noStrike" cap="none">
+              <a:solidFill>
+                <a:schemeClr val="dk1"/>
+              </a:solidFill>
+              <a:latin typeface="Calibri"/>
+              <a:ea typeface="Calibri"/>
+              <a:cs typeface="Calibri"/>
+              <a:sym typeface="Calibri"/>
+            </a:endParaRPr>
+          </a:p>
+        </p:txBody>
+      </p:sp>
+      <p:sp>
+        <p:nvSpPr>
+          <p:cNvPr id="173" name="Google Shape;173;g10ee00f67ea_0_55:notes"/>
+          <p:cNvSpPr txBox="1">
+            <a:spLocks noGrp="1"/>
+          </p:cNvSpPr>
+          <p:nvPr>
+            <p:ph type="ftr" idx="11"/>
+          </p:nvPr>
+        </p:nvSpPr>
+        <p:spPr>
+          <a:xfrm>
+            <a:off x="0" y="8685213"/>
+            <a:ext cx="2971800" cy="458700"/>
+          </a:xfrm>
+          <a:prstGeom prst="rect">
+            <a:avLst/>
+          </a:prstGeom>
+          <a:noFill/>
+          <a:ln>
+            <a:noFill/>
+          </a:ln>
+        </p:spPr>
+        <p:txBody>
+          <a:bodyPr spcFirstLastPara="1" wrap="square" lIns="91425" tIns="45700" rIns="91425" bIns="45700" anchor="b" anchorCtr="0">
+            <a:noAutofit/>
+          </a:bodyPr>
+          <a:lstStyle/>
+          <a:p>
+            <a:pPr marL="0" marR="0" lvl="0" indent="0" algn="l" rtl="0">
+              <a:lnSpc>
+                <a:spcPct val="100000"/>
+              </a:lnSpc>
+              <a:spcBef>
+                <a:spcPts val="0"/>
+              </a:spcBef>
+              <a:spcAft>
+                <a:spcPts val="0"/>
+              </a:spcAft>
+              <a:buClr>
+                <a:srgbClr val="000000"/>
+              </a:buClr>
+              <a:buSzPts val="1400"/>
+              <a:buFont typeface="Arial"/>
+              <a:buNone/>
+            </a:pPr>
+            <a:r>
+              <a:rPr lang="en" sz="1400" b="0" i="0" u="none" strike="noStrike" cap="none">
+                <a:solidFill>
+                  <a:srgbClr val="000000"/>
+                </a:solidFill>
+                <a:latin typeface="Arial"/>
+                <a:ea typeface="Arial"/>
+                <a:cs typeface="Arial"/>
+                <a:sym typeface="Arial"/>
+              </a:rPr>
+              <a:t>| Proprietary content. ©Great Learning. All Rights Reserved. Unauthorized use or distribution prohibited</a:t>
+            </a:r>
+            <a:endParaRPr sz="1400" b="0" i="0" u="none" strike="noStrike" cap="none">
+              <a:solidFill>
+                <a:srgbClr val="000000"/>
+              </a:solidFill>
+              <a:latin typeface="Arial"/>
+              <a:ea typeface="Arial"/>
+              <a:cs typeface="Arial"/>
+              <a:sym typeface="Arial"/>
+            </a:endParaRPr>
           </a:p>
         </p:txBody>
       </p:sp>
@@ -20986,371 +21242,6 @@
                   <a:srgbClr val="0070C0"/>
                 </a:solidFill>
               </a:rPr>
-              <a:t>No. of Trainings vs. Promotion</a:t>
-            </a:r>
-            <a:endParaRPr lang="en-IN" b="1" dirty="0">
-              <a:solidFill>
-                <a:srgbClr val="0070C0"/>
-              </a:solidFill>
-            </a:endParaRPr>
-          </a:p>
-        </p:txBody>
-      </p:sp>
-      <p:sp>
-        <p:nvSpPr>
-          <p:cNvPr id="11" name="TextBox 10">
-            <a:extLst>
-              <a:ext uri="{FF2B5EF4-FFF2-40B4-BE49-F238E27FC236}">
-                <a16:creationId xmlns:a16="http://schemas.microsoft.com/office/drawing/2014/main" id="{34268306-0517-25FE-E6F1-86972B0C3700}"/>
-              </a:ext>
-            </a:extLst>
-          </p:cNvPr>
-          <p:cNvSpPr txBox="1"/>
-          <p:nvPr/>
-        </p:nvSpPr>
-        <p:spPr>
-          <a:xfrm>
-            <a:off x="289112" y="1588567"/>
-            <a:ext cx="5251076" cy="1384995"/>
-          </a:xfrm>
-          <a:prstGeom prst="rect">
-            <a:avLst/>
-          </a:prstGeom>
-          <a:noFill/>
-        </p:spPr>
-        <p:txBody>
-          <a:bodyPr wrap="square">
-            <a:spAutoFit/>
-          </a:bodyPr>
-          <a:lstStyle/>
-          <a:p>
-            <a:pPr marL="285750" indent="-285750">
-              <a:buFont typeface="Arial" panose="020B0604020202020204" pitchFamily="34" charset="0"/>
-              <a:buChar char="•"/>
-            </a:pPr>
-            <a:r>
-              <a:rPr lang="en-US" sz="1200" b="1" dirty="0">
-                <a:latin typeface="Nunito" pitchFamily="2" charset="0"/>
-              </a:rPr>
-              <a:t>Observation</a:t>
-            </a:r>
-            <a:r>
-              <a:rPr lang="en-US" sz="1200" dirty="0">
-                <a:latin typeface="Nunito" pitchFamily="2" charset="0"/>
-              </a:rPr>
-              <a:t>: There is a notable trend where employees with fewer trainings are often promoted, suggesting that having too many trainings does not necessarily increase promotion chances.</a:t>
-            </a:r>
-          </a:p>
-          <a:p>
-            <a:endParaRPr lang="en-IN" sz="1200" dirty="0">
-              <a:latin typeface="Nunito" pitchFamily="2" charset="0"/>
-            </a:endParaRPr>
-          </a:p>
-          <a:p>
-            <a:pPr marL="285750" indent="-285750">
-              <a:buFont typeface="Arial" panose="020B0604020202020204" pitchFamily="34" charset="0"/>
-              <a:buChar char="•"/>
-            </a:pPr>
-            <a:r>
-              <a:rPr lang="en-US" sz="1200" b="1" dirty="0">
-                <a:latin typeface="Nunito" pitchFamily="2" charset="0"/>
-              </a:rPr>
-              <a:t>Insight</a:t>
-            </a:r>
-            <a:r>
-              <a:rPr lang="en-US" sz="1200" dirty="0">
-                <a:latin typeface="Nunito" pitchFamily="2" charset="0"/>
-              </a:rPr>
-              <a:t>: This pattern may indicate the quality of training is more crucial than quantity. Enhancing the quality and relevance of training programs could be more beneficial than increasing their number.</a:t>
-            </a:r>
-            <a:endParaRPr lang="en-IN" sz="1200" dirty="0">
-              <a:latin typeface="Nunito" pitchFamily="2" charset="0"/>
-            </a:endParaRPr>
-          </a:p>
-        </p:txBody>
-      </p:sp>
-      <p:sp>
-        <p:nvSpPr>
-          <p:cNvPr id="12" name="TextBox 11">
-            <a:extLst>
-              <a:ext uri="{FF2B5EF4-FFF2-40B4-BE49-F238E27FC236}">
-                <a16:creationId xmlns:a16="http://schemas.microsoft.com/office/drawing/2014/main" id="{BC75912C-3AB4-3407-1816-32D8BC07E8E8}"/>
-              </a:ext>
-            </a:extLst>
-          </p:cNvPr>
-          <p:cNvSpPr txBox="1"/>
-          <p:nvPr/>
-        </p:nvSpPr>
-        <p:spPr>
-          <a:xfrm>
-            <a:off x="202550" y="3247157"/>
-            <a:ext cx="3731559" cy="307777"/>
-          </a:xfrm>
-          <a:prstGeom prst="rect">
-            <a:avLst/>
-          </a:prstGeom>
-          <a:noFill/>
-        </p:spPr>
-        <p:txBody>
-          <a:bodyPr wrap="square">
-            <a:spAutoFit/>
-          </a:bodyPr>
-          <a:lstStyle/>
-          <a:p>
-            <a:r>
-              <a:rPr lang="en-US" b="1" dirty="0">
-                <a:solidFill>
-                  <a:srgbClr val="0070C0"/>
-                </a:solidFill>
-              </a:rPr>
-              <a:t>Previous Year Rating vs. Promotion</a:t>
-            </a:r>
-            <a:endParaRPr lang="en-IN" b="1" dirty="0">
-              <a:solidFill>
-                <a:srgbClr val="0070C0"/>
-              </a:solidFill>
-            </a:endParaRPr>
-          </a:p>
-        </p:txBody>
-      </p:sp>
-      <p:sp>
-        <p:nvSpPr>
-          <p:cNvPr id="13" name="TextBox 12">
-            <a:extLst>
-              <a:ext uri="{FF2B5EF4-FFF2-40B4-BE49-F238E27FC236}">
-                <a16:creationId xmlns:a16="http://schemas.microsoft.com/office/drawing/2014/main" id="{DB0F268A-E400-8428-69EC-123211A6B184}"/>
-              </a:ext>
-            </a:extLst>
-          </p:cNvPr>
-          <p:cNvSpPr txBox="1"/>
-          <p:nvPr/>
-        </p:nvSpPr>
-        <p:spPr>
-          <a:xfrm>
-            <a:off x="289111" y="3554934"/>
-            <a:ext cx="5620871" cy="1200329"/>
-          </a:xfrm>
-          <a:prstGeom prst="rect">
-            <a:avLst/>
-          </a:prstGeom>
-          <a:noFill/>
-        </p:spPr>
-        <p:txBody>
-          <a:bodyPr wrap="square">
-            <a:spAutoFit/>
-          </a:bodyPr>
-          <a:lstStyle/>
-          <a:p>
-            <a:pPr marL="285750" indent="-285750">
-              <a:buFont typeface="Arial" panose="020B0604020202020204" pitchFamily="34" charset="0"/>
-              <a:buChar char="•"/>
-            </a:pPr>
-            <a:r>
-              <a:rPr lang="en-US" sz="1200" b="1" dirty="0">
-                <a:latin typeface="Nunito" pitchFamily="2" charset="0"/>
-              </a:rPr>
-              <a:t>Observation: </a:t>
-            </a:r>
-            <a:r>
-              <a:rPr lang="en-US" sz="1200" dirty="0">
-                <a:latin typeface="Nunito" pitchFamily="2" charset="0"/>
-              </a:rPr>
-              <a:t>Employees with higher performance ratings (4 and 5) show significantly higher promotion rates compared to those with lower ratings.</a:t>
-            </a:r>
-          </a:p>
-          <a:p>
-            <a:pPr marL="285750" indent="-285750">
-              <a:buFont typeface="Arial" panose="020B0604020202020204" pitchFamily="34" charset="0"/>
-              <a:buChar char="•"/>
-            </a:pPr>
-            <a:endParaRPr lang="en-IN" sz="1200" dirty="0">
-              <a:latin typeface="Nunito" pitchFamily="2" charset="0"/>
-            </a:endParaRPr>
-          </a:p>
-          <a:p>
-            <a:pPr marL="285750" indent="-285750">
-              <a:buFont typeface="Arial" panose="020B0604020202020204" pitchFamily="34" charset="0"/>
-              <a:buChar char="•"/>
-            </a:pPr>
-            <a:r>
-              <a:rPr lang="en-US" sz="1200" b="1" dirty="0">
-                <a:latin typeface="Nunito" pitchFamily="2" charset="0"/>
-              </a:rPr>
-              <a:t>Insight</a:t>
-            </a:r>
-            <a:r>
-              <a:rPr lang="en-US" sz="1200" dirty="0">
-                <a:latin typeface="Nunito" pitchFamily="2" charset="0"/>
-              </a:rPr>
-              <a:t>: This underscores the importance of performance evaluations in promotional decisions, suggesting that a transparent and fair rating system could directly impact employee motivation and career progression..</a:t>
-            </a:r>
-            <a:endParaRPr lang="en-IN" sz="1200" dirty="0">
-              <a:latin typeface="Nunito" pitchFamily="2" charset="0"/>
-            </a:endParaRPr>
-          </a:p>
-        </p:txBody>
-      </p:sp>
-    </p:spTree>
-    <p:extLst>
-      <p:ext uri="{BB962C8B-B14F-4D97-AF65-F5344CB8AC3E}">
-        <p14:creationId xmlns:p14="http://schemas.microsoft.com/office/powerpoint/2010/main" val="3024067633"/>
-      </p:ext>
-    </p:extLst>
-  </p:cSld>
-  <p:clrMapOvr>
-    <a:masterClrMapping/>
-  </p:clrMapOvr>
-</p:sld>
-</file>
-
-<file path=ppt/slides/slide13.xml><?xml version="1.0" encoding="utf-8"?>
-<p:sld xmlns:a="http://schemas.openxmlformats.org/drawingml/2006/main" xmlns:r="http://schemas.openxmlformats.org/officeDocument/2006/relationships" xmlns:p="http://schemas.openxmlformats.org/presentationml/2006/main">
-  <p:cSld>
-    <p:spTree>
-      <p:nvGrpSpPr>
-        <p:cNvPr id="1" name="Shape 129"/>
-        <p:cNvGrpSpPr/>
-        <p:nvPr/>
-      </p:nvGrpSpPr>
-      <p:grpSpPr>
-        <a:xfrm>
-          <a:off x="0" y="0"/>
-          <a:ext cx="0" cy="0"/>
-          <a:chOff x="0" y="0"/>
-          <a:chExt cx="0" cy="0"/>
-        </a:xfrm>
-      </p:grpSpPr>
-      <p:sp>
-        <p:nvSpPr>
-          <p:cNvPr id="130" name="Google Shape;130;g10e9006cb6c_1_7"/>
-          <p:cNvSpPr txBox="1">
-            <a:spLocks noGrp="1"/>
-          </p:cNvSpPr>
-          <p:nvPr>
-            <p:ph type="title"/>
-          </p:nvPr>
-        </p:nvSpPr>
-        <p:spPr>
-          <a:xfrm>
-            <a:off x="202550" y="289279"/>
-            <a:ext cx="8520600" cy="572700"/>
-          </a:xfrm>
-          <a:prstGeom prst="rect">
-            <a:avLst/>
-          </a:prstGeom>
-          <a:noFill/>
-          <a:ln>
-            <a:noFill/>
-          </a:ln>
-        </p:spPr>
-        <p:txBody>
-          <a:bodyPr spcFirstLastPara="1" wrap="square" lIns="91425" tIns="91425" rIns="91425" bIns="91425" anchor="t" anchorCtr="0">
-            <a:noAutofit/>
-          </a:bodyPr>
-          <a:lstStyle/>
-          <a:p>
-            <a:pPr marL="0" lvl="0" indent="0" algn="l" rtl="0">
-              <a:lnSpc>
-                <a:spcPct val="100000"/>
-              </a:lnSpc>
-              <a:spcBef>
-                <a:spcPts val="0"/>
-              </a:spcBef>
-              <a:spcAft>
-                <a:spcPts val="0"/>
-              </a:spcAft>
-              <a:buSzPts val="2200"/>
-              <a:buNone/>
-            </a:pPr>
-            <a:r>
-              <a:rPr lang="en" dirty="0">
-                <a:solidFill>
-                  <a:srgbClr val="1974D2"/>
-                </a:solidFill>
-              </a:rPr>
-              <a:t>EDA Results</a:t>
-            </a:r>
-            <a:endParaRPr dirty="0">
-              <a:solidFill>
-                <a:srgbClr val="1974D2"/>
-              </a:solidFill>
-            </a:endParaRPr>
-          </a:p>
-        </p:txBody>
-      </p:sp>
-      <p:sp>
-        <p:nvSpPr>
-          <p:cNvPr id="5" name="TextBox 4">
-            <a:extLst>
-              <a:ext uri="{FF2B5EF4-FFF2-40B4-BE49-F238E27FC236}">
-                <a16:creationId xmlns:a16="http://schemas.microsoft.com/office/drawing/2014/main" id="{0226BE46-3C74-1053-0BA6-DB71191754FB}"/>
-              </a:ext>
-            </a:extLst>
-          </p:cNvPr>
-          <p:cNvSpPr txBox="1"/>
-          <p:nvPr/>
-        </p:nvSpPr>
-        <p:spPr>
-          <a:xfrm>
-            <a:off x="202550" y="861979"/>
-            <a:ext cx="4572000" cy="307777"/>
-          </a:xfrm>
-          <a:prstGeom prst="rect">
-            <a:avLst/>
-          </a:prstGeom>
-          <a:noFill/>
-        </p:spPr>
-        <p:txBody>
-          <a:bodyPr wrap="square">
-            <a:spAutoFit/>
-          </a:bodyPr>
-          <a:lstStyle/>
-          <a:p>
-            <a:r>
-              <a:rPr lang="en-IN" b="1" dirty="0">
-                <a:solidFill>
-                  <a:srgbClr val="FF00FF"/>
-                </a:solidFill>
-              </a:rPr>
-              <a:t>Bivariate Analysis</a:t>
-            </a:r>
-          </a:p>
-        </p:txBody>
-      </p:sp>
-      <p:sp>
-        <p:nvSpPr>
-          <p:cNvPr id="9" name="TextBox 8">
-            <a:extLst>
-              <a:ext uri="{FF2B5EF4-FFF2-40B4-BE49-F238E27FC236}">
-                <a16:creationId xmlns:a16="http://schemas.microsoft.com/office/drawing/2014/main" id="{A868A253-7574-A67A-BED5-0C02FB802E3E}"/>
-              </a:ext>
-            </a:extLst>
-          </p:cNvPr>
-          <p:cNvSpPr txBox="1"/>
-          <p:nvPr/>
-        </p:nvSpPr>
-        <p:spPr>
-          <a:xfrm>
-            <a:off x="202550" y="1280790"/>
-            <a:ext cx="3731559" cy="307777"/>
-          </a:xfrm>
-          <a:prstGeom prst="rect">
-            <a:avLst/>
-          </a:prstGeom>
-          <a:noFill/>
-        </p:spPr>
-        <p:txBody>
-          <a:bodyPr wrap="square">
-            <a:spAutoFit/>
-          </a:bodyPr>
-          <a:lstStyle/>
-          <a:p>
-            <a:r>
-              <a:rPr lang="en-US" b="1" dirty="0">
-                <a:solidFill>
-                  <a:srgbClr val="0070C0"/>
-                </a:solidFill>
-              </a:rPr>
               <a:t>Length of Service vs. Promotion</a:t>
             </a:r>
             <a:endParaRPr lang="en-IN" b="1" dirty="0">
@@ -21559,6 +21450,66 @@
           </a:p>
         </p:txBody>
       </p:sp>
+      <p:pic>
+        <p:nvPicPr>
+          <p:cNvPr id="3" name="Picture 2">
+            <a:extLst>
+              <a:ext uri="{FF2B5EF4-FFF2-40B4-BE49-F238E27FC236}">
+                <a16:creationId xmlns:a16="http://schemas.microsoft.com/office/drawing/2014/main" id="{E6ACF9DD-2297-05B5-7F0C-F1E785466726}"/>
+              </a:ext>
+            </a:extLst>
+          </p:cNvPr>
+          <p:cNvPicPr>
+            <a:picLocks noChangeAspect="1"/>
+          </p:cNvPicPr>
+          <p:nvPr/>
+        </p:nvPicPr>
+        <p:blipFill>
+          <a:blip r:embed="rId3"/>
+          <a:stretch>
+            <a:fillRect/>
+          </a:stretch>
+        </p:blipFill>
+        <p:spPr>
+          <a:xfrm>
+            <a:off x="5836023" y="601222"/>
+            <a:ext cx="2813168" cy="2344307"/>
+          </a:xfrm>
+          <a:prstGeom prst="rect">
+            <a:avLst/>
+          </a:prstGeom>
+        </p:spPr>
+      </p:pic>
+      <p:pic>
+        <p:nvPicPr>
+          <p:cNvPr id="6" name="Picture 5">
+            <a:extLst>
+              <a:ext uri="{FF2B5EF4-FFF2-40B4-BE49-F238E27FC236}">
+                <a16:creationId xmlns:a16="http://schemas.microsoft.com/office/drawing/2014/main" id="{47C4FF93-820C-9870-ADF3-1E34170DB1B9}"/>
+              </a:ext>
+            </a:extLst>
+          </p:cNvPr>
+          <p:cNvPicPr>
+            <a:picLocks noChangeAspect="1"/>
+          </p:cNvPicPr>
+          <p:nvPr/>
+        </p:nvPicPr>
+        <p:blipFill>
+          <a:blip r:embed="rId4"/>
+          <a:stretch>
+            <a:fillRect/>
+          </a:stretch>
+        </p:blipFill>
+        <p:spPr>
+          <a:xfrm>
+            <a:off x="6669741" y="2998565"/>
+            <a:ext cx="2271709" cy="2044082"/>
+          </a:xfrm>
+          <a:prstGeom prst="rect">
+            <a:avLst/>
+          </a:prstGeom>
+        </p:spPr>
+      </p:pic>
     </p:spTree>
     <p:extLst>
       <p:ext uri="{BB962C8B-B14F-4D97-AF65-F5344CB8AC3E}">
@@ -21572,7 +21523,7 @@
 </p:sld>
 </file>
 
-<file path=ppt/slides/slide14.xml><?xml version="1.0" encoding="utf-8"?>
+<file path=ppt/slides/slide13.xml><?xml version="1.0" encoding="utf-8"?>
 <p:sld xmlns:a="http://schemas.openxmlformats.org/drawingml/2006/main" xmlns:r="http://schemas.openxmlformats.org/officeDocument/2006/relationships" xmlns:p="http://schemas.openxmlformats.org/presentationml/2006/main">
   <p:cSld>
     <p:spTree>
@@ -21928,6 +21879,66 @@
           </a:p>
         </p:txBody>
       </p:sp>
+      <p:pic>
+        <p:nvPicPr>
+          <p:cNvPr id="3" name="Picture 2">
+            <a:extLst>
+              <a:ext uri="{FF2B5EF4-FFF2-40B4-BE49-F238E27FC236}">
+                <a16:creationId xmlns:a16="http://schemas.microsoft.com/office/drawing/2014/main" id="{8EFF6A48-D1AC-75C6-9500-E67FF7251201}"/>
+              </a:ext>
+            </a:extLst>
+          </p:cNvPr>
+          <p:cNvPicPr>
+            <a:picLocks noChangeAspect="1"/>
+          </p:cNvPicPr>
+          <p:nvPr/>
+        </p:nvPicPr>
+        <p:blipFill>
+          <a:blip r:embed="rId3"/>
+          <a:stretch>
+            <a:fillRect/>
+          </a:stretch>
+        </p:blipFill>
+        <p:spPr>
+          <a:xfrm>
+            <a:off x="5909982" y="631226"/>
+            <a:ext cx="2813168" cy="2342336"/>
+          </a:xfrm>
+          <a:prstGeom prst="rect">
+            <a:avLst/>
+          </a:prstGeom>
+        </p:spPr>
+      </p:pic>
+      <p:pic>
+        <p:nvPicPr>
+          <p:cNvPr id="6" name="Picture 5">
+            <a:extLst>
+              <a:ext uri="{FF2B5EF4-FFF2-40B4-BE49-F238E27FC236}">
+                <a16:creationId xmlns:a16="http://schemas.microsoft.com/office/drawing/2014/main" id="{18871DDB-E5C9-B50C-0C70-638E82DAD6CA}"/>
+              </a:ext>
+            </a:extLst>
+          </p:cNvPr>
+          <p:cNvPicPr>
+            <a:picLocks noChangeAspect="1"/>
+          </p:cNvPicPr>
+          <p:nvPr/>
+        </p:nvPicPr>
+        <p:blipFill>
+          <a:blip r:embed="rId4"/>
+          <a:stretch>
+            <a:fillRect/>
+          </a:stretch>
+        </p:blipFill>
+        <p:spPr>
+          <a:xfrm>
+            <a:off x="6737015" y="2973562"/>
+            <a:ext cx="2412864" cy="2169616"/>
+          </a:xfrm>
+          <a:prstGeom prst="rect">
+            <a:avLst/>
+          </a:prstGeom>
+        </p:spPr>
+      </p:pic>
     </p:spTree>
     <p:extLst>
       <p:ext uri="{BB962C8B-B14F-4D97-AF65-F5344CB8AC3E}">
@@ -21941,8 +21952,693 @@
 </p:sld>
 </file>
 
+<file path=ppt/slides/slide14.xml><?xml version="1.0" encoding="utf-8"?>
+<p:sld xmlns:a="http://schemas.openxmlformats.org/drawingml/2006/main" xmlns:r="http://schemas.openxmlformats.org/officeDocument/2006/relationships" xmlns:p="http://schemas.openxmlformats.org/presentationml/2006/main">
+  <p:cSld>
+    <p:spTree>
+      <p:nvGrpSpPr>
+        <p:cNvPr id="1" name="Shape 129"/>
+        <p:cNvGrpSpPr/>
+        <p:nvPr/>
+      </p:nvGrpSpPr>
+      <p:grpSpPr>
+        <a:xfrm>
+          <a:off x="0" y="0"/>
+          <a:ext cx="0" cy="0"/>
+          <a:chOff x="0" y="0"/>
+          <a:chExt cx="0" cy="0"/>
+        </a:xfrm>
+      </p:grpSpPr>
+      <p:sp>
+        <p:nvSpPr>
+          <p:cNvPr id="130" name="Google Shape;130;g10e9006cb6c_1_7"/>
+          <p:cNvSpPr txBox="1">
+            <a:spLocks noGrp="1"/>
+          </p:cNvSpPr>
+          <p:nvPr>
+            <p:ph type="title"/>
+          </p:nvPr>
+        </p:nvSpPr>
+        <p:spPr>
+          <a:xfrm>
+            <a:off x="202550" y="289279"/>
+            <a:ext cx="8520600" cy="572700"/>
+          </a:xfrm>
+          <a:prstGeom prst="rect">
+            <a:avLst/>
+          </a:prstGeom>
+          <a:noFill/>
+          <a:ln>
+            <a:noFill/>
+          </a:ln>
+        </p:spPr>
+        <p:txBody>
+          <a:bodyPr spcFirstLastPara="1" wrap="square" lIns="91425" tIns="91425" rIns="91425" bIns="91425" anchor="t" anchorCtr="0">
+            <a:noAutofit/>
+          </a:bodyPr>
+          <a:lstStyle/>
+          <a:p>
+            <a:pPr marL="0" lvl="0" indent="0" algn="l" rtl="0">
+              <a:lnSpc>
+                <a:spcPct val="100000"/>
+              </a:lnSpc>
+              <a:spcBef>
+                <a:spcPts val="0"/>
+              </a:spcBef>
+              <a:spcAft>
+                <a:spcPts val="0"/>
+              </a:spcAft>
+              <a:buSzPts val="2200"/>
+              <a:buNone/>
+            </a:pPr>
+            <a:r>
+              <a:rPr lang="en" dirty="0">
+                <a:solidFill>
+                  <a:srgbClr val="1974D2"/>
+                </a:solidFill>
+              </a:rPr>
+              <a:t>EDA Results</a:t>
+            </a:r>
+            <a:endParaRPr dirty="0">
+              <a:solidFill>
+                <a:srgbClr val="1974D2"/>
+              </a:solidFill>
+            </a:endParaRPr>
+          </a:p>
+        </p:txBody>
+      </p:sp>
+      <p:sp>
+        <p:nvSpPr>
+          <p:cNvPr id="5" name="TextBox 4">
+            <a:extLst>
+              <a:ext uri="{FF2B5EF4-FFF2-40B4-BE49-F238E27FC236}">
+                <a16:creationId xmlns:a16="http://schemas.microsoft.com/office/drawing/2014/main" id="{0226BE46-3C74-1053-0BA6-DB71191754FB}"/>
+              </a:ext>
+            </a:extLst>
+          </p:cNvPr>
+          <p:cNvSpPr txBox="1"/>
+          <p:nvPr/>
+        </p:nvSpPr>
+        <p:spPr>
+          <a:xfrm>
+            <a:off x="202550" y="861979"/>
+            <a:ext cx="4572000" cy="307777"/>
+          </a:xfrm>
+          <a:prstGeom prst="rect">
+            <a:avLst/>
+          </a:prstGeom>
+          <a:noFill/>
+        </p:spPr>
+        <p:txBody>
+          <a:bodyPr wrap="square">
+            <a:spAutoFit/>
+          </a:bodyPr>
+          <a:lstStyle/>
+          <a:p>
+            <a:r>
+              <a:rPr lang="en-IN" b="1" dirty="0">
+                <a:solidFill>
+                  <a:srgbClr val="FF00FF"/>
+                </a:solidFill>
+              </a:rPr>
+              <a:t>Bivariate Analysis</a:t>
+            </a:r>
+          </a:p>
+        </p:txBody>
+      </p:sp>
+      <p:sp>
+        <p:nvSpPr>
+          <p:cNvPr id="9" name="TextBox 8">
+            <a:extLst>
+              <a:ext uri="{FF2B5EF4-FFF2-40B4-BE49-F238E27FC236}">
+                <a16:creationId xmlns:a16="http://schemas.microsoft.com/office/drawing/2014/main" id="{A868A253-7574-A67A-BED5-0C02FB802E3E}"/>
+              </a:ext>
+            </a:extLst>
+          </p:cNvPr>
+          <p:cNvSpPr txBox="1"/>
+          <p:nvPr/>
+        </p:nvSpPr>
+        <p:spPr>
+          <a:xfrm>
+            <a:off x="202550" y="1280790"/>
+            <a:ext cx="3731559" cy="307777"/>
+          </a:xfrm>
+          <a:prstGeom prst="rect">
+            <a:avLst/>
+          </a:prstGeom>
+          <a:noFill/>
+        </p:spPr>
+        <p:txBody>
+          <a:bodyPr wrap="square">
+            <a:spAutoFit/>
+          </a:bodyPr>
+          <a:lstStyle/>
+          <a:p>
+            <a:r>
+              <a:rPr lang="en-US" b="1" dirty="0">
+                <a:solidFill>
+                  <a:srgbClr val="0070C0"/>
+                </a:solidFill>
+              </a:rPr>
+              <a:t>Department vs. Promotion</a:t>
+            </a:r>
+            <a:endParaRPr lang="en-IN" b="1" dirty="0">
+              <a:solidFill>
+                <a:srgbClr val="0070C0"/>
+              </a:solidFill>
+            </a:endParaRPr>
+          </a:p>
+        </p:txBody>
+      </p:sp>
+      <p:sp>
+        <p:nvSpPr>
+          <p:cNvPr id="11" name="TextBox 10">
+            <a:extLst>
+              <a:ext uri="{FF2B5EF4-FFF2-40B4-BE49-F238E27FC236}">
+                <a16:creationId xmlns:a16="http://schemas.microsoft.com/office/drawing/2014/main" id="{34268306-0517-25FE-E6F1-86972B0C3700}"/>
+              </a:ext>
+            </a:extLst>
+          </p:cNvPr>
+          <p:cNvSpPr txBox="1"/>
+          <p:nvPr/>
+        </p:nvSpPr>
+        <p:spPr>
+          <a:xfrm>
+            <a:off x="289112" y="1588567"/>
+            <a:ext cx="5251076" cy="1569660"/>
+          </a:xfrm>
+          <a:prstGeom prst="rect">
+            <a:avLst/>
+          </a:prstGeom>
+          <a:noFill/>
+        </p:spPr>
+        <p:txBody>
+          <a:bodyPr wrap="square">
+            <a:spAutoFit/>
+          </a:bodyPr>
+          <a:lstStyle>
+            <a:defPPr marR="0" lvl="0" algn="l" rtl="0">
+              <a:lnSpc>
+                <a:spcPct val="100000"/>
+              </a:lnSpc>
+              <a:spcBef>
+                <a:spcPts val="0"/>
+              </a:spcBef>
+              <a:spcAft>
+                <a:spcPts val="0"/>
+              </a:spcAft>
+            </a:defPPr>
+            <a:lvl1pPr marL="285750" indent="-285750">
+              <a:buFont typeface="Arial" panose="020B0604020202020204" pitchFamily="34" charset="0"/>
+              <a:buChar char="•"/>
+              <a:defRPr sz="1200" b="1">
+                <a:latin typeface="Nunito" pitchFamily="2" charset="0"/>
+              </a:defRPr>
+            </a:lvl1pPr>
+          </a:lstStyle>
+          <a:p>
+            <a:r>
+              <a:rPr lang="en-US" dirty="0"/>
+              <a:t>Observation</a:t>
+            </a:r>
+            <a:r>
+              <a:rPr lang="en-US" b="0" dirty="0"/>
+              <a:t>: Promotion rates differ markedly across departments, with Sales &amp; Marketing, Operations, and Technology showing higher rates compared to the lower rates in R&amp;D and Legal.</a:t>
+            </a:r>
+          </a:p>
+          <a:p>
+            <a:endParaRPr lang="en-IN" b="0" dirty="0"/>
+          </a:p>
+          <a:p>
+            <a:r>
+              <a:rPr lang="en-US" dirty="0"/>
+              <a:t>Insight</a:t>
+            </a:r>
+            <a:r>
+              <a:rPr lang="en-US" b="0" dirty="0"/>
+              <a:t>: The variance in promotion rates across departments suggests the need for a standardized or department-specific approach to promotions to ensure fairness and tailored development opportunities.</a:t>
+            </a:r>
+            <a:endParaRPr lang="en-IN" b="0" dirty="0"/>
+          </a:p>
+        </p:txBody>
+      </p:sp>
+      <p:sp>
+        <p:nvSpPr>
+          <p:cNvPr id="12" name="TextBox 11">
+            <a:extLst>
+              <a:ext uri="{FF2B5EF4-FFF2-40B4-BE49-F238E27FC236}">
+                <a16:creationId xmlns:a16="http://schemas.microsoft.com/office/drawing/2014/main" id="{BC75912C-3AB4-3407-1816-32D8BC07E8E8}"/>
+              </a:ext>
+            </a:extLst>
+          </p:cNvPr>
+          <p:cNvSpPr txBox="1"/>
+          <p:nvPr/>
+        </p:nvSpPr>
+        <p:spPr>
+          <a:xfrm>
+            <a:off x="202550" y="3247157"/>
+            <a:ext cx="3731559" cy="307777"/>
+          </a:xfrm>
+          <a:prstGeom prst="rect">
+            <a:avLst/>
+          </a:prstGeom>
+          <a:noFill/>
+        </p:spPr>
+        <p:txBody>
+          <a:bodyPr wrap="square">
+            <a:spAutoFit/>
+          </a:bodyPr>
+          <a:lstStyle/>
+          <a:p>
+            <a:r>
+              <a:rPr lang="en-US" b="1" dirty="0">
+                <a:solidFill>
+                  <a:srgbClr val="0070C0"/>
+                </a:solidFill>
+              </a:rPr>
+              <a:t>Previous Year Rating vs. Promotion</a:t>
+            </a:r>
+            <a:endParaRPr lang="en-IN" b="1" dirty="0">
+              <a:solidFill>
+                <a:srgbClr val="0070C0"/>
+              </a:solidFill>
+            </a:endParaRPr>
+          </a:p>
+        </p:txBody>
+      </p:sp>
+      <p:sp>
+        <p:nvSpPr>
+          <p:cNvPr id="13" name="TextBox 12">
+            <a:extLst>
+              <a:ext uri="{FF2B5EF4-FFF2-40B4-BE49-F238E27FC236}">
+                <a16:creationId xmlns:a16="http://schemas.microsoft.com/office/drawing/2014/main" id="{DB0F268A-E400-8428-69EC-123211A6B184}"/>
+              </a:ext>
+            </a:extLst>
+          </p:cNvPr>
+          <p:cNvSpPr txBox="1"/>
+          <p:nvPr/>
+        </p:nvSpPr>
+        <p:spPr>
+          <a:xfrm>
+            <a:off x="289111" y="3554934"/>
+            <a:ext cx="5620871" cy="1200329"/>
+          </a:xfrm>
+          <a:prstGeom prst="rect">
+            <a:avLst/>
+          </a:prstGeom>
+          <a:noFill/>
+        </p:spPr>
+        <p:txBody>
+          <a:bodyPr wrap="square">
+            <a:spAutoFit/>
+          </a:bodyPr>
+          <a:lstStyle/>
+          <a:p>
+            <a:pPr marL="285750" indent="-285750">
+              <a:buFont typeface="Arial" panose="020B0604020202020204" pitchFamily="34" charset="0"/>
+              <a:buChar char="•"/>
+            </a:pPr>
+            <a:r>
+              <a:rPr lang="en-US" sz="1200" b="1" dirty="0">
+                <a:latin typeface="Nunito" pitchFamily="2" charset="0"/>
+              </a:rPr>
+              <a:t>Observation: </a:t>
+            </a:r>
+            <a:r>
+              <a:rPr lang="en-US" sz="1200" dirty="0">
+                <a:latin typeface="Nunito" pitchFamily="2" charset="0"/>
+              </a:rPr>
+              <a:t>Employees with higher performance ratings (4 and 5) show significantly higher promotion rates compared to those with lower ratings.</a:t>
+            </a:r>
+          </a:p>
+          <a:p>
+            <a:pPr marL="285750" indent="-285750">
+              <a:buFont typeface="Arial" panose="020B0604020202020204" pitchFamily="34" charset="0"/>
+              <a:buChar char="•"/>
+            </a:pPr>
+            <a:endParaRPr lang="en-IN" sz="1200" dirty="0">
+              <a:latin typeface="Nunito" pitchFamily="2" charset="0"/>
+            </a:endParaRPr>
+          </a:p>
+          <a:p>
+            <a:pPr marL="285750" indent="-285750">
+              <a:buFont typeface="Arial" panose="020B0604020202020204" pitchFamily="34" charset="0"/>
+              <a:buChar char="•"/>
+            </a:pPr>
+            <a:r>
+              <a:rPr lang="en-US" sz="1200" b="1" dirty="0">
+                <a:latin typeface="Nunito" pitchFamily="2" charset="0"/>
+              </a:rPr>
+              <a:t>Insight</a:t>
+            </a:r>
+            <a:r>
+              <a:rPr lang="en-US" sz="1200" dirty="0">
+                <a:latin typeface="Nunito" pitchFamily="2" charset="0"/>
+              </a:rPr>
+              <a:t>: This underscores the importance of performance evaluations in promotional decisions, suggesting that a transparent and fair rating system could directly impact employee motivation and career progression..</a:t>
+            </a:r>
+            <a:endParaRPr lang="en-IN" sz="1200" dirty="0">
+              <a:latin typeface="Nunito" pitchFamily="2" charset="0"/>
+            </a:endParaRPr>
+          </a:p>
+        </p:txBody>
+      </p:sp>
+      <p:pic>
+        <p:nvPicPr>
+          <p:cNvPr id="3" name="Picture 2">
+            <a:extLst>
+              <a:ext uri="{FF2B5EF4-FFF2-40B4-BE49-F238E27FC236}">
+                <a16:creationId xmlns:a16="http://schemas.microsoft.com/office/drawing/2014/main" id="{CC00EBAE-58DC-9EED-5BCE-205797DB455D}"/>
+              </a:ext>
+            </a:extLst>
+          </p:cNvPr>
+          <p:cNvPicPr>
+            <a:picLocks noChangeAspect="1"/>
+          </p:cNvPicPr>
+          <p:nvPr/>
+        </p:nvPicPr>
+        <p:blipFill>
+          <a:blip r:embed="rId3"/>
+          <a:stretch>
+            <a:fillRect/>
+          </a:stretch>
+        </p:blipFill>
+        <p:spPr>
+          <a:xfrm>
+            <a:off x="6098241" y="2725396"/>
+            <a:ext cx="3045759" cy="2386368"/>
+          </a:xfrm>
+          <a:prstGeom prst="rect">
+            <a:avLst/>
+          </a:prstGeom>
+        </p:spPr>
+      </p:pic>
+      <p:pic>
+        <p:nvPicPr>
+          <p:cNvPr id="14" name="Picture 13">
+            <a:extLst>
+              <a:ext uri="{FF2B5EF4-FFF2-40B4-BE49-F238E27FC236}">
+                <a16:creationId xmlns:a16="http://schemas.microsoft.com/office/drawing/2014/main" id="{D6DF2F4C-9B84-86C4-7718-1416588FE4B6}"/>
+              </a:ext>
+            </a:extLst>
+          </p:cNvPr>
+          <p:cNvPicPr>
+            <a:picLocks noChangeAspect="1"/>
+          </p:cNvPicPr>
+          <p:nvPr/>
+        </p:nvPicPr>
+        <p:blipFill>
+          <a:blip r:embed="rId4"/>
+          <a:stretch>
+            <a:fillRect/>
+          </a:stretch>
+        </p:blipFill>
+        <p:spPr>
+          <a:xfrm>
+            <a:off x="5626750" y="635583"/>
+            <a:ext cx="3188663" cy="2001851"/>
+          </a:xfrm>
+          <a:prstGeom prst="rect">
+            <a:avLst/>
+          </a:prstGeom>
+        </p:spPr>
+      </p:pic>
+    </p:spTree>
+    <p:extLst>
+      <p:ext uri="{BB962C8B-B14F-4D97-AF65-F5344CB8AC3E}">
+        <p14:creationId xmlns:p14="http://schemas.microsoft.com/office/powerpoint/2010/main" val="3024067633"/>
+      </p:ext>
+    </p:extLst>
+  </p:cSld>
+  <p:clrMapOvr>
+    <a:masterClrMapping/>
+  </p:clrMapOvr>
+</p:sld>
+</file>
+
 <file path=ppt/slides/slide15.xml><?xml version="1.0" encoding="utf-8"?>
 <p:sld xmlns:a="http://schemas.openxmlformats.org/drawingml/2006/main" xmlns:r="http://schemas.openxmlformats.org/officeDocument/2006/relationships" xmlns:p="http://schemas.openxmlformats.org/presentationml/2006/main">
+  <p:cSld>
+    <p:spTree>
+      <p:nvGrpSpPr>
+        <p:cNvPr id="1" name="Shape 136"/>
+        <p:cNvGrpSpPr/>
+        <p:nvPr/>
+      </p:nvGrpSpPr>
+      <p:grpSpPr>
+        <a:xfrm>
+          <a:off x="0" y="0"/>
+          <a:ext cx="0" cy="0"/>
+          <a:chOff x="0" y="0"/>
+          <a:chExt cx="0" cy="0"/>
+        </a:xfrm>
+      </p:grpSpPr>
+      <p:sp>
+        <p:nvSpPr>
+          <p:cNvPr id="137" name="Google Shape;137;p4"/>
+          <p:cNvSpPr txBox="1">
+            <a:spLocks noGrp="1"/>
+          </p:cNvSpPr>
+          <p:nvPr>
+            <p:ph type="title"/>
+          </p:nvPr>
+        </p:nvSpPr>
+        <p:spPr>
+          <a:xfrm>
+            <a:off x="229444" y="0"/>
+            <a:ext cx="8520600" cy="572700"/>
+          </a:xfrm>
+          <a:prstGeom prst="rect">
+            <a:avLst/>
+          </a:prstGeom>
+          <a:noFill/>
+          <a:ln>
+            <a:noFill/>
+          </a:ln>
+        </p:spPr>
+        <p:txBody>
+          <a:bodyPr spcFirstLastPara="1" wrap="square" lIns="91425" tIns="91425" rIns="91425" bIns="91425" anchor="t" anchorCtr="0">
+            <a:noAutofit/>
+          </a:bodyPr>
+          <a:lstStyle/>
+          <a:p>
+            <a:pPr marL="0" lvl="0" indent="0" algn="l" rtl="0">
+              <a:lnSpc>
+                <a:spcPct val="100000"/>
+              </a:lnSpc>
+              <a:spcBef>
+                <a:spcPts val="0"/>
+              </a:spcBef>
+              <a:spcAft>
+                <a:spcPts val="0"/>
+              </a:spcAft>
+              <a:buSzPts val="2200"/>
+              <a:buNone/>
+            </a:pPr>
+            <a:r>
+              <a:rPr lang="en" dirty="0">
+                <a:solidFill>
+                  <a:srgbClr val="1974D2"/>
+                </a:solidFill>
+              </a:rPr>
+              <a:t>Data Preprocessing </a:t>
+            </a:r>
+            <a:endParaRPr dirty="0">
+              <a:solidFill>
+                <a:srgbClr val="1974D2"/>
+              </a:solidFill>
+            </a:endParaRPr>
+          </a:p>
+        </p:txBody>
+      </p:sp>
+      <p:pic>
+        <p:nvPicPr>
+          <p:cNvPr id="9" name="Picture 8">
+            <a:extLst>
+              <a:ext uri="{FF2B5EF4-FFF2-40B4-BE49-F238E27FC236}">
+                <a16:creationId xmlns:a16="http://schemas.microsoft.com/office/drawing/2014/main" id="{826EAB0C-E939-E461-FF9B-D130A4EF7F97}"/>
+              </a:ext>
+            </a:extLst>
+          </p:cNvPr>
+          <p:cNvPicPr>
+            <a:picLocks noChangeAspect="1"/>
+          </p:cNvPicPr>
+          <p:nvPr/>
+        </p:nvPicPr>
+        <p:blipFill>
+          <a:blip r:embed="rId3"/>
+          <a:stretch>
+            <a:fillRect/>
+          </a:stretch>
+        </p:blipFill>
+        <p:spPr>
+          <a:xfrm>
+            <a:off x="292413" y="634087"/>
+            <a:ext cx="6569009" cy="739204"/>
+          </a:xfrm>
+          <a:prstGeom prst="rect">
+            <a:avLst/>
+          </a:prstGeom>
+        </p:spPr>
+      </p:pic>
+      <p:pic>
+        <p:nvPicPr>
+          <p:cNvPr id="11" name="Picture 10">
+            <a:extLst>
+              <a:ext uri="{FF2B5EF4-FFF2-40B4-BE49-F238E27FC236}">
+                <a16:creationId xmlns:a16="http://schemas.microsoft.com/office/drawing/2014/main" id="{2BC3986A-9ED5-28A3-9B1A-C06ED29036A6}"/>
+              </a:ext>
+            </a:extLst>
+          </p:cNvPr>
+          <p:cNvPicPr>
+            <a:picLocks noChangeAspect="1"/>
+          </p:cNvPicPr>
+          <p:nvPr/>
+        </p:nvPicPr>
+        <p:blipFill>
+          <a:blip r:embed="rId4"/>
+          <a:stretch>
+            <a:fillRect/>
+          </a:stretch>
+        </p:blipFill>
+        <p:spPr>
+          <a:xfrm>
+            <a:off x="292413" y="1434679"/>
+            <a:ext cx="6478181" cy="3587033"/>
+          </a:xfrm>
+          <a:prstGeom prst="rect">
+            <a:avLst/>
+          </a:prstGeom>
+        </p:spPr>
+      </p:pic>
+    </p:spTree>
+  </p:cSld>
+  <p:clrMapOvr>
+    <a:masterClrMapping/>
+  </p:clrMapOvr>
+</p:sld>
+</file>
+
+<file path=ppt/slides/slide16.xml><?xml version="1.0" encoding="utf-8"?>
+<p:sld xmlns:a="http://schemas.openxmlformats.org/drawingml/2006/main" xmlns:r="http://schemas.openxmlformats.org/officeDocument/2006/relationships" xmlns:p="http://schemas.openxmlformats.org/presentationml/2006/main">
+  <p:cSld>
+    <p:spTree>
+      <p:nvGrpSpPr>
+        <p:cNvPr id="1" name="Shape 136"/>
+        <p:cNvGrpSpPr/>
+        <p:nvPr/>
+      </p:nvGrpSpPr>
+      <p:grpSpPr>
+        <a:xfrm>
+          <a:off x="0" y="0"/>
+          <a:ext cx="0" cy="0"/>
+          <a:chOff x="0" y="0"/>
+          <a:chExt cx="0" cy="0"/>
+        </a:xfrm>
+      </p:grpSpPr>
+      <p:sp>
+        <p:nvSpPr>
+          <p:cNvPr id="137" name="Google Shape;137;p4"/>
+          <p:cNvSpPr txBox="1">
+            <a:spLocks noGrp="1"/>
+          </p:cNvSpPr>
+          <p:nvPr>
+            <p:ph type="title"/>
+          </p:nvPr>
+        </p:nvSpPr>
+        <p:spPr>
+          <a:xfrm>
+            <a:off x="229444" y="0"/>
+            <a:ext cx="8520600" cy="572700"/>
+          </a:xfrm>
+          <a:prstGeom prst="rect">
+            <a:avLst/>
+          </a:prstGeom>
+          <a:noFill/>
+          <a:ln>
+            <a:noFill/>
+          </a:ln>
+        </p:spPr>
+        <p:txBody>
+          <a:bodyPr spcFirstLastPara="1" wrap="square" lIns="91425" tIns="91425" rIns="91425" bIns="91425" anchor="t" anchorCtr="0">
+            <a:noAutofit/>
+          </a:bodyPr>
+          <a:lstStyle/>
+          <a:p>
+            <a:pPr marL="0" lvl="0" indent="0" algn="l" rtl="0">
+              <a:lnSpc>
+                <a:spcPct val="100000"/>
+              </a:lnSpc>
+              <a:spcBef>
+                <a:spcPts val="0"/>
+              </a:spcBef>
+              <a:spcAft>
+                <a:spcPts val="0"/>
+              </a:spcAft>
+              <a:buSzPts val="2200"/>
+              <a:buNone/>
+            </a:pPr>
+            <a:r>
+              <a:rPr lang="en" dirty="0">
+                <a:solidFill>
+                  <a:srgbClr val="1974D2"/>
+                </a:solidFill>
+              </a:rPr>
+              <a:t>Data Preprocessing </a:t>
+            </a:r>
+            <a:endParaRPr dirty="0">
+              <a:solidFill>
+                <a:srgbClr val="1974D2"/>
+              </a:solidFill>
+            </a:endParaRPr>
+          </a:p>
+        </p:txBody>
+      </p:sp>
+      <p:pic>
+        <p:nvPicPr>
+          <p:cNvPr id="3" name="Picture 2">
+            <a:extLst>
+              <a:ext uri="{FF2B5EF4-FFF2-40B4-BE49-F238E27FC236}">
+                <a16:creationId xmlns:a16="http://schemas.microsoft.com/office/drawing/2014/main" id="{8C4FCD63-6B6A-C871-3046-59CE94B88E35}"/>
+              </a:ext>
+            </a:extLst>
+          </p:cNvPr>
+          <p:cNvPicPr>
+            <a:picLocks noChangeAspect="1"/>
+          </p:cNvPicPr>
+          <p:nvPr/>
+        </p:nvPicPr>
+        <p:blipFill>
+          <a:blip r:embed="rId3"/>
+          <a:stretch>
+            <a:fillRect/>
+          </a:stretch>
+        </p:blipFill>
+        <p:spPr>
+          <a:xfrm>
+            <a:off x="229444" y="670820"/>
+            <a:ext cx="6548339" cy="4211221"/>
+          </a:xfrm>
+          <a:prstGeom prst="rect">
+            <a:avLst/>
+          </a:prstGeom>
+        </p:spPr>
+      </p:pic>
+    </p:spTree>
+    <p:extLst>
+      <p:ext uri="{BB962C8B-B14F-4D97-AF65-F5344CB8AC3E}">
+        <p14:creationId xmlns:p14="http://schemas.microsoft.com/office/powerpoint/2010/main" val="4241969066"/>
+      </p:ext>
+    </p:extLst>
+  </p:cSld>
+  <p:clrMapOvr>
+    <a:masterClrMapping/>
+  </p:clrMapOvr>
+</p:sld>
+</file>
+
+<file path=ppt/slides/slide17.xml><?xml version="1.0" encoding="utf-8"?>
+<p:sld xmlns:a="http://schemas.openxmlformats.org/drawingml/2006/main" xmlns:r="http://schemas.openxmlformats.org/officeDocument/2006/relationships" xmlns:p="http://schemas.openxmlformats.org/presentationml/2006/main" show="0">
   <p:cSld>
     <p:spTree>
       <p:nvGrpSpPr>
@@ -22001,14 +22697,14 @@
               <a:buNone/>
             </a:pPr>
             <a:r>
-              <a:rPr lang="en">
+              <a:rPr lang="en" dirty="0">
                 <a:solidFill>
                   <a:srgbClr val="1974D2"/>
                 </a:solidFill>
               </a:rPr>
               <a:t>Data Preprocessing </a:t>
             </a:r>
-            <a:endParaRPr>
+            <a:endParaRPr dirty="0">
               <a:solidFill>
                 <a:srgbClr val="1974D2"/>
               </a:solidFill>
@@ -22336,6 +23032,11 @@
         </p:txBody>
       </p:sp>
     </p:spTree>
+    <p:extLst>
+      <p:ext uri="{BB962C8B-B14F-4D97-AF65-F5344CB8AC3E}">
+        <p14:creationId xmlns:p14="http://schemas.microsoft.com/office/powerpoint/2010/main" val="2070267844"/>
+      </p:ext>
+    </p:extLst>
   </p:cSld>
   <p:clrMapOvr>
     <a:masterClrMapping/>
@@ -22343,7 +23044,7 @@
 </p:sld>
 </file>
 
-<file path=ppt/slides/slide16.xml><?xml version="1.0" encoding="utf-8"?>
+<file path=ppt/slides/slide18.xml><?xml version="1.0" encoding="utf-8"?>
 <p:sld xmlns:a="http://schemas.openxmlformats.org/drawingml/2006/main" xmlns:r="http://schemas.openxmlformats.org/officeDocument/2006/relationships" xmlns:p="http://schemas.openxmlformats.org/presentationml/2006/main">
   <p:cSld>
     <p:spTree>
@@ -22641,7 +23342,7 @@
 </p:sld>
 </file>
 
-<file path=ppt/slides/slide17.xml><?xml version="1.0" encoding="utf-8"?>
+<file path=ppt/slides/slide19.xml><?xml version="1.0" encoding="utf-8"?>
 <p:sld xmlns:a="http://schemas.openxmlformats.org/drawingml/2006/main" xmlns:r="http://schemas.openxmlformats.org/officeDocument/2006/relationships" xmlns:p="http://schemas.openxmlformats.org/presentationml/2006/main">
   <p:cSld>
     <p:spTree>
@@ -22715,271 +23416,6 @@
                 <a:schemeClr val="lt1"/>
               </a:solidFill>
             </a:endParaRPr>
-          </a:p>
-        </p:txBody>
-      </p:sp>
-    </p:spTree>
-  </p:cSld>
-  <p:clrMapOvr>
-    <a:masterClrMapping/>
-  </p:clrMapOvr>
-</p:sld>
-</file>
-
-<file path=ppt/slides/slide18.xml><?xml version="1.0" encoding="utf-8"?>
-<p:sld xmlns:a="http://schemas.openxmlformats.org/drawingml/2006/main" xmlns:r="http://schemas.openxmlformats.org/officeDocument/2006/relationships" xmlns:p="http://schemas.openxmlformats.org/presentationml/2006/main">
-  <p:cSld>
-    <p:spTree>
-      <p:nvGrpSpPr>
-        <p:cNvPr id="1" name="Shape 154"/>
-        <p:cNvGrpSpPr/>
-        <p:nvPr/>
-      </p:nvGrpSpPr>
-      <p:grpSpPr>
-        <a:xfrm>
-          <a:off x="0" y="0"/>
-          <a:ext cx="0" cy="0"/>
-          <a:chOff x="0" y="0"/>
-          <a:chExt cx="0" cy="0"/>
-        </a:xfrm>
-      </p:grpSpPr>
-      <p:sp>
-        <p:nvSpPr>
-          <p:cNvPr id="155" name="Google Shape;155;g10ae355dec7_0_0"/>
-          <p:cNvSpPr txBox="1">
-            <a:spLocks noGrp="1"/>
-          </p:cNvSpPr>
-          <p:nvPr>
-            <p:ph type="title"/>
-          </p:nvPr>
-        </p:nvSpPr>
-        <p:spPr>
-          <a:xfrm>
-            <a:off x="202550" y="289279"/>
-            <a:ext cx="8520600" cy="572700"/>
-          </a:xfrm>
-          <a:prstGeom prst="rect">
-            <a:avLst/>
-          </a:prstGeom>
-          <a:noFill/>
-          <a:ln>
-            <a:noFill/>
-          </a:ln>
-        </p:spPr>
-        <p:txBody>
-          <a:bodyPr spcFirstLastPara="1" wrap="square" lIns="91425" tIns="91425" rIns="91425" bIns="91425" anchor="t" anchorCtr="0">
-            <a:noAutofit/>
-          </a:bodyPr>
-          <a:lstStyle/>
-          <a:p>
-            <a:pPr marL="0" lvl="0" indent="0" algn="l" rtl="0">
-              <a:lnSpc>
-                <a:spcPct val="100000"/>
-              </a:lnSpc>
-              <a:spcBef>
-                <a:spcPts val="0"/>
-              </a:spcBef>
-              <a:spcAft>
-                <a:spcPts val="0"/>
-              </a:spcAft>
-              <a:buSzPts val="2200"/>
-              <a:buNone/>
-            </a:pPr>
-            <a:r>
-              <a:rPr lang="en">
-                <a:solidFill>
-                  <a:srgbClr val="1974D2"/>
-                </a:solidFill>
-              </a:rPr>
-              <a:t>Data Background and Contents</a:t>
-            </a:r>
-            <a:endParaRPr>
-              <a:solidFill>
-                <a:srgbClr val="1974D2"/>
-              </a:solidFill>
-            </a:endParaRPr>
-          </a:p>
-        </p:txBody>
-      </p:sp>
-      <p:sp>
-        <p:nvSpPr>
-          <p:cNvPr id="156" name="Google Shape;156;g10ae355dec7_0_0"/>
-          <p:cNvSpPr txBox="1">
-            <a:spLocks noGrp="1"/>
-          </p:cNvSpPr>
-          <p:nvPr>
-            <p:ph type="body" idx="1"/>
-          </p:nvPr>
-        </p:nvSpPr>
-        <p:spPr>
-          <a:xfrm>
-            <a:off x="202550" y="861975"/>
-            <a:ext cx="8629800" cy="3706800"/>
-          </a:xfrm>
-          <a:prstGeom prst="rect">
-            <a:avLst/>
-          </a:prstGeom>
-          <a:noFill/>
-          <a:ln>
-            <a:noFill/>
-          </a:ln>
-        </p:spPr>
-        <p:txBody>
-          <a:bodyPr spcFirstLastPara="1" wrap="square" lIns="91425" tIns="91425" rIns="91425" bIns="91425" anchor="t" anchorCtr="0">
-            <a:noAutofit/>
-          </a:bodyPr>
-          <a:lstStyle/>
-          <a:p>
-            <a:pPr marL="457200" lvl="0" indent="-317500" algn="l" rtl="0">
-              <a:lnSpc>
-                <a:spcPct val="115000"/>
-              </a:lnSpc>
-              <a:spcBef>
-                <a:spcPts val="1000"/>
-              </a:spcBef>
-              <a:spcAft>
-                <a:spcPts val="1000"/>
-              </a:spcAft>
-              <a:buClr>
-                <a:srgbClr val="000000"/>
-              </a:buClr>
-              <a:buSzPts val="1400"/>
-              <a:buChar char="●"/>
-            </a:pPr>
-            <a:r>
-              <a:rPr lang="en" sz="1400">
-                <a:solidFill>
-                  <a:schemeClr val="dk1"/>
-                </a:solidFill>
-              </a:rPr>
-              <a:t>Please mention about the data background and contents</a:t>
-            </a:r>
-            <a:endParaRPr sz="1400">
-              <a:solidFill>
-                <a:schemeClr val="dk1"/>
-              </a:solidFill>
-            </a:endParaRPr>
-          </a:p>
-        </p:txBody>
-      </p:sp>
-    </p:spTree>
-  </p:cSld>
-  <p:clrMapOvr>
-    <a:masterClrMapping/>
-  </p:clrMapOvr>
-</p:sld>
-</file>
-
-<file path=ppt/slides/slide19.xml><?xml version="1.0" encoding="utf-8"?>
-<p:sld xmlns:a="http://schemas.openxmlformats.org/drawingml/2006/main" xmlns:r="http://schemas.openxmlformats.org/officeDocument/2006/relationships" xmlns:p="http://schemas.openxmlformats.org/presentationml/2006/main">
-  <p:cSld>
-    <p:spTree>
-      <p:nvGrpSpPr>
-        <p:cNvPr id="1" name="Shape 174"/>
-        <p:cNvGrpSpPr/>
-        <p:nvPr/>
-      </p:nvGrpSpPr>
-      <p:grpSpPr>
-        <a:xfrm>
-          <a:off x="0" y="0"/>
-          <a:ext cx="0" cy="0"/>
-          <a:chOff x="0" y="0"/>
-          <a:chExt cx="0" cy="0"/>
-        </a:xfrm>
-      </p:grpSpPr>
-      <p:sp>
-        <p:nvSpPr>
-          <p:cNvPr id="175" name="Google Shape;175;g10ee00f67ea_0_55"/>
-          <p:cNvSpPr txBox="1">
-            <a:spLocks noGrp="1"/>
-          </p:cNvSpPr>
-          <p:nvPr>
-            <p:ph type="title"/>
-          </p:nvPr>
-        </p:nvSpPr>
-        <p:spPr>
-          <a:xfrm>
-            <a:off x="70129" y="6703219"/>
-            <a:ext cx="15008700" cy="697800"/>
-          </a:xfrm>
-          <a:prstGeom prst="rect">
-            <a:avLst/>
-          </a:prstGeom>
-          <a:noFill/>
-          <a:ln>
-            <a:noFill/>
-          </a:ln>
-        </p:spPr>
-        <p:txBody>
-          <a:bodyPr spcFirstLastPara="1" wrap="square" lIns="0" tIns="12850" rIns="0" bIns="0" anchor="t" anchorCtr="0">
-            <a:noAutofit/>
-          </a:bodyPr>
-          <a:lstStyle/>
-          <a:p>
-            <a:pPr marL="0" lvl="0" indent="0" algn="l" rtl="0">
-              <a:lnSpc>
-                <a:spcPct val="100000"/>
-              </a:lnSpc>
-              <a:spcBef>
-                <a:spcPts val="0"/>
-              </a:spcBef>
-              <a:spcAft>
-                <a:spcPts val="0"/>
-              </a:spcAft>
-              <a:buSzPts val="2200"/>
-              <a:buNone/>
-            </a:pPr>
-            <a:endParaRPr/>
-          </a:p>
-        </p:txBody>
-      </p:sp>
-      <p:sp>
-        <p:nvSpPr>
-          <p:cNvPr id="176" name="Google Shape;176;g10ee00f67ea_0_55"/>
-          <p:cNvSpPr txBox="1">
-            <a:spLocks noGrp="1"/>
-          </p:cNvSpPr>
-          <p:nvPr>
-            <p:ph type="sldNum" idx="4294967295"/>
-          </p:nvPr>
-        </p:nvSpPr>
-        <p:spPr>
-          <a:xfrm>
-            <a:off x="8556784" y="4749851"/>
-            <a:ext cx="548700" cy="393600"/>
-          </a:xfrm>
-          <a:prstGeom prst="rect">
-            <a:avLst/>
-          </a:prstGeom>
-          <a:noFill/>
-          <a:ln>
-            <a:noFill/>
-          </a:ln>
-        </p:spPr>
-        <p:txBody>
-          <a:bodyPr spcFirstLastPara="1" wrap="square" lIns="91425" tIns="91425" rIns="91425" bIns="91425" anchor="ctr" anchorCtr="0">
-            <a:noAutofit/>
-          </a:bodyPr>
-          <a:lstStyle/>
-          <a:p>
-            <a:pPr marL="0" lvl="0" indent="0" algn="ctr" rtl="0">
-              <a:lnSpc>
-                <a:spcPct val="100000"/>
-              </a:lnSpc>
-              <a:spcBef>
-                <a:spcPts val="0"/>
-              </a:spcBef>
-              <a:spcAft>
-                <a:spcPts val="0"/>
-              </a:spcAft>
-              <a:buSzPts val="800"/>
-              <a:buNone/>
-            </a:pPr>
-            <a:fld id="{00000000-1234-1234-1234-123412341234}" type="slidenum">
-              <a:rPr lang="en"/>
-              <a:t>19</a:t>
-            </a:fld>
-            <a:endParaRPr/>
           </a:p>
         </p:txBody>
       </p:sp>
@@ -23279,6 +23715,271 @@
                 <a:srgbClr val="000000"/>
               </a:solidFill>
             </a:endParaRPr>
+          </a:p>
+        </p:txBody>
+      </p:sp>
+    </p:spTree>
+  </p:cSld>
+  <p:clrMapOvr>
+    <a:masterClrMapping/>
+  </p:clrMapOvr>
+</p:sld>
+</file>
+
+<file path=ppt/slides/slide20.xml><?xml version="1.0" encoding="utf-8"?>
+<p:sld xmlns:a="http://schemas.openxmlformats.org/drawingml/2006/main" xmlns:r="http://schemas.openxmlformats.org/officeDocument/2006/relationships" xmlns:p="http://schemas.openxmlformats.org/presentationml/2006/main">
+  <p:cSld>
+    <p:spTree>
+      <p:nvGrpSpPr>
+        <p:cNvPr id="1" name="Shape 154"/>
+        <p:cNvGrpSpPr/>
+        <p:nvPr/>
+      </p:nvGrpSpPr>
+      <p:grpSpPr>
+        <a:xfrm>
+          <a:off x="0" y="0"/>
+          <a:ext cx="0" cy="0"/>
+          <a:chOff x="0" y="0"/>
+          <a:chExt cx="0" cy="0"/>
+        </a:xfrm>
+      </p:grpSpPr>
+      <p:sp>
+        <p:nvSpPr>
+          <p:cNvPr id="155" name="Google Shape;155;g10ae355dec7_0_0"/>
+          <p:cNvSpPr txBox="1">
+            <a:spLocks noGrp="1"/>
+          </p:cNvSpPr>
+          <p:nvPr>
+            <p:ph type="title"/>
+          </p:nvPr>
+        </p:nvSpPr>
+        <p:spPr>
+          <a:xfrm>
+            <a:off x="202550" y="289279"/>
+            <a:ext cx="8520600" cy="572700"/>
+          </a:xfrm>
+          <a:prstGeom prst="rect">
+            <a:avLst/>
+          </a:prstGeom>
+          <a:noFill/>
+          <a:ln>
+            <a:noFill/>
+          </a:ln>
+        </p:spPr>
+        <p:txBody>
+          <a:bodyPr spcFirstLastPara="1" wrap="square" lIns="91425" tIns="91425" rIns="91425" bIns="91425" anchor="t" anchorCtr="0">
+            <a:noAutofit/>
+          </a:bodyPr>
+          <a:lstStyle/>
+          <a:p>
+            <a:pPr marL="0" lvl="0" indent="0" algn="l" rtl="0">
+              <a:lnSpc>
+                <a:spcPct val="100000"/>
+              </a:lnSpc>
+              <a:spcBef>
+                <a:spcPts val="0"/>
+              </a:spcBef>
+              <a:spcAft>
+                <a:spcPts val="0"/>
+              </a:spcAft>
+              <a:buSzPts val="2200"/>
+              <a:buNone/>
+            </a:pPr>
+            <a:r>
+              <a:rPr lang="en">
+                <a:solidFill>
+                  <a:srgbClr val="1974D2"/>
+                </a:solidFill>
+              </a:rPr>
+              <a:t>Data Background and Contents</a:t>
+            </a:r>
+            <a:endParaRPr>
+              <a:solidFill>
+                <a:srgbClr val="1974D2"/>
+              </a:solidFill>
+            </a:endParaRPr>
+          </a:p>
+        </p:txBody>
+      </p:sp>
+      <p:sp>
+        <p:nvSpPr>
+          <p:cNvPr id="156" name="Google Shape;156;g10ae355dec7_0_0"/>
+          <p:cNvSpPr txBox="1">
+            <a:spLocks noGrp="1"/>
+          </p:cNvSpPr>
+          <p:nvPr>
+            <p:ph type="body" idx="1"/>
+          </p:nvPr>
+        </p:nvSpPr>
+        <p:spPr>
+          <a:xfrm>
+            <a:off x="202550" y="861975"/>
+            <a:ext cx="8629800" cy="3706800"/>
+          </a:xfrm>
+          <a:prstGeom prst="rect">
+            <a:avLst/>
+          </a:prstGeom>
+          <a:noFill/>
+          <a:ln>
+            <a:noFill/>
+          </a:ln>
+        </p:spPr>
+        <p:txBody>
+          <a:bodyPr spcFirstLastPara="1" wrap="square" lIns="91425" tIns="91425" rIns="91425" bIns="91425" anchor="t" anchorCtr="0">
+            <a:noAutofit/>
+          </a:bodyPr>
+          <a:lstStyle/>
+          <a:p>
+            <a:pPr marL="457200" lvl="0" indent="-317500" algn="l" rtl="0">
+              <a:lnSpc>
+                <a:spcPct val="115000"/>
+              </a:lnSpc>
+              <a:spcBef>
+                <a:spcPts val="1000"/>
+              </a:spcBef>
+              <a:spcAft>
+                <a:spcPts val="1000"/>
+              </a:spcAft>
+              <a:buClr>
+                <a:srgbClr val="000000"/>
+              </a:buClr>
+              <a:buSzPts val="1400"/>
+              <a:buChar char="●"/>
+            </a:pPr>
+            <a:r>
+              <a:rPr lang="en" sz="1400">
+                <a:solidFill>
+                  <a:schemeClr val="dk1"/>
+                </a:solidFill>
+              </a:rPr>
+              <a:t>Please mention about the data background and contents</a:t>
+            </a:r>
+            <a:endParaRPr sz="1400">
+              <a:solidFill>
+                <a:schemeClr val="dk1"/>
+              </a:solidFill>
+            </a:endParaRPr>
+          </a:p>
+        </p:txBody>
+      </p:sp>
+    </p:spTree>
+  </p:cSld>
+  <p:clrMapOvr>
+    <a:masterClrMapping/>
+  </p:clrMapOvr>
+</p:sld>
+</file>
+
+<file path=ppt/slides/slide21.xml><?xml version="1.0" encoding="utf-8"?>
+<p:sld xmlns:a="http://schemas.openxmlformats.org/drawingml/2006/main" xmlns:r="http://schemas.openxmlformats.org/officeDocument/2006/relationships" xmlns:p="http://schemas.openxmlformats.org/presentationml/2006/main">
+  <p:cSld>
+    <p:spTree>
+      <p:nvGrpSpPr>
+        <p:cNvPr id="1" name="Shape 174"/>
+        <p:cNvGrpSpPr/>
+        <p:nvPr/>
+      </p:nvGrpSpPr>
+      <p:grpSpPr>
+        <a:xfrm>
+          <a:off x="0" y="0"/>
+          <a:ext cx="0" cy="0"/>
+          <a:chOff x="0" y="0"/>
+          <a:chExt cx="0" cy="0"/>
+        </a:xfrm>
+      </p:grpSpPr>
+      <p:sp>
+        <p:nvSpPr>
+          <p:cNvPr id="175" name="Google Shape;175;g10ee00f67ea_0_55"/>
+          <p:cNvSpPr txBox="1">
+            <a:spLocks noGrp="1"/>
+          </p:cNvSpPr>
+          <p:nvPr>
+            <p:ph type="title"/>
+          </p:nvPr>
+        </p:nvSpPr>
+        <p:spPr>
+          <a:xfrm>
+            <a:off x="70129" y="6703219"/>
+            <a:ext cx="15008700" cy="697800"/>
+          </a:xfrm>
+          <a:prstGeom prst="rect">
+            <a:avLst/>
+          </a:prstGeom>
+          <a:noFill/>
+          <a:ln>
+            <a:noFill/>
+          </a:ln>
+        </p:spPr>
+        <p:txBody>
+          <a:bodyPr spcFirstLastPara="1" wrap="square" lIns="0" tIns="12850" rIns="0" bIns="0" anchor="t" anchorCtr="0">
+            <a:noAutofit/>
+          </a:bodyPr>
+          <a:lstStyle/>
+          <a:p>
+            <a:pPr marL="0" lvl="0" indent="0" algn="l" rtl="0">
+              <a:lnSpc>
+                <a:spcPct val="100000"/>
+              </a:lnSpc>
+              <a:spcBef>
+                <a:spcPts val="0"/>
+              </a:spcBef>
+              <a:spcAft>
+                <a:spcPts val="0"/>
+              </a:spcAft>
+              <a:buSzPts val="2200"/>
+              <a:buNone/>
+            </a:pPr>
+            <a:endParaRPr/>
+          </a:p>
+        </p:txBody>
+      </p:sp>
+      <p:sp>
+        <p:nvSpPr>
+          <p:cNvPr id="176" name="Google Shape;176;g10ee00f67ea_0_55"/>
+          <p:cNvSpPr txBox="1">
+            <a:spLocks noGrp="1"/>
+          </p:cNvSpPr>
+          <p:nvPr>
+            <p:ph type="sldNum" idx="4294967295"/>
+          </p:nvPr>
+        </p:nvSpPr>
+        <p:spPr>
+          <a:xfrm>
+            <a:off x="8556784" y="4749851"/>
+            <a:ext cx="548700" cy="393600"/>
+          </a:xfrm>
+          <a:prstGeom prst="rect">
+            <a:avLst/>
+          </a:prstGeom>
+          <a:noFill/>
+          <a:ln>
+            <a:noFill/>
+          </a:ln>
+        </p:spPr>
+        <p:txBody>
+          <a:bodyPr spcFirstLastPara="1" wrap="square" lIns="91425" tIns="91425" rIns="91425" bIns="91425" anchor="ctr" anchorCtr="0">
+            <a:noAutofit/>
+          </a:bodyPr>
+          <a:lstStyle/>
+          <a:p>
+            <a:pPr marL="0" lvl="0" indent="0" algn="ctr" rtl="0">
+              <a:lnSpc>
+                <a:spcPct val="100000"/>
+              </a:lnSpc>
+              <a:spcBef>
+                <a:spcPts val="0"/>
+              </a:spcBef>
+              <a:spcAft>
+                <a:spcPts val="0"/>
+              </a:spcAft>
+              <a:buSzPts val="800"/>
+              <a:buNone/>
+            </a:pPr>
+            <a:fld id="{00000000-1234-1234-1234-123412341234}" type="slidenum">
+              <a:rPr lang="en"/>
+              <a:t>21</a:t>
+            </a:fld>
+            <a:endParaRPr/>
           </a:p>
         </p:txBody>
       </p:sp>

--- a/GreatLearningProject/Advanced ML/LowCode_Additional__Project_AML.pptx
+++ b/GreatLearningProject/Advanced ML/LowCode_Additional__Project_AML.pptx
@@ -6,7 +6,7 @@
     <p:sldMasterId id="2147483659" r:id="rId2"/>
   </p:sldMasterIdLst>
   <p:notesMasterIdLst>
-    <p:notesMasterId r:id="rId24"/>
+    <p:notesMasterId r:id="rId23"/>
   </p:notesMasterIdLst>
   <p:sldIdLst>
     <p:sldId id="256" r:id="rId3"/>
@@ -16,42 +16,41 @@
     <p:sldId id="259" r:id="rId7"/>
     <p:sldId id="269" r:id="rId8"/>
     <p:sldId id="270" r:id="rId9"/>
-    <p:sldId id="260" r:id="rId10"/>
-    <p:sldId id="271" r:id="rId11"/>
-    <p:sldId id="272" r:id="rId12"/>
-    <p:sldId id="273" r:id="rId13"/>
-    <p:sldId id="275" r:id="rId14"/>
-    <p:sldId id="276" r:id="rId15"/>
-    <p:sldId id="274" r:id="rId16"/>
-    <p:sldId id="261" r:id="rId17"/>
-    <p:sldId id="278" r:id="rId18"/>
-    <p:sldId id="277" r:id="rId19"/>
-    <p:sldId id="262" r:id="rId20"/>
-    <p:sldId id="263" r:id="rId21"/>
-    <p:sldId id="264" r:id="rId22"/>
-    <p:sldId id="267" r:id="rId23"/>
+    <p:sldId id="271" r:id="rId10"/>
+    <p:sldId id="272" r:id="rId11"/>
+    <p:sldId id="273" r:id="rId12"/>
+    <p:sldId id="275" r:id="rId13"/>
+    <p:sldId id="276" r:id="rId14"/>
+    <p:sldId id="274" r:id="rId15"/>
+    <p:sldId id="261" r:id="rId16"/>
+    <p:sldId id="278" r:id="rId17"/>
+    <p:sldId id="262" r:id="rId18"/>
+    <p:sldId id="279" r:id="rId19"/>
+    <p:sldId id="280" r:id="rId20"/>
+    <p:sldId id="264" r:id="rId21"/>
+    <p:sldId id="267" r:id="rId22"/>
   </p:sldIdLst>
   <p:sldSz cx="9144000" cy="5143500" type="screen16x9"/>
   <p:notesSz cx="6858000" cy="9144000"/>
   <p:embeddedFontLst>
     <p:embeddedFont>
       <p:font typeface="Nunito" pitchFamily="2" charset="0"/>
-      <p:regular r:id="rId25"/>
-      <p:bold r:id="rId26"/>
-      <p:italic r:id="rId27"/>
-      <p:boldItalic r:id="rId28"/>
+      <p:regular r:id="rId24"/>
+      <p:bold r:id="rId25"/>
+      <p:italic r:id="rId26"/>
+      <p:boldItalic r:id="rId27"/>
     </p:embeddedFont>
     <p:embeddedFont>
       <p:font typeface="Nunito ExtraBold" pitchFamily="2" charset="0"/>
-      <p:bold r:id="rId29"/>
-      <p:boldItalic r:id="rId30"/>
+      <p:bold r:id="rId28"/>
+      <p:boldItalic r:id="rId29"/>
     </p:embeddedFont>
     <p:embeddedFont>
       <p:font typeface="Nunito SemiBold" pitchFamily="2" charset="0"/>
-      <p:regular r:id="rId31"/>
-      <p:bold r:id="rId32"/>
-      <p:italic r:id="rId33"/>
-      <p:boldItalic r:id="rId34"/>
+      <p:regular r:id="rId30"/>
+      <p:bold r:id="rId31"/>
+      <p:italic r:id="rId32"/>
+      <p:boldItalic r:id="rId33"/>
     </p:embeddedFont>
   </p:embeddedFontLst>
   <p:defaultTextStyle>
@@ -299,7 +298,7 @@
       </p15:sldGuideLst>
     </p:ext>
     <p:ext uri="http://customooxmlschemas.google.com/">
-      <go:slidesCustomData xmlns:go="http://customooxmlschemas.google.com/" xmlns:ahyp="http://schemas.microsoft.com/office/drawing/2018/hyperlinkcolor" xmlns:p15="http://schemas.microsoft.com/office/powerpoint/2012/main" xmlns:p14="http://schemas.microsoft.com/office/powerpoint/2010/main" xmlns:com="http://schemas.openxmlformats.org/drawingml/2006/compatibility" xmlns:pvml="urn:schemas-microsoft-com:office:powerpoint" xmlns:v="urn:schemas-microsoft-com:vml" xmlns:o="urn:schemas-microsoft-com:office:office" xmlns:dgm="http://schemas.openxmlformats.org/drawingml/2006/diagram" xmlns:c="http://schemas.openxmlformats.org/drawingml/2006/chart" xmlns:mv="urn:schemas-microsoft-com:mac:vml" xmlns:mc="http://schemas.openxmlformats.org/markup-compatibility/2006" xmlns="" r:id="rId35" roundtripDataSignature="AMtx7mjy58bmnyBVcGyV9EgDb1iunGsK+g=="/>
+      <go:slidesCustomData xmlns="" xmlns:mc="http://schemas.openxmlformats.org/markup-compatibility/2006" xmlns:mv="urn:schemas-microsoft-com:mac:vml" xmlns:c="http://schemas.openxmlformats.org/drawingml/2006/chart" xmlns:dgm="http://schemas.openxmlformats.org/drawingml/2006/diagram" xmlns:o="urn:schemas-microsoft-com:office:office" xmlns:v="urn:schemas-microsoft-com:vml" xmlns:pvml="urn:schemas-microsoft-com:office:powerpoint" xmlns:com="http://schemas.openxmlformats.org/drawingml/2006/compatibility" xmlns:p14="http://schemas.microsoft.com/office/powerpoint/2010/main" xmlns:p15="http://schemas.microsoft.com/office/powerpoint/2012/main" xmlns:ahyp="http://schemas.microsoft.com/office/drawing/2018/hyperlinkcolor" xmlns:go="http://customooxmlschemas.google.com/" r:id="rId35" roundtripDataSignature="AMtx7mjy58bmnyBVcGyV9EgDb1iunGsK+g=="/>
     </p:ext>
   </p:extLst>
 </p:presentation>
@@ -1123,7 +1122,7 @@
     </p:spTree>
     <p:extLst>
       <p:ext uri="{BB962C8B-B14F-4D97-AF65-F5344CB8AC3E}">
-        <p14:creationId xmlns:p14="http://schemas.microsoft.com/office/powerpoint/2010/main" val="2083471209"/>
+        <p14:creationId xmlns:p14="http://schemas.microsoft.com/office/powerpoint/2010/main" val="3740040214"/>
       </p:ext>
     </p:extLst>
   </p:cSld>
@@ -1250,7 +1249,7 @@
     </p:spTree>
     <p:extLst>
       <p:ext uri="{BB962C8B-B14F-4D97-AF65-F5344CB8AC3E}">
-        <p14:creationId xmlns:p14="http://schemas.microsoft.com/office/powerpoint/2010/main" val="3740040214"/>
+        <p14:creationId xmlns:p14="http://schemas.microsoft.com/office/powerpoint/2010/main" val="2512910413"/>
       </p:ext>
     </p:extLst>
   </p:cSld>
@@ -1377,7 +1376,7 @@
     </p:spTree>
     <p:extLst>
       <p:ext uri="{BB962C8B-B14F-4D97-AF65-F5344CB8AC3E}">
-        <p14:creationId xmlns:p14="http://schemas.microsoft.com/office/powerpoint/2010/main" val="2512910413"/>
+        <p14:creationId xmlns:p14="http://schemas.microsoft.com/office/powerpoint/2010/main" val="2354699851"/>
       </p:ext>
     </p:extLst>
   </p:cSld>
@@ -1504,7 +1503,7 @@
     </p:spTree>
     <p:extLst>
       <p:ext uri="{BB962C8B-B14F-4D97-AF65-F5344CB8AC3E}">
-        <p14:creationId xmlns:p14="http://schemas.microsoft.com/office/powerpoint/2010/main" val="2354699851"/>
+        <p14:creationId xmlns:p14="http://schemas.microsoft.com/office/powerpoint/2010/main" val="2483858448"/>
       </p:ext>
     </p:extLst>
   </p:cSld>
@@ -1519,7 +1518,7 @@
   <p:cSld>
     <p:spTree>
       <p:nvGrpSpPr>
-        <p:cNvPr id="1" name="Shape 126"/>
+        <p:cNvPr id="1" name="Shape 133"/>
         <p:cNvGrpSpPr/>
         <p:nvPr/>
       </p:nvGrpSpPr>
@@ -1533,7 +1532,7 @@
       </p:grpSpPr>
       <p:sp>
         <p:nvSpPr>
-          <p:cNvPr id="127" name="Google Shape;127;g10e9006cb6c_1_7:notes"/>
+          <p:cNvPr id="134" name="Google Shape;134;p4:notes"/>
           <p:cNvSpPr>
             <a:spLocks noGrp="1" noRot="1" noChangeAspect="1"/>
           </p:cNvSpPr>
@@ -1584,7 +1583,7 @@
       </p:sp>
       <p:sp>
         <p:nvSpPr>
-          <p:cNvPr id="128" name="Google Shape;128;g10e9006cb6c_1_7:notes"/>
+          <p:cNvPr id="135" name="Google Shape;135;p4:notes"/>
           <p:cNvSpPr txBox="1">
             <a:spLocks noGrp="1"/>
           </p:cNvSpPr>
@@ -1629,11 +1628,6 @@
         </p:txBody>
       </p:sp>
     </p:spTree>
-    <p:extLst>
-      <p:ext uri="{BB962C8B-B14F-4D97-AF65-F5344CB8AC3E}">
-        <p14:creationId xmlns:p14="http://schemas.microsoft.com/office/powerpoint/2010/main" val="2483858448"/>
-      </p:ext>
-    </p:extLst>
   </p:cSld>
   <p:clrMapOvr>
     <a:masterClrMapping/>
@@ -1756,6 +1750,11 @@
         </p:txBody>
       </p:sp>
     </p:spTree>
+    <p:extLst>
+      <p:ext uri="{BB962C8B-B14F-4D97-AF65-F5344CB8AC3E}">
+        <p14:creationId xmlns:p14="http://schemas.microsoft.com/office/powerpoint/2010/main" val="3721180908"/>
+      </p:ext>
+    </p:extLst>
   </p:cSld>
   <p:clrMapOvr>
     <a:masterClrMapping/>
@@ -1768,7 +1767,7 @@
   <p:cSld>
     <p:spTree>
       <p:nvGrpSpPr>
-        <p:cNvPr id="1" name="Shape 133"/>
+        <p:cNvPr id="1" name="Shape 139"/>
         <p:cNvGrpSpPr/>
         <p:nvPr/>
       </p:nvGrpSpPr>
@@ -1782,7 +1781,7 @@
       </p:grpSpPr>
       <p:sp>
         <p:nvSpPr>
-          <p:cNvPr id="134" name="Google Shape;134;p4:notes"/>
+          <p:cNvPr id="140" name="Google Shape;140;p6:notes"/>
           <p:cNvSpPr>
             <a:spLocks noGrp="1" noRot="1" noChangeAspect="1"/>
           </p:cNvSpPr>
@@ -1833,7 +1832,7 @@
       </p:sp>
       <p:sp>
         <p:nvSpPr>
-          <p:cNvPr id="135" name="Google Shape;135;p4:notes"/>
+          <p:cNvPr id="141" name="Google Shape;141;p6:notes"/>
           <p:cNvSpPr txBox="1">
             <a:spLocks noGrp="1"/>
           </p:cNvSpPr>
@@ -1878,11 +1877,6 @@
         </p:txBody>
       </p:sp>
     </p:spTree>
-    <p:extLst>
-      <p:ext uri="{BB962C8B-B14F-4D97-AF65-F5344CB8AC3E}">
-        <p14:creationId xmlns:p14="http://schemas.microsoft.com/office/powerpoint/2010/main" val="3721180908"/>
-      </p:ext>
-    </p:extLst>
   </p:cSld>
   <p:clrMapOvr>
     <a:masterClrMapping/>
@@ -1895,7 +1889,7 @@
   <p:cSld>
     <p:spTree>
       <p:nvGrpSpPr>
-        <p:cNvPr id="1" name="Shape 133"/>
+        <p:cNvPr id="1" name="Shape 139"/>
         <p:cNvGrpSpPr/>
         <p:nvPr/>
       </p:nvGrpSpPr>
@@ -1909,7 +1903,7 @@
       </p:grpSpPr>
       <p:sp>
         <p:nvSpPr>
-          <p:cNvPr id="134" name="Google Shape;134;p4:notes"/>
+          <p:cNvPr id="140" name="Google Shape;140;p6:notes"/>
           <p:cNvSpPr>
             <a:spLocks noGrp="1" noRot="1" noChangeAspect="1"/>
           </p:cNvSpPr>
@@ -1960,7 +1954,7 @@
       </p:sp>
       <p:sp>
         <p:nvSpPr>
-          <p:cNvPr id="135" name="Google Shape;135;p4:notes"/>
+          <p:cNvPr id="141" name="Google Shape;141;p6:notes"/>
           <p:cNvSpPr txBox="1">
             <a:spLocks noGrp="1"/>
           </p:cNvSpPr>
@@ -2007,7 +2001,7 @@
     </p:spTree>
     <p:extLst>
       <p:ext uri="{BB962C8B-B14F-4D97-AF65-F5344CB8AC3E}">
-        <p14:creationId xmlns:p14="http://schemas.microsoft.com/office/powerpoint/2010/main" val="2251441267"/>
+        <p14:creationId xmlns:p14="http://schemas.microsoft.com/office/powerpoint/2010/main" val="2913074346"/>
       </p:ext>
     </p:extLst>
   </p:cSld>
@@ -2132,6 +2126,11 @@
         </p:txBody>
       </p:sp>
     </p:spTree>
+    <p:extLst>
+      <p:ext uri="{BB962C8B-B14F-4D97-AF65-F5344CB8AC3E}">
+        <p14:creationId xmlns:p14="http://schemas.microsoft.com/office/powerpoint/2010/main" val="2473515212"/>
+      </p:ext>
+    </p:extLst>
   </p:cSld>
   <p:clrMapOvr>
     <a:masterClrMapping/>
@@ -2144,7 +2143,7 @@
   <p:cSld>
     <p:spTree>
       <p:nvGrpSpPr>
-        <p:cNvPr id="1" name="Shape 146"/>
+        <p:cNvPr id="1" name="Shape 151"/>
         <p:cNvGrpSpPr/>
         <p:nvPr/>
       </p:nvGrpSpPr>
@@ -2158,7 +2157,7 @@
       </p:grpSpPr>
       <p:sp>
         <p:nvSpPr>
-          <p:cNvPr id="147" name="Google Shape;147;g10e9006cb6c_1_20:notes"/>
+          <p:cNvPr id="152" name="Google Shape;152;g10ae355dec7_0_0:notes"/>
           <p:cNvSpPr>
             <a:spLocks noGrp="1" noRot="1" noChangeAspect="1"/>
           </p:cNvSpPr>
@@ -2209,7 +2208,7 @@
       </p:sp>
       <p:sp>
         <p:nvSpPr>
-          <p:cNvPr id="148" name="Google Shape;148;g10e9006cb6c_1_20:notes"/>
+          <p:cNvPr id="153" name="Google Shape;153;g10ae355dec7_0_0:notes"/>
           <p:cNvSpPr txBox="1">
             <a:spLocks noGrp="1"/>
           </p:cNvSpPr>
@@ -2388,128 +2387,6 @@
   <p:cSld>
     <p:spTree>
       <p:nvGrpSpPr>
-        <p:cNvPr id="1" name="Shape 151"/>
-        <p:cNvGrpSpPr/>
-        <p:nvPr/>
-      </p:nvGrpSpPr>
-      <p:grpSpPr>
-        <a:xfrm>
-          <a:off x="0" y="0"/>
-          <a:ext cx="0" cy="0"/>
-          <a:chOff x="0" y="0"/>
-          <a:chExt cx="0" cy="0"/>
-        </a:xfrm>
-      </p:grpSpPr>
-      <p:sp>
-        <p:nvSpPr>
-          <p:cNvPr id="152" name="Google Shape;152;g10ae355dec7_0_0:notes"/>
-          <p:cNvSpPr>
-            <a:spLocks noGrp="1" noRot="1" noChangeAspect="1"/>
-          </p:cNvSpPr>
-          <p:nvPr>
-            <p:ph type="sldImg" idx="2"/>
-          </p:nvPr>
-        </p:nvSpPr>
-        <p:spPr>
-          <a:xfrm>
-            <a:off x="381000" y="685800"/>
-            <a:ext cx="6096000" cy="3429000"/>
-          </a:xfrm>
-          <a:custGeom>
-            <a:avLst/>
-            <a:gdLst/>
-            <a:ahLst/>
-            <a:cxnLst/>
-            <a:rect l="l" t="t" r="r" b="b"/>
-            <a:pathLst>
-              <a:path w="120000" h="120000" extrusionOk="0">
-                <a:moveTo>
-                  <a:pt x="0" y="0"/>
-                </a:moveTo>
-                <a:lnTo>
-                  <a:pt x="120000" y="0"/>
-                </a:lnTo>
-                <a:lnTo>
-                  <a:pt x="120000" y="120000"/>
-                </a:lnTo>
-                <a:lnTo>
-                  <a:pt x="0" y="120000"/>
-                </a:lnTo>
-                <a:close/>
-              </a:path>
-            </a:pathLst>
-          </a:custGeom>
-          <a:noFill/>
-          <a:ln w="9525" cap="flat" cmpd="sng">
-            <a:solidFill>
-              <a:srgbClr val="000000"/>
-            </a:solidFill>
-            <a:prstDash val="solid"/>
-            <a:round/>
-            <a:headEnd type="none" w="sm" len="sm"/>
-            <a:tailEnd type="none" w="sm" len="sm"/>
-          </a:ln>
-        </p:spPr>
-      </p:sp>
-      <p:sp>
-        <p:nvSpPr>
-          <p:cNvPr id="153" name="Google Shape;153;g10ae355dec7_0_0:notes"/>
-          <p:cNvSpPr txBox="1">
-            <a:spLocks noGrp="1"/>
-          </p:cNvSpPr>
-          <p:nvPr>
-            <p:ph type="body" idx="1"/>
-          </p:nvPr>
-        </p:nvSpPr>
-        <p:spPr>
-          <a:xfrm>
-            <a:off x="685800" y="4343400"/>
-            <a:ext cx="5486400" cy="4114800"/>
-          </a:xfrm>
-          <a:prstGeom prst="rect">
-            <a:avLst/>
-          </a:prstGeom>
-          <a:noFill/>
-          <a:ln>
-            <a:noFill/>
-          </a:ln>
-        </p:spPr>
-        <p:txBody>
-          <a:bodyPr spcFirstLastPara="1" wrap="square" lIns="91425" tIns="91425" rIns="91425" bIns="91425" anchor="t" anchorCtr="0">
-            <a:noAutofit/>
-          </a:bodyPr>
-          <a:lstStyle/>
-          <a:p>
-            <a:pPr marL="0" lvl="0" indent="0" algn="l" rtl="0">
-              <a:lnSpc>
-                <a:spcPct val="100000"/>
-              </a:lnSpc>
-              <a:spcBef>
-                <a:spcPts val="0"/>
-              </a:spcBef>
-              <a:spcAft>
-                <a:spcPts val="0"/>
-              </a:spcAft>
-              <a:buSzPts val="1100"/>
-              <a:buNone/>
-            </a:pPr>
-            <a:endParaRPr/>
-          </a:p>
-        </p:txBody>
-      </p:sp>
-    </p:spTree>
-  </p:cSld>
-  <p:clrMapOvr>
-    <a:masterClrMapping/>
-  </p:clrMapOvr>
-</p:notes>
-</file>
-
-<file path=ppt/notesSlides/notesSlide21.xml><?xml version="1.0" encoding="utf-8"?>
-<p:notes xmlns:a="http://schemas.openxmlformats.org/drawingml/2006/main" xmlns:r="http://schemas.openxmlformats.org/officeDocument/2006/relationships" xmlns:p="http://schemas.openxmlformats.org/presentationml/2006/main" showMasterSp="0" showMasterPhAnim="0">
-  <p:cSld>
-    <p:spTree>
-      <p:nvGrpSpPr>
         <p:cNvPr id="1" name="Shape 169"/>
         <p:cNvGrpSpPr/>
         <p:nvPr/>
@@ -2675,7 +2552,7 @@
                 <a:cs typeface="Calibri"/>
                 <a:sym typeface="Calibri"/>
               </a:rPr>
-              <a:t>21</a:t>
+              <a:t>20</a:t>
             </a:fld>
             <a:endParaRPr sz="1200" b="0" i="0" u="none" strike="noStrike" cap="none">
               <a:solidFill>
@@ -3507,6 +3384,11 @@
         </p:txBody>
       </p:sp>
     </p:spTree>
+    <p:extLst>
+      <p:ext uri="{BB962C8B-B14F-4D97-AF65-F5344CB8AC3E}">
+        <p14:creationId xmlns:p14="http://schemas.microsoft.com/office/powerpoint/2010/main" val="4088215205"/>
+      </p:ext>
+    </p:extLst>
   </p:cSld>
   <p:clrMapOvr>
     <a:masterClrMapping/>
@@ -3631,7 +3513,7 @@
     </p:spTree>
     <p:extLst>
       <p:ext uri="{BB962C8B-B14F-4D97-AF65-F5344CB8AC3E}">
-        <p14:creationId xmlns:p14="http://schemas.microsoft.com/office/powerpoint/2010/main" val="4088215205"/>
+        <p14:creationId xmlns:p14="http://schemas.microsoft.com/office/powerpoint/2010/main" val="2083471209"/>
       </p:ext>
     </p:extLst>
   </p:cSld>
@@ -19378,7 +19260,7 @@
         <p:fade thruBlk="1"/>
       </p:transition>
     </mc:Choice>
-    <mc:Fallback xmlns:ahyp="http://schemas.microsoft.com/office/drawing/2018/hyperlinkcolor" xmlns:p15="http://schemas.microsoft.com/office/powerpoint/2012/main" xmlns:com="http://schemas.openxmlformats.org/drawingml/2006/compatibility" xmlns:pvml="urn:schemas-microsoft-com:office:powerpoint" xmlns:v="urn:schemas-microsoft-com:vml" xmlns:o="urn:schemas-microsoft-com:office:office" xmlns:dgm="http://schemas.openxmlformats.org/drawingml/2006/diagram" xmlns:c="http://schemas.openxmlformats.org/drawingml/2006/chart" xmlns:mv="urn:schemas-microsoft-com:mac:vml" xmlns="">
+    <mc:Fallback xmlns="" xmlns:mv="urn:schemas-microsoft-com:mac:vml" xmlns:c="http://schemas.openxmlformats.org/drawingml/2006/chart" xmlns:dgm="http://schemas.openxmlformats.org/drawingml/2006/diagram" xmlns:o="urn:schemas-microsoft-com:office:office" xmlns:v="urn:schemas-microsoft-com:vml" xmlns:pvml="urn:schemas-microsoft-com:office:powerpoint" xmlns:com="http://schemas.openxmlformats.org/drawingml/2006/compatibility" xmlns:p15="http://schemas.microsoft.com/office/powerpoint/2012/main" xmlns:ahyp="http://schemas.microsoft.com/office/drawing/2018/hyperlinkcolor">
       <p:transition>
         <p:fade/>
       </p:transition>
@@ -20408,421 +20290,6 @@
                   <a:srgbClr val="0070C0"/>
                 </a:solidFill>
               </a:rPr>
-              <a:t>Length of Service</a:t>
-            </a:r>
-          </a:p>
-        </p:txBody>
-      </p:sp>
-      <p:sp>
-        <p:nvSpPr>
-          <p:cNvPr id="11" name="TextBox 10">
-            <a:extLst>
-              <a:ext uri="{FF2B5EF4-FFF2-40B4-BE49-F238E27FC236}">
-                <a16:creationId xmlns:a16="http://schemas.microsoft.com/office/drawing/2014/main" id="{34268306-0517-25FE-E6F1-86972B0C3700}"/>
-              </a:ext>
-            </a:extLst>
-          </p:cNvPr>
-          <p:cNvSpPr txBox="1"/>
-          <p:nvPr/>
-        </p:nvSpPr>
-        <p:spPr>
-          <a:xfrm>
-            <a:off x="289112" y="1588567"/>
-            <a:ext cx="4920781" cy="1569660"/>
-          </a:xfrm>
-          <a:prstGeom prst="rect">
-            <a:avLst/>
-          </a:prstGeom>
-          <a:noFill/>
-        </p:spPr>
-        <p:txBody>
-          <a:bodyPr wrap="square">
-            <a:spAutoFit/>
-          </a:bodyPr>
-          <a:lstStyle/>
-          <a:p>
-            <a:pPr marL="285750" indent="-285750">
-              <a:buFont typeface="Arial" panose="020B0604020202020204" pitchFamily="34" charset="0"/>
-              <a:buChar char="•"/>
-            </a:pPr>
-            <a:r>
-              <a:rPr lang="en-US" sz="1200" b="1" dirty="0">
-                <a:latin typeface="Nunito" pitchFamily="2" charset="0"/>
-              </a:rPr>
-              <a:t>Observation: </a:t>
-            </a:r>
-            <a:r>
-              <a:rPr lang="en-US" sz="1200" dirty="0">
-                <a:latin typeface="Nunito" pitchFamily="2" charset="0"/>
-              </a:rPr>
-              <a:t>Employee tenure is right-skewed, most having between 1 to 10 years of service, with outliers showing up to 35 years.</a:t>
-            </a:r>
-          </a:p>
-          <a:p>
-            <a:pPr marL="285750" indent="-285750">
-              <a:buFont typeface="Arial" panose="020B0604020202020204" pitchFamily="34" charset="0"/>
-              <a:buChar char="•"/>
-            </a:pPr>
-            <a:endParaRPr lang="en-IN" sz="1200" dirty="0">
-              <a:latin typeface="Nunito" pitchFamily="2" charset="0"/>
-            </a:endParaRPr>
-          </a:p>
-          <a:p>
-            <a:pPr marL="285750" indent="-285750">
-              <a:buFont typeface="Arial" panose="020B0604020202020204" pitchFamily="34" charset="0"/>
-              <a:buChar char="•"/>
-            </a:pPr>
-            <a:r>
-              <a:rPr lang="en-US" sz="1200" b="1" dirty="0">
-                <a:latin typeface="Nunito" pitchFamily="2" charset="0"/>
-              </a:rPr>
-              <a:t>Insight: </a:t>
-            </a:r>
-            <a:r>
-              <a:rPr lang="en-US" sz="1200" dirty="0">
-                <a:latin typeface="Nunito" pitchFamily="2" charset="0"/>
-              </a:rPr>
-              <a:t>While a large part of the workforce is relatively new, there exists a segment of highly experienced employees, potentially indicating loyalty or a lack of career progression opportunities.</a:t>
-            </a:r>
-            <a:endParaRPr lang="en-IN" sz="1200" dirty="0">
-              <a:latin typeface="Nunito" pitchFamily="2" charset="0"/>
-            </a:endParaRPr>
-          </a:p>
-        </p:txBody>
-      </p:sp>
-      <p:sp>
-        <p:nvSpPr>
-          <p:cNvPr id="12" name="TextBox 11">
-            <a:extLst>
-              <a:ext uri="{FF2B5EF4-FFF2-40B4-BE49-F238E27FC236}">
-                <a16:creationId xmlns:a16="http://schemas.microsoft.com/office/drawing/2014/main" id="{BC75912C-3AB4-3407-1816-32D8BC07E8E8}"/>
-              </a:ext>
-            </a:extLst>
-          </p:cNvPr>
-          <p:cNvSpPr txBox="1"/>
-          <p:nvPr/>
-        </p:nvSpPr>
-        <p:spPr>
-          <a:xfrm>
-            <a:off x="202550" y="3247157"/>
-            <a:ext cx="3731559" cy="307777"/>
-          </a:xfrm>
-          <a:prstGeom prst="rect">
-            <a:avLst/>
-          </a:prstGeom>
-          <a:noFill/>
-        </p:spPr>
-        <p:txBody>
-          <a:bodyPr wrap="square">
-            <a:spAutoFit/>
-          </a:bodyPr>
-          <a:lstStyle/>
-          <a:p>
-            <a:r>
-              <a:rPr lang="en-IN" b="1" dirty="0">
-                <a:solidFill>
-                  <a:srgbClr val="0070C0"/>
-                </a:solidFill>
-              </a:rPr>
-              <a:t>Promotion Rates</a:t>
-            </a:r>
-          </a:p>
-        </p:txBody>
-      </p:sp>
-      <p:sp>
-        <p:nvSpPr>
-          <p:cNvPr id="13" name="TextBox 12">
-            <a:extLst>
-              <a:ext uri="{FF2B5EF4-FFF2-40B4-BE49-F238E27FC236}">
-                <a16:creationId xmlns:a16="http://schemas.microsoft.com/office/drawing/2014/main" id="{DB0F268A-E400-8428-69EC-123211A6B184}"/>
-              </a:ext>
-            </a:extLst>
-          </p:cNvPr>
-          <p:cNvSpPr txBox="1"/>
-          <p:nvPr/>
-        </p:nvSpPr>
-        <p:spPr>
-          <a:xfrm>
-            <a:off x="289111" y="3554934"/>
-            <a:ext cx="5035923" cy="1384995"/>
-          </a:xfrm>
-          <a:prstGeom prst="rect">
-            <a:avLst/>
-          </a:prstGeom>
-          <a:noFill/>
-        </p:spPr>
-        <p:txBody>
-          <a:bodyPr wrap="square">
-            <a:spAutoFit/>
-          </a:bodyPr>
-          <a:lstStyle/>
-          <a:p>
-            <a:pPr marL="285750" indent="-285750">
-              <a:buFont typeface="Arial" panose="020B0604020202020204" pitchFamily="34" charset="0"/>
-              <a:buChar char="•"/>
-            </a:pPr>
-            <a:r>
-              <a:rPr lang="en-IN" sz="1200" b="1" dirty="0">
-                <a:latin typeface="Nunito" pitchFamily="2" charset="0"/>
-              </a:rPr>
-              <a:t>Observation </a:t>
-            </a:r>
-            <a:r>
-              <a:rPr lang="en-US" sz="1200" dirty="0">
-                <a:latin typeface="Nunito" pitchFamily="2" charset="0"/>
-              </a:rPr>
-              <a:t>: A stark contrast exists between the large number of employees not promoted versus the few who are, with an overall low promotion rate.</a:t>
-            </a:r>
-          </a:p>
-          <a:p>
-            <a:endParaRPr lang="en-IN" sz="1200" dirty="0">
-              <a:latin typeface="Nunito" pitchFamily="2" charset="0"/>
-            </a:endParaRPr>
-          </a:p>
-          <a:p>
-            <a:pPr marL="285750" indent="-285750">
-              <a:buFont typeface="Arial" panose="020B0604020202020204" pitchFamily="34" charset="0"/>
-              <a:buChar char="•"/>
-            </a:pPr>
-            <a:r>
-              <a:rPr lang="en-US" sz="1200" b="1" dirty="0">
-                <a:latin typeface="Nunito" pitchFamily="2" charset="0"/>
-              </a:rPr>
-              <a:t>Insight </a:t>
-            </a:r>
-            <a:r>
-              <a:rPr lang="en-US" sz="1200" dirty="0">
-                <a:latin typeface="Nunito" pitchFamily="2" charset="0"/>
-              </a:rPr>
-              <a:t>: The competitive or stringent nature of promotions suggests potential morale or retention issues, emphasizing the need for a more transparent or criteria-based promotion system..</a:t>
-            </a:r>
-            <a:endParaRPr lang="en-IN" sz="1200" dirty="0">
-              <a:latin typeface="Nunito" pitchFamily="2" charset="0"/>
-            </a:endParaRPr>
-          </a:p>
-        </p:txBody>
-      </p:sp>
-      <p:pic>
-        <p:nvPicPr>
-          <p:cNvPr id="3" name="Picture 2">
-            <a:extLst>
-              <a:ext uri="{FF2B5EF4-FFF2-40B4-BE49-F238E27FC236}">
-                <a16:creationId xmlns:a16="http://schemas.microsoft.com/office/drawing/2014/main" id="{DC048646-F7B7-31A7-5798-74C79694E489}"/>
-              </a:ext>
-            </a:extLst>
-          </p:cNvPr>
-          <p:cNvPicPr>
-            <a:picLocks noChangeAspect="1"/>
-          </p:cNvPicPr>
-          <p:nvPr/>
-        </p:nvPicPr>
-        <p:blipFill>
-          <a:blip r:embed="rId3"/>
-          <a:stretch>
-            <a:fillRect/>
-          </a:stretch>
-        </p:blipFill>
-        <p:spPr>
-          <a:xfrm>
-            <a:off x="5171566" y="595593"/>
-            <a:ext cx="3638146" cy="2159925"/>
-          </a:xfrm>
-          <a:prstGeom prst="rect">
-            <a:avLst/>
-          </a:prstGeom>
-        </p:spPr>
-      </p:pic>
-      <p:pic>
-        <p:nvPicPr>
-          <p:cNvPr id="6" name="Picture 5">
-            <a:extLst>
-              <a:ext uri="{FF2B5EF4-FFF2-40B4-BE49-F238E27FC236}">
-                <a16:creationId xmlns:a16="http://schemas.microsoft.com/office/drawing/2014/main" id="{0521ECF6-7671-D169-D5AA-9ED903DE902C}"/>
-              </a:ext>
-            </a:extLst>
-          </p:cNvPr>
-          <p:cNvPicPr>
-            <a:picLocks noChangeAspect="1"/>
-          </p:cNvPicPr>
-          <p:nvPr/>
-        </p:nvPicPr>
-        <p:blipFill>
-          <a:blip r:embed="rId4"/>
-          <a:stretch>
-            <a:fillRect/>
-          </a:stretch>
-        </p:blipFill>
-        <p:spPr>
-          <a:xfrm>
-            <a:off x="6216532" y="2755518"/>
-            <a:ext cx="2638356" cy="2273107"/>
-          </a:xfrm>
-          <a:prstGeom prst="rect">
-            <a:avLst/>
-          </a:prstGeom>
-        </p:spPr>
-      </p:pic>
-    </p:spTree>
-    <p:extLst>
-      <p:ext uri="{BB962C8B-B14F-4D97-AF65-F5344CB8AC3E}">
-        <p14:creationId xmlns:p14="http://schemas.microsoft.com/office/powerpoint/2010/main" val="124631022"/>
-      </p:ext>
-    </p:extLst>
-  </p:cSld>
-  <p:clrMapOvr>
-    <a:masterClrMapping/>
-  </p:clrMapOvr>
-</p:sld>
-</file>
-
-<file path=ppt/slides/slide11.xml><?xml version="1.0" encoding="utf-8"?>
-<p:sld xmlns:a="http://schemas.openxmlformats.org/drawingml/2006/main" xmlns:r="http://schemas.openxmlformats.org/officeDocument/2006/relationships" xmlns:p="http://schemas.openxmlformats.org/presentationml/2006/main">
-  <p:cSld>
-    <p:spTree>
-      <p:nvGrpSpPr>
-        <p:cNvPr id="1" name="Shape 129"/>
-        <p:cNvGrpSpPr/>
-        <p:nvPr/>
-      </p:nvGrpSpPr>
-      <p:grpSpPr>
-        <a:xfrm>
-          <a:off x="0" y="0"/>
-          <a:ext cx="0" cy="0"/>
-          <a:chOff x="0" y="0"/>
-          <a:chExt cx="0" cy="0"/>
-        </a:xfrm>
-      </p:grpSpPr>
-      <p:sp>
-        <p:nvSpPr>
-          <p:cNvPr id="130" name="Google Shape;130;g10e9006cb6c_1_7"/>
-          <p:cNvSpPr txBox="1">
-            <a:spLocks noGrp="1"/>
-          </p:cNvSpPr>
-          <p:nvPr>
-            <p:ph type="title"/>
-          </p:nvPr>
-        </p:nvSpPr>
-        <p:spPr>
-          <a:xfrm>
-            <a:off x="202550" y="289279"/>
-            <a:ext cx="8520600" cy="572700"/>
-          </a:xfrm>
-          <a:prstGeom prst="rect">
-            <a:avLst/>
-          </a:prstGeom>
-          <a:noFill/>
-          <a:ln>
-            <a:noFill/>
-          </a:ln>
-        </p:spPr>
-        <p:txBody>
-          <a:bodyPr spcFirstLastPara="1" wrap="square" lIns="91425" tIns="91425" rIns="91425" bIns="91425" anchor="t" anchorCtr="0">
-            <a:noAutofit/>
-          </a:bodyPr>
-          <a:lstStyle/>
-          <a:p>
-            <a:pPr marL="0" lvl="0" indent="0" algn="l" rtl="0">
-              <a:lnSpc>
-                <a:spcPct val="100000"/>
-              </a:lnSpc>
-              <a:spcBef>
-                <a:spcPts val="0"/>
-              </a:spcBef>
-              <a:spcAft>
-                <a:spcPts val="0"/>
-              </a:spcAft>
-              <a:buSzPts val="2200"/>
-              <a:buNone/>
-            </a:pPr>
-            <a:r>
-              <a:rPr lang="en" dirty="0">
-                <a:solidFill>
-                  <a:srgbClr val="1974D2"/>
-                </a:solidFill>
-              </a:rPr>
-              <a:t>EDA Results</a:t>
-            </a:r>
-            <a:endParaRPr dirty="0">
-              <a:solidFill>
-                <a:srgbClr val="1974D2"/>
-              </a:solidFill>
-            </a:endParaRPr>
-          </a:p>
-        </p:txBody>
-      </p:sp>
-      <p:sp>
-        <p:nvSpPr>
-          <p:cNvPr id="5" name="TextBox 4">
-            <a:extLst>
-              <a:ext uri="{FF2B5EF4-FFF2-40B4-BE49-F238E27FC236}">
-                <a16:creationId xmlns:a16="http://schemas.microsoft.com/office/drawing/2014/main" id="{0226BE46-3C74-1053-0BA6-DB71191754FB}"/>
-              </a:ext>
-            </a:extLst>
-          </p:cNvPr>
-          <p:cNvSpPr txBox="1"/>
-          <p:nvPr/>
-        </p:nvSpPr>
-        <p:spPr>
-          <a:xfrm>
-            <a:off x="202550" y="861979"/>
-            <a:ext cx="4572000" cy="307777"/>
-          </a:xfrm>
-          <a:prstGeom prst="rect">
-            <a:avLst/>
-          </a:prstGeom>
-          <a:noFill/>
-        </p:spPr>
-        <p:txBody>
-          <a:bodyPr wrap="square">
-            <a:spAutoFit/>
-          </a:bodyPr>
-          <a:lstStyle/>
-          <a:p>
-            <a:r>
-              <a:rPr lang="en-IN" b="1" dirty="0">
-                <a:solidFill>
-                  <a:srgbClr val="FF00FF"/>
-                </a:solidFill>
-              </a:rPr>
-              <a:t>Univariate Analysis</a:t>
-            </a:r>
-          </a:p>
-        </p:txBody>
-      </p:sp>
-      <p:sp>
-        <p:nvSpPr>
-          <p:cNvPr id="9" name="TextBox 8">
-            <a:extLst>
-              <a:ext uri="{FF2B5EF4-FFF2-40B4-BE49-F238E27FC236}">
-                <a16:creationId xmlns:a16="http://schemas.microsoft.com/office/drawing/2014/main" id="{A868A253-7574-A67A-BED5-0C02FB802E3E}"/>
-              </a:ext>
-            </a:extLst>
-          </p:cNvPr>
-          <p:cNvSpPr txBox="1"/>
-          <p:nvPr/>
-        </p:nvSpPr>
-        <p:spPr>
-          <a:xfrm>
-            <a:off x="202550" y="1280790"/>
-            <a:ext cx="3731559" cy="307777"/>
-          </a:xfrm>
-          <a:prstGeom prst="rect">
-            <a:avLst/>
-          </a:prstGeom>
-          <a:noFill/>
-        </p:spPr>
-        <p:txBody>
-          <a:bodyPr wrap="square">
-            <a:spAutoFit/>
-          </a:bodyPr>
-          <a:lstStyle/>
-          <a:p>
-            <a:r>
-              <a:rPr lang="en-IN" b="1" dirty="0">
-                <a:solidFill>
-                  <a:srgbClr val="0070C0"/>
-                </a:solidFill>
-              </a:rPr>
               <a:t>Average Training Score</a:t>
             </a:r>
           </a:p>
@@ -21094,7 +20561,7 @@
 </p:sld>
 </file>
 
-<file path=ppt/slides/slide12.xml><?xml version="1.0" encoding="utf-8"?>
+<file path=ppt/slides/slide11.xml><?xml version="1.0" encoding="utf-8"?>
 <p:sld xmlns:a="http://schemas.openxmlformats.org/drawingml/2006/main" xmlns:r="http://schemas.openxmlformats.org/officeDocument/2006/relationships" xmlns:p="http://schemas.openxmlformats.org/presentationml/2006/main">
   <p:cSld>
     <p:spTree>
@@ -21523,7 +20990,7 @@
 </p:sld>
 </file>
 
-<file path=ppt/slides/slide13.xml><?xml version="1.0" encoding="utf-8"?>
+<file path=ppt/slides/slide12.xml><?xml version="1.0" encoding="utf-8"?>
 <p:sld xmlns:a="http://schemas.openxmlformats.org/drawingml/2006/main" xmlns:r="http://schemas.openxmlformats.org/officeDocument/2006/relationships" xmlns:p="http://schemas.openxmlformats.org/presentationml/2006/main">
   <p:cSld>
     <p:spTree>
@@ -21952,7 +21419,7 @@
 </p:sld>
 </file>
 
-<file path=ppt/slides/slide14.xml><?xml version="1.0" encoding="utf-8"?>
+<file path=ppt/slides/slide13.xml><?xml version="1.0" encoding="utf-8"?>
 <p:sld xmlns:a="http://schemas.openxmlformats.org/drawingml/2006/main" xmlns:r="http://schemas.openxmlformats.org/officeDocument/2006/relationships" xmlns:p="http://schemas.openxmlformats.org/presentationml/2006/main">
   <p:cSld>
     <p:spTree>
@@ -22376,7 +21843,7 @@
 </p:sld>
 </file>
 
-<file path=ppt/slides/slide15.xml><?xml version="1.0" encoding="utf-8"?>
+<file path=ppt/slides/slide14.xml><?xml version="1.0" encoding="utf-8"?>
 <p:sld xmlns:a="http://schemas.openxmlformats.org/drawingml/2006/main" xmlns:r="http://schemas.openxmlformats.org/officeDocument/2006/relationships" xmlns:p="http://schemas.openxmlformats.org/presentationml/2006/main">
   <p:cSld>
     <p:spTree>
@@ -22519,7 +21986,7 @@
 </p:sld>
 </file>
 
-<file path=ppt/slides/slide16.xml><?xml version="1.0" encoding="utf-8"?>
+<file path=ppt/slides/slide15.xml><?xml version="1.0" encoding="utf-8"?>
 <p:sld xmlns:a="http://schemas.openxmlformats.org/drawingml/2006/main" xmlns:r="http://schemas.openxmlformats.org/officeDocument/2006/relationships" xmlns:p="http://schemas.openxmlformats.org/presentationml/2006/main">
   <p:cSld>
     <p:spTree>
@@ -22637,414 +22104,7 @@
 </p:sld>
 </file>
 
-<file path=ppt/slides/slide17.xml><?xml version="1.0" encoding="utf-8"?>
-<p:sld xmlns:a="http://schemas.openxmlformats.org/drawingml/2006/main" xmlns:r="http://schemas.openxmlformats.org/officeDocument/2006/relationships" xmlns:p="http://schemas.openxmlformats.org/presentationml/2006/main" show="0">
-  <p:cSld>
-    <p:spTree>
-      <p:nvGrpSpPr>
-        <p:cNvPr id="1" name="Shape 136"/>
-        <p:cNvGrpSpPr/>
-        <p:nvPr/>
-      </p:nvGrpSpPr>
-      <p:grpSpPr>
-        <a:xfrm>
-          <a:off x="0" y="0"/>
-          <a:ext cx="0" cy="0"/>
-          <a:chOff x="0" y="0"/>
-          <a:chExt cx="0" cy="0"/>
-        </a:xfrm>
-      </p:grpSpPr>
-      <p:sp>
-        <p:nvSpPr>
-          <p:cNvPr id="137" name="Google Shape;137;p4"/>
-          <p:cNvSpPr txBox="1">
-            <a:spLocks noGrp="1"/>
-          </p:cNvSpPr>
-          <p:nvPr>
-            <p:ph type="title"/>
-          </p:nvPr>
-        </p:nvSpPr>
-        <p:spPr>
-          <a:xfrm>
-            <a:off x="202550" y="289279"/>
-            <a:ext cx="8520600" cy="572700"/>
-          </a:xfrm>
-          <a:prstGeom prst="rect">
-            <a:avLst/>
-          </a:prstGeom>
-          <a:noFill/>
-          <a:ln>
-            <a:noFill/>
-          </a:ln>
-        </p:spPr>
-        <p:txBody>
-          <a:bodyPr spcFirstLastPara="1" wrap="square" lIns="91425" tIns="91425" rIns="91425" bIns="91425" anchor="t" anchorCtr="0">
-            <a:noAutofit/>
-          </a:bodyPr>
-          <a:lstStyle/>
-          <a:p>
-            <a:pPr marL="0" lvl="0" indent="0" algn="l" rtl="0">
-              <a:lnSpc>
-                <a:spcPct val="100000"/>
-              </a:lnSpc>
-              <a:spcBef>
-                <a:spcPts val="0"/>
-              </a:spcBef>
-              <a:spcAft>
-                <a:spcPts val="0"/>
-              </a:spcAft>
-              <a:buSzPts val="2200"/>
-              <a:buNone/>
-            </a:pPr>
-            <a:r>
-              <a:rPr lang="en" dirty="0">
-                <a:solidFill>
-                  <a:srgbClr val="1974D2"/>
-                </a:solidFill>
-              </a:rPr>
-              <a:t>Data Preprocessing </a:t>
-            </a:r>
-            <a:endParaRPr dirty="0">
-              <a:solidFill>
-                <a:srgbClr val="1974D2"/>
-              </a:solidFill>
-            </a:endParaRPr>
-          </a:p>
-        </p:txBody>
-      </p:sp>
-      <p:sp>
-        <p:nvSpPr>
-          <p:cNvPr id="138" name="Google Shape;138;p4"/>
-          <p:cNvSpPr txBox="1">
-            <a:spLocks noGrp="1"/>
-          </p:cNvSpPr>
-          <p:nvPr>
-            <p:ph type="body" idx="1"/>
-          </p:nvPr>
-        </p:nvSpPr>
-        <p:spPr>
-          <a:xfrm>
-            <a:off x="202550" y="861975"/>
-            <a:ext cx="8629800" cy="3706800"/>
-          </a:xfrm>
-          <a:prstGeom prst="rect">
-            <a:avLst/>
-          </a:prstGeom>
-          <a:noFill/>
-          <a:ln>
-            <a:noFill/>
-          </a:ln>
-        </p:spPr>
-        <p:txBody>
-          <a:bodyPr spcFirstLastPara="1" wrap="square" lIns="91425" tIns="91425" rIns="91425" bIns="91425" anchor="t" anchorCtr="0">
-            <a:noAutofit/>
-          </a:bodyPr>
-          <a:lstStyle/>
-          <a:p>
-            <a:pPr marL="457200" lvl="0" indent="-317500" algn="l" rtl="0">
-              <a:lnSpc>
-                <a:spcPct val="115000"/>
-              </a:lnSpc>
-              <a:spcBef>
-                <a:spcPts val="0"/>
-              </a:spcBef>
-              <a:spcAft>
-                <a:spcPts val="0"/>
-              </a:spcAft>
-              <a:buClr>
-                <a:srgbClr val="2D3B45"/>
-              </a:buClr>
-              <a:buSzPts val="1400"/>
-              <a:buChar char="●"/>
-            </a:pPr>
-            <a:r>
-              <a:rPr lang="en" sz="1400" dirty="0">
-                <a:solidFill>
-                  <a:srgbClr val="2D3B45"/>
-                </a:solidFill>
-                <a:highlight>
-                  <a:srgbClr val="FFFFFF"/>
-                </a:highlight>
-              </a:rPr>
-              <a:t>Duplicate value check</a:t>
-            </a:r>
-            <a:endParaRPr sz="1400" dirty="0">
-              <a:solidFill>
-                <a:srgbClr val="2D3B45"/>
-              </a:solidFill>
-              <a:highlight>
-                <a:srgbClr val="FFFFFF"/>
-              </a:highlight>
-            </a:endParaRPr>
-          </a:p>
-          <a:p>
-            <a:pPr marL="457200" lvl="0" indent="-317500" algn="l" rtl="0">
-              <a:lnSpc>
-                <a:spcPct val="115000"/>
-              </a:lnSpc>
-              <a:spcBef>
-                <a:spcPts val="1000"/>
-              </a:spcBef>
-              <a:spcAft>
-                <a:spcPts val="0"/>
-              </a:spcAft>
-              <a:buClr>
-                <a:srgbClr val="2D3B45"/>
-              </a:buClr>
-              <a:buSzPts val="1400"/>
-              <a:buChar char="●"/>
-            </a:pPr>
-            <a:r>
-              <a:rPr lang="en" sz="1400" dirty="0">
-                <a:solidFill>
-                  <a:srgbClr val="2D3B45"/>
-                </a:solidFill>
-                <a:highlight>
-                  <a:srgbClr val="FFFFFF"/>
-                </a:highlight>
-              </a:rPr>
-              <a:t>Missing value treatment</a:t>
-            </a:r>
-            <a:endParaRPr sz="1400" dirty="0">
-              <a:solidFill>
-                <a:srgbClr val="2D3B45"/>
-              </a:solidFill>
-              <a:highlight>
-                <a:srgbClr val="FFFFFF"/>
-              </a:highlight>
-            </a:endParaRPr>
-          </a:p>
-          <a:p>
-            <a:pPr marL="457200" lvl="0" indent="-317500" algn="l" rtl="0">
-              <a:lnSpc>
-                <a:spcPct val="115000"/>
-              </a:lnSpc>
-              <a:spcBef>
-                <a:spcPts val="1000"/>
-              </a:spcBef>
-              <a:spcAft>
-                <a:spcPts val="0"/>
-              </a:spcAft>
-              <a:buClr>
-                <a:srgbClr val="2D3B45"/>
-              </a:buClr>
-              <a:buSzPts val="1400"/>
-              <a:buChar char="●"/>
-            </a:pPr>
-            <a:r>
-              <a:rPr lang="en" sz="1400" dirty="0">
-                <a:solidFill>
-                  <a:srgbClr val="2D3B45"/>
-                </a:solidFill>
-                <a:highlight>
-                  <a:srgbClr val="FFFFFF"/>
-                </a:highlight>
-              </a:rPr>
-              <a:t>Outlier check (</a:t>
-            </a:r>
-            <a:r>
-              <a:rPr lang="en" sz="1400" dirty="0">
-                <a:solidFill>
-                  <a:srgbClr val="2D3B45"/>
-                </a:solidFill>
-                <a:highlight>
-                  <a:schemeClr val="lt1"/>
-                </a:highlight>
-              </a:rPr>
-              <a:t>treatment </a:t>
-            </a:r>
-            <a:r>
-              <a:rPr lang="en" sz="1400" dirty="0">
-                <a:solidFill>
-                  <a:srgbClr val="2D3B45"/>
-                </a:solidFill>
-                <a:highlight>
-                  <a:srgbClr val="FFFFFF"/>
-                </a:highlight>
-              </a:rPr>
-              <a:t>if needed)</a:t>
-            </a:r>
-            <a:endParaRPr sz="1400" dirty="0">
-              <a:solidFill>
-                <a:srgbClr val="2D3B45"/>
-              </a:solidFill>
-              <a:highlight>
-                <a:srgbClr val="FFFFFF"/>
-              </a:highlight>
-            </a:endParaRPr>
-          </a:p>
-          <a:p>
-            <a:pPr marL="457200" lvl="0" indent="-317500" algn="l" rtl="0">
-              <a:lnSpc>
-                <a:spcPct val="115000"/>
-              </a:lnSpc>
-              <a:spcBef>
-                <a:spcPts val="1000"/>
-              </a:spcBef>
-              <a:spcAft>
-                <a:spcPts val="0"/>
-              </a:spcAft>
-              <a:buClr>
-                <a:srgbClr val="2D3B45"/>
-              </a:buClr>
-              <a:buSzPts val="1400"/>
-              <a:buChar char="●"/>
-            </a:pPr>
-            <a:r>
-              <a:rPr lang="en" sz="1400" dirty="0">
-                <a:solidFill>
-                  <a:srgbClr val="2D3B45"/>
-                </a:solidFill>
-                <a:highlight>
-                  <a:srgbClr val="FFFFFF"/>
-                </a:highlight>
-              </a:rPr>
-              <a:t>Feature engineering</a:t>
-            </a:r>
-            <a:endParaRPr sz="1400" dirty="0">
-              <a:solidFill>
-                <a:srgbClr val="2D3B45"/>
-              </a:solidFill>
-              <a:highlight>
-                <a:srgbClr val="FFFFFF"/>
-              </a:highlight>
-            </a:endParaRPr>
-          </a:p>
-          <a:p>
-            <a:pPr marL="457200" lvl="0" indent="-317500" algn="l" rtl="0">
-              <a:lnSpc>
-                <a:spcPct val="115000"/>
-              </a:lnSpc>
-              <a:spcBef>
-                <a:spcPts val="1000"/>
-              </a:spcBef>
-              <a:spcAft>
-                <a:spcPts val="0"/>
-              </a:spcAft>
-              <a:buClr>
-                <a:srgbClr val="2D3B45"/>
-              </a:buClr>
-              <a:buSzPts val="1400"/>
-              <a:buChar char="●"/>
-            </a:pPr>
-            <a:r>
-              <a:rPr lang="en" sz="1400" dirty="0">
-                <a:solidFill>
-                  <a:srgbClr val="2D3B45"/>
-                </a:solidFill>
-                <a:highlight>
-                  <a:srgbClr val="FFFFFF"/>
-                </a:highlight>
-              </a:rPr>
-              <a:t>Data preparation for modeling</a:t>
-            </a:r>
-            <a:endParaRPr sz="1400" dirty="0">
-              <a:solidFill>
-                <a:srgbClr val="2D3B45"/>
-              </a:solidFill>
-              <a:highlight>
-                <a:srgbClr val="FFFFFF"/>
-              </a:highlight>
-            </a:endParaRPr>
-          </a:p>
-          <a:p>
-            <a:pPr marL="0" lvl="0" indent="0" algn="l" rtl="0">
-              <a:lnSpc>
-                <a:spcPct val="115000"/>
-              </a:lnSpc>
-              <a:spcBef>
-                <a:spcPts val="1000"/>
-              </a:spcBef>
-              <a:spcAft>
-                <a:spcPts val="0"/>
-              </a:spcAft>
-              <a:buSzPts val="1500"/>
-              <a:buNone/>
-            </a:pPr>
-            <a:endParaRPr sz="1400" dirty="0">
-              <a:solidFill>
-                <a:srgbClr val="2D3B45"/>
-              </a:solidFill>
-              <a:highlight>
-                <a:srgbClr val="FFFFFF"/>
-              </a:highlight>
-            </a:endParaRPr>
-          </a:p>
-          <a:p>
-            <a:pPr marL="0" lvl="0" indent="0" algn="l" rtl="0">
-              <a:lnSpc>
-                <a:spcPct val="115000"/>
-              </a:lnSpc>
-              <a:spcBef>
-                <a:spcPts val="1000"/>
-              </a:spcBef>
-              <a:spcAft>
-                <a:spcPts val="0"/>
-              </a:spcAft>
-              <a:buSzPts val="1500"/>
-              <a:buNone/>
-            </a:pPr>
-            <a:r>
-              <a:rPr lang="en" sz="1200" b="1" i="1" dirty="0">
-                <a:solidFill>
-                  <a:srgbClr val="000000"/>
-                </a:solidFill>
-              </a:rPr>
-              <a:t>Note</a:t>
-            </a:r>
-            <a:r>
-              <a:rPr lang="en" sz="1200" i="1" dirty="0">
-                <a:solidFill>
-                  <a:srgbClr val="000000"/>
-                </a:solidFill>
-              </a:rPr>
-              <a:t>: You can use more than one slide if needed </a:t>
-            </a:r>
-            <a:endParaRPr sz="1400" dirty="0">
-              <a:solidFill>
-                <a:srgbClr val="000000"/>
-              </a:solidFill>
-            </a:endParaRPr>
-          </a:p>
-          <a:p>
-            <a:pPr marL="0" lvl="0" indent="0" algn="l" rtl="0">
-              <a:lnSpc>
-                <a:spcPct val="115000"/>
-              </a:lnSpc>
-              <a:spcBef>
-                <a:spcPts val="1000"/>
-              </a:spcBef>
-              <a:spcAft>
-                <a:spcPts val="1000"/>
-              </a:spcAft>
-              <a:buSzPts val="1500"/>
-              <a:buNone/>
-            </a:pPr>
-            <a:endParaRPr sz="1400" dirty="0">
-              <a:solidFill>
-                <a:srgbClr val="2D3B45"/>
-              </a:solidFill>
-              <a:highlight>
-                <a:srgbClr val="FFFFFF"/>
-              </a:highlight>
-            </a:endParaRPr>
-          </a:p>
-        </p:txBody>
-      </p:sp>
-    </p:spTree>
-    <p:extLst>
-      <p:ext uri="{BB962C8B-B14F-4D97-AF65-F5344CB8AC3E}">
-        <p14:creationId xmlns:p14="http://schemas.microsoft.com/office/powerpoint/2010/main" val="2070267844"/>
-      </p:ext>
-    </p:extLst>
-  </p:cSld>
-  <p:clrMapOvr>
-    <a:masterClrMapping/>
-  </p:clrMapOvr>
-</p:sld>
-</file>
-
-<file path=ppt/slides/slide18.xml><?xml version="1.0" encoding="utf-8"?>
+<file path=ppt/slides/slide16.xml><?xml version="1.0" encoding="utf-8"?>
 <p:sld xmlns:a="http://schemas.openxmlformats.org/drawingml/2006/main" xmlns:r="http://schemas.openxmlformats.org/officeDocument/2006/relationships" xmlns:p="http://schemas.openxmlformats.org/presentationml/2006/main">
   <p:cSld>
     <p:spTree>
@@ -23104,14 +22164,14 @@
               <a:buNone/>
             </a:pPr>
             <a:r>
-              <a:rPr lang="en">
+              <a:rPr lang="en" dirty="0">
                 <a:solidFill>
                   <a:srgbClr val="1974D2"/>
                 </a:solidFill>
               </a:rPr>
               <a:t>Model Performance Summary</a:t>
             </a:r>
-            <a:endParaRPr>
+            <a:endParaRPr dirty="0">
               <a:solidFill>
                 <a:srgbClr val="1974D2"/>
               </a:solidFill>
@@ -23121,18 +22181,497 @@
       </p:sp>
       <p:sp>
         <p:nvSpPr>
-          <p:cNvPr id="144" name="Google Shape;144;p6"/>
+          <p:cNvPr id="5" name="TextBox 4">
+            <a:extLst>
+              <a:ext uri="{FF2B5EF4-FFF2-40B4-BE49-F238E27FC236}">
+                <a16:creationId xmlns:a16="http://schemas.microsoft.com/office/drawing/2014/main" id="{EE25C09A-0C67-2669-0C80-0F398746DF66}"/>
+              </a:ext>
+            </a:extLst>
+          </p:cNvPr>
+          <p:cNvSpPr txBox="1"/>
+          <p:nvPr/>
+        </p:nvSpPr>
+        <p:spPr>
+          <a:xfrm>
+            <a:off x="-53787" y="798501"/>
+            <a:ext cx="4572000" cy="254237"/>
+          </a:xfrm>
+          <a:prstGeom prst="rect">
+            <a:avLst/>
+          </a:prstGeom>
+          <a:noFill/>
+        </p:spPr>
+        <p:txBody>
+          <a:bodyPr wrap="square">
+            <a:spAutoFit/>
+          </a:bodyPr>
+          <a:lstStyle/>
+          <a:p>
+            <a:pPr marL="139700" lvl="0" algn="l" rtl="0">
+              <a:lnSpc>
+                <a:spcPct val="115000"/>
+              </a:lnSpc>
+              <a:spcBef>
+                <a:spcPts val="0"/>
+              </a:spcBef>
+              <a:spcAft>
+                <a:spcPts val="0"/>
+              </a:spcAft>
+              <a:buClr>
+                <a:srgbClr val="000000"/>
+              </a:buClr>
+              <a:buSzPts val="1400"/>
+            </a:pPr>
+            <a:r>
+              <a:rPr lang="en-US" sz="1000" b="1" dirty="0">
+                <a:solidFill>
+                  <a:srgbClr val="FF00FF"/>
+                </a:solidFill>
+              </a:rPr>
+              <a:t>Overview of model and its parameters</a:t>
+            </a:r>
+          </a:p>
+        </p:txBody>
+      </p:sp>
+      <p:sp>
+        <p:nvSpPr>
+          <p:cNvPr id="7" name="TextBox 6">
+            <a:extLst>
+              <a:ext uri="{FF2B5EF4-FFF2-40B4-BE49-F238E27FC236}">
+                <a16:creationId xmlns:a16="http://schemas.microsoft.com/office/drawing/2014/main" id="{6EDA35CE-1F42-23EB-286E-131F72B6BF94}"/>
+              </a:ext>
+            </a:extLst>
+          </p:cNvPr>
+          <p:cNvSpPr txBox="1"/>
+          <p:nvPr/>
+        </p:nvSpPr>
+        <p:spPr>
+          <a:xfrm>
+            <a:off x="202550" y="1120465"/>
+            <a:ext cx="8888506" cy="400110"/>
+          </a:xfrm>
+          <a:prstGeom prst="rect">
+            <a:avLst/>
+          </a:prstGeom>
+          <a:noFill/>
+        </p:spPr>
+        <p:txBody>
+          <a:bodyPr wrap="square">
+            <a:spAutoFit/>
+          </a:bodyPr>
+          <a:lstStyle/>
+          <a:p>
+            <a:r>
+              <a:rPr lang="en-IN" sz="1000" dirty="0">
+                <a:latin typeface="Nunito" pitchFamily="2" charset="0"/>
+              </a:rPr>
+              <a:t>Our predictive modeling process leverages a variety of algorithms to address employee promotion predictions based on historical performance data, handling imbalances effectively through strategic data sampling techniques.</a:t>
+            </a:r>
+          </a:p>
+        </p:txBody>
+      </p:sp>
+      <p:sp>
+        <p:nvSpPr>
+          <p:cNvPr id="14" name="TextBox 13">
+            <a:extLst>
+              <a:ext uri="{FF2B5EF4-FFF2-40B4-BE49-F238E27FC236}">
+                <a16:creationId xmlns:a16="http://schemas.microsoft.com/office/drawing/2014/main" id="{8749BAD5-4BA1-C9BC-5A5C-E401975BAE86}"/>
+              </a:ext>
+            </a:extLst>
+          </p:cNvPr>
+          <p:cNvSpPr txBox="1"/>
+          <p:nvPr/>
+        </p:nvSpPr>
+        <p:spPr>
+          <a:xfrm>
+            <a:off x="48331" y="1552699"/>
+            <a:ext cx="4572000" cy="246221"/>
+          </a:xfrm>
+          <a:prstGeom prst="rect">
+            <a:avLst/>
+          </a:prstGeom>
+          <a:noFill/>
+        </p:spPr>
+        <p:txBody>
+          <a:bodyPr wrap="square">
+            <a:spAutoFit/>
+          </a:bodyPr>
+          <a:lstStyle/>
+          <a:p>
+            <a:r>
+              <a:rPr lang="en-US" sz="1000" b="1" dirty="0">
+                <a:solidFill>
+                  <a:srgbClr val="0070C0"/>
+                </a:solidFill>
+                <a:latin typeface="Nunito" pitchFamily="2" charset="0"/>
+              </a:rPr>
+              <a:t>Key Model Parameters and Performance:</a:t>
+            </a:r>
+            <a:endParaRPr lang="en-IN" sz="1000" b="1" dirty="0">
+              <a:solidFill>
+                <a:srgbClr val="0070C0"/>
+              </a:solidFill>
+              <a:latin typeface="Nunito" pitchFamily="2" charset="0"/>
+            </a:endParaRPr>
+          </a:p>
+        </p:txBody>
+      </p:sp>
+      <p:sp>
+        <p:nvSpPr>
+          <p:cNvPr id="16" name="TextBox 15">
+            <a:extLst>
+              <a:ext uri="{FF2B5EF4-FFF2-40B4-BE49-F238E27FC236}">
+                <a16:creationId xmlns:a16="http://schemas.microsoft.com/office/drawing/2014/main" id="{26E45EC5-CA9A-A0BC-58B8-D9E8F0ED3C4D}"/>
+              </a:ext>
+            </a:extLst>
+          </p:cNvPr>
+          <p:cNvSpPr txBox="1"/>
+          <p:nvPr/>
+        </p:nvSpPr>
+        <p:spPr>
+          <a:xfrm>
+            <a:off x="176078" y="1836791"/>
+            <a:ext cx="8941450" cy="1785104"/>
+          </a:xfrm>
+          <a:prstGeom prst="rect">
+            <a:avLst/>
+          </a:prstGeom>
+          <a:noFill/>
+        </p:spPr>
+        <p:txBody>
+          <a:bodyPr wrap="square">
+            <a:spAutoFit/>
+          </a:bodyPr>
+          <a:lstStyle/>
+          <a:p>
+            <a:pPr marL="285750" indent="-285750">
+              <a:buFont typeface="Arial" panose="020B0604020202020204" pitchFamily="34" charset="0"/>
+              <a:buChar char="•"/>
+            </a:pPr>
+            <a:r>
+              <a:rPr lang="en-IN" sz="1000" b="1" dirty="0">
+                <a:latin typeface="Nunito" pitchFamily="2" charset="0"/>
+              </a:rPr>
+              <a:t>XGBoost</a:t>
+            </a:r>
+            <a:r>
+              <a:rPr lang="en-IN" sz="1000" dirty="0">
+                <a:latin typeface="Nunito" pitchFamily="2" charset="0"/>
+              </a:rPr>
+              <a:t>: Utilized for its robustness in handling complex patterns, achieving the highest cross-validation score of 0.9399, reflecting strong generalization capabilities.</a:t>
+            </a:r>
+          </a:p>
+          <a:p>
+            <a:pPr marL="285750" indent="-285750">
+              <a:buFont typeface="Arial" panose="020B0604020202020204" pitchFamily="34" charset="0"/>
+              <a:buChar char="•"/>
+            </a:pPr>
+            <a:endParaRPr lang="en-IN" sz="1000" dirty="0">
+              <a:latin typeface="Nunito" pitchFamily="2" charset="0"/>
+            </a:endParaRPr>
+          </a:p>
+          <a:p>
+            <a:pPr marL="285750" indent="-285750">
+              <a:buFont typeface="Arial" panose="020B0604020202020204" pitchFamily="34" charset="0"/>
+              <a:buChar char="•"/>
+            </a:pPr>
+            <a:r>
+              <a:rPr lang="en-US" sz="1000" b="1" dirty="0">
+                <a:latin typeface="Nunito" pitchFamily="2" charset="0"/>
+              </a:rPr>
+              <a:t>Gradient Boosting</a:t>
+            </a:r>
+            <a:r>
+              <a:rPr lang="en-US" sz="1000" dirty="0">
+                <a:latin typeface="Nunito" pitchFamily="2" charset="0"/>
+              </a:rPr>
+              <a:t>: Close performance to </a:t>
+            </a:r>
+            <a:r>
+              <a:rPr lang="en-US" sz="1000" dirty="0" err="1">
+                <a:latin typeface="Nunito" pitchFamily="2" charset="0"/>
+              </a:rPr>
+              <a:t>XGBoost</a:t>
+            </a:r>
+            <a:r>
+              <a:rPr lang="en-US" sz="1000" dirty="0">
+                <a:latin typeface="Nunito" pitchFamily="2" charset="0"/>
+              </a:rPr>
+              <a:t> with a score of 0.9367, appreciated for its consistency and less variability in score distribution across different data subsets.</a:t>
+            </a:r>
+          </a:p>
+          <a:p>
+            <a:pPr marL="285750" indent="-285750">
+              <a:buFont typeface="Arial" panose="020B0604020202020204" pitchFamily="34" charset="0"/>
+              <a:buChar char="•"/>
+            </a:pPr>
+            <a:endParaRPr lang="en-US" sz="1000" dirty="0">
+              <a:latin typeface="Nunito" pitchFamily="2" charset="0"/>
+            </a:endParaRPr>
+          </a:p>
+          <a:p>
+            <a:pPr marL="285750" indent="-285750">
+              <a:buFont typeface="Arial" panose="020B0604020202020204" pitchFamily="34" charset="0"/>
+              <a:buChar char="•"/>
+            </a:pPr>
+            <a:r>
+              <a:rPr lang="en-US" sz="1000" b="1" dirty="0">
+                <a:latin typeface="Nunito" pitchFamily="2" charset="0"/>
+              </a:rPr>
+              <a:t>Random Forest and Bagging: </a:t>
+            </a:r>
+            <a:r>
+              <a:rPr lang="en-US" sz="1000" dirty="0">
+                <a:latin typeface="Nunito" pitchFamily="2" charset="0"/>
+              </a:rPr>
+              <a:t>Showed competitive performance with scores of 0.9320 and 0.9298 respectively, though Bagging exhibited higher variability which may impact consistency.</a:t>
+            </a:r>
+          </a:p>
+          <a:p>
+            <a:pPr marL="285750" indent="-285750">
+              <a:buFont typeface="Arial" panose="020B0604020202020204" pitchFamily="34" charset="0"/>
+              <a:buChar char="•"/>
+            </a:pPr>
+            <a:endParaRPr lang="en-US" sz="1000" dirty="0">
+              <a:latin typeface="Nunito" pitchFamily="2" charset="0"/>
+            </a:endParaRPr>
+          </a:p>
+          <a:p>
+            <a:pPr marL="285750" indent="-285750">
+              <a:buFont typeface="Arial" panose="020B0604020202020204" pitchFamily="34" charset="0"/>
+              <a:buChar char="•"/>
+            </a:pPr>
+            <a:r>
+              <a:rPr lang="en-US" sz="1000" b="1" dirty="0">
+                <a:latin typeface="Nunito" pitchFamily="2" charset="0"/>
+              </a:rPr>
+              <a:t>AdaBoost: </a:t>
+            </a:r>
+            <a:r>
+              <a:rPr lang="en-US" sz="1000" dirty="0">
+                <a:latin typeface="Nunito" pitchFamily="2" charset="0"/>
+              </a:rPr>
+              <a:t>Though it scored the lowest in cross-validation (0.9255), it remains crucial for scenarios requiring iterative correction of errors due to its unique approach in focusing on misclassified instances.</a:t>
+            </a:r>
+            <a:endParaRPr lang="en-IN" sz="1000" dirty="0">
+              <a:latin typeface="Nunito" pitchFamily="2" charset="0"/>
+            </a:endParaRPr>
+          </a:p>
+        </p:txBody>
+      </p:sp>
+      <p:sp>
+        <p:nvSpPr>
+          <p:cNvPr id="20" name="TextBox 19">
+            <a:extLst>
+              <a:ext uri="{FF2B5EF4-FFF2-40B4-BE49-F238E27FC236}">
+                <a16:creationId xmlns:a16="http://schemas.microsoft.com/office/drawing/2014/main" id="{55C8FCD2-C82A-962A-39D6-74EE92A319BC}"/>
+              </a:ext>
+            </a:extLst>
+          </p:cNvPr>
+          <p:cNvSpPr txBox="1"/>
+          <p:nvPr/>
+        </p:nvSpPr>
+        <p:spPr>
+          <a:xfrm>
+            <a:off x="74803" y="3641761"/>
+            <a:ext cx="4572000" cy="246221"/>
+          </a:xfrm>
+          <a:prstGeom prst="rect">
+            <a:avLst/>
+          </a:prstGeom>
+          <a:noFill/>
+        </p:spPr>
+        <p:txBody>
+          <a:bodyPr wrap="square">
+            <a:spAutoFit/>
+          </a:bodyPr>
+          <a:lstStyle/>
+          <a:p>
+            <a:r>
+              <a:rPr lang="en-IN" sz="1000" b="1" dirty="0">
+                <a:solidFill>
+                  <a:srgbClr val="0070C0"/>
+                </a:solidFill>
+                <a:latin typeface="Nunito" pitchFamily="2" charset="0"/>
+              </a:rPr>
+              <a:t>Validation Performance Insights:</a:t>
+            </a:r>
+          </a:p>
+        </p:txBody>
+      </p:sp>
+      <p:sp>
+        <p:nvSpPr>
+          <p:cNvPr id="22" name="TextBox 21">
+            <a:extLst>
+              <a:ext uri="{FF2B5EF4-FFF2-40B4-BE49-F238E27FC236}">
+                <a16:creationId xmlns:a16="http://schemas.microsoft.com/office/drawing/2014/main" id="{3EA418F8-6956-BCF2-C69D-E474F0144D23}"/>
+              </a:ext>
+            </a:extLst>
+          </p:cNvPr>
+          <p:cNvSpPr txBox="1"/>
+          <p:nvPr/>
+        </p:nvSpPr>
+        <p:spPr>
+          <a:xfrm>
+            <a:off x="176078" y="3920106"/>
+            <a:ext cx="8941450" cy="861774"/>
+          </a:xfrm>
+          <a:prstGeom prst="rect">
+            <a:avLst/>
+          </a:prstGeom>
+          <a:noFill/>
+        </p:spPr>
+        <p:txBody>
+          <a:bodyPr wrap="square">
+            <a:spAutoFit/>
+          </a:bodyPr>
+          <a:lstStyle/>
+          <a:p>
+            <a:pPr marL="285750" indent="-285750">
+              <a:buFont typeface="Arial" panose="020B0604020202020204" pitchFamily="34" charset="0"/>
+              <a:buChar char="•"/>
+            </a:pPr>
+            <a:r>
+              <a:rPr lang="en-IN" sz="1000" dirty="0">
+                <a:latin typeface="Nunito" pitchFamily="2" charset="0"/>
+              </a:rPr>
+              <a:t>Both </a:t>
+            </a:r>
+            <a:r>
+              <a:rPr lang="en-IN" sz="1000" b="1" dirty="0">
+                <a:latin typeface="Nunito" pitchFamily="2" charset="0"/>
+              </a:rPr>
+              <a:t>XGBoost</a:t>
+            </a:r>
+            <a:r>
+              <a:rPr lang="en-IN" sz="1000" dirty="0">
+                <a:latin typeface="Nunito" pitchFamily="2" charset="0"/>
+              </a:rPr>
+              <a:t> and </a:t>
+            </a:r>
+            <a:r>
+              <a:rPr lang="en-IN" sz="1000" b="1" dirty="0">
+                <a:latin typeface="Nunito" pitchFamily="2" charset="0"/>
+              </a:rPr>
+              <a:t>Bagging</a:t>
+            </a:r>
+            <a:r>
+              <a:rPr lang="en-IN" sz="1000" dirty="0">
+                <a:latin typeface="Nunito" pitchFamily="2" charset="0"/>
+              </a:rPr>
+              <a:t> excelled in validation settings, indicating their robustness in real-world scenarios with scores tying at 0.3405.</a:t>
+            </a:r>
+          </a:p>
+          <a:p>
+            <a:pPr marL="285750" indent="-285750">
+              <a:buFont typeface="Arial" panose="020B0604020202020204" pitchFamily="34" charset="0"/>
+              <a:buChar char="•"/>
+            </a:pPr>
+            <a:endParaRPr lang="en-IN" sz="1000" dirty="0">
+              <a:latin typeface="Nunito" pitchFamily="2" charset="0"/>
+            </a:endParaRPr>
+          </a:p>
+          <a:p>
+            <a:pPr marL="285750" indent="-285750">
+              <a:buFont typeface="Arial" panose="020B0604020202020204" pitchFamily="34" charset="0"/>
+              <a:buChar char="•"/>
+            </a:pPr>
+            <a:r>
+              <a:rPr lang="en-US" sz="1000" b="1" dirty="0">
+                <a:latin typeface="Nunito" pitchFamily="2" charset="0"/>
+              </a:rPr>
+              <a:t>Random Forest</a:t>
+            </a:r>
+            <a:r>
+              <a:rPr lang="en-US" sz="1000" dirty="0">
+                <a:latin typeface="Nunito" pitchFamily="2" charset="0"/>
+              </a:rPr>
+              <a:t> and </a:t>
+            </a:r>
+            <a:r>
+              <a:rPr lang="en-US" sz="1000" b="1" dirty="0" err="1">
+                <a:latin typeface="Nunito" pitchFamily="2" charset="0"/>
+              </a:rPr>
+              <a:t>GradientBoosting</a:t>
+            </a:r>
+            <a:r>
+              <a:rPr lang="en-US" sz="1000" dirty="0">
+                <a:latin typeface="Nunito" pitchFamily="2" charset="0"/>
+              </a:rPr>
+              <a:t> displayed solid validation performance, underscoring their effectiveness in practical applications.</a:t>
+            </a:r>
+          </a:p>
+          <a:p>
+            <a:pPr marL="285750" indent="-285750">
+              <a:buFont typeface="Arial" panose="020B0604020202020204" pitchFamily="34" charset="0"/>
+              <a:buChar char="•"/>
+            </a:pPr>
+            <a:endParaRPr lang="en-US" sz="1000" dirty="0">
+              <a:latin typeface="Nunito" pitchFamily="2" charset="0"/>
+            </a:endParaRPr>
+          </a:p>
+          <a:p>
+            <a:pPr marL="285750" indent="-285750">
+              <a:buFont typeface="Arial" panose="020B0604020202020204" pitchFamily="34" charset="0"/>
+              <a:buChar char="•"/>
+            </a:pPr>
+            <a:r>
+              <a:rPr lang="en-US" sz="1000" b="1" dirty="0">
+                <a:latin typeface="Nunito" pitchFamily="2" charset="0"/>
+              </a:rPr>
+              <a:t>AdaBoost</a:t>
+            </a:r>
+            <a:r>
+              <a:rPr lang="en-US" sz="1000" dirty="0">
+                <a:latin typeface="Nunito" pitchFamily="2" charset="0"/>
+              </a:rPr>
+              <a:t> revealed overfitting tendencies with the lowest validation performance, necessitating further tuning to enhance its practical utility.</a:t>
+            </a:r>
+            <a:endParaRPr lang="en-IN" sz="1000" dirty="0">
+              <a:latin typeface="Nunito" pitchFamily="2" charset="0"/>
+            </a:endParaRPr>
+          </a:p>
+        </p:txBody>
+      </p:sp>
+    </p:spTree>
+  </p:cSld>
+  <p:clrMapOvr>
+    <a:masterClrMapping/>
+  </p:clrMapOvr>
+</p:sld>
+</file>
+
+<file path=ppt/slides/slide17.xml><?xml version="1.0" encoding="utf-8"?>
+<p:sld xmlns:a="http://schemas.openxmlformats.org/drawingml/2006/main" xmlns:r="http://schemas.openxmlformats.org/officeDocument/2006/relationships" xmlns:p="http://schemas.openxmlformats.org/presentationml/2006/main">
+  <p:cSld>
+    <p:spTree>
+      <p:nvGrpSpPr>
+        <p:cNvPr id="1" name="Shape 142"/>
+        <p:cNvGrpSpPr/>
+        <p:nvPr/>
+      </p:nvGrpSpPr>
+      <p:grpSpPr>
+        <a:xfrm>
+          <a:off x="0" y="0"/>
+          <a:ext cx="0" cy="0"/>
+          <a:chOff x="0" y="0"/>
+          <a:chExt cx="0" cy="0"/>
+        </a:xfrm>
+      </p:grpSpPr>
+      <p:sp>
+        <p:nvSpPr>
+          <p:cNvPr id="143" name="Google Shape;143;p6"/>
           <p:cNvSpPr txBox="1">
             <a:spLocks noGrp="1"/>
           </p:cNvSpPr>
           <p:nvPr>
-            <p:ph type="body" idx="1"/>
+            <p:ph type="title"/>
           </p:nvPr>
         </p:nvSpPr>
         <p:spPr>
           <a:xfrm>
-            <a:off x="202550" y="861975"/>
-            <a:ext cx="8629800" cy="3706800"/>
+            <a:off x="202550" y="289279"/>
+            <a:ext cx="8520600" cy="572700"/>
           </a:xfrm>
           <a:prstGeom prst="rect">
             <a:avLst/>
@@ -23148,193 +22687,805 @@
           </a:bodyPr>
           <a:lstStyle/>
           <a:p>
-            <a:pPr marL="457200" lvl="0" indent="-317500" algn="l" rtl="0">
-              <a:lnSpc>
-                <a:spcPct val="115000"/>
-              </a:lnSpc>
-              <a:spcBef>
-                <a:spcPts val="0"/>
-              </a:spcBef>
-              <a:spcAft>
-                <a:spcPts val="0"/>
-              </a:spcAft>
-              <a:buClr>
-                <a:srgbClr val="000000"/>
-              </a:buClr>
-              <a:buSzPts val="1400"/>
-              <a:buChar char="●"/>
+            <a:pPr marL="0" lvl="0" indent="0" algn="l" rtl="0">
+              <a:lnSpc>
+                <a:spcPct val="100000"/>
+              </a:lnSpc>
+              <a:spcBef>
+                <a:spcPts val="0"/>
+              </a:spcBef>
+              <a:spcAft>
+                <a:spcPts val="0"/>
+              </a:spcAft>
+              <a:buSzPts val="2200"/>
+              <a:buNone/>
             </a:pPr>
             <a:r>
-              <a:rPr lang="en" sz="1400" dirty="0">
-                <a:solidFill>
-                  <a:schemeClr val="dk1"/>
+              <a:rPr lang="en" dirty="0">
+                <a:solidFill>
+                  <a:srgbClr val="1974D2"/>
                 </a:solidFill>
               </a:rPr>
-              <a:t>Overview of model and its parameters</a:t>
+              <a:t>Model Performance Summary</a:t>
             </a:r>
-            <a:endParaRPr sz="1400" dirty="0">
+            <a:endParaRPr dirty="0">
               <a:solidFill>
-                <a:schemeClr val="dk1"/>
-              </a:solidFill>
-            </a:endParaRPr>
-          </a:p>
-          <a:p>
-            <a:pPr marL="457200" lvl="0" indent="-317500" algn="l" rtl="0">
-              <a:lnSpc>
-                <a:spcPct val="115000"/>
-              </a:lnSpc>
-              <a:spcBef>
-                <a:spcPts val="1000"/>
-              </a:spcBef>
-              <a:spcAft>
-                <a:spcPts val="0"/>
-              </a:spcAft>
-              <a:buClr>
-                <a:srgbClr val="000000"/>
-              </a:buClr>
-              <a:buSzPts val="1400"/>
-              <a:buChar char="●"/>
-            </a:pPr>
-            <a:r>
-              <a:rPr lang="en" sz="1400" dirty="0">
-                <a:solidFill>
-                  <a:schemeClr val="dk1"/>
-                </a:solidFill>
-              </a:rPr>
-              <a:t>Summary of the </a:t>
-            </a:r>
-            <a:r>
-              <a:rPr lang="en-IN" sz="1400" dirty="0">
-                <a:solidFill>
-                  <a:schemeClr val="dk1"/>
-                </a:solidFill>
-              </a:rPr>
-              <a:t>final </a:t>
-            </a:r>
-            <a:r>
-              <a:rPr lang="en" sz="1400" dirty="0">
-                <a:solidFill>
-                  <a:schemeClr val="dk1"/>
-                </a:solidFill>
-              </a:rPr>
-              <a:t>model for prediction</a:t>
-            </a:r>
-            <a:endParaRPr sz="1400" dirty="0">
-              <a:solidFill>
-                <a:schemeClr val="dk1"/>
-              </a:solidFill>
-            </a:endParaRPr>
-          </a:p>
-          <a:p>
-            <a:pPr marL="457200" lvl="0" indent="-317500" algn="l" rtl="0">
-              <a:lnSpc>
-                <a:spcPct val="115000"/>
-              </a:lnSpc>
-              <a:spcBef>
-                <a:spcPts val="1000"/>
-              </a:spcBef>
-              <a:spcAft>
-                <a:spcPts val="0"/>
-              </a:spcAft>
-              <a:buClr>
-                <a:srgbClr val="000000"/>
-              </a:buClr>
-              <a:buSzPts val="1400"/>
-              <a:buChar char="●"/>
-            </a:pPr>
-            <a:r>
-              <a:rPr lang="en" sz="1400" dirty="0">
-                <a:solidFill>
-                  <a:srgbClr val="000000"/>
-                </a:solidFill>
-              </a:rPr>
-              <a:t>Summary of key performance metrics for training and test data in tabular format for comparison</a:t>
-            </a:r>
-            <a:endParaRPr sz="1400" dirty="0">
-              <a:solidFill>
-                <a:srgbClr val="000000"/>
-              </a:solidFill>
-            </a:endParaRPr>
-          </a:p>
-          <a:p>
-            <a:pPr marL="0" lvl="0" indent="0" algn="l" rtl="0">
-              <a:lnSpc>
-                <a:spcPct val="115000"/>
-              </a:lnSpc>
-              <a:spcBef>
-                <a:spcPts val="1000"/>
-              </a:spcBef>
-              <a:spcAft>
-                <a:spcPts val="0"/>
-              </a:spcAft>
-              <a:buSzPts val="1500"/>
-              <a:buNone/>
-            </a:pPr>
-            <a:endParaRPr sz="1400" dirty="0">
-              <a:solidFill>
-                <a:srgbClr val="000000"/>
-              </a:solidFill>
-            </a:endParaRPr>
-          </a:p>
-          <a:p>
-            <a:pPr marL="0" lvl="0" indent="0" algn="l" rtl="0">
-              <a:lnSpc>
-                <a:spcPct val="115000"/>
-              </a:lnSpc>
-              <a:spcBef>
-                <a:spcPts val="1000"/>
-              </a:spcBef>
-              <a:spcAft>
-                <a:spcPts val="0"/>
-              </a:spcAft>
-              <a:buSzPts val="1500"/>
-              <a:buNone/>
-            </a:pPr>
-            <a:r>
-              <a:rPr lang="en" sz="1200" b="1" i="1" dirty="0">
-                <a:solidFill>
-                  <a:srgbClr val="000000"/>
-                </a:solidFill>
-              </a:rPr>
-              <a:t>Note</a:t>
-            </a:r>
-            <a:r>
-              <a:rPr lang="en" sz="1200" i="1" dirty="0">
-                <a:solidFill>
-                  <a:srgbClr val="000000"/>
-                </a:solidFill>
-              </a:rPr>
-              <a:t>: You can use more than one slide if needed </a:t>
-            </a:r>
-            <a:endParaRPr sz="1300" i="1" dirty="0">
-              <a:solidFill>
-                <a:srgbClr val="000000"/>
-              </a:solidFill>
-            </a:endParaRPr>
-          </a:p>
-          <a:p>
-            <a:pPr marL="0" lvl="0" indent="0" algn="l" rtl="0">
-              <a:lnSpc>
-                <a:spcPct val="115000"/>
-              </a:lnSpc>
-              <a:spcBef>
-                <a:spcPts val="1000"/>
-              </a:spcBef>
-              <a:spcAft>
-                <a:spcPts val="1000"/>
-              </a:spcAft>
-              <a:buSzPts val="1500"/>
-              <a:buNone/>
-            </a:pPr>
-            <a:endParaRPr sz="1400" dirty="0">
-              <a:solidFill>
-                <a:srgbClr val="000000"/>
+                <a:srgbClr val="1974D2"/>
               </a:solidFill>
             </a:endParaRPr>
           </a:p>
         </p:txBody>
       </p:sp>
+      <p:sp>
+        <p:nvSpPr>
+          <p:cNvPr id="4" name="TextBox 3">
+            <a:extLst>
+              <a:ext uri="{FF2B5EF4-FFF2-40B4-BE49-F238E27FC236}">
+                <a16:creationId xmlns:a16="http://schemas.microsoft.com/office/drawing/2014/main" id="{64BACA01-A98D-B3AB-5707-2C90D175E263}"/>
+              </a:ext>
+            </a:extLst>
+          </p:cNvPr>
+          <p:cNvSpPr txBox="1"/>
+          <p:nvPr/>
+        </p:nvSpPr>
+        <p:spPr>
+          <a:xfrm>
+            <a:off x="-109150" y="799699"/>
+            <a:ext cx="4572000" cy="332014"/>
+          </a:xfrm>
+          <a:prstGeom prst="rect">
+            <a:avLst/>
+          </a:prstGeom>
+          <a:noFill/>
+        </p:spPr>
+        <p:txBody>
+          <a:bodyPr wrap="square">
+            <a:spAutoFit/>
+          </a:bodyPr>
+          <a:lstStyle/>
+          <a:p>
+            <a:pPr marL="139700" lvl="0" algn="l" rtl="0">
+              <a:lnSpc>
+                <a:spcPct val="115000"/>
+              </a:lnSpc>
+              <a:spcBef>
+                <a:spcPts val="0"/>
+              </a:spcBef>
+              <a:spcAft>
+                <a:spcPts val="0"/>
+              </a:spcAft>
+              <a:buClr>
+                <a:srgbClr val="000000"/>
+              </a:buClr>
+              <a:buSzPts val="1400"/>
+            </a:pPr>
+            <a:r>
+              <a:rPr lang="en-US" b="1" dirty="0">
+                <a:solidFill>
+                  <a:srgbClr val="FF00FF"/>
+                </a:solidFill>
+                <a:latin typeface="Nunito" pitchFamily="2" charset="0"/>
+              </a:rPr>
+              <a:t>Summary of the final model for prediction</a:t>
+            </a:r>
+          </a:p>
+        </p:txBody>
+      </p:sp>
+      <p:sp>
+        <p:nvSpPr>
+          <p:cNvPr id="5" name="TextBox 4">
+            <a:extLst>
+              <a:ext uri="{FF2B5EF4-FFF2-40B4-BE49-F238E27FC236}">
+                <a16:creationId xmlns:a16="http://schemas.microsoft.com/office/drawing/2014/main" id="{A0AA5A6E-547D-CEF4-E99E-6BC28F09F989}"/>
+              </a:ext>
+            </a:extLst>
+          </p:cNvPr>
+          <p:cNvSpPr txBox="1"/>
+          <p:nvPr/>
+        </p:nvSpPr>
+        <p:spPr>
+          <a:xfrm>
+            <a:off x="176078" y="1146748"/>
+            <a:ext cx="2876826" cy="246221"/>
+          </a:xfrm>
+          <a:prstGeom prst="rect">
+            <a:avLst/>
+          </a:prstGeom>
+          <a:noFill/>
+        </p:spPr>
+        <p:txBody>
+          <a:bodyPr wrap="square">
+            <a:spAutoFit/>
+          </a:bodyPr>
+          <a:lstStyle/>
+          <a:p>
+            <a:pPr marL="171450" indent="-171450">
+              <a:buFont typeface="Arial" panose="020B0604020202020204" pitchFamily="34" charset="0"/>
+              <a:buChar char="•"/>
+            </a:pPr>
+            <a:r>
+              <a:rPr lang="en-US" sz="1000" b="1" dirty="0">
+                <a:latin typeface="Nunito" pitchFamily="2" charset="0"/>
+              </a:rPr>
+              <a:t>Final Model Selection: </a:t>
+            </a:r>
+            <a:r>
+              <a:rPr lang="en-US" sz="1000" b="1" dirty="0">
+                <a:highlight>
+                  <a:srgbClr val="FFFF00"/>
+                </a:highlight>
+                <a:latin typeface="Nunito" pitchFamily="2" charset="0"/>
+              </a:rPr>
+              <a:t>Gradient Boosting</a:t>
+            </a:r>
+            <a:r>
+              <a:rPr lang="en-IN" sz="1000" b="1" dirty="0">
+                <a:latin typeface="Nunito" pitchFamily="2" charset="0"/>
+              </a:rPr>
+              <a:t>.</a:t>
+            </a:r>
+          </a:p>
+        </p:txBody>
+      </p:sp>
+      <p:sp>
+        <p:nvSpPr>
+          <p:cNvPr id="6" name="TextBox 5">
+            <a:extLst>
+              <a:ext uri="{FF2B5EF4-FFF2-40B4-BE49-F238E27FC236}">
+                <a16:creationId xmlns:a16="http://schemas.microsoft.com/office/drawing/2014/main" id="{C8D5F221-1843-D412-B4BE-21140BBD92C3}"/>
+              </a:ext>
+            </a:extLst>
+          </p:cNvPr>
+          <p:cNvSpPr txBox="1"/>
+          <p:nvPr/>
+        </p:nvSpPr>
+        <p:spPr>
+          <a:xfrm>
+            <a:off x="48331" y="1416654"/>
+            <a:ext cx="4572000" cy="246221"/>
+          </a:xfrm>
+          <a:prstGeom prst="rect">
+            <a:avLst/>
+          </a:prstGeom>
+          <a:noFill/>
+        </p:spPr>
+        <p:txBody>
+          <a:bodyPr wrap="square">
+            <a:spAutoFit/>
+          </a:bodyPr>
+          <a:lstStyle/>
+          <a:p>
+            <a:r>
+              <a:rPr lang="en-US" sz="1000" b="1" dirty="0">
+                <a:solidFill>
+                  <a:srgbClr val="0070C0"/>
+                </a:solidFill>
+                <a:latin typeface="Nunito" pitchFamily="2" charset="0"/>
+              </a:rPr>
+              <a:t>Performance Overview</a:t>
+            </a:r>
+            <a:endParaRPr lang="en-IN" sz="1000" b="1" dirty="0">
+              <a:solidFill>
+                <a:srgbClr val="0070C0"/>
+              </a:solidFill>
+              <a:latin typeface="Nunito" pitchFamily="2" charset="0"/>
+            </a:endParaRPr>
+          </a:p>
+        </p:txBody>
+      </p:sp>
+      <p:sp>
+        <p:nvSpPr>
+          <p:cNvPr id="7" name="TextBox 6">
+            <a:extLst>
+              <a:ext uri="{FF2B5EF4-FFF2-40B4-BE49-F238E27FC236}">
+                <a16:creationId xmlns:a16="http://schemas.microsoft.com/office/drawing/2014/main" id="{AAB920D7-5C43-805E-96FD-B5DB02A766AA}"/>
+              </a:ext>
+            </a:extLst>
+          </p:cNvPr>
+          <p:cNvSpPr txBox="1"/>
+          <p:nvPr/>
+        </p:nvSpPr>
+        <p:spPr>
+          <a:xfrm>
+            <a:off x="176078" y="1700746"/>
+            <a:ext cx="8941450" cy="861774"/>
+          </a:xfrm>
+          <a:prstGeom prst="rect">
+            <a:avLst/>
+          </a:prstGeom>
+          <a:noFill/>
+        </p:spPr>
+        <p:txBody>
+          <a:bodyPr wrap="square">
+            <a:spAutoFit/>
+          </a:bodyPr>
+          <a:lstStyle/>
+          <a:p>
+            <a:pPr marL="285750" indent="-285750">
+              <a:buFont typeface="Arial" panose="020B0604020202020204" pitchFamily="34" charset="0"/>
+              <a:buChar char="•"/>
+            </a:pPr>
+            <a:r>
+              <a:rPr lang="en-US" sz="1000" b="1" dirty="0">
+                <a:latin typeface="Nunito" pitchFamily="2" charset="0"/>
+              </a:rPr>
+              <a:t>Training Accuracy: </a:t>
+            </a:r>
+            <a:r>
+              <a:rPr lang="en-US" sz="1000" dirty="0">
+                <a:latin typeface="Nunito" pitchFamily="2" charset="0"/>
+              </a:rPr>
+              <a:t>0.941 (Original Data)</a:t>
+            </a:r>
+          </a:p>
+          <a:p>
+            <a:pPr marL="285750" indent="-285750">
+              <a:buFont typeface="Arial" panose="020B0604020202020204" pitchFamily="34" charset="0"/>
+              <a:buChar char="•"/>
+            </a:pPr>
+            <a:endParaRPr lang="en-US" sz="1000" b="1" dirty="0">
+              <a:latin typeface="Nunito" pitchFamily="2" charset="0"/>
+            </a:endParaRPr>
+          </a:p>
+          <a:p>
+            <a:pPr marL="285750" indent="-285750">
+              <a:buFont typeface="Arial" panose="020B0604020202020204" pitchFamily="34" charset="0"/>
+              <a:buChar char="•"/>
+            </a:pPr>
+            <a:r>
+              <a:rPr lang="en-US" sz="1000" b="1" dirty="0">
+                <a:latin typeface="Nunito" pitchFamily="2" charset="0"/>
+              </a:rPr>
+              <a:t>Validation Accuracy: </a:t>
+            </a:r>
+            <a:r>
+              <a:rPr lang="en-US" sz="1000" dirty="0">
+                <a:latin typeface="Nunito" pitchFamily="2" charset="0"/>
+              </a:rPr>
+              <a:t>0.940 (Original Data)</a:t>
+            </a:r>
+          </a:p>
+          <a:p>
+            <a:pPr marL="285750" indent="-285750">
+              <a:buFont typeface="Arial" panose="020B0604020202020204" pitchFamily="34" charset="0"/>
+              <a:buChar char="•"/>
+            </a:pPr>
+            <a:endParaRPr lang="en-IN" sz="1000" dirty="0">
+              <a:latin typeface="Nunito" pitchFamily="2" charset="0"/>
+            </a:endParaRPr>
+          </a:p>
+          <a:p>
+            <a:pPr marL="285750" indent="-285750">
+              <a:buFont typeface="Arial" panose="020B0604020202020204" pitchFamily="34" charset="0"/>
+              <a:buChar char="•"/>
+            </a:pPr>
+            <a:r>
+              <a:rPr lang="en-US" sz="1000" b="1" dirty="0">
+                <a:latin typeface="Nunito" pitchFamily="2" charset="0"/>
+              </a:rPr>
+              <a:t>Test Set Accuracy: </a:t>
+            </a:r>
+            <a:r>
+              <a:rPr lang="en-US" sz="1000" dirty="0">
+                <a:latin typeface="Nunito" pitchFamily="2" charset="0"/>
+              </a:rPr>
+              <a:t>0.9400</a:t>
+            </a:r>
+          </a:p>
+        </p:txBody>
+      </p:sp>
+      <p:sp>
+        <p:nvSpPr>
+          <p:cNvPr id="12" name="TextBox 11">
+            <a:extLst>
+              <a:ext uri="{FF2B5EF4-FFF2-40B4-BE49-F238E27FC236}">
+                <a16:creationId xmlns:a16="http://schemas.microsoft.com/office/drawing/2014/main" id="{EF3D25C6-526D-050C-AB8D-2E9415101127}"/>
+              </a:ext>
+            </a:extLst>
+          </p:cNvPr>
+          <p:cNvSpPr txBox="1"/>
+          <p:nvPr/>
+        </p:nvSpPr>
+        <p:spPr>
+          <a:xfrm>
+            <a:off x="3874440" y="1771229"/>
+            <a:ext cx="5053982" cy="553998"/>
+          </a:xfrm>
+          <a:prstGeom prst="rect">
+            <a:avLst/>
+          </a:prstGeom>
+          <a:noFill/>
+        </p:spPr>
+        <p:txBody>
+          <a:bodyPr wrap="square">
+            <a:spAutoFit/>
+          </a:bodyPr>
+          <a:lstStyle/>
+          <a:p>
+            <a:r>
+              <a:rPr lang="en-IN" sz="1000" dirty="0">
+                <a:latin typeface="Nunito" pitchFamily="2" charset="0"/>
+              </a:rPr>
+              <a:t>This exceptional consistency across training, validation, and test phases underscores the model's robustness and reliability in predicting promotion outcomes without the necessity for data balancing strategies such as </a:t>
+            </a:r>
+            <a:r>
+              <a:rPr lang="en-IN" sz="1000" dirty="0" err="1">
+                <a:latin typeface="Nunito" pitchFamily="2" charset="0"/>
+              </a:rPr>
+              <a:t>undersampling</a:t>
+            </a:r>
+            <a:r>
+              <a:rPr lang="en-IN" sz="1000" dirty="0">
+                <a:latin typeface="Nunito" pitchFamily="2" charset="0"/>
+              </a:rPr>
+              <a:t> or oversampling.</a:t>
+            </a:r>
+          </a:p>
+        </p:txBody>
+      </p:sp>
+      <p:sp>
+        <p:nvSpPr>
+          <p:cNvPr id="13" name="Arrow: Right 12">
+            <a:extLst>
+              <a:ext uri="{FF2B5EF4-FFF2-40B4-BE49-F238E27FC236}">
+                <a16:creationId xmlns:a16="http://schemas.microsoft.com/office/drawing/2014/main" id="{71BE84A6-F4A3-A1FB-0C48-F32FD5E02FCB}"/>
+              </a:ext>
+            </a:extLst>
+          </p:cNvPr>
+          <p:cNvSpPr/>
+          <p:nvPr/>
+        </p:nvSpPr>
+        <p:spPr>
+          <a:xfrm rot="10800000">
+            <a:off x="3166780" y="1780160"/>
+            <a:ext cx="707659" cy="437390"/>
+          </a:xfrm>
+          <a:prstGeom prst="rightArrow">
+            <a:avLst/>
+          </a:prstGeom>
+          <a:ln>
+            <a:noFill/>
+          </a:ln>
+        </p:spPr>
+        <p:style>
+          <a:lnRef idx="2">
+            <a:schemeClr val="accent6">
+              <a:shade val="15000"/>
+            </a:schemeClr>
+          </a:lnRef>
+          <a:fillRef idx="1">
+            <a:schemeClr val="accent6"/>
+          </a:fillRef>
+          <a:effectRef idx="0">
+            <a:schemeClr val="accent6"/>
+          </a:effectRef>
+          <a:fontRef idx="minor">
+            <a:schemeClr val="lt1"/>
+          </a:fontRef>
+        </p:style>
+        <p:txBody>
+          <a:bodyPr rtlCol="0" anchor="ctr"/>
+          <a:lstStyle/>
+          <a:p>
+            <a:pPr algn="ctr"/>
+            <a:endParaRPr lang="en-IN"/>
+          </a:p>
+        </p:txBody>
+      </p:sp>
+      <p:sp>
+        <p:nvSpPr>
+          <p:cNvPr id="15" name="TextBox 14">
+            <a:extLst>
+              <a:ext uri="{FF2B5EF4-FFF2-40B4-BE49-F238E27FC236}">
+                <a16:creationId xmlns:a16="http://schemas.microsoft.com/office/drawing/2014/main" id="{DCF03699-8439-166D-C42B-6BAC82C2EA53}"/>
+              </a:ext>
+            </a:extLst>
+          </p:cNvPr>
+          <p:cNvSpPr txBox="1"/>
+          <p:nvPr/>
+        </p:nvSpPr>
+        <p:spPr>
+          <a:xfrm>
+            <a:off x="21437" y="2641934"/>
+            <a:ext cx="4598894" cy="246221"/>
+          </a:xfrm>
+          <a:prstGeom prst="rect">
+            <a:avLst/>
+          </a:prstGeom>
+          <a:noFill/>
+        </p:spPr>
+        <p:txBody>
+          <a:bodyPr wrap="square">
+            <a:spAutoFit/>
+          </a:bodyPr>
+          <a:lstStyle/>
+          <a:p>
+            <a:r>
+              <a:rPr lang="en-IN" sz="1000" b="1" dirty="0">
+                <a:solidFill>
+                  <a:srgbClr val="0070C0"/>
+                </a:solidFill>
+                <a:latin typeface="Nunito" pitchFamily="2" charset="0"/>
+              </a:rPr>
+              <a:t>Key Performance Metrics on Test Data</a:t>
+            </a:r>
+          </a:p>
+        </p:txBody>
+      </p:sp>
+      <p:sp>
+        <p:nvSpPr>
+          <p:cNvPr id="16" name="TextBox 15">
+            <a:extLst>
+              <a:ext uri="{FF2B5EF4-FFF2-40B4-BE49-F238E27FC236}">
+                <a16:creationId xmlns:a16="http://schemas.microsoft.com/office/drawing/2014/main" id="{CB545297-273D-D886-A693-795D91FB0DD2}"/>
+              </a:ext>
+            </a:extLst>
+          </p:cNvPr>
+          <p:cNvSpPr txBox="1"/>
+          <p:nvPr/>
+        </p:nvSpPr>
+        <p:spPr>
+          <a:xfrm>
+            <a:off x="176078" y="2935896"/>
+            <a:ext cx="3528587" cy="1785104"/>
+          </a:xfrm>
+          <a:prstGeom prst="rect">
+            <a:avLst/>
+          </a:prstGeom>
+          <a:noFill/>
+        </p:spPr>
+        <p:txBody>
+          <a:bodyPr wrap="square">
+            <a:spAutoFit/>
+          </a:bodyPr>
+          <a:lstStyle/>
+          <a:p>
+            <a:pPr marL="285750" indent="-285750">
+              <a:buFont typeface="Arial" panose="020B0604020202020204" pitchFamily="34" charset="0"/>
+              <a:buChar char="•"/>
+            </a:pPr>
+            <a:r>
+              <a:rPr lang="en-US" sz="1000" b="1" dirty="0">
+                <a:latin typeface="Nunito" pitchFamily="2" charset="0"/>
+              </a:rPr>
+              <a:t>Precision for 'No Promotion': </a:t>
+            </a:r>
+            <a:r>
+              <a:rPr lang="en-US" sz="1000" dirty="0">
+                <a:latin typeface="Nunito" pitchFamily="2" charset="0"/>
+              </a:rPr>
+              <a:t>0.94</a:t>
+            </a:r>
+          </a:p>
+          <a:p>
+            <a:pPr marL="285750" indent="-285750">
+              <a:buFont typeface="Arial" panose="020B0604020202020204" pitchFamily="34" charset="0"/>
+              <a:buChar char="•"/>
+            </a:pPr>
+            <a:endParaRPr lang="en-US" sz="1000" b="1" dirty="0">
+              <a:latin typeface="Nunito" pitchFamily="2" charset="0"/>
+            </a:endParaRPr>
+          </a:p>
+          <a:p>
+            <a:pPr marL="285750" indent="-285750">
+              <a:buFont typeface="Arial" panose="020B0604020202020204" pitchFamily="34" charset="0"/>
+              <a:buChar char="•"/>
+            </a:pPr>
+            <a:r>
+              <a:rPr lang="en-US" sz="1000" b="1" dirty="0">
+                <a:latin typeface="Nunito" pitchFamily="2" charset="0"/>
+              </a:rPr>
+              <a:t>Recall for 'No Promotion': </a:t>
+            </a:r>
+            <a:r>
+              <a:rPr lang="en-US" sz="1000" dirty="0">
+                <a:latin typeface="Nunito" pitchFamily="2" charset="0"/>
+              </a:rPr>
+              <a:t>1.00</a:t>
+            </a:r>
+          </a:p>
+          <a:p>
+            <a:pPr marL="285750" indent="-285750">
+              <a:buFont typeface="Arial" panose="020B0604020202020204" pitchFamily="34" charset="0"/>
+              <a:buChar char="•"/>
+            </a:pPr>
+            <a:endParaRPr lang="en-US" sz="1000" b="1" dirty="0">
+              <a:latin typeface="Nunito" pitchFamily="2" charset="0"/>
+            </a:endParaRPr>
+          </a:p>
+          <a:p>
+            <a:pPr marL="285750" indent="-285750">
+              <a:buFont typeface="Arial" panose="020B0604020202020204" pitchFamily="34" charset="0"/>
+              <a:buChar char="•"/>
+            </a:pPr>
+            <a:r>
+              <a:rPr lang="en-US" sz="1000" b="1" dirty="0">
+                <a:latin typeface="Nunito" pitchFamily="2" charset="0"/>
+              </a:rPr>
+              <a:t>F1-Score for 'No Promotion': </a:t>
+            </a:r>
+            <a:r>
+              <a:rPr lang="en-US" sz="1000" dirty="0">
+                <a:latin typeface="Nunito" pitchFamily="2" charset="0"/>
+              </a:rPr>
+              <a:t>0.97</a:t>
+            </a:r>
+          </a:p>
+          <a:p>
+            <a:pPr marL="285750" indent="-285750">
+              <a:buFont typeface="Arial" panose="020B0604020202020204" pitchFamily="34" charset="0"/>
+              <a:buChar char="•"/>
+            </a:pPr>
+            <a:endParaRPr lang="en-US" sz="1000" dirty="0">
+              <a:latin typeface="Nunito" pitchFamily="2" charset="0"/>
+            </a:endParaRPr>
+          </a:p>
+          <a:p>
+            <a:pPr marL="285750" indent="-285750">
+              <a:buFont typeface="Arial" panose="020B0604020202020204" pitchFamily="34" charset="0"/>
+              <a:buChar char="•"/>
+            </a:pPr>
+            <a:r>
+              <a:rPr lang="en-US" sz="1000" b="1" dirty="0">
+                <a:latin typeface="Nunito" pitchFamily="2" charset="0"/>
+              </a:rPr>
+              <a:t>Precision for 'Promotion': </a:t>
+            </a:r>
+            <a:r>
+              <a:rPr lang="en-US" sz="1000" dirty="0">
+                <a:latin typeface="Nunito" pitchFamily="2" charset="0"/>
+              </a:rPr>
+              <a:t>0.91</a:t>
+            </a:r>
+          </a:p>
+          <a:p>
+            <a:pPr marL="285750" indent="-285750">
+              <a:buFont typeface="Arial" panose="020B0604020202020204" pitchFamily="34" charset="0"/>
+              <a:buChar char="•"/>
+            </a:pPr>
+            <a:endParaRPr lang="en-US" sz="1000" dirty="0">
+              <a:latin typeface="Nunito" pitchFamily="2" charset="0"/>
+            </a:endParaRPr>
+          </a:p>
+          <a:p>
+            <a:pPr marL="285750" indent="-285750">
+              <a:buFont typeface="Arial" panose="020B0604020202020204" pitchFamily="34" charset="0"/>
+              <a:buChar char="•"/>
+            </a:pPr>
+            <a:r>
+              <a:rPr lang="en-US" sz="1000" b="1" dirty="0">
+                <a:latin typeface="Nunito" pitchFamily="2" charset="0"/>
+              </a:rPr>
+              <a:t>Recall for 'Promotion': </a:t>
+            </a:r>
+            <a:r>
+              <a:rPr lang="en-US" sz="1000" dirty="0">
+                <a:latin typeface="Nunito" pitchFamily="2" charset="0"/>
+              </a:rPr>
+              <a:t>0.30</a:t>
+            </a:r>
+          </a:p>
+          <a:p>
+            <a:pPr marL="285750" indent="-285750">
+              <a:buFont typeface="Arial" panose="020B0604020202020204" pitchFamily="34" charset="0"/>
+              <a:buChar char="•"/>
+            </a:pPr>
+            <a:endParaRPr lang="en-US" sz="1000" dirty="0">
+              <a:latin typeface="Nunito" pitchFamily="2" charset="0"/>
+            </a:endParaRPr>
+          </a:p>
+          <a:p>
+            <a:pPr marL="285750" indent="-285750">
+              <a:buFont typeface="Arial" panose="020B0604020202020204" pitchFamily="34" charset="0"/>
+              <a:buChar char="•"/>
+            </a:pPr>
+            <a:r>
+              <a:rPr lang="en-US" sz="1000" b="1" dirty="0">
+                <a:latin typeface="Nunito" pitchFamily="2" charset="0"/>
+              </a:rPr>
+              <a:t>F1-Score for 'Promotion': </a:t>
+            </a:r>
+            <a:r>
+              <a:rPr lang="en-US" sz="1000" dirty="0">
+                <a:latin typeface="Nunito" pitchFamily="2" charset="0"/>
+              </a:rPr>
+              <a:t>0.45</a:t>
+            </a:r>
+          </a:p>
+        </p:txBody>
+      </p:sp>
+      <p:sp>
+        <p:nvSpPr>
+          <p:cNvPr id="18" name="TextBox 17">
+            <a:extLst>
+              <a:ext uri="{FF2B5EF4-FFF2-40B4-BE49-F238E27FC236}">
+                <a16:creationId xmlns:a16="http://schemas.microsoft.com/office/drawing/2014/main" id="{7282DF90-8C20-DE9E-4B99-0CDBAA12B935}"/>
+              </a:ext>
+            </a:extLst>
+          </p:cNvPr>
+          <p:cNvSpPr txBox="1"/>
+          <p:nvPr/>
+        </p:nvSpPr>
+        <p:spPr>
+          <a:xfrm>
+            <a:off x="2965077" y="2641933"/>
+            <a:ext cx="4598894" cy="246221"/>
+          </a:xfrm>
+          <a:prstGeom prst="rect">
+            <a:avLst/>
+          </a:prstGeom>
+          <a:noFill/>
+        </p:spPr>
+        <p:txBody>
+          <a:bodyPr wrap="square">
+            <a:spAutoFit/>
+          </a:bodyPr>
+          <a:lstStyle/>
+          <a:p>
+            <a:r>
+              <a:rPr lang="en-IN" sz="1000" b="1" dirty="0">
+                <a:solidFill>
+                  <a:srgbClr val="0070C0"/>
+                </a:solidFill>
+                <a:latin typeface="Nunito" pitchFamily="2" charset="0"/>
+              </a:rPr>
+              <a:t>Strategic Insights and Model Utility</a:t>
+            </a:r>
+          </a:p>
+        </p:txBody>
+      </p:sp>
+      <p:sp>
+        <p:nvSpPr>
+          <p:cNvPr id="20" name="TextBox 19">
+            <a:extLst>
+              <a:ext uri="{FF2B5EF4-FFF2-40B4-BE49-F238E27FC236}">
+                <a16:creationId xmlns:a16="http://schemas.microsoft.com/office/drawing/2014/main" id="{E08A3DBA-A298-DEFB-59FE-BD71B9064A76}"/>
+              </a:ext>
+            </a:extLst>
+          </p:cNvPr>
+          <p:cNvSpPr txBox="1"/>
+          <p:nvPr/>
+        </p:nvSpPr>
+        <p:spPr>
+          <a:xfrm>
+            <a:off x="3079376" y="2874341"/>
+            <a:ext cx="6038152" cy="861774"/>
+          </a:xfrm>
+          <a:prstGeom prst="rect">
+            <a:avLst/>
+          </a:prstGeom>
+          <a:noFill/>
+        </p:spPr>
+        <p:txBody>
+          <a:bodyPr wrap="square">
+            <a:spAutoFit/>
+          </a:bodyPr>
+          <a:lstStyle/>
+          <a:p>
+            <a:pPr marL="171450" indent="-171450">
+              <a:buFont typeface="Arial" panose="020B0604020202020204" pitchFamily="34" charset="0"/>
+              <a:buChar char="•"/>
+            </a:pPr>
+            <a:r>
+              <a:rPr lang="en-IN" sz="1000" dirty="0">
+                <a:latin typeface="Nunito" pitchFamily="2" charset="0"/>
+              </a:rPr>
+              <a:t>The high precision and recall for 'No Promotion' demonstrate the model's effectiveness in correctly identifying non-promotional cases, ensuring minimal false positives.</a:t>
+            </a:r>
+          </a:p>
+          <a:p>
+            <a:pPr marL="171450" indent="-171450">
+              <a:buFont typeface="Arial" panose="020B0604020202020204" pitchFamily="34" charset="0"/>
+              <a:buChar char="•"/>
+            </a:pPr>
+            <a:endParaRPr lang="en-IN" sz="1000" dirty="0">
+              <a:latin typeface="Nunito" pitchFamily="2" charset="0"/>
+            </a:endParaRPr>
+          </a:p>
+          <a:p>
+            <a:pPr marL="171450" indent="-171450">
+              <a:buFont typeface="Arial" panose="020B0604020202020204" pitchFamily="34" charset="0"/>
+              <a:buChar char="•"/>
+            </a:pPr>
+            <a:r>
+              <a:rPr lang="en-US" sz="1000" dirty="0">
+                <a:latin typeface="Nunito" pitchFamily="2" charset="0"/>
+              </a:rPr>
+              <a:t>The lower recall for 'Promotion' highlights a critical area for improvement, suggesting potential enhancements in model sensitivity to detect true promotions more effectively.</a:t>
+            </a:r>
+            <a:endParaRPr lang="en-IN" sz="1000" dirty="0">
+              <a:latin typeface="Nunito" pitchFamily="2" charset="0"/>
+            </a:endParaRPr>
+          </a:p>
+        </p:txBody>
+      </p:sp>
+      <p:sp>
+        <p:nvSpPr>
+          <p:cNvPr id="22" name="TextBox 21">
+            <a:extLst>
+              <a:ext uri="{FF2B5EF4-FFF2-40B4-BE49-F238E27FC236}">
+                <a16:creationId xmlns:a16="http://schemas.microsoft.com/office/drawing/2014/main" id="{DDEAA787-E067-ADF8-00E2-7DD3A25D7DB2}"/>
+              </a:ext>
+            </a:extLst>
+          </p:cNvPr>
+          <p:cNvSpPr txBox="1"/>
+          <p:nvPr/>
+        </p:nvSpPr>
+        <p:spPr>
+          <a:xfrm>
+            <a:off x="2965077" y="3828448"/>
+            <a:ext cx="4598894" cy="246221"/>
+          </a:xfrm>
+          <a:prstGeom prst="rect">
+            <a:avLst/>
+          </a:prstGeom>
+          <a:noFill/>
+        </p:spPr>
+        <p:txBody>
+          <a:bodyPr wrap="square">
+            <a:spAutoFit/>
+          </a:bodyPr>
+          <a:lstStyle/>
+          <a:p>
+            <a:r>
+              <a:rPr lang="en-IN" sz="1000" b="1" dirty="0">
+                <a:solidFill>
+                  <a:srgbClr val="0070C0"/>
+                </a:solidFill>
+                <a:latin typeface="Nunito" pitchFamily="2" charset="0"/>
+              </a:rPr>
+              <a:t>Conclusion</a:t>
+            </a:r>
+          </a:p>
+        </p:txBody>
+      </p:sp>
+      <p:sp>
+        <p:nvSpPr>
+          <p:cNvPr id="24" name="TextBox 23">
+            <a:extLst>
+              <a:ext uri="{FF2B5EF4-FFF2-40B4-BE49-F238E27FC236}">
+                <a16:creationId xmlns:a16="http://schemas.microsoft.com/office/drawing/2014/main" id="{549438D2-D777-6ED7-A797-0E3DA41580C2}"/>
+              </a:ext>
+            </a:extLst>
+          </p:cNvPr>
+          <p:cNvSpPr txBox="1"/>
+          <p:nvPr/>
+        </p:nvSpPr>
+        <p:spPr>
+          <a:xfrm>
+            <a:off x="3079376" y="4074669"/>
+            <a:ext cx="6091940" cy="553998"/>
+          </a:xfrm>
+          <a:prstGeom prst="rect">
+            <a:avLst/>
+          </a:prstGeom>
+          <a:noFill/>
+        </p:spPr>
+        <p:txBody>
+          <a:bodyPr wrap="square">
+            <a:spAutoFit/>
+          </a:bodyPr>
+          <a:lstStyle/>
+          <a:p>
+            <a:pPr marL="171450" indent="-171450">
+              <a:buFont typeface="Arial" panose="020B0604020202020204" pitchFamily="34" charset="0"/>
+              <a:buChar char="•"/>
+            </a:pPr>
+            <a:r>
+              <a:rPr lang="en-IN" sz="1000" dirty="0">
+                <a:latin typeface="Nunito" pitchFamily="2" charset="0"/>
+              </a:rPr>
+              <a:t>Gradient Boosting stands out as the model of choice, excelling in handling the original dataset's complexity and class imbalance with high accuracy. Continuous monitoring and strategic tuning are recommended to maintain its efficacy and adapt to evolving organizational dynamics.</a:t>
+            </a:r>
+          </a:p>
+        </p:txBody>
+      </p:sp>
     </p:spTree>
+    <p:extLst>
+      <p:ext uri="{BB962C8B-B14F-4D97-AF65-F5344CB8AC3E}">
+        <p14:creationId xmlns:p14="http://schemas.microsoft.com/office/powerpoint/2010/main" val="1731316603"/>
+      </p:ext>
+    </p:extLst>
   </p:cSld>
   <p:clrMapOvr>
     <a:masterClrMapping/>
@@ -23342,12 +23493,12 @@
 </p:sld>
 </file>
 
-<file path=ppt/slides/slide19.xml><?xml version="1.0" encoding="utf-8"?>
+<file path=ppt/slides/slide18.xml><?xml version="1.0" encoding="utf-8"?>
 <p:sld xmlns:a="http://schemas.openxmlformats.org/drawingml/2006/main" xmlns:r="http://schemas.openxmlformats.org/officeDocument/2006/relationships" xmlns:p="http://schemas.openxmlformats.org/presentationml/2006/main">
   <p:cSld>
     <p:spTree>
       <p:nvGrpSpPr>
-        <p:cNvPr id="1" name="Shape 149"/>
+        <p:cNvPr id="1" name="Shape 142"/>
         <p:cNvGrpSpPr/>
         <p:nvPr/>
       </p:nvGrpSpPr>
@@ -23361,31 +23512,29 @@
       </p:grpSpPr>
       <p:sp>
         <p:nvSpPr>
-          <p:cNvPr id="150" name="Google Shape;150;g10e9006cb6c_1_20"/>
+          <p:cNvPr id="143" name="Google Shape;143;p6"/>
           <p:cNvSpPr txBox="1">
             <a:spLocks noGrp="1"/>
           </p:cNvSpPr>
           <p:nvPr>
-            <p:ph type="ctrTitle"/>
+            <p:ph type="title"/>
           </p:nvPr>
         </p:nvSpPr>
         <p:spPr>
           <a:xfrm>
-            <a:off x="0" y="2820425"/>
-            <a:ext cx="9144000" cy="581700"/>
+            <a:off x="189103" y="47232"/>
+            <a:ext cx="8520600" cy="572700"/>
           </a:xfrm>
           <a:prstGeom prst="rect">
             <a:avLst/>
           </a:prstGeom>
-          <a:solidFill>
-            <a:srgbClr val="0000FF"/>
-          </a:solidFill>
+          <a:noFill/>
           <a:ln>
             <a:noFill/>
           </a:ln>
         </p:spPr>
         <p:txBody>
-          <a:bodyPr spcFirstLastPara="1" wrap="square" lIns="91425" tIns="91425" rIns="91425" bIns="91425" anchor="b" anchorCtr="0">
+          <a:bodyPr spcFirstLastPara="1" wrap="square" lIns="91425" tIns="91425" rIns="91425" bIns="91425" anchor="t" anchorCtr="0">
             <a:noAutofit/>
           </a:bodyPr>
           <a:lstStyle/>
@@ -23400,25 +23549,3334 @@
               <a:spcAft>
                 <a:spcPts val="0"/>
               </a:spcAft>
-              <a:buSzPts val="4800"/>
+              <a:buSzPts val="2200"/>
               <a:buNone/>
             </a:pPr>
             <a:r>
-              <a:rPr lang="en" sz="3300">
-                <a:solidFill>
-                  <a:schemeClr val="lt1"/>
+              <a:rPr lang="en" dirty="0">
+                <a:solidFill>
+                  <a:srgbClr val="1974D2"/>
                 </a:solidFill>
               </a:rPr>
-              <a:t>APPENDIX</a:t>
+              <a:t>Model Performance Summary</a:t>
             </a:r>
-            <a:endParaRPr sz="3300">
+            <a:endParaRPr dirty="0">
               <a:solidFill>
-                <a:schemeClr val="lt1"/>
+                <a:srgbClr val="1974D2"/>
               </a:solidFill>
             </a:endParaRPr>
           </a:p>
         </p:txBody>
       </p:sp>
+      <p:sp>
+        <p:nvSpPr>
+          <p:cNvPr id="5" name="TextBox 4">
+            <a:extLst>
+              <a:ext uri="{FF2B5EF4-FFF2-40B4-BE49-F238E27FC236}">
+                <a16:creationId xmlns:a16="http://schemas.microsoft.com/office/drawing/2014/main" id="{65B2D76A-BA0E-8CD2-700F-BA0A4574D878}"/>
+              </a:ext>
+            </a:extLst>
+          </p:cNvPr>
+          <p:cNvSpPr txBox="1"/>
+          <p:nvPr/>
+        </p:nvSpPr>
+        <p:spPr>
+          <a:xfrm>
+            <a:off x="-67236" y="536891"/>
+            <a:ext cx="9278471" cy="318998"/>
+          </a:xfrm>
+          <a:prstGeom prst="rect">
+            <a:avLst/>
+          </a:prstGeom>
+          <a:noFill/>
+        </p:spPr>
+        <p:txBody>
+          <a:bodyPr wrap="square">
+            <a:spAutoFit/>
+          </a:bodyPr>
+          <a:lstStyle/>
+          <a:p>
+            <a:pPr marL="139700" lvl="0" algn="l" rtl="0">
+              <a:lnSpc>
+                <a:spcPct val="115000"/>
+              </a:lnSpc>
+              <a:spcBef>
+                <a:spcPts val="1000"/>
+              </a:spcBef>
+              <a:spcAft>
+                <a:spcPts val="0"/>
+              </a:spcAft>
+              <a:buClr>
+                <a:srgbClr val="000000"/>
+              </a:buClr>
+              <a:buSzPts val="1400"/>
+            </a:pPr>
+            <a:r>
+              <a:rPr lang="en-US" sz="1400" b="1" dirty="0">
+                <a:solidFill>
+                  <a:srgbClr val="FF00FF"/>
+                </a:solidFill>
+              </a:rPr>
+              <a:t> Summary of key performance metrics for training and test data in tabular format for comparison</a:t>
+            </a:r>
+          </a:p>
+        </p:txBody>
+      </p:sp>
+      <p:sp>
+        <p:nvSpPr>
+          <p:cNvPr id="7" name="TextBox 6">
+            <a:extLst>
+              <a:ext uri="{FF2B5EF4-FFF2-40B4-BE49-F238E27FC236}">
+                <a16:creationId xmlns:a16="http://schemas.microsoft.com/office/drawing/2014/main" id="{ED1CCB65-5587-5D48-BD53-EB3CE4141DF5}"/>
+              </a:ext>
+            </a:extLst>
+          </p:cNvPr>
+          <p:cNvSpPr txBox="1"/>
+          <p:nvPr/>
+        </p:nvSpPr>
+        <p:spPr>
+          <a:xfrm>
+            <a:off x="115874" y="791550"/>
+            <a:ext cx="9144000" cy="369332"/>
+          </a:xfrm>
+          <a:prstGeom prst="rect">
+            <a:avLst/>
+          </a:prstGeom>
+          <a:noFill/>
+        </p:spPr>
+        <p:txBody>
+          <a:bodyPr wrap="square">
+            <a:spAutoFit/>
+          </a:bodyPr>
+          <a:lstStyle/>
+          <a:p>
+            <a:r>
+              <a:rPr lang="en-IN" sz="900" dirty="0">
+                <a:latin typeface="Nunito" pitchFamily="2" charset="0"/>
+              </a:rPr>
+              <a:t>This presentation summarizes the performance metrics for Gradient Boosting and AdaBoost models across original and </a:t>
+            </a:r>
+            <a:r>
+              <a:rPr lang="en-IN" sz="900" dirty="0" err="1">
+                <a:latin typeface="Nunito" pitchFamily="2" charset="0"/>
+              </a:rPr>
+              <a:t>undersampled</a:t>
+            </a:r>
+            <a:r>
+              <a:rPr lang="en-IN" sz="900" dirty="0">
+                <a:latin typeface="Nunito" pitchFamily="2" charset="0"/>
+              </a:rPr>
+              <a:t> data sets during both training and validation phases. The comparison emphasizes how the models perform on different data preprocessing strategies and provides insights for optimal model selection.</a:t>
+            </a:r>
+          </a:p>
+        </p:txBody>
+      </p:sp>
+      <p:graphicFrame>
+        <p:nvGraphicFramePr>
+          <p:cNvPr id="9" name="Table 8">
+            <a:extLst>
+              <a:ext uri="{FF2B5EF4-FFF2-40B4-BE49-F238E27FC236}">
+                <a16:creationId xmlns:a16="http://schemas.microsoft.com/office/drawing/2014/main" id="{0544E014-EA68-1A5C-AEE0-71B15626E0AD}"/>
+              </a:ext>
+            </a:extLst>
+          </p:cNvPr>
+          <p:cNvGraphicFramePr>
+            <a:graphicFrameLocks noGrp="1"/>
+          </p:cNvGraphicFramePr>
+          <p:nvPr>
+            <p:extLst>
+              <p:ext uri="{D42A27DB-BD31-4B8C-83A1-F6EECF244321}">
+                <p14:modId xmlns:p14="http://schemas.microsoft.com/office/powerpoint/2010/main" val="1470090899"/>
+              </p:ext>
+            </p:extLst>
+          </p:nvPr>
+        </p:nvGraphicFramePr>
+        <p:xfrm>
+          <a:off x="189103" y="1182824"/>
+          <a:ext cx="8784870" cy="2362013"/>
+        </p:xfrm>
+        <a:graphic>
+          <a:graphicData uri="http://schemas.openxmlformats.org/drawingml/2006/table">
+            <a:tbl>
+              <a:tblPr/>
+              <a:tblGrid>
+                <a:gridCol w="1068197">
+                  <a:extLst>
+                    <a:ext uri="{9D8B030D-6E8A-4147-A177-3AD203B41FA5}">
+                      <a16:colId xmlns:a16="http://schemas.microsoft.com/office/drawing/2014/main" val="3469633096"/>
+                    </a:ext>
+                  </a:extLst>
+                </a:gridCol>
+                <a:gridCol w="774258">
+                  <a:extLst>
+                    <a:ext uri="{9D8B030D-6E8A-4147-A177-3AD203B41FA5}">
+                      <a16:colId xmlns:a16="http://schemas.microsoft.com/office/drawing/2014/main" val="433020823"/>
+                    </a:ext>
+                  </a:extLst>
+                </a:gridCol>
+                <a:gridCol w="967340">
+                  <a:extLst>
+                    <a:ext uri="{9D8B030D-6E8A-4147-A177-3AD203B41FA5}">
+                      <a16:colId xmlns:a16="http://schemas.microsoft.com/office/drawing/2014/main" val="4134852079"/>
+                    </a:ext>
+                  </a:extLst>
+                </a:gridCol>
+                <a:gridCol w="1195015">
+                  <a:extLst>
+                    <a:ext uri="{9D8B030D-6E8A-4147-A177-3AD203B41FA5}">
+                      <a16:colId xmlns:a16="http://schemas.microsoft.com/office/drawing/2014/main" val="490272565"/>
+                    </a:ext>
+                  </a:extLst>
+                </a:gridCol>
+                <a:gridCol w="1195015">
+                  <a:extLst>
+                    <a:ext uri="{9D8B030D-6E8A-4147-A177-3AD203B41FA5}">
+                      <a16:colId xmlns:a16="http://schemas.microsoft.com/office/drawing/2014/main" val="1299204107"/>
+                    </a:ext>
+                  </a:extLst>
+                </a:gridCol>
+                <a:gridCol w="1195015">
+                  <a:extLst>
+                    <a:ext uri="{9D8B030D-6E8A-4147-A177-3AD203B41FA5}">
+                      <a16:colId xmlns:a16="http://schemas.microsoft.com/office/drawing/2014/main" val="2620859451"/>
+                    </a:ext>
+                  </a:extLst>
+                </a:gridCol>
+                <a:gridCol w="1195015">
+                  <a:extLst>
+                    <a:ext uri="{9D8B030D-6E8A-4147-A177-3AD203B41FA5}">
+                      <a16:colId xmlns:a16="http://schemas.microsoft.com/office/drawing/2014/main" val="1474944809"/>
+                    </a:ext>
+                  </a:extLst>
+                </a:gridCol>
+                <a:gridCol w="1195015">
+                  <a:extLst>
+                    <a:ext uri="{9D8B030D-6E8A-4147-A177-3AD203B41FA5}">
+                      <a16:colId xmlns:a16="http://schemas.microsoft.com/office/drawing/2014/main" val="2294547401"/>
+                    </a:ext>
+                  </a:extLst>
+                </a:gridCol>
+              </a:tblGrid>
+              <a:tr h="514798">
+                <a:tc>
+                  <a:txBody>
+                    <a:bodyPr/>
+                    <a:lstStyle/>
+                    <a:p>
+                      <a:pPr algn="ctr" fontAlgn="ctr"/>
+                      <a:r>
+                        <a:rPr lang="en-IN" sz="1000" b="1" i="0" u="none" strike="noStrike" dirty="0">
+                          <a:solidFill>
+                            <a:srgbClr val="000000"/>
+                          </a:solidFill>
+                          <a:effectLst/>
+                          <a:highlight>
+                            <a:srgbClr val="D9D9D9"/>
+                          </a:highlight>
+                          <a:latin typeface="Nunito" pitchFamily="2" charset="0"/>
+                        </a:rPr>
+                        <a:t>Model</a:t>
+                      </a:r>
+                    </a:p>
+                  </a:txBody>
+                  <a:tcPr marL="4497" marR="4497" marT="4497" marB="0" anchor="ctr">
+                    <a:lnL w="6350" cap="flat" cmpd="sng" algn="ctr">
+                      <a:solidFill>
+                        <a:srgbClr val="000000"/>
+                      </a:solidFill>
+                      <a:prstDash val="solid"/>
+                      <a:round/>
+                      <a:headEnd type="none" w="med" len="med"/>
+                      <a:tailEnd type="none" w="med" len="med"/>
+                    </a:lnL>
+                    <a:lnR w="6350" cap="flat" cmpd="sng" algn="ctr">
+                      <a:solidFill>
+                        <a:srgbClr val="000000"/>
+                      </a:solidFill>
+                      <a:prstDash val="solid"/>
+                      <a:round/>
+                      <a:headEnd type="none" w="med" len="med"/>
+                      <a:tailEnd type="none" w="med" len="med"/>
+                    </a:lnR>
+                    <a:lnT w="6350" cap="flat" cmpd="sng" algn="ctr">
+                      <a:solidFill>
+                        <a:srgbClr val="000000"/>
+                      </a:solidFill>
+                      <a:prstDash val="solid"/>
+                      <a:round/>
+                      <a:headEnd type="none" w="med" len="med"/>
+                      <a:tailEnd type="none" w="med" len="med"/>
+                    </a:lnT>
+                    <a:lnB w="6350" cap="flat" cmpd="sng" algn="ctr">
+                      <a:solidFill>
+                        <a:srgbClr val="000000"/>
+                      </a:solidFill>
+                      <a:prstDash val="solid"/>
+                      <a:round/>
+                      <a:headEnd type="none" w="med" len="med"/>
+                      <a:tailEnd type="none" w="med" len="med"/>
+                    </a:lnB>
+                    <a:solidFill>
+                      <a:srgbClr val="D9D9D9"/>
+                    </a:solidFill>
+                  </a:tcPr>
+                </a:tc>
+                <a:tc>
+                  <a:txBody>
+                    <a:bodyPr/>
+                    <a:lstStyle/>
+                    <a:p>
+                      <a:pPr algn="ctr" fontAlgn="ctr"/>
+                      <a:r>
+                        <a:rPr lang="en-IN" sz="1000" b="1" i="0" u="none" strike="noStrike">
+                          <a:solidFill>
+                            <a:srgbClr val="000000"/>
+                          </a:solidFill>
+                          <a:effectLst/>
+                          <a:highlight>
+                            <a:srgbClr val="D9D9D9"/>
+                          </a:highlight>
+                          <a:latin typeface="Nunito" pitchFamily="2" charset="0"/>
+                        </a:rPr>
+                        <a:t>Data Type</a:t>
+                      </a:r>
+                    </a:p>
+                  </a:txBody>
+                  <a:tcPr marL="4497" marR="4497" marT="4497" marB="0" anchor="ctr">
+                    <a:lnL w="6350" cap="flat" cmpd="sng" algn="ctr">
+                      <a:solidFill>
+                        <a:srgbClr val="000000"/>
+                      </a:solidFill>
+                      <a:prstDash val="solid"/>
+                      <a:round/>
+                      <a:headEnd type="none" w="med" len="med"/>
+                      <a:tailEnd type="none" w="med" len="med"/>
+                    </a:lnL>
+                    <a:lnR w="6350" cap="flat" cmpd="sng" algn="ctr">
+                      <a:solidFill>
+                        <a:srgbClr val="000000"/>
+                      </a:solidFill>
+                      <a:prstDash val="solid"/>
+                      <a:round/>
+                      <a:headEnd type="none" w="med" len="med"/>
+                      <a:tailEnd type="none" w="med" len="med"/>
+                    </a:lnR>
+                    <a:lnT w="6350" cap="flat" cmpd="sng" algn="ctr">
+                      <a:solidFill>
+                        <a:srgbClr val="000000"/>
+                      </a:solidFill>
+                      <a:prstDash val="solid"/>
+                      <a:round/>
+                      <a:headEnd type="none" w="med" len="med"/>
+                      <a:tailEnd type="none" w="med" len="med"/>
+                    </a:lnT>
+                    <a:lnB w="6350" cap="flat" cmpd="sng" algn="ctr">
+                      <a:solidFill>
+                        <a:srgbClr val="000000"/>
+                      </a:solidFill>
+                      <a:prstDash val="solid"/>
+                      <a:round/>
+                      <a:headEnd type="none" w="med" len="med"/>
+                      <a:tailEnd type="none" w="med" len="med"/>
+                    </a:lnB>
+                    <a:solidFill>
+                      <a:srgbClr val="D9D9D9"/>
+                    </a:solidFill>
+                  </a:tcPr>
+                </a:tc>
+                <a:tc>
+                  <a:txBody>
+                    <a:bodyPr/>
+                    <a:lstStyle/>
+                    <a:p>
+                      <a:pPr algn="ctr" fontAlgn="ctr"/>
+                      <a:r>
+                        <a:rPr lang="en-IN" sz="1000" b="1" i="0" u="none" strike="noStrike" dirty="0">
+                          <a:solidFill>
+                            <a:srgbClr val="000000"/>
+                          </a:solidFill>
+                          <a:effectLst/>
+                          <a:highlight>
+                            <a:srgbClr val="D9D9D9"/>
+                          </a:highlight>
+                          <a:latin typeface="Nunito" pitchFamily="2" charset="0"/>
+                        </a:rPr>
+                        <a:t>Performance on </a:t>
+                      </a:r>
+                      <a:br>
+                        <a:rPr lang="en-IN" sz="1000" b="1" i="0" u="none" strike="noStrike" dirty="0">
+                          <a:solidFill>
+                            <a:srgbClr val="000000"/>
+                          </a:solidFill>
+                          <a:effectLst/>
+                          <a:highlight>
+                            <a:srgbClr val="D9D9D9"/>
+                          </a:highlight>
+                          <a:latin typeface="Nunito" pitchFamily="2" charset="0"/>
+                        </a:rPr>
+                      </a:br>
+                      <a:r>
+                        <a:rPr lang="en-IN" sz="1000" b="1" i="0" u="none" strike="noStrike" dirty="0">
+                          <a:solidFill>
+                            <a:srgbClr val="000000"/>
+                          </a:solidFill>
+                          <a:effectLst/>
+                          <a:highlight>
+                            <a:srgbClr val="D9D9D9"/>
+                          </a:highlight>
+                          <a:latin typeface="Nunito" pitchFamily="2" charset="0"/>
+                        </a:rPr>
+                        <a:t>Training Set</a:t>
+                      </a:r>
+                    </a:p>
+                  </a:txBody>
+                  <a:tcPr marL="4497" marR="4497" marT="4497" marB="0" anchor="ctr">
+                    <a:lnL w="6350" cap="flat" cmpd="sng" algn="ctr">
+                      <a:solidFill>
+                        <a:srgbClr val="000000"/>
+                      </a:solidFill>
+                      <a:prstDash val="solid"/>
+                      <a:round/>
+                      <a:headEnd type="none" w="med" len="med"/>
+                      <a:tailEnd type="none" w="med" len="med"/>
+                    </a:lnL>
+                    <a:lnR w="6350" cap="flat" cmpd="sng" algn="ctr">
+                      <a:solidFill>
+                        <a:srgbClr val="000000"/>
+                      </a:solidFill>
+                      <a:prstDash val="solid"/>
+                      <a:round/>
+                      <a:headEnd type="none" w="med" len="med"/>
+                      <a:tailEnd type="none" w="med" len="med"/>
+                    </a:lnR>
+                    <a:lnT w="6350" cap="flat" cmpd="sng" algn="ctr">
+                      <a:solidFill>
+                        <a:srgbClr val="000000"/>
+                      </a:solidFill>
+                      <a:prstDash val="solid"/>
+                      <a:round/>
+                      <a:headEnd type="none" w="med" len="med"/>
+                      <a:tailEnd type="none" w="med" len="med"/>
+                    </a:lnT>
+                    <a:lnB w="6350" cap="flat" cmpd="sng" algn="ctr">
+                      <a:solidFill>
+                        <a:srgbClr val="000000"/>
+                      </a:solidFill>
+                      <a:prstDash val="solid"/>
+                      <a:round/>
+                      <a:headEnd type="none" w="med" len="med"/>
+                      <a:tailEnd type="none" w="med" len="med"/>
+                    </a:lnB>
+                    <a:solidFill>
+                      <a:srgbClr val="D9D9D9"/>
+                    </a:solidFill>
+                  </a:tcPr>
+                </a:tc>
+                <a:tc>
+                  <a:txBody>
+                    <a:bodyPr/>
+                    <a:lstStyle/>
+                    <a:p>
+                      <a:pPr algn="ctr" fontAlgn="ctr"/>
+                      <a:r>
+                        <a:rPr lang="en-IN" sz="1000" b="1" i="0" u="none" strike="noStrike" dirty="0">
+                          <a:solidFill>
+                            <a:srgbClr val="000000"/>
+                          </a:solidFill>
+                          <a:effectLst/>
+                          <a:highlight>
+                            <a:srgbClr val="D9D9D9"/>
+                          </a:highlight>
+                          <a:latin typeface="Nunito" pitchFamily="2" charset="0"/>
+                        </a:rPr>
+                        <a:t>Performance on Validation Set</a:t>
+                      </a:r>
+                    </a:p>
+                  </a:txBody>
+                  <a:tcPr marL="4497" marR="4497" marT="4497" marB="0" anchor="ctr">
+                    <a:lnL w="6350" cap="flat" cmpd="sng" algn="ctr">
+                      <a:solidFill>
+                        <a:srgbClr val="000000"/>
+                      </a:solidFill>
+                      <a:prstDash val="solid"/>
+                      <a:round/>
+                      <a:headEnd type="none" w="med" len="med"/>
+                      <a:tailEnd type="none" w="med" len="med"/>
+                    </a:lnL>
+                    <a:lnR w="6350" cap="flat" cmpd="sng" algn="ctr">
+                      <a:solidFill>
+                        <a:srgbClr val="000000"/>
+                      </a:solidFill>
+                      <a:prstDash val="solid"/>
+                      <a:round/>
+                      <a:headEnd type="none" w="med" len="med"/>
+                      <a:tailEnd type="none" w="med" len="med"/>
+                    </a:lnR>
+                    <a:lnT w="6350" cap="flat" cmpd="sng" algn="ctr">
+                      <a:solidFill>
+                        <a:srgbClr val="000000"/>
+                      </a:solidFill>
+                      <a:prstDash val="solid"/>
+                      <a:round/>
+                      <a:headEnd type="none" w="med" len="med"/>
+                      <a:tailEnd type="none" w="med" len="med"/>
+                    </a:lnT>
+                    <a:lnB w="6350" cap="flat" cmpd="sng" algn="ctr">
+                      <a:solidFill>
+                        <a:srgbClr val="000000"/>
+                      </a:solidFill>
+                      <a:prstDash val="solid"/>
+                      <a:round/>
+                      <a:headEnd type="none" w="med" len="med"/>
+                      <a:tailEnd type="none" w="med" len="med"/>
+                    </a:lnB>
+                    <a:solidFill>
+                      <a:srgbClr val="D9D9D9"/>
+                    </a:solidFill>
+                  </a:tcPr>
+                </a:tc>
+                <a:tc>
+                  <a:txBody>
+                    <a:bodyPr/>
+                    <a:lstStyle/>
+                    <a:p>
+                      <a:pPr algn="ctr" fontAlgn="ctr"/>
+                      <a:r>
+                        <a:rPr lang="en-IN" sz="1000" b="1" i="0" u="none" strike="noStrike" dirty="0">
+                          <a:solidFill>
+                            <a:srgbClr val="000000"/>
+                          </a:solidFill>
+                          <a:effectLst/>
+                          <a:highlight>
+                            <a:srgbClr val="D9D9D9"/>
+                          </a:highlight>
+                          <a:latin typeface="Nunito" pitchFamily="2" charset="0"/>
+                        </a:rPr>
+                        <a:t>Accuracy on Test Set</a:t>
+                      </a:r>
+                    </a:p>
+                  </a:txBody>
+                  <a:tcPr marL="4497" marR="4497" marT="4497" marB="0" anchor="ctr">
+                    <a:lnL w="6350" cap="flat" cmpd="sng" algn="ctr">
+                      <a:solidFill>
+                        <a:srgbClr val="000000"/>
+                      </a:solidFill>
+                      <a:prstDash val="solid"/>
+                      <a:round/>
+                      <a:headEnd type="none" w="med" len="med"/>
+                      <a:tailEnd type="none" w="med" len="med"/>
+                    </a:lnL>
+                    <a:lnR w="6350" cap="flat" cmpd="sng" algn="ctr">
+                      <a:solidFill>
+                        <a:srgbClr val="000000"/>
+                      </a:solidFill>
+                      <a:prstDash val="solid"/>
+                      <a:round/>
+                      <a:headEnd type="none" w="med" len="med"/>
+                      <a:tailEnd type="none" w="med" len="med"/>
+                    </a:lnR>
+                    <a:lnT w="6350" cap="flat" cmpd="sng" algn="ctr">
+                      <a:solidFill>
+                        <a:srgbClr val="000000"/>
+                      </a:solidFill>
+                      <a:prstDash val="solid"/>
+                      <a:round/>
+                      <a:headEnd type="none" w="med" len="med"/>
+                      <a:tailEnd type="none" w="med" len="med"/>
+                    </a:lnT>
+                    <a:lnB w="6350" cap="flat" cmpd="sng" algn="ctr">
+                      <a:solidFill>
+                        <a:srgbClr val="000000"/>
+                      </a:solidFill>
+                      <a:prstDash val="solid"/>
+                      <a:round/>
+                      <a:headEnd type="none" w="med" len="med"/>
+                      <a:tailEnd type="none" w="med" len="med"/>
+                    </a:lnB>
+                    <a:solidFill>
+                      <a:srgbClr val="D9D9D9"/>
+                    </a:solidFill>
+                  </a:tcPr>
+                </a:tc>
+                <a:tc>
+                  <a:txBody>
+                    <a:bodyPr/>
+                    <a:lstStyle/>
+                    <a:p>
+                      <a:pPr algn="ctr" fontAlgn="ctr"/>
+                      <a:r>
+                        <a:rPr lang="en-IN" sz="1000" b="1" i="0" u="none" strike="noStrike" dirty="0">
+                          <a:solidFill>
+                            <a:srgbClr val="000000"/>
+                          </a:solidFill>
+                          <a:effectLst/>
+                          <a:highlight>
+                            <a:srgbClr val="D9D9D9"/>
+                          </a:highlight>
+                          <a:latin typeface="Nunito" pitchFamily="2" charset="0"/>
+                        </a:rPr>
+                        <a:t>Precision</a:t>
+                      </a:r>
+                    </a:p>
+                  </a:txBody>
+                  <a:tcPr marL="4497" marR="4497" marT="4497" marB="0" anchor="ctr">
+                    <a:lnL w="6350" cap="flat" cmpd="sng" algn="ctr">
+                      <a:solidFill>
+                        <a:srgbClr val="000000"/>
+                      </a:solidFill>
+                      <a:prstDash val="solid"/>
+                      <a:round/>
+                      <a:headEnd type="none" w="med" len="med"/>
+                      <a:tailEnd type="none" w="med" len="med"/>
+                    </a:lnL>
+                    <a:lnR w="6350" cap="flat" cmpd="sng" algn="ctr">
+                      <a:solidFill>
+                        <a:srgbClr val="000000"/>
+                      </a:solidFill>
+                      <a:prstDash val="solid"/>
+                      <a:round/>
+                      <a:headEnd type="none" w="med" len="med"/>
+                      <a:tailEnd type="none" w="med" len="med"/>
+                    </a:lnR>
+                    <a:lnT w="6350" cap="flat" cmpd="sng" algn="ctr">
+                      <a:solidFill>
+                        <a:srgbClr val="000000"/>
+                      </a:solidFill>
+                      <a:prstDash val="solid"/>
+                      <a:round/>
+                      <a:headEnd type="none" w="med" len="med"/>
+                      <a:tailEnd type="none" w="med" len="med"/>
+                    </a:lnT>
+                    <a:lnB w="6350" cap="flat" cmpd="sng" algn="ctr">
+                      <a:solidFill>
+                        <a:srgbClr val="000000"/>
+                      </a:solidFill>
+                      <a:prstDash val="solid"/>
+                      <a:round/>
+                      <a:headEnd type="none" w="med" len="med"/>
+                      <a:tailEnd type="none" w="med" len="med"/>
+                    </a:lnB>
+                    <a:solidFill>
+                      <a:srgbClr val="D9D9D9"/>
+                    </a:solidFill>
+                  </a:tcPr>
+                </a:tc>
+                <a:tc>
+                  <a:txBody>
+                    <a:bodyPr/>
+                    <a:lstStyle/>
+                    <a:p>
+                      <a:pPr algn="ctr" fontAlgn="ctr"/>
+                      <a:r>
+                        <a:rPr lang="en-IN" sz="1000" b="1" i="0" u="none" strike="noStrike" dirty="0">
+                          <a:solidFill>
+                            <a:srgbClr val="000000"/>
+                          </a:solidFill>
+                          <a:effectLst/>
+                          <a:highlight>
+                            <a:srgbClr val="D9D9D9"/>
+                          </a:highlight>
+                          <a:latin typeface="Nunito" pitchFamily="2" charset="0"/>
+                        </a:rPr>
+                        <a:t>Recall</a:t>
+                      </a:r>
+                    </a:p>
+                  </a:txBody>
+                  <a:tcPr marL="4497" marR="4497" marT="4497" marB="0" anchor="ctr">
+                    <a:lnL w="6350" cap="flat" cmpd="sng" algn="ctr">
+                      <a:solidFill>
+                        <a:srgbClr val="000000"/>
+                      </a:solidFill>
+                      <a:prstDash val="solid"/>
+                      <a:round/>
+                      <a:headEnd type="none" w="med" len="med"/>
+                      <a:tailEnd type="none" w="med" len="med"/>
+                    </a:lnL>
+                    <a:lnR w="6350" cap="flat" cmpd="sng" algn="ctr">
+                      <a:solidFill>
+                        <a:srgbClr val="000000"/>
+                      </a:solidFill>
+                      <a:prstDash val="solid"/>
+                      <a:round/>
+                      <a:headEnd type="none" w="med" len="med"/>
+                      <a:tailEnd type="none" w="med" len="med"/>
+                    </a:lnR>
+                    <a:lnT w="6350" cap="flat" cmpd="sng" algn="ctr">
+                      <a:solidFill>
+                        <a:srgbClr val="000000"/>
+                      </a:solidFill>
+                      <a:prstDash val="solid"/>
+                      <a:round/>
+                      <a:headEnd type="none" w="med" len="med"/>
+                      <a:tailEnd type="none" w="med" len="med"/>
+                    </a:lnT>
+                    <a:lnB w="6350" cap="flat" cmpd="sng" algn="ctr">
+                      <a:solidFill>
+                        <a:srgbClr val="000000"/>
+                      </a:solidFill>
+                      <a:prstDash val="solid"/>
+                      <a:round/>
+                      <a:headEnd type="none" w="med" len="med"/>
+                      <a:tailEnd type="none" w="med" len="med"/>
+                    </a:lnB>
+                    <a:solidFill>
+                      <a:srgbClr val="D9D9D9"/>
+                    </a:solidFill>
+                  </a:tcPr>
+                </a:tc>
+                <a:tc>
+                  <a:txBody>
+                    <a:bodyPr/>
+                    <a:lstStyle/>
+                    <a:p>
+                      <a:pPr algn="ctr" fontAlgn="ctr"/>
+                      <a:r>
+                        <a:rPr lang="en-IN" sz="1000" b="1" i="0" u="none" strike="noStrike" dirty="0">
+                          <a:solidFill>
+                            <a:srgbClr val="000000"/>
+                          </a:solidFill>
+                          <a:effectLst/>
+                          <a:highlight>
+                            <a:srgbClr val="D9D9D9"/>
+                          </a:highlight>
+                          <a:latin typeface="Nunito" pitchFamily="2" charset="0"/>
+                        </a:rPr>
+                        <a:t>F1-Score</a:t>
+                      </a:r>
+                    </a:p>
+                  </a:txBody>
+                  <a:tcPr marL="4497" marR="4497" marT="4497" marB="0" anchor="ctr">
+                    <a:lnL w="6350" cap="flat" cmpd="sng" algn="ctr">
+                      <a:solidFill>
+                        <a:srgbClr val="000000"/>
+                      </a:solidFill>
+                      <a:prstDash val="solid"/>
+                      <a:round/>
+                      <a:headEnd type="none" w="med" len="med"/>
+                      <a:tailEnd type="none" w="med" len="med"/>
+                    </a:lnL>
+                    <a:lnR w="6350" cap="flat" cmpd="sng" algn="ctr">
+                      <a:solidFill>
+                        <a:srgbClr val="000000"/>
+                      </a:solidFill>
+                      <a:prstDash val="solid"/>
+                      <a:round/>
+                      <a:headEnd type="none" w="med" len="med"/>
+                      <a:tailEnd type="none" w="med" len="med"/>
+                    </a:lnR>
+                    <a:lnT w="6350" cap="flat" cmpd="sng" algn="ctr">
+                      <a:solidFill>
+                        <a:srgbClr val="000000"/>
+                      </a:solidFill>
+                      <a:prstDash val="solid"/>
+                      <a:round/>
+                      <a:headEnd type="none" w="med" len="med"/>
+                      <a:tailEnd type="none" w="med" len="med"/>
+                    </a:lnT>
+                    <a:lnB w="6350" cap="flat" cmpd="sng" algn="ctr">
+                      <a:solidFill>
+                        <a:srgbClr val="000000"/>
+                      </a:solidFill>
+                      <a:prstDash val="solid"/>
+                      <a:round/>
+                      <a:headEnd type="none" w="med" len="med"/>
+                      <a:tailEnd type="none" w="med" len="med"/>
+                    </a:lnB>
+                    <a:solidFill>
+                      <a:srgbClr val="D9D9D9"/>
+                    </a:solidFill>
+                  </a:tcPr>
+                </a:tc>
+                <a:extLst>
+                  <a:ext uri="{0D108BD9-81ED-4DB2-BD59-A6C34878D82A}">
+                    <a16:rowId xmlns:a16="http://schemas.microsoft.com/office/drawing/2014/main" val="68499914"/>
+                  </a:ext>
+                </a:extLst>
+              </a:tr>
+              <a:tr h="539025">
+                <a:tc>
+                  <a:txBody>
+                    <a:bodyPr/>
+                    <a:lstStyle/>
+                    <a:p>
+                      <a:pPr algn="l" fontAlgn="ctr"/>
+                      <a:r>
+                        <a:rPr lang="en-IN" sz="900" b="1" i="0" u="none" strike="noStrike" dirty="0">
+                          <a:solidFill>
+                            <a:srgbClr val="000000"/>
+                          </a:solidFill>
+                          <a:effectLst/>
+                          <a:highlight>
+                            <a:srgbClr val="BDD7EE"/>
+                          </a:highlight>
+                          <a:latin typeface="Nunito" pitchFamily="2" charset="0"/>
+                        </a:rPr>
+                        <a:t>Gradient Boosting</a:t>
+                      </a:r>
+                    </a:p>
+                  </a:txBody>
+                  <a:tcPr marL="4497" marR="4497" marT="4497" marB="0" anchor="ctr">
+                    <a:lnL w="6350" cap="flat" cmpd="sng" algn="ctr">
+                      <a:solidFill>
+                        <a:srgbClr val="000000"/>
+                      </a:solidFill>
+                      <a:prstDash val="solid"/>
+                      <a:round/>
+                      <a:headEnd type="none" w="med" len="med"/>
+                      <a:tailEnd type="none" w="med" len="med"/>
+                    </a:lnL>
+                    <a:lnR w="6350" cap="flat" cmpd="sng" algn="ctr">
+                      <a:solidFill>
+                        <a:srgbClr val="000000"/>
+                      </a:solidFill>
+                      <a:prstDash val="solid"/>
+                      <a:round/>
+                      <a:headEnd type="none" w="med" len="med"/>
+                      <a:tailEnd type="none" w="med" len="med"/>
+                    </a:lnR>
+                    <a:lnT w="6350" cap="flat" cmpd="sng" algn="ctr">
+                      <a:solidFill>
+                        <a:srgbClr val="000000"/>
+                      </a:solidFill>
+                      <a:prstDash val="solid"/>
+                      <a:round/>
+                      <a:headEnd type="none" w="med" len="med"/>
+                      <a:tailEnd type="none" w="med" len="med"/>
+                    </a:lnT>
+                    <a:lnB w="6350" cap="flat" cmpd="sng" algn="ctr">
+                      <a:solidFill>
+                        <a:srgbClr val="000000"/>
+                      </a:solidFill>
+                      <a:prstDash val="solid"/>
+                      <a:round/>
+                      <a:headEnd type="none" w="med" len="med"/>
+                      <a:tailEnd type="none" w="med" len="med"/>
+                    </a:lnB>
+                    <a:solidFill>
+                      <a:srgbClr val="BDD7EE"/>
+                    </a:solidFill>
+                  </a:tcPr>
+                </a:tc>
+                <a:tc>
+                  <a:txBody>
+                    <a:bodyPr/>
+                    <a:lstStyle/>
+                    <a:p>
+                      <a:pPr algn="l" fontAlgn="ctr"/>
+                      <a:r>
+                        <a:rPr lang="en-IN" sz="900" b="0" i="0" u="none" strike="noStrike" dirty="0">
+                          <a:solidFill>
+                            <a:srgbClr val="000000"/>
+                          </a:solidFill>
+                          <a:effectLst/>
+                          <a:latin typeface="Nunito" pitchFamily="2" charset="0"/>
+                        </a:rPr>
+                        <a:t>Original</a:t>
+                      </a:r>
+                    </a:p>
+                  </a:txBody>
+                  <a:tcPr marL="4497" marR="4497" marT="4497" marB="0" anchor="ctr">
+                    <a:lnL w="6350" cap="flat" cmpd="sng" algn="ctr">
+                      <a:solidFill>
+                        <a:srgbClr val="000000"/>
+                      </a:solidFill>
+                      <a:prstDash val="solid"/>
+                      <a:round/>
+                      <a:headEnd type="none" w="med" len="med"/>
+                      <a:tailEnd type="none" w="med" len="med"/>
+                    </a:lnL>
+                    <a:lnR w="6350" cap="flat" cmpd="sng" algn="ctr">
+                      <a:solidFill>
+                        <a:srgbClr val="000000"/>
+                      </a:solidFill>
+                      <a:prstDash val="solid"/>
+                      <a:round/>
+                      <a:headEnd type="none" w="med" len="med"/>
+                      <a:tailEnd type="none" w="med" len="med"/>
+                    </a:lnR>
+                    <a:lnT w="6350" cap="flat" cmpd="sng" algn="ctr">
+                      <a:solidFill>
+                        <a:srgbClr val="000000"/>
+                      </a:solidFill>
+                      <a:prstDash val="solid"/>
+                      <a:round/>
+                      <a:headEnd type="none" w="med" len="med"/>
+                      <a:tailEnd type="none" w="med" len="med"/>
+                    </a:lnT>
+                    <a:lnB w="6350" cap="flat" cmpd="sng" algn="ctr">
+                      <a:solidFill>
+                        <a:srgbClr val="000000"/>
+                      </a:solidFill>
+                      <a:prstDash val="solid"/>
+                      <a:round/>
+                      <a:headEnd type="none" w="med" len="med"/>
+                      <a:tailEnd type="none" w="med" len="med"/>
+                    </a:lnB>
+                    <a:noFill/>
+                  </a:tcPr>
+                </a:tc>
+                <a:tc>
+                  <a:txBody>
+                    <a:bodyPr/>
+                    <a:lstStyle/>
+                    <a:p>
+                      <a:pPr algn="ctr" fontAlgn="ctr"/>
+                      <a:r>
+                        <a:rPr lang="en-IN" sz="900" b="0" i="0" u="none" strike="noStrike" dirty="0">
+                          <a:solidFill>
+                            <a:srgbClr val="000000"/>
+                          </a:solidFill>
+                          <a:effectLst/>
+                          <a:latin typeface="Nunito" pitchFamily="2" charset="0"/>
+                        </a:rPr>
+                        <a:t>0.941</a:t>
+                      </a:r>
+                    </a:p>
+                  </a:txBody>
+                  <a:tcPr marL="4497" marR="4497" marT="4497" marB="0" anchor="ctr">
+                    <a:lnL w="6350" cap="flat" cmpd="sng" algn="ctr">
+                      <a:solidFill>
+                        <a:srgbClr val="000000"/>
+                      </a:solidFill>
+                      <a:prstDash val="solid"/>
+                      <a:round/>
+                      <a:headEnd type="none" w="med" len="med"/>
+                      <a:tailEnd type="none" w="med" len="med"/>
+                    </a:lnL>
+                    <a:lnR w="6350" cap="flat" cmpd="sng" algn="ctr">
+                      <a:solidFill>
+                        <a:srgbClr val="000000"/>
+                      </a:solidFill>
+                      <a:prstDash val="solid"/>
+                      <a:round/>
+                      <a:headEnd type="none" w="med" len="med"/>
+                      <a:tailEnd type="none" w="med" len="med"/>
+                    </a:lnR>
+                    <a:lnT w="6350" cap="flat" cmpd="sng" algn="ctr">
+                      <a:solidFill>
+                        <a:srgbClr val="000000"/>
+                      </a:solidFill>
+                      <a:prstDash val="solid"/>
+                      <a:round/>
+                      <a:headEnd type="none" w="med" len="med"/>
+                      <a:tailEnd type="none" w="med" len="med"/>
+                    </a:lnT>
+                    <a:lnB w="6350" cap="flat" cmpd="sng" algn="ctr">
+                      <a:solidFill>
+                        <a:srgbClr val="000000"/>
+                      </a:solidFill>
+                      <a:prstDash val="solid"/>
+                      <a:round/>
+                      <a:headEnd type="none" w="med" len="med"/>
+                      <a:tailEnd type="none" w="med" len="med"/>
+                    </a:lnB>
+                    <a:noFill/>
+                  </a:tcPr>
+                </a:tc>
+                <a:tc>
+                  <a:txBody>
+                    <a:bodyPr/>
+                    <a:lstStyle/>
+                    <a:p>
+                      <a:pPr algn="ctr" fontAlgn="ctr"/>
+                      <a:r>
+                        <a:rPr lang="en-IN" sz="900" b="0" i="0" u="none" strike="noStrike">
+                          <a:solidFill>
+                            <a:srgbClr val="000000"/>
+                          </a:solidFill>
+                          <a:effectLst/>
+                          <a:latin typeface="Nunito" pitchFamily="2" charset="0"/>
+                        </a:rPr>
+                        <a:t>0.94</a:t>
+                      </a:r>
+                    </a:p>
+                  </a:txBody>
+                  <a:tcPr marL="4497" marR="4497" marT="4497" marB="0" anchor="ctr">
+                    <a:lnL w="6350" cap="flat" cmpd="sng" algn="ctr">
+                      <a:solidFill>
+                        <a:srgbClr val="000000"/>
+                      </a:solidFill>
+                      <a:prstDash val="solid"/>
+                      <a:round/>
+                      <a:headEnd type="none" w="med" len="med"/>
+                      <a:tailEnd type="none" w="med" len="med"/>
+                    </a:lnL>
+                    <a:lnR w="6350" cap="flat" cmpd="sng" algn="ctr">
+                      <a:solidFill>
+                        <a:srgbClr val="000000"/>
+                      </a:solidFill>
+                      <a:prstDash val="solid"/>
+                      <a:round/>
+                      <a:headEnd type="none" w="med" len="med"/>
+                      <a:tailEnd type="none" w="med" len="med"/>
+                    </a:lnR>
+                    <a:lnT w="6350" cap="flat" cmpd="sng" algn="ctr">
+                      <a:solidFill>
+                        <a:srgbClr val="000000"/>
+                      </a:solidFill>
+                      <a:prstDash val="solid"/>
+                      <a:round/>
+                      <a:headEnd type="none" w="med" len="med"/>
+                      <a:tailEnd type="none" w="med" len="med"/>
+                    </a:lnT>
+                    <a:lnB w="6350" cap="flat" cmpd="sng" algn="ctr">
+                      <a:solidFill>
+                        <a:srgbClr val="000000"/>
+                      </a:solidFill>
+                      <a:prstDash val="solid"/>
+                      <a:round/>
+                      <a:headEnd type="none" w="med" len="med"/>
+                      <a:tailEnd type="none" w="med" len="med"/>
+                    </a:lnB>
+                    <a:noFill/>
+                  </a:tcPr>
+                </a:tc>
+                <a:tc>
+                  <a:txBody>
+                    <a:bodyPr/>
+                    <a:lstStyle/>
+                    <a:p>
+                      <a:pPr algn="ctr" fontAlgn="ctr"/>
+                      <a:r>
+                        <a:rPr lang="en-IN" sz="900" b="0" i="0" u="none" strike="noStrike">
+                          <a:solidFill>
+                            <a:srgbClr val="000000"/>
+                          </a:solidFill>
+                          <a:effectLst/>
+                          <a:latin typeface="Nunito" pitchFamily="2" charset="0"/>
+                        </a:rPr>
+                        <a:t>0.94</a:t>
+                      </a:r>
+                    </a:p>
+                  </a:txBody>
+                  <a:tcPr marL="4497" marR="4497" marT="4497" marB="0" anchor="ctr">
+                    <a:lnL w="6350" cap="flat" cmpd="sng" algn="ctr">
+                      <a:solidFill>
+                        <a:srgbClr val="000000"/>
+                      </a:solidFill>
+                      <a:prstDash val="solid"/>
+                      <a:round/>
+                      <a:headEnd type="none" w="med" len="med"/>
+                      <a:tailEnd type="none" w="med" len="med"/>
+                    </a:lnL>
+                    <a:lnR w="6350" cap="flat" cmpd="sng" algn="ctr">
+                      <a:solidFill>
+                        <a:srgbClr val="000000"/>
+                      </a:solidFill>
+                      <a:prstDash val="solid"/>
+                      <a:round/>
+                      <a:headEnd type="none" w="med" len="med"/>
+                      <a:tailEnd type="none" w="med" len="med"/>
+                    </a:lnR>
+                    <a:lnT w="6350" cap="flat" cmpd="sng" algn="ctr">
+                      <a:solidFill>
+                        <a:srgbClr val="000000"/>
+                      </a:solidFill>
+                      <a:prstDash val="solid"/>
+                      <a:round/>
+                      <a:headEnd type="none" w="med" len="med"/>
+                      <a:tailEnd type="none" w="med" len="med"/>
+                    </a:lnT>
+                    <a:lnB w="6350" cap="flat" cmpd="sng" algn="ctr">
+                      <a:solidFill>
+                        <a:srgbClr val="000000"/>
+                      </a:solidFill>
+                      <a:prstDash val="solid"/>
+                      <a:round/>
+                      <a:headEnd type="none" w="med" len="med"/>
+                      <a:tailEnd type="none" w="med" len="med"/>
+                    </a:lnB>
+                    <a:noFill/>
+                  </a:tcPr>
+                </a:tc>
+                <a:tc>
+                  <a:txBody>
+                    <a:bodyPr/>
+                    <a:lstStyle/>
+                    <a:p>
+                      <a:pPr algn="l" fontAlgn="ctr"/>
+                      <a:r>
+                        <a:rPr lang="en-US" sz="900" b="0" i="0" u="none" strike="noStrike">
+                          <a:solidFill>
+                            <a:srgbClr val="000000"/>
+                          </a:solidFill>
+                          <a:effectLst/>
+                          <a:latin typeface="Nunito" pitchFamily="2" charset="0"/>
+                        </a:rPr>
+                        <a:t>No Promotion: 0.94</a:t>
+                      </a:r>
+                      <a:br>
+                        <a:rPr lang="en-US" sz="900" b="0" i="0" u="none" strike="noStrike">
+                          <a:solidFill>
+                            <a:srgbClr val="000000"/>
+                          </a:solidFill>
+                          <a:effectLst/>
+                          <a:latin typeface="Nunito" pitchFamily="2" charset="0"/>
+                        </a:rPr>
+                      </a:br>
+                      <a:r>
+                        <a:rPr lang="en-US" sz="900" b="0" i="0" u="none" strike="noStrike">
+                          <a:solidFill>
+                            <a:srgbClr val="000000"/>
+                          </a:solidFill>
+                          <a:effectLst/>
+                          <a:latin typeface="Nunito" pitchFamily="2" charset="0"/>
+                        </a:rPr>
+                        <a:t>Promotion: 0.91</a:t>
+                      </a:r>
+                    </a:p>
+                  </a:txBody>
+                  <a:tcPr marL="4497" marR="4497" marT="4497" marB="0" anchor="ctr">
+                    <a:lnL w="6350" cap="flat" cmpd="sng" algn="ctr">
+                      <a:solidFill>
+                        <a:srgbClr val="000000"/>
+                      </a:solidFill>
+                      <a:prstDash val="solid"/>
+                      <a:round/>
+                      <a:headEnd type="none" w="med" len="med"/>
+                      <a:tailEnd type="none" w="med" len="med"/>
+                    </a:lnL>
+                    <a:lnR w="6350" cap="flat" cmpd="sng" algn="ctr">
+                      <a:solidFill>
+                        <a:srgbClr val="000000"/>
+                      </a:solidFill>
+                      <a:prstDash val="solid"/>
+                      <a:round/>
+                      <a:headEnd type="none" w="med" len="med"/>
+                      <a:tailEnd type="none" w="med" len="med"/>
+                    </a:lnR>
+                    <a:lnT w="6350" cap="flat" cmpd="sng" algn="ctr">
+                      <a:solidFill>
+                        <a:srgbClr val="000000"/>
+                      </a:solidFill>
+                      <a:prstDash val="solid"/>
+                      <a:round/>
+                      <a:headEnd type="none" w="med" len="med"/>
+                      <a:tailEnd type="none" w="med" len="med"/>
+                    </a:lnT>
+                    <a:lnB w="6350" cap="flat" cmpd="sng" algn="ctr">
+                      <a:solidFill>
+                        <a:srgbClr val="000000"/>
+                      </a:solidFill>
+                      <a:prstDash val="solid"/>
+                      <a:round/>
+                      <a:headEnd type="none" w="med" len="med"/>
+                      <a:tailEnd type="none" w="med" len="med"/>
+                    </a:lnB>
+                    <a:noFill/>
+                  </a:tcPr>
+                </a:tc>
+                <a:tc>
+                  <a:txBody>
+                    <a:bodyPr/>
+                    <a:lstStyle/>
+                    <a:p>
+                      <a:pPr algn="l" fontAlgn="ctr"/>
+                      <a:r>
+                        <a:rPr lang="en-US" sz="900" b="0" i="0" u="none" strike="noStrike">
+                          <a:solidFill>
+                            <a:srgbClr val="000000"/>
+                          </a:solidFill>
+                          <a:effectLst/>
+                          <a:latin typeface="Nunito" pitchFamily="2" charset="0"/>
+                        </a:rPr>
+                        <a:t>No Promotion: 1.00</a:t>
+                      </a:r>
+                      <a:br>
+                        <a:rPr lang="en-US" sz="900" b="0" i="0" u="none" strike="noStrike">
+                          <a:solidFill>
+                            <a:srgbClr val="000000"/>
+                          </a:solidFill>
+                          <a:effectLst/>
+                          <a:latin typeface="Nunito" pitchFamily="2" charset="0"/>
+                        </a:rPr>
+                      </a:br>
+                      <a:r>
+                        <a:rPr lang="en-US" sz="900" b="0" i="0" u="none" strike="noStrike">
+                          <a:solidFill>
+                            <a:srgbClr val="000000"/>
+                          </a:solidFill>
+                          <a:effectLst/>
+                          <a:latin typeface="Nunito" pitchFamily="2" charset="0"/>
+                        </a:rPr>
+                        <a:t>Promotion: 0.30</a:t>
+                      </a:r>
+                    </a:p>
+                  </a:txBody>
+                  <a:tcPr marL="4497" marR="4497" marT="4497" marB="0" anchor="ctr">
+                    <a:lnL w="6350" cap="flat" cmpd="sng" algn="ctr">
+                      <a:solidFill>
+                        <a:srgbClr val="000000"/>
+                      </a:solidFill>
+                      <a:prstDash val="solid"/>
+                      <a:round/>
+                      <a:headEnd type="none" w="med" len="med"/>
+                      <a:tailEnd type="none" w="med" len="med"/>
+                    </a:lnL>
+                    <a:lnR w="6350" cap="flat" cmpd="sng" algn="ctr">
+                      <a:solidFill>
+                        <a:srgbClr val="000000"/>
+                      </a:solidFill>
+                      <a:prstDash val="solid"/>
+                      <a:round/>
+                      <a:headEnd type="none" w="med" len="med"/>
+                      <a:tailEnd type="none" w="med" len="med"/>
+                    </a:lnR>
+                    <a:lnT w="6350" cap="flat" cmpd="sng" algn="ctr">
+                      <a:solidFill>
+                        <a:srgbClr val="000000"/>
+                      </a:solidFill>
+                      <a:prstDash val="solid"/>
+                      <a:round/>
+                      <a:headEnd type="none" w="med" len="med"/>
+                      <a:tailEnd type="none" w="med" len="med"/>
+                    </a:lnT>
+                    <a:lnB w="6350" cap="flat" cmpd="sng" algn="ctr">
+                      <a:solidFill>
+                        <a:srgbClr val="000000"/>
+                      </a:solidFill>
+                      <a:prstDash val="solid"/>
+                      <a:round/>
+                      <a:headEnd type="none" w="med" len="med"/>
+                      <a:tailEnd type="none" w="med" len="med"/>
+                    </a:lnB>
+                    <a:noFill/>
+                  </a:tcPr>
+                </a:tc>
+                <a:tc>
+                  <a:txBody>
+                    <a:bodyPr/>
+                    <a:lstStyle/>
+                    <a:p>
+                      <a:pPr algn="l" fontAlgn="ctr"/>
+                      <a:r>
+                        <a:rPr lang="en-US" sz="900" b="0" i="0" u="none" strike="noStrike">
+                          <a:solidFill>
+                            <a:srgbClr val="000000"/>
+                          </a:solidFill>
+                          <a:effectLst/>
+                          <a:latin typeface="Nunito" pitchFamily="2" charset="0"/>
+                        </a:rPr>
+                        <a:t>No Promotion: 0.97</a:t>
+                      </a:r>
+                      <a:br>
+                        <a:rPr lang="en-US" sz="900" b="0" i="0" u="none" strike="noStrike">
+                          <a:solidFill>
+                            <a:srgbClr val="000000"/>
+                          </a:solidFill>
+                          <a:effectLst/>
+                          <a:latin typeface="Nunito" pitchFamily="2" charset="0"/>
+                        </a:rPr>
+                      </a:br>
+                      <a:r>
+                        <a:rPr lang="en-US" sz="900" b="0" i="0" u="none" strike="noStrike">
+                          <a:solidFill>
+                            <a:srgbClr val="000000"/>
+                          </a:solidFill>
+                          <a:effectLst/>
+                          <a:latin typeface="Nunito" pitchFamily="2" charset="0"/>
+                        </a:rPr>
+                        <a:t>Promotion: 0.45</a:t>
+                      </a:r>
+                    </a:p>
+                  </a:txBody>
+                  <a:tcPr marL="4497" marR="4497" marT="4497" marB="0" anchor="ctr">
+                    <a:lnL w="6350" cap="flat" cmpd="sng" algn="ctr">
+                      <a:solidFill>
+                        <a:srgbClr val="000000"/>
+                      </a:solidFill>
+                      <a:prstDash val="solid"/>
+                      <a:round/>
+                      <a:headEnd type="none" w="med" len="med"/>
+                      <a:tailEnd type="none" w="med" len="med"/>
+                    </a:lnL>
+                    <a:lnR w="6350" cap="flat" cmpd="sng" algn="ctr">
+                      <a:solidFill>
+                        <a:srgbClr val="000000"/>
+                      </a:solidFill>
+                      <a:prstDash val="solid"/>
+                      <a:round/>
+                      <a:headEnd type="none" w="med" len="med"/>
+                      <a:tailEnd type="none" w="med" len="med"/>
+                    </a:lnR>
+                    <a:lnT w="6350" cap="flat" cmpd="sng" algn="ctr">
+                      <a:solidFill>
+                        <a:srgbClr val="000000"/>
+                      </a:solidFill>
+                      <a:prstDash val="solid"/>
+                      <a:round/>
+                      <a:headEnd type="none" w="med" len="med"/>
+                      <a:tailEnd type="none" w="med" len="med"/>
+                    </a:lnT>
+                    <a:lnB w="6350" cap="flat" cmpd="sng" algn="ctr">
+                      <a:solidFill>
+                        <a:srgbClr val="000000"/>
+                      </a:solidFill>
+                      <a:prstDash val="solid"/>
+                      <a:round/>
+                      <a:headEnd type="none" w="med" len="med"/>
+                      <a:tailEnd type="none" w="med" len="med"/>
+                    </a:lnB>
+                    <a:noFill/>
+                  </a:tcPr>
+                </a:tc>
+                <a:extLst>
+                  <a:ext uri="{0D108BD9-81ED-4DB2-BD59-A6C34878D82A}">
+                    <a16:rowId xmlns:a16="http://schemas.microsoft.com/office/drawing/2014/main" val="638823332"/>
+                  </a:ext>
+                </a:extLst>
+              </a:tr>
+              <a:tr h="369442">
+                <a:tc>
+                  <a:txBody>
+                    <a:bodyPr/>
+                    <a:lstStyle/>
+                    <a:p>
+                      <a:pPr algn="l" fontAlgn="ctr"/>
+                      <a:r>
+                        <a:rPr lang="en-IN" sz="900" b="1" i="0" u="none" strike="noStrike">
+                          <a:solidFill>
+                            <a:srgbClr val="000000"/>
+                          </a:solidFill>
+                          <a:effectLst/>
+                          <a:highlight>
+                            <a:srgbClr val="BDD7EE"/>
+                          </a:highlight>
+                          <a:latin typeface="Nunito" pitchFamily="2" charset="0"/>
+                        </a:rPr>
+                        <a:t>Gradient Boosting</a:t>
+                      </a:r>
+                    </a:p>
+                  </a:txBody>
+                  <a:tcPr marL="4497" marR="4497" marT="4497" marB="0" anchor="ctr">
+                    <a:lnL w="6350" cap="flat" cmpd="sng" algn="ctr">
+                      <a:solidFill>
+                        <a:srgbClr val="000000"/>
+                      </a:solidFill>
+                      <a:prstDash val="solid"/>
+                      <a:round/>
+                      <a:headEnd type="none" w="med" len="med"/>
+                      <a:tailEnd type="none" w="med" len="med"/>
+                    </a:lnL>
+                    <a:lnR w="6350" cap="flat" cmpd="sng" algn="ctr">
+                      <a:solidFill>
+                        <a:srgbClr val="000000"/>
+                      </a:solidFill>
+                      <a:prstDash val="solid"/>
+                      <a:round/>
+                      <a:headEnd type="none" w="med" len="med"/>
+                      <a:tailEnd type="none" w="med" len="med"/>
+                    </a:lnR>
+                    <a:lnT w="6350" cap="flat" cmpd="sng" algn="ctr">
+                      <a:solidFill>
+                        <a:srgbClr val="000000"/>
+                      </a:solidFill>
+                      <a:prstDash val="solid"/>
+                      <a:round/>
+                      <a:headEnd type="none" w="med" len="med"/>
+                      <a:tailEnd type="none" w="med" len="med"/>
+                    </a:lnT>
+                    <a:lnB w="6350" cap="flat" cmpd="sng" algn="ctr">
+                      <a:solidFill>
+                        <a:srgbClr val="000000"/>
+                      </a:solidFill>
+                      <a:prstDash val="solid"/>
+                      <a:round/>
+                      <a:headEnd type="none" w="med" len="med"/>
+                      <a:tailEnd type="none" w="med" len="med"/>
+                    </a:lnB>
+                    <a:solidFill>
+                      <a:srgbClr val="BDD7EE"/>
+                    </a:solidFill>
+                  </a:tcPr>
+                </a:tc>
+                <a:tc>
+                  <a:txBody>
+                    <a:bodyPr/>
+                    <a:lstStyle/>
+                    <a:p>
+                      <a:pPr algn="l" fontAlgn="ctr"/>
+                      <a:r>
+                        <a:rPr lang="en-IN" sz="900" b="0" i="0" u="none" strike="noStrike" dirty="0">
+                          <a:solidFill>
+                            <a:srgbClr val="000000"/>
+                          </a:solidFill>
+                          <a:effectLst/>
+                          <a:latin typeface="Nunito" pitchFamily="2" charset="0"/>
+                        </a:rPr>
+                        <a:t>Under sampled</a:t>
+                      </a:r>
+                    </a:p>
+                  </a:txBody>
+                  <a:tcPr marL="4497" marR="4497" marT="4497" marB="0" anchor="ctr">
+                    <a:lnL w="6350" cap="flat" cmpd="sng" algn="ctr">
+                      <a:solidFill>
+                        <a:srgbClr val="000000"/>
+                      </a:solidFill>
+                      <a:prstDash val="solid"/>
+                      <a:round/>
+                      <a:headEnd type="none" w="med" len="med"/>
+                      <a:tailEnd type="none" w="med" len="med"/>
+                    </a:lnL>
+                    <a:lnR w="6350" cap="flat" cmpd="sng" algn="ctr">
+                      <a:solidFill>
+                        <a:srgbClr val="000000"/>
+                      </a:solidFill>
+                      <a:prstDash val="solid"/>
+                      <a:round/>
+                      <a:headEnd type="none" w="med" len="med"/>
+                      <a:tailEnd type="none" w="med" len="med"/>
+                    </a:lnR>
+                    <a:lnT w="6350" cap="flat" cmpd="sng" algn="ctr">
+                      <a:solidFill>
+                        <a:srgbClr val="000000"/>
+                      </a:solidFill>
+                      <a:prstDash val="solid"/>
+                      <a:round/>
+                      <a:headEnd type="none" w="med" len="med"/>
+                      <a:tailEnd type="none" w="med" len="med"/>
+                    </a:lnT>
+                    <a:lnB w="6350" cap="flat" cmpd="sng" algn="ctr">
+                      <a:solidFill>
+                        <a:srgbClr val="000000"/>
+                      </a:solidFill>
+                      <a:prstDash val="solid"/>
+                      <a:round/>
+                      <a:headEnd type="none" w="med" len="med"/>
+                      <a:tailEnd type="none" w="med" len="med"/>
+                    </a:lnB>
+                    <a:noFill/>
+                  </a:tcPr>
+                </a:tc>
+                <a:tc>
+                  <a:txBody>
+                    <a:bodyPr/>
+                    <a:lstStyle/>
+                    <a:p>
+                      <a:pPr algn="ctr" fontAlgn="ctr"/>
+                      <a:r>
+                        <a:rPr lang="en-IN" sz="900" b="0" i="0" u="none" strike="noStrike">
+                          <a:solidFill>
+                            <a:srgbClr val="000000"/>
+                          </a:solidFill>
+                          <a:effectLst/>
+                          <a:latin typeface="Nunito" pitchFamily="2" charset="0"/>
+                        </a:rPr>
+                        <a:t>0.793</a:t>
+                      </a:r>
+                    </a:p>
+                  </a:txBody>
+                  <a:tcPr marL="4497" marR="4497" marT="4497" marB="0" anchor="ctr">
+                    <a:lnL w="6350" cap="flat" cmpd="sng" algn="ctr">
+                      <a:solidFill>
+                        <a:srgbClr val="000000"/>
+                      </a:solidFill>
+                      <a:prstDash val="solid"/>
+                      <a:round/>
+                      <a:headEnd type="none" w="med" len="med"/>
+                      <a:tailEnd type="none" w="med" len="med"/>
+                    </a:lnL>
+                    <a:lnR w="6350" cap="flat" cmpd="sng" algn="ctr">
+                      <a:solidFill>
+                        <a:srgbClr val="000000"/>
+                      </a:solidFill>
+                      <a:prstDash val="solid"/>
+                      <a:round/>
+                      <a:headEnd type="none" w="med" len="med"/>
+                      <a:tailEnd type="none" w="med" len="med"/>
+                    </a:lnR>
+                    <a:lnT w="6350" cap="flat" cmpd="sng" algn="ctr">
+                      <a:solidFill>
+                        <a:srgbClr val="000000"/>
+                      </a:solidFill>
+                      <a:prstDash val="solid"/>
+                      <a:round/>
+                      <a:headEnd type="none" w="med" len="med"/>
+                      <a:tailEnd type="none" w="med" len="med"/>
+                    </a:lnT>
+                    <a:lnB w="6350" cap="flat" cmpd="sng" algn="ctr">
+                      <a:solidFill>
+                        <a:srgbClr val="000000"/>
+                      </a:solidFill>
+                      <a:prstDash val="solid"/>
+                      <a:round/>
+                      <a:headEnd type="none" w="med" len="med"/>
+                      <a:tailEnd type="none" w="med" len="med"/>
+                    </a:lnB>
+                    <a:noFill/>
+                  </a:tcPr>
+                </a:tc>
+                <a:tc>
+                  <a:txBody>
+                    <a:bodyPr/>
+                    <a:lstStyle/>
+                    <a:p>
+                      <a:pPr algn="ctr" fontAlgn="ctr"/>
+                      <a:r>
+                        <a:rPr lang="en-IN" sz="900" b="0" i="0" u="none" strike="noStrike">
+                          <a:solidFill>
+                            <a:srgbClr val="000000"/>
+                          </a:solidFill>
+                          <a:effectLst/>
+                          <a:latin typeface="Nunito" pitchFamily="2" charset="0"/>
+                        </a:rPr>
+                        <a:t>0.77</a:t>
+                      </a:r>
+                    </a:p>
+                  </a:txBody>
+                  <a:tcPr marL="4497" marR="4497" marT="4497" marB="0" anchor="ctr">
+                    <a:lnL w="6350" cap="flat" cmpd="sng" algn="ctr">
+                      <a:solidFill>
+                        <a:srgbClr val="000000"/>
+                      </a:solidFill>
+                      <a:prstDash val="solid"/>
+                      <a:round/>
+                      <a:headEnd type="none" w="med" len="med"/>
+                      <a:tailEnd type="none" w="med" len="med"/>
+                    </a:lnL>
+                    <a:lnR w="6350" cap="flat" cmpd="sng" algn="ctr">
+                      <a:solidFill>
+                        <a:srgbClr val="000000"/>
+                      </a:solidFill>
+                      <a:prstDash val="solid"/>
+                      <a:round/>
+                      <a:headEnd type="none" w="med" len="med"/>
+                      <a:tailEnd type="none" w="med" len="med"/>
+                    </a:lnR>
+                    <a:lnT w="6350" cap="flat" cmpd="sng" algn="ctr">
+                      <a:solidFill>
+                        <a:srgbClr val="000000"/>
+                      </a:solidFill>
+                      <a:prstDash val="solid"/>
+                      <a:round/>
+                      <a:headEnd type="none" w="med" len="med"/>
+                      <a:tailEnd type="none" w="med" len="med"/>
+                    </a:lnT>
+                    <a:lnB w="6350" cap="flat" cmpd="sng" algn="ctr">
+                      <a:solidFill>
+                        <a:srgbClr val="000000"/>
+                      </a:solidFill>
+                      <a:prstDash val="solid"/>
+                      <a:round/>
+                      <a:headEnd type="none" w="med" len="med"/>
+                      <a:tailEnd type="none" w="med" len="med"/>
+                    </a:lnB>
+                    <a:noFill/>
+                  </a:tcPr>
+                </a:tc>
+                <a:tc>
+                  <a:txBody>
+                    <a:bodyPr/>
+                    <a:lstStyle/>
+                    <a:p>
+                      <a:pPr algn="ctr" fontAlgn="ctr"/>
+                      <a:r>
+                        <a:rPr lang="en-IN" sz="900" b="0" i="0" u="none" strike="noStrike">
+                          <a:solidFill>
+                            <a:srgbClr val="000000"/>
+                          </a:solidFill>
+                          <a:effectLst/>
+                          <a:latin typeface="Nunito" pitchFamily="2" charset="0"/>
+                        </a:rPr>
+                        <a:t>Not Applicable</a:t>
+                      </a:r>
+                    </a:p>
+                  </a:txBody>
+                  <a:tcPr marL="4497" marR="4497" marT="4497" marB="0" anchor="ctr">
+                    <a:lnL w="6350" cap="flat" cmpd="sng" algn="ctr">
+                      <a:solidFill>
+                        <a:srgbClr val="000000"/>
+                      </a:solidFill>
+                      <a:prstDash val="solid"/>
+                      <a:round/>
+                      <a:headEnd type="none" w="med" len="med"/>
+                      <a:tailEnd type="none" w="med" len="med"/>
+                    </a:lnL>
+                    <a:lnR w="6350" cap="flat" cmpd="sng" algn="ctr">
+                      <a:solidFill>
+                        <a:srgbClr val="000000"/>
+                      </a:solidFill>
+                      <a:prstDash val="solid"/>
+                      <a:round/>
+                      <a:headEnd type="none" w="med" len="med"/>
+                      <a:tailEnd type="none" w="med" len="med"/>
+                    </a:lnR>
+                    <a:lnT w="6350" cap="flat" cmpd="sng" algn="ctr">
+                      <a:solidFill>
+                        <a:srgbClr val="000000"/>
+                      </a:solidFill>
+                      <a:prstDash val="solid"/>
+                      <a:round/>
+                      <a:headEnd type="none" w="med" len="med"/>
+                      <a:tailEnd type="none" w="med" len="med"/>
+                    </a:lnT>
+                    <a:lnB w="6350" cap="flat" cmpd="sng" algn="ctr">
+                      <a:solidFill>
+                        <a:srgbClr val="000000"/>
+                      </a:solidFill>
+                      <a:prstDash val="solid"/>
+                      <a:round/>
+                      <a:headEnd type="none" w="med" len="med"/>
+                      <a:tailEnd type="none" w="med" len="med"/>
+                    </a:lnB>
+                    <a:noFill/>
+                  </a:tcPr>
+                </a:tc>
+                <a:tc>
+                  <a:txBody>
+                    <a:bodyPr/>
+                    <a:lstStyle/>
+                    <a:p>
+                      <a:pPr algn="l" fontAlgn="ctr"/>
+                      <a:r>
+                        <a:rPr lang="en-US" sz="900" b="0" i="0" u="none" strike="noStrike">
+                          <a:solidFill>
+                            <a:srgbClr val="000000"/>
+                          </a:solidFill>
+                          <a:effectLst/>
+                          <a:latin typeface="Nunito" pitchFamily="2" charset="0"/>
+                        </a:rPr>
+                        <a:t>No Promotion: 0.97</a:t>
+                      </a:r>
+                      <a:br>
+                        <a:rPr lang="en-US" sz="900" b="0" i="0" u="none" strike="noStrike">
+                          <a:solidFill>
+                            <a:srgbClr val="000000"/>
+                          </a:solidFill>
+                          <a:effectLst/>
+                          <a:latin typeface="Nunito" pitchFamily="2" charset="0"/>
+                        </a:rPr>
+                      </a:br>
+                      <a:r>
+                        <a:rPr lang="en-US" sz="900" b="0" i="0" u="none" strike="noStrike">
+                          <a:solidFill>
+                            <a:srgbClr val="000000"/>
+                          </a:solidFill>
+                          <a:effectLst/>
+                          <a:latin typeface="Nunito" pitchFamily="2" charset="0"/>
+                        </a:rPr>
+                        <a:t>Promotion: 0.23</a:t>
+                      </a:r>
+                    </a:p>
+                  </a:txBody>
+                  <a:tcPr marL="4497" marR="4497" marT="4497" marB="0" anchor="ctr">
+                    <a:lnL w="6350" cap="flat" cmpd="sng" algn="ctr">
+                      <a:solidFill>
+                        <a:srgbClr val="000000"/>
+                      </a:solidFill>
+                      <a:prstDash val="solid"/>
+                      <a:round/>
+                      <a:headEnd type="none" w="med" len="med"/>
+                      <a:tailEnd type="none" w="med" len="med"/>
+                    </a:lnL>
+                    <a:lnR w="6350" cap="flat" cmpd="sng" algn="ctr">
+                      <a:solidFill>
+                        <a:srgbClr val="000000"/>
+                      </a:solidFill>
+                      <a:prstDash val="solid"/>
+                      <a:round/>
+                      <a:headEnd type="none" w="med" len="med"/>
+                      <a:tailEnd type="none" w="med" len="med"/>
+                    </a:lnR>
+                    <a:lnT w="6350" cap="flat" cmpd="sng" algn="ctr">
+                      <a:solidFill>
+                        <a:srgbClr val="000000"/>
+                      </a:solidFill>
+                      <a:prstDash val="solid"/>
+                      <a:round/>
+                      <a:headEnd type="none" w="med" len="med"/>
+                      <a:tailEnd type="none" w="med" len="med"/>
+                    </a:lnT>
+                    <a:lnB w="6350" cap="flat" cmpd="sng" algn="ctr">
+                      <a:solidFill>
+                        <a:srgbClr val="000000"/>
+                      </a:solidFill>
+                      <a:prstDash val="solid"/>
+                      <a:round/>
+                      <a:headEnd type="none" w="med" len="med"/>
+                      <a:tailEnd type="none" w="med" len="med"/>
+                    </a:lnB>
+                    <a:noFill/>
+                  </a:tcPr>
+                </a:tc>
+                <a:tc>
+                  <a:txBody>
+                    <a:bodyPr/>
+                    <a:lstStyle/>
+                    <a:p>
+                      <a:pPr algn="l" fontAlgn="ctr"/>
+                      <a:r>
+                        <a:rPr lang="en-US" sz="900" b="0" i="0" u="none" strike="noStrike">
+                          <a:solidFill>
+                            <a:srgbClr val="000000"/>
+                          </a:solidFill>
+                          <a:effectLst/>
+                          <a:latin typeface="Nunito" pitchFamily="2" charset="0"/>
+                        </a:rPr>
+                        <a:t>No Promotion: 0.77</a:t>
+                      </a:r>
+                      <a:br>
+                        <a:rPr lang="en-US" sz="900" b="0" i="0" u="none" strike="noStrike">
+                          <a:solidFill>
+                            <a:srgbClr val="000000"/>
+                          </a:solidFill>
+                          <a:effectLst/>
+                          <a:latin typeface="Nunito" pitchFamily="2" charset="0"/>
+                        </a:rPr>
+                      </a:br>
+                      <a:r>
+                        <a:rPr lang="en-US" sz="900" b="0" i="0" u="none" strike="noStrike">
+                          <a:solidFill>
+                            <a:srgbClr val="000000"/>
+                          </a:solidFill>
+                          <a:effectLst/>
+                          <a:latin typeface="Nunito" pitchFamily="2" charset="0"/>
+                        </a:rPr>
+                        <a:t>Promotion: 0.72</a:t>
+                      </a:r>
+                    </a:p>
+                  </a:txBody>
+                  <a:tcPr marL="4497" marR="4497" marT="4497" marB="0" anchor="ctr">
+                    <a:lnL w="6350" cap="flat" cmpd="sng" algn="ctr">
+                      <a:solidFill>
+                        <a:srgbClr val="000000"/>
+                      </a:solidFill>
+                      <a:prstDash val="solid"/>
+                      <a:round/>
+                      <a:headEnd type="none" w="med" len="med"/>
+                      <a:tailEnd type="none" w="med" len="med"/>
+                    </a:lnL>
+                    <a:lnR w="6350" cap="flat" cmpd="sng" algn="ctr">
+                      <a:solidFill>
+                        <a:srgbClr val="000000"/>
+                      </a:solidFill>
+                      <a:prstDash val="solid"/>
+                      <a:round/>
+                      <a:headEnd type="none" w="med" len="med"/>
+                      <a:tailEnd type="none" w="med" len="med"/>
+                    </a:lnR>
+                    <a:lnT w="6350" cap="flat" cmpd="sng" algn="ctr">
+                      <a:solidFill>
+                        <a:srgbClr val="000000"/>
+                      </a:solidFill>
+                      <a:prstDash val="solid"/>
+                      <a:round/>
+                      <a:headEnd type="none" w="med" len="med"/>
+                      <a:tailEnd type="none" w="med" len="med"/>
+                    </a:lnT>
+                    <a:lnB w="6350" cap="flat" cmpd="sng" algn="ctr">
+                      <a:solidFill>
+                        <a:srgbClr val="000000"/>
+                      </a:solidFill>
+                      <a:prstDash val="solid"/>
+                      <a:round/>
+                      <a:headEnd type="none" w="med" len="med"/>
+                      <a:tailEnd type="none" w="med" len="med"/>
+                    </a:lnB>
+                    <a:noFill/>
+                  </a:tcPr>
+                </a:tc>
+                <a:tc>
+                  <a:txBody>
+                    <a:bodyPr/>
+                    <a:lstStyle/>
+                    <a:p>
+                      <a:pPr algn="l" fontAlgn="ctr"/>
+                      <a:r>
+                        <a:rPr lang="en-US" sz="900" b="0" i="0" u="none" strike="noStrike">
+                          <a:solidFill>
+                            <a:srgbClr val="000000"/>
+                          </a:solidFill>
+                          <a:effectLst/>
+                          <a:latin typeface="Nunito" pitchFamily="2" charset="0"/>
+                        </a:rPr>
+                        <a:t>No Promotion: 0.86</a:t>
+                      </a:r>
+                      <a:br>
+                        <a:rPr lang="en-US" sz="900" b="0" i="0" u="none" strike="noStrike">
+                          <a:solidFill>
+                            <a:srgbClr val="000000"/>
+                          </a:solidFill>
+                          <a:effectLst/>
+                          <a:latin typeface="Nunito" pitchFamily="2" charset="0"/>
+                        </a:rPr>
+                      </a:br>
+                      <a:r>
+                        <a:rPr lang="en-US" sz="900" b="0" i="0" u="none" strike="noStrike">
+                          <a:solidFill>
+                            <a:srgbClr val="000000"/>
+                          </a:solidFill>
+                          <a:effectLst/>
+                          <a:latin typeface="Nunito" pitchFamily="2" charset="0"/>
+                        </a:rPr>
+                        <a:t>Promotion: 0.35</a:t>
+                      </a:r>
+                    </a:p>
+                  </a:txBody>
+                  <a:tcPr marL="4497" marR="4497" marT="4497" marB="0" anchor="ctr">
+                    <a:lnL w="6350" cap="flat" cmpd="sng" algn="ctr">
+                      <a:solidFill>
+                        <a:srgbClr val="000000"/>
+                      </a:solidFill>
+                      <a:prstDash val="solid"/>
+                      <a:round/>
+                      <a:headEnd type="none" w="med" len="med"/>
+                      <a:tailEnd type="none" w="med" len="med"/>
+                    </a:lnL>
+                    <a:lnR w="6350" cap="flat" cmpd="sng" algn="ctr">
+                      <a:solidFill>
+                        <a:srgbClr val="000000"/>
+                      </a:solidFill>
+                      <a:prstDash val="solid"/>
+                      <a:round/>
+                      <a:headEnd type="none" w="med" len="med"/>
+                      <a:tailEnd type="none" w="med" len="med"/>
+                    </a:lnR>
+                    <a:lnT w="6350" cap="flat" cmpd="sng" algn="ctr">
+                      <a:solidFill>
+                        <a:srgbClr val="000000"/>
+                      </a:solidFill>
+                      <a:prstDash val="solid"/>
+                      <a:round/>
+                      <a:headEnd type="none" w="med" len="med"/>
+                      <a:tailEnd type="none" w="med" len="med"/>
+                    </a:lnT>
+                    <a:lnB w="6350" cap="flat" cmpd="sng" algn="ctr">
+                      <a:solidFill>
+                        <a:srgbClr val="000000"/>
+                      </a:solidFill>
+                      <a:prstDash val="solid"/>
+                      <a:round/>
+                      <a:headEnd type="none" w="med" len="med"/>
+                      <a:tailEnd type="none" w="med" len="med"/>
+                    </a:lnB>
+                    <a:noFill/>
+                  </a:tcPr>
+                </a:tc>
+                <a:extLst>
+                  <a:ext uri="{0D108BD9-81ED-4DB2-BD59-A6C34878D82A}">
+                    <a16:rowId xmlns:a16="http://schemas.microsoft.com/office/drawing/2014/main" val="3442117176"/>
+                  </a:ext>
+                </a:extLst>
+              </a:tr>
+              <a:tr h="460290">
+                <a:tc>
+                  <a:txBody>
+                    <a:bodyPr/>
+                    <a:lstStyle/>
+                    <a:p>
+                      <a:pPr algn="l" fontAlgn="ctr"/>
+                      <a:r>
+                        <a:rPr lang="en-IN" sz="900" b="1" i="0" u="none" strike="noStrike">
+                          <a:solidFill>
+                            <a:srgbClr val="000000"/>
+                          </a:solidFill>
+                          <a:effectLst/>
+                          <a:highlight>
+                            <a:srgbClr val="BDD7EE"/>
+                          </a:highlight>
+                          <a:latin typeface="Nunito" pitchFamily="2" charset="0"/>
+                        </a:rPr>
+                        <a:t>AdaBoost</a:t>
+                      </a:r>
+                    </a:p>
+                  </a:txBody>
+                  <a:tcPr marL="4497" marR="4497" marT="4497" marB="0" anchor="ctr">
+                    <a:lnL w="6350" cap="flat" cmpd="sng" algn="ctr">
+                      <a:solidFill>
+                        <a:srgbClr val="000000"/>
+                      </a:solidFill>
+                      <a:prstDash val="solid"/>
+                      <a:round/>
+                      <a:headEnd type="none" w="med" len="med"/>
+                      <a:tailEnd type="none" w="med" len="med"/>
+                    </a:lnL>
+                    <a:lnR w="6350" cap="flat" cmpd="sng" algn="ctr">
+                      <a:solidFill>
+                        <a:srgbClr val="000000"/>
+                      </a:solidFill>
+                      <a:prstDash val="solid"/>
+                      <a:round/>
+                      <a:headEnd type="none" w="med" len="med"/>
+                      <a:tailEnd type="none" w="med" len="med"/>
+                    </a:lnR>
+                    <a:lnT w="6350" cap="flat" cmpd="sng" algn="ctr">
+                      <a:solidFill>
+                        <a:srgbClr val="000000"/>
+                      </a:solidFill>
+                      <a:prstDash val="solid"/>
+                      <a:round/>
+                      <a:headEnd type="none" w="med" len="med"/>
+                      <a:tailEnd type="none" w="med" len="med"/>
+                    </a:lnT>
+                    <a:lnB w="6350" cap="flat" cmpd="sng" algn="ctr">
+                      <a:solidFill>
+                        <a:srgbClr val="000000"/>
+                      </a:solidFill>
+                      <a:prstDash val="solid"/>
+                      <a:round/>
+                      <a:headEnd type="none" w="med" len="med"/>
+                      <a:tailEnd type="none" w="med" len="med"/>
+                    </a:lnB>
+                    <a:solidFill>
+                      <a:srgbClr val="BDD7EE"/>
+                    </a:solidFill>
+                  </a:tcPr>
+                </a:tc>
+                <a:tc>
+                  <a:txBody>
+                    <a:bodyPr/>
+                    <a:lstStyle/>
+                    <a:p>
+                      <a:pPr algn="l" fontAlgn="ctr"/>
+                      <a:r>
+                        <a:rPr lang="en-IN" sz="900" b="0" i="0" u="none" strike="noStrike">
+                          <a:solidFill>
+                            <a:srgbClr val="000000"/>
+                          </a:solidFill>
+                          <a:effectLst/>
+                          <a:latin typeface="Nunito" pitchFamily="2" charset="0"/>
+                        </a:rPr>
+                        <a:t>Original</a:t>
+                      </a:r>
+                    </a:p>
+                  </a:txBody>
+                  <a:tcPr marL="4497" marR="4497" marT="4497" marB="0" anchor="ctr">
+                    <a:lnL w="6350" cap="flat" cmpd="sng" algn="ctr">
+                      <a:solidFill>
+                        <a:srgbClr val="000000"/>
+                      </a:solidFill>
+                      <a:prstDash val="solid"/>
+                      <a:round/>
+                      <a:headEnd type="none" w="med" len="med"/>
+                      <a:tailEnd type="none" w="med" len="med"/>
+                    </a:lnL>
+                    <a:lnR w="6350" cap="flat" cmpd="sng" algn="ctr">
+                      <a:solidFill>
+                        <a:srgbClr val="000000"/>
+                      </a:solidFill>
+                      <a:prstDash val="solid"/>
+                      <a:round/>
+                      <a:headEnd type="none" w="med" len="med"/>
+                      <a:tailEnd type="none" w="med" len="med"/>
+                    </a:lnR>
+                    <a:lnT w="6350" cap="flat" cmpd="sng" algn="ctr">
+                      <a:solidFill>
+                        <a:srgbClr val="000000"/>
+                      </a:solidFill>
+                      <a:prstDash val="solid"/>
+                      <a:round/>
+                      <a:headEnd type="none" w="med" len="med"/>
+                      <a:tailEnd type="none" w="med" len="med"/>
+                    </a:lnT>
+                    <a:lnB w="6350" cap="flat" cmpd="sng" algn="ctr">
+                      <a:solidFill>
+                        <a:srgbClr val="000000"/>
+                      </a:solidFill>
+                      <a:prstDash val="solid"/>
+                      <a:round/>
+                      <a:headEnd type="none" w="med" len="med"/>
+                      <a:tailEnd type="none" w="med" len="med"/>
+                    </a:lnB>
+                    <a:noFill/>
+                  </a:tcPr>
+                </a:tc>
+                <a:tc>
+                  <a:txBody>
+                    <a:bodyPr/>
+                    <a:lstStyle/>
+                    <a:p>
+                      <a:pPr algn="ctr" fontAlgn="ctr"/>
+                      <a:r>
+                        <a:rPr lang="en-IN" sz="900" b="0" i="0" u="none" strike="noStrike" dirty="0">
+                          <a:solidFill>
+                            <a:srgbClr val="000000"/>
+                          </a:solidFill>
+                          <a:effectLst/>
+                          <a:latin typeface="Nunito" pitchFamily="2" charset="0"/>
+                        </a:rPr>
+                        <a:t>0.94</a:t>
+                      </a:r>
+                    </a:p>
+                  </a:txBody>
+                  <a:tcPr marL="4497" marR="4497" marT="4497" marB="0" anchor="ctr">
+                    <a:lnL w="6350" cap="flat" cmpd="sng" algn="ctr">
+                      <a:solidFill>
+                        <a:srgbClr val="000000"/>
+                      </a:solidFill>
+                      <a:prstDash val="solid"/>
+                      <a:round/>
+                      <a:headEnd type="none" w="med" len="med"/>
+                      <a:tailEnd type="none" w="med" len="med"/>
+                    </a:lnL>
+                    <a:lnR w="6350" cap="flat" cmpd="sng" algn="ctr">
+                      <a:solidFill>
+                        <a:srgbClr val="000000"/>
+                      </a:solidFill>
+                      <a:prstDash val="solid"/>
+                      <a:round/>
+                      <a:headEnd type="none" w="med" len="med"/>
+                      <a:tailEnd type="none" w="med" len="med"/>
+                    </a:lnR>
+                    <a:lnT w="6350" cap="flat" cmpd="sng" algn="ctr">
+                      <a:solidFill>
+                        <a:srgbClr val="000000"/>
+                      </a:solidFill>
+                      <a:prstDash val="solid"/>
+                      <a:round/>
+                      <a:headEnd type="none" w="med" len="med"/>
+                      <a:tailEnd type="none" w="med" len="med"/>
+                    </a:lnT>
+                    <a:lnB w="6350" cap="flat" cmpd="sng" algn="ctr">
+                      <a:solidFill>
+                        <a:srgbClr val="000000"/>
+                      </a:solidFill>
+                      <a:prstDash val="solid"/>
+                      <a:round/>
+                      <a:headEnd type="none" w="med" len="med"/>
+                      <a:tailEnd type="none" w="med" len="med"/>
+                    </a:lnB>
+                    <a:noFill/>
+                  </a:tcPr>
+                </a:tc>
+                <a:tc>
+                  <a:txBody>
+                    <a:bodyPr/>
+                    <a:lstStyle/>
+                    <a:p>
+                      <a:pPr algn="ctr" fontAlgn="ctr"/>
+                      <a:r>
+                        <a:rPr lang="en-IN" sz="900" b="0" i="0" u="none" strike="noStrike" dirty="0">
+                          <a:solidFill>
+                            <a:srgbClr val="000000"/>
+                          </a:solidFill>
+                          <a:effectLst/>
+                          <a:latin typeface="Nunito" pitchFamily="2" charset="0"/>
+                        </a:rPr>
+                        <a:t>0.94</a:t>
+                      </a:r>
+                    </a:p>
+                  </a:txBody>
+                  <a:tcPr marL="4497" marR="4497" marT="4497" marB="0" anchor="ctr">
+                    <a:lnL w="6350" cap="flat" cmpd="sng" algn="ctr">
+                      <a:solidFill>
+                        <a:srgbClr val="000000"/>
+                      </a:solidFill>
+                      <a:prstDash val="solid"/>
+                      <a:round/>
+                      <a:headEnd type="none" w="med" len="med"/>
+                      <a:tailEnd type="none" w="med" len="med"/>
+                    </a:lnL>
+                    <a:lnR w="6350" cap="flat" cmpd="sng" algn="ctr">
+                      <a:solidFill>
+                        <a:srgbClr val="000000"/>
+                      </a:solidFill>
+                      <a:prstDash val="solid"/>
+                      <a:round/>
+                      <a:headEnd type="none" w="med" len="med"/>
+                      <a:tailEnd type="none" w="med" len="med"/>
+                    </a:lnR>
+                    <a:lnT w="6350" cap="flat" cmpd="sng" algn="ctr">
+                      <a:solidFill>
+                        <a:srgbClr val="000000"/>
+                      </a:solidFill>
+                      <a:prstDash val="solid"/>
+                      <a:round/>
+                      <a:headEnd type="none" w="med" len="med"/>
+                      <a:tailEnd type="none" w="med" len="med"/>
+                    </a:lnT>
+                    <a:lnB w="6350" cap="flat" cmpd="sng" algn="ctr">
+                      <a:solidFill>
+                        <a:srgbClr val="000000"/>
+                      </a:solidFill>
+                      <a:prstDash val="solid"/>
+                      <a:round/>
+                      <a:headEnd type="none" w="med" len="med"/>
+                      <a:tailEnd type="none" w="med" len="med"/>
+                    </a:lnB>
+                    <a:noFill/>
+                  </a:tcPr>
+                </a:tc>
+                <a:tc>
+                  <a:txBody>
+                    <a:bodyPr/>
+                    <a:lstStyle/>
+                    <a:p>
+                      <a:pPr algn="ctr" fontAlgn="ctr"/>
+                      <a:r>
+                        <a:rPr lang="en-IN" sz="900" b="0" i="0" u="none" strike="noStrike">
+                          <a:solidFill>
+                            <a:srgbClr val="000000"/>
+                          </a:solidFill>
+                          <a:effectLst/>
+                          <a:latin typeface="Nunito" pitchFamily="2" charset="0"/>
+                        </a:rPr>
+                        <a:t>Not Applicable</a:t>
+                      </a:r>
+                    </a:p>
+                  </a:txBody>
+                  <a:tcPr marL="4497" marR="4497" marT="4497" marB="0" anchor="ctr">
+                    <a:lnL w="6350" cap="flat" cmpd="sng" algn="ctr">
+                      <a:solidFill>
+                        <a:srgbClr val="000000"/>
+                      </a:solidFill>
+                      <a:prstDash val="solid"/>
+                      <a:round/>
+                      <a:headEnd type="none" w="med" len="med"/>
+                      <a:tailEnd type="none" w="med" len="med"/>
+                    </a:lnL>
+                    <a:lnR w="6350" cap="flat" cmpd="sng" algn="ctr">
+                      <a:solidFill>
+                        <a:srgbClr val="000000"/>
+                      </a:solidFill>
+                      <a:prstDash val="solid"/>
+                      <a:round/>
+                      <a:headEnd type="none" w="med" len="med"/>
+                      <a:tailEnd type="none" w="med" len="med"/>
+                    </a:lnR>
+                    <a:lnT w="6350" cap="flat" cmpd="sng" algn="ctr">
+                      <a:solidFill>
+                        <a:srgbClr val="000000"/>
+                      </a:solidFill>
+                      <a:prstDash val="solid"/>
+                      <a:round/>
+                      <a:headEnd type="none" w="med" len="med"/>
+                      <a:tailEnd type="none" w="med" len="med"/>
+                    </a:lnT>
+                    <a:lnB w="6350" cap="flat" cmpd="sng" algn="ctr">
+                      <a:solidFill>
+                        <a:srgbClr val="000000"/>
+                      </a:solidFill>
+                      <a:prstDash val="solid"/>
+                      <a:round/>
+                      <a:headEnd type="none" w="med" len="med"/>
+                      <a:tailEnd type="none" w="med" len="med"/>
+                    </a:lnB>
+                    <a:noFill/>
+                  </a:tcPr>
+                </a:tc>
+                <a:tc>
+                  <a:txBody>
+                    <a:bodyPr/>
+                    <a:lstStyle/>
+                    <a:p>
+                      <a:pPr algn="l" fontAlgn="ctr"/>
+                      <a:r>
+                        <a:rPr lang="en-US" sz="900" b="0" i="0" u="none" strike="noStrike">
+                          <a:solidFill>
+                            <a:srgbClr val="000000"/>
+                          </a:solidFill>
+                          <a:effectLst/>
+                          <a:latin typeface="Nunito" pitchFamily="2" charset="0"/>
+                        </a:rPr>
+                        <a:t>No Promotion: 0.94</a:t>
+                      </a:r>
+                      <a:br>
+                        <a:rPr lang="en-US" sz="900" b="0" i="0" u="none" strike="noStrike">
+                          <a:solidFill>
+                            <a:srgbClr val="000000"/>
+                          </a:solidFill>
+                          <a:effectLst/>
+                          <a:latin typeface="Nunito" pitchFamily="2" charset="0"/>
+                        </a:rPr>
+                      </a:br>
+                      <a:r>
+                        <a:rPr lang="en-US" sz="900" b="0" i="0" u="none" strike="noStrike">
+                          <a:solidFill>
+                            <a:srgbClr val="000000"/>
+                          </a:solidFill>
+                          <a:effectLst/>
+                          <a:latin typeface="Nunito" pitchFamily="2" charset="0"/>
+                        </a:rPr>
+                        <a:t>Promotion: 0.89</a:t>
+                      </a:r>
+                    </a:p>
+                  </a:txBody>
+                  <a:tcPr marL="4497" marR="4497" marT="4497" marB="0" anchor="ctr">
+                    <a:lnL w="6350" cap="flat" cmpd="sng" algn="ctr">
+                      <a:solidFill>
+                        <a:srgbClr val="000000"/>
+                      </a:solidFill>
+                      <a:prstDash val="solid"/>
+                      <a:round/>
+                      <a:headEnd type="none" w="med" len="med"/>
+                      <a:tailEnd type="none" w="med" len="med"/>
+                    </a:lnL>
+                    <a:lnR w="6350" cap="flat" cmpd="sng" algn="ctr">
+                      <a:solidFill>
+                        <a:srgbClr val="000000"/>
+                      </a:solidFill>
+                      <a:prstDash val="solid"/>
+                      <a:round/>
+                      <a:headEnd type="none" w="med" len="med"/>
+                      <a:tailEnd type="none" w="med" len="med"/>
+                    </a:lnR>
+                    <a:lnT w="6350" cap="flat" cmpd="sng" algn="ctr">
+                      <a:solidFill>
+                        <a:srgbClr val="000000"/>
+                      </a:solidFill>
+                      <a:prstDash val="solid"/>
+                      <a:round/>
+                      <a:headEnd type="none" w="med" len="med"/>
+                      <a:tailEnd type="none" w="med" len="med"/>
+                    </a:lnT>
+                    <a:lnB w="6350" cap="flat" cmpd="sng" algn="ctr">
+                      <a:solidFill>
+                        <a:srgbClr val="000000"/>
+                      </a:solidFill>
+                      <a:prstDash val="solid"/>
+                      <a:round/>
+                      <a:headEnd type="none" w="med" len="med"/>
+                      <a:tailEnd type="none" w="med" len="med"/>
+                    </a:lnB>
+                    <a:noFill/>
+                  </a:tcPr>
+                </a:tc>
+                <a:tc>
+                  <a:txBody>
+                    <a:bodyPr/>
+                    <a:lstStyle/>
+                    <a:p>
+                      <a:pPr algn="l" fontAlgn="ctr"/>
+                      <a:r>
+                        <a:rPr lang="en-US" sz="900" b="0" i="0" u="none" strike="noStrike">
+                          <a:solidFill>
+                            <a:srgbClr val="000000"/>
+                          </a:solidFill>
+                          <a:effectLst/>
+                          <a:latin typeface="Nunito" pitchFamily="2" charset="0"/>
+                        </a:rPr>
+                        <a:t>No Promotion: 1.00</a:t>
+                      </a:r>
+                      <a:br>
+                        <a:rPr lang="en-US" sz="900" b="0" i="0" u="none" strike="noStrike">
+                          <a:solidFill>
+                            <a:srgbClr val="000000"/>
+                          </a:solidFill>
+                          <a:effectLst/>
+                          <a:latin typeface="Nunito" pitchFamily="2" charset="0"/>
+                        </a:rPr>
+                      </a:br>
+                      <a:r>
+                        <a:rPr lang="en-US" sz="900" b="0" i="0" u="none" strike="noStrike">
+                          <a:solidFill>
+                            <a:srgbClr val="000000"/>
+                          </a:solidFill>
+                          <a:effectLst/>
+                          <a:latin typeface="Nunito" pitchFamily="2" charset="0"/>
+                        </a:rPr>
+                        <a:t>Promotion: 0.33</a:t>
+                      </a:r>
+                    </a:p>
+                  </a:txBody>
+                  <a:tcPr marL="4497" marR="4497" marT="4497" marB="0" anchor="ctr">
+                    <a:lnL w="6350" cap="flat" cmpd="sng" algn="ctr">
+                      <a:solidFill>
+                        <a:srgbClr val="000000"/>
+                      </a:solidFill>
+                      <a:prstDash val="solid"/>
+                      <a:round/>
+                      <a:headEnd type="none" w="med" len="med"/>
+                      <a:tailEnd type="none" w="med" len="med"/>
+                    </a:lnL>
+                    <a:lnR w="6350" cap="flat" cmpd="sng" algn="ctr">
+                      <a:solidFill>
+                        <a:srgbClr val="000000"/>
+                      </a:solidFill>
+                      <a:prstDash val="solid"/>
+                      <a:round/>
+                      <a:headEnd type="none" w="med" len="med"/>
+                      <a:tailEnd type="none" w="med" len="med"/>
+                    </a:lnR>
+                    <a:lnT w="6350" cap="flat" cmpd="sng" algn="ctr">
+                      <a:solidFill>
+                        <a:srgbClr val="000000"/>
+                      </a:solidFill>
+                      <a:prstDash val="solid"/>
+                      <a:round/>
+                      <a:headEnd type="none" w="med" len="med"/>
+                      <a:tailEnd type="none" w="med" len="med"/>
+                    </a:lnT>
+                    <a:lnB w="6350" cap="flat" cmpd="sng" algn="ctr">
+                      <a:solidFill>
+                        <a:srgbClr val="000000"/>
+                      </a:solidFill>
+                      <a:prstDash val="solid"/>
+                      <a:round/>
+                      <a:headEnd type="none" w="med" len="med"/>
+                      <a:tailEnd type="none" w="med" len="med"/>
+                    </a:lnB>
+                    <a:noFill/>
+                  </a:tcPr>
+                </a:tc>
+                <a:tc>
+                  <a:txBody>
+                    <a:bodyPr/>
+                    <a:lstStyle/>
+                    <a:p>
+                      <a:pPr algn="l" fontAlgn="ctr"/>
+                      <a:r>
+                        <a:rPr lang="en-US" sz="900" b="0" i="0" u="none" strike="noStrike">
+                          <a:solidFill>
+                            <a:srgbClr val="000000"/>
+                          </a:solidFill>
+                          <a:effectLst/>
+                          <a:latin typeface="Nunito" pitchFamily="2" charset="0"/>
+                        </a:rPr>
+                        <a:t>No Promotion: 0.97</a:t>
+                      </a:r>
+                      <a:br>
+                        <a:rPr lang="en-US" sz="900" b="0" i="0" u="none" strike="noStrike">
+                          <a:solidFill>
+                            <a:srgbClr val="000000"/>
+                          </a:solidFill>
+                          <a:effectLst/>
+                          <a:latin typeface="Nunito" pitchFamily="2" charset="0"/>
+                        </a:rPr>
+                      </a:br>
+                      <a:r>
+                        <a:rPr lang="en-US" sz="900" b="0" i="0" u="none" strike="noStrike">
+                          <a:solidFill>
+                            <a:srgbClr val="000000"/>
+                          </a:solidFill>
+                          <a:effectLst/>
+                          <a:latin typeface="Nunito" pitchFamily="2" charset="0"/>
+                        </a:rPr>
+                        <a:t>Promotion: 0.48</a:t>
+                      </a:r>
+                    </a:p>
+                  </a:txBody>
+                  <a:tcPr marL="4497" marR="4497" marT="4497" marB="0" anchor="ctr">
+                    <a:lnL w="6350" cap="flat" cmpd="sng" algn="ctr">
+                      <a:solidFill>
+                        <a:srgbClr val="000000"/>
+                      </a:solidFill>
+                      <a:prstDash val="solid"/>
+                      <a:round/>
+                      <a:headEnd type="none" w="med" len="med"/>
+                      <a:tailEnd type="none" w="med" len="med"/>
+                    </a:lnL>
+                    <a:lnR w="6350" cap="flat" cmpd="sng" algn="ctr">
+                      <a:solidFill>
+                        <a:srgbClr val="000000"/>
+                      </a:solidFill>
+                      <a:prstDash val="solid"/>
+                      <a:round/>
+                      <a:headEnd type="none" w="med" len="med"/>
+                      <a:tailEnd type="none" w="med" len="med"/>
+                    </a:lnR>
+                    <a:lnT w="6350" cap="flat" cmpd="sng" algn="ctr">
+                      <a:solidFill>
+                        <a:srgbClr val="000000"/>
+                      </a:solidFill>
+                      <a:prstDash val="solid"/>
+                      <a:round/>
+                      <a:headEnd type="none" w="med" len="med"/>
+                      <a:tailEnd type="none" w="med" len="med"/>
+                    </a:lnT>
+                    <a:lnB w="6350" cap="flat" cmpd="sng" algn="ctr">
+                      <a:solidFill>
+                        <a:srgbClr val="000000"/>
+                      </a:solidFill>
+                      <a:prstDash val="solid"/>
+                      <a:round/>
+                      <a:headEnd type="none" w="med" len="med"/>
+                      <a:tailEnd type="none" w="med" len="med"/>
+                    </a:lnB>
+                    <a:noFill/>
+                  </a:tcPr>
+                </a:tc>
+                <a:extLst>
+                  <a:ext uri="{0D108BD9-81ED-4DB2-BD59-A6C34878D82A}">
+                    <a16:rowId xmlns:a16="http://schemas.microsoft.com/office/drawing/2014/main" val="3211612448"/>
+                  </a:ext>
+                </a:extLst>
+              </a:tr>
+              <a:tr h="478458">
+                <a:tc>
+                  <a:txBody>
+                    <a:bodyPr/>
+                    <a:lstStyle/>
+                    <a:p>
+                      <a:pPr algn="l" fontAlgn="ctr"/>
+                      <a:r>
+                        <a:rPr lang="en-IN" sz="900" b="1" i="0" u="none" strike="noStrike">
+                          <a:solidFill>
+                            <a:srgbClr val="000000"/>
+                          </a:solidFill>
+                          <a:effectLst/>
+                          <a:highlight>
+                            <a:srgbClr val="BDD7EE"/>
+                          </a:highlight>
+                          <a:latin typeface="Nunito" pitchFamily="2" charset="0"/>
+                        </a:rPr>
+                        <a:t>AdaBoost</a:t>
+                      </a:r>
+                    </a:p>
+                  </a:txBody>
+                  <a:tcPr marL="4497" marR="4497" marT="4497" marB="0" anchor="ctr">
+                    <a:lnL w="6350" cap="flat" cmpd="sng" algn="ctr">
+                      <a:solidFill>
+                        <a:srgbClr val="000000"/>
+                      </a:solidFill>
+                      <a:prstDash val="solid"/>
+                      <a:round/>
+                      <a:headEnd type="none" w="med" len="med"/>
+                      <a:tailEnd type="none" w="med" len="med"/>
+                    </a:lnL>
+                    <a:lnR w="6350" cap="flat" cmpd="sng" algn="ctr">
+                      <a:solidFill>
+                        <a:srgbClr val="000000"/>
+                      </a:solidFill>
+                      <a:prstDash val="solid"/>
+                      <a:round/>
+                      <a:headEnd type="none" w="med" len="med"/>
+                      <a:tailEnd type="none" w="med" len="med"/>
+                    </a:lnR>
+                    <a:lnT w="6350" cap="flat" cmpd="sng" algn="ctr">
+                      <a:solidFill>
+                        <a:srgbClr val="000000"/>
+                      </a:solidFill>
+                      <a:prstDash val="solid"/>
+                      <a:round/>
+                      <a:headEnd type="none" w="med" len="med"/>
+                      <a:tailEnd type="none" w="med" len="med"/>
+                    </a:lnT>
+                    <a:lnB w="6350" cap="flat" cmpd="sng" algn="ctr">
+                      <a:solidFill>
+                        <a:srgbClr val="000000"/>
+                      </a:solidFill>
+                      <a:prstDash val="solid"/>
+                      <a:round/>
+                      <a:headEnd type="none" w="med" len="med"/>
+                      <a:tailEnd type="none" w="med" len="med"/>
+                    </a:lnB>
+                    <a:solidFill>
+                      <a:srgbClr val="BDD7EE"/>
+                    </a:solidFill>
+                  </a:tcPr>
+                </a:tc>
+                <a:tc>
+                  <a:txBody>
+                    <a:bodyPr/>
+                    <a:lstStyle/>
+                    <a:p>
+                      <a:pPr algn="l" fontAlgn="ctr"/>
+                      <a:r>
+                        <a:rPr lang="en-IN" sz="900" b="0" i="0" u="none" strike="noStrike" dirty="0">
+                          <a:solidFill>
+                            <a:srgbClr val="000000"/>
+                          </a:solidFill>
+                          <a:effectLst/>
+                          <a:latin typeface="Nunito" pitchFamily="2" charset="0"/>
+                        </a:rPr>
+                        <a:t>Under sampled</a:t>
+                      </a:r>
+                    </a:p>
+                  </a:txBody>
+                  <a:tcPr marL="4497" marR="4497" marT="4497" marB="0" anchor="ctr">
+                    <a:lnL w="6350" cap="flat" cmpd="sng" algn="ctr">
+                      <a:solidFill>
+                        <a:srgbClr val="000000"/>
+                      </a:solidFill>
+                      <a:prstDash val="solid"/>
+                      <a:round/>
+                      <a:headEnd type="none" w="med" len="med"/>
+                      <a:tailEnd type="none" w="med" len="med"/>
+                    </a:lnL>
+                    <a:lnR w="6350" cap="flat" cmpd="sng" algn="ctr">
+                      <a:solidFill>
+                        <a:srgbClr val="000000"/>
+                      </a:solidFill>
+                      <a:prstDash val="solid"/>
+                      <a:round/>
+                      <a:headEnd type="none" w="med" len="med"/>
+                      <a:tailEnd type="none" w="med" len="med"/>
+                    </a:lnR>
+                    <a:lnT w="6350" cap="flat" cmpd="sng" algn="ctr">
+                      <a:solidFill>
+                        <a:srgbClr val="000000"/>
+                      </a:solidFill>
+                      <a:prstDash val="solid"/>
+                      <a:round/>
+                      <a:headEnd type="none" w="med" len="med"/>
+                      <a:tailEnd type="none" w="med" len="med"/>
+                    </a:lnT>
+                    <a:lnB w="6350" cap="flat" cmpd="sng" algn="ctr">
+                      <a:solidFill>
+                        <a:srgbClr val="000000"/>
+                      </a:solidFill>
+                      <a:prstDash val="solid"/>
+                      <a:round/>
+                      <a:headEnd type="none" w="med" len="med"/>
+                      <a:tailEnd type="none" w="med" len="med"/>
+                    </a:lnB>
+                    <a:noFill/>
+                  </a:tcPr>
+                </a:tc>
+                <a:tc>
+                  <a:txBody>
+                    <a:bodyPr/>
+                    <a:lstStyle/>
+                    <a:p>
+                      <a:pPr algn="ctr" fontAlgn="ctr"/>
+                      <a:r>
+                        <a:rPr lang="en-IN" sz="900" b="0" i="0" u="none" strike="noStrike">
+                          <a:solidFill>
+                            <a:srgbClr val="000000"/>
+                          </a:solidFill>
+                          <a:effectLst/>
+                          <a:latin typeface="Nunito" pitchFamily="2" charset="0"/>
+                        </a:rPr>
+                        <a:t>0.712</a:t>
+                      </a:r>
+                    </a:p>
+                  </a:txBody>
+                  <a:tcPr marL="4497" marR="4497" marT="4497" marB="0" anchor="ctr">
+                    <a:lnL w="6350" cap="flat" cmpd="sng" algn="ctr">
+                      <a:solidFill>
+                        <a:srgbClr val="000000"/>
+                      </a:solidFill>
+                      <a:prstDash val="solid"/>
+                      <a:round/>
+                      <a:headEnd type="none" w="med" len="med"/>
+                      <a:tailEnd type="none" w="med" len="med"/>
+                    </a:lnL>
+                    <a:lnR w="6350" cap="flat" cmpd="sng" algn="ctr">
+                      <a:solidFill>
+                        <a:srgbClr val="000000"/>
+                      </a:solidFill>
+                      <a:prstDash val="solid"/>
+                      <a:round/>
+                      <a:headEnd type="none" w="med" len="med"/>
+                      <a:tailEnd type="none" w="med" len="med"/>
+                    </a:lnR>
+                    <a:lnT w="6350" cap="flat" cmpd="sng" algn="ctr">
+                      <a:solidFill>
+                        <a:srgbClr val="000000"/>
+                      </a:solidFill>
+                      <a:prstDash val="solid"/>
+                      <a:round/>
+                      <a:headEnd type="none" w="med" len="med"/>
+                      <a:tailEnd type="none" w="med" len="med"/>
+                    </a:lnT>
+                    <a:lnB w="6350" cap="flat" cmpd="sng" algn="ctr">
+                      <a:solidFill>
+                        <a:srgbClr val="000000"/>
+                      </a:solidFill>
+                      <a:prstDash val="solid"/>
+                      <a:round/>
+                      <a:headEnd type="none" w="med" len="med"/>
+                      <a:tailEnd type="none" w="med" len="med"/>
+                    </a:lnB>
+                    <a:noFill/>
+                  </a:tcPr>
+                </a:tc>
+                <a:tc>
+                  <a:txBody>
+                    <a:bodyPr/>
+                    <a:lstStyle/>
+                    <a:p>
+                      <a:pPr algn="ctr" fontAlgn="ctr"/>
+                      <a:r>
+                        <a:rPr lang="en-IN" sz="900" b="0" i="0" u="none" strike="noStrike">
+                          <a:solidFill>
+                            <a:srgbClr val="000000"/>
+                          </a:solidFill>
+                          <a:effectLst/>
+                          <a:latin typeface="Nunito" pitchFamily="2" charset="0"/>
+                        </a:rPr>
+                        <a:t>0.831</a:t>
+                      </a:r>
+                    </a:p>
+                  </a:txBody>
+                  <a:tcPr marL="4497" marR="4497" marT="4497" marB="0" anchor="ctr">
+                    <a:lnL w="6350" cap="flat" cmpd="sng" algn="ctr">
+                      <a:solidFill>
+                        <a:srgbClr val="000000"/>
+                      </a:solidFill>
+                      <a:prstDash val="solid"/>
+                      <a:round/>
+                      <a:headEnd type="none" w="med" len="med"/>
+                      <a:tailEnd type="none" w="med" len="med"/>
+                    </a:lnL>
+                    <a:lnR w="6350" cap="flat" cmpd="sng" algn="ctr">
+                      <a:solidFill>
+                        <a:srgbClr val="000000"/>
+                      </a:solidFill>
+                      <a:prstDash val="solid"/>
+                      <a:round/>
+                      <a:headEnd type="none" w="med" len="med"/>
+                      <a:tailEnd type="none" w="med" len="med"/>
+                    </a:lnR>
+                    <a:lnT w="6350" cap="flat" cmpd="sng" algn="ctr">
+                      <a:solidFill>
+                        <a:srgbClr val="000000"/>
+                      </a:solidFill>
+                      <a:prstDash val="solid"/>
+                      <a:round/>
+                      <a:headEnd type="none" w="med" len="med"/>
+                      <a:tailEnd type="none" w="med" len="med"/>
+                    </a:lnT>
+                    <a:lnB w="6350" cap="flat" cmpd="sng" algn="ctr">
+                      <a:solidFill>
+                        <a:srgbClr val="000000"/>
+                      </a:solidFill>
+                      <a:prstDash val="solid"/>
+                      <a:round/>
+                      <a:headEnd type="none" w="med" len="med"/>
+                      <a:tailEnd type="none" w="med" len="med"/>
+                    </a:lnB>
+                    <a:noFill/>
+                  </a:tcPr>
+                </a:tc>
+                <a:tc>
+                  <a:txBody>
+                    <a:bodyPr/>
+                    <a:lstStyle/>
+                    <a:p>
+                      <a:pPr algn="ctr" fontAlgn="ctr"/>
+                      <a:r>
+                        <a:rPr lang="en-IN" sz="900" b="0" i="0" u="none" strike="noStrike" dirty="0">
+                          <a:solidFill>
+                            <a:srgbClr val="000000"/>
+                          </a:solidFill>
+                          <a:effectLst/>
+                          <a:latin typeface="Nunito" pitchFamily="2" charset="0"/>
+                        </a:rPr>
+                        <a:t>Not Applicable</a:t>
+                      </a:r>
+                    </a:p>
+                  </a:txBody>
+                  <a:tcPr marL="4497" marR="4497" marT="4497" marB="0" anchor="ctr">
+                    <a:lnL w="6350" cap="flat" cmpd="sng" algn="ctr">
+                      <a:solidFill>
+                        <a:srgbClr val="000000"/>
+                      </a:solidFill>
+                      <a:prstDash val="solid"/>
+                      <a:round/>
+                      <a:headEnd type="none" w="med" len="med"/>
+                      <a:tailEnd type="none" w="med" len="med"/>
+                    </a:lnL>
+                    <a:lnR w="6350" cap="flat" cmpd="sng" algn="ctr">
+                      <a:solidFill>
+                        <a:srgbClr val="000000"/>
+                      </a:solidFill>
+                      <a:prstDash val="solid"/>
+                      <a:round/>
+                      <a:headEnd type="none" w="med" len="med"/>
+                      <a:tailEnd type="none" w="med" len="med"/>
+                    </a:lnR>
+                    <a:lnT w="6350" cap="flat" cmpd="sng" algn="ctr">
+                      <a:solidFill>
+                        <a:srgbClr val="000000"/>
+                      </a:solidFill>
+                      <a:prstDash val="solid"/>
+                      <a:round/>
+                      <a:headEnd type="none" w="med" len="med"/>
+                      <a:tailEnd type="none" w="med" len="med"/>
+                    </a:lnT>
+                    <a:lnB w="6350" cap="flat" cmpd="sng" algn="ctr">
+                      <a:solidFill>
+                        <a:srgbClr val="000000"/>
+                      </a:solidFill>
+                      <a:prstDash val="solid"/>
+                      <a:round/>
+                      <a:headEnd type="none" w="med" len="med"/>
+                      <a:tailEnd type="none" w="med" len="med"/>
+                    </a:lnB>
+                    <a:noFill/>
+                  </a:tcPr>
+                </a:tc>
+                <a:tc>
+                  <a:txBody>
+                    <a:bodyPr/>
+                    <a:lstStyle/>
+                    <a:p>
+                      <a:pPr algn="l" fontAlgn="ctr"/>
+                      <a:r>
+                        <a:rPr lang="en-US" sz="900" b="0" i="0" u="none" strike="noStrike" dirty="0">
+                          <a:solidFill>
+                            <a:srgbClr val="000000"/>
+                          </a:solidFill>
+                          <a:effectLst/>
+                          <a:latin typeface="Nunito" pitchFamily="2" charset="0"/>
+                        </a:rPr>
+                        <a:t>No Promotion: 0.96</a:t>
+                      </a:r>
+                      <a:br>
+                        <a:rPr lang="en-US" sz="900" b="0" i="0" u="none" strike="noStrike" dirty="0">
+                          <a:solidFill>
+                            <a:srgbClr val="000000"/>
+                          </a:solidFill>
+                          <a:effectLst/>
+                          <a:latin typeface="Nunito" pitchFamily="2" charset="0"/>
+                        </a:rPr>
+                      </a:br>
+                      <a:r>
+                        <a:rPr lang="en-US" sz="900" b="0" i="0" u="none" strike="noStrike" dirty="0">
+                          <a:solidFill>
+                            <a:srgbClr val="000000"/>
+                          </a:solidFill>
+                          <a:effectLst/>
+                          <a:latin typeface="Nunito" pitchFamily="2" charset="0"/>
+                        </a:rPr>
+                        <a:t>Promotion: 0.28</a:t>
+                      </a:r>
+                    </a:p>
+                  </a:txBody>
+                  <a:tcPr marL="4497" marR="4497" marT="4497" marB="0" anchor="ctr">
+                    <a:lnL w="6350" cap="flat" cmpd="sng" algn="ctr">
+                      <a:solidFill>
+                        <a:srgbClr val="000000"/>
+                      </a:solidFill>
+                      <a:prstDash val="solid"/>
+                      <a:round/>
+                      <a:headEnd type="none" w="med" len="med"/>
+                      <a:tailEnd type="none" w="med" len="med"/>
+                    </a:lnL>
+                    <a:lnR w="6350" cap="flat" cmpd="sng" algn="ctr">
+                      <a:solidFill>
+                        <a:srgbClr val="000000"/>
+                      </a:solidFill>
+                      <a:prstDash val="solid"/>
+                      <a:round/>
+                      <a:headEnd type="none" w="med" len="med"/>
+                      <a:tailEnd type="none" w="med" len="med"/>
+                    </a:lnR>
+                    <a:lnT w="6350" cap="flat" cmpd="sng" algn="ctr">
+                      <a:solidFill>
+                        <a:srgbClr val="000000"/>
+                      </a:solidFill>
+                      <a:prstDash val="solid"/>
+                      <a:round/>
+                      <a:headEnd type="none" w="med" len="med"/>
+                      <a:tailEnd type="none" w="med" len="med"/>
+                    </a:lnT>
+                    <a:lnB w="6350" cap="flat" cmpd="sng" algn="ctr">
+                      <a:solidFill>
+                        <a:srgbClr val="000000"/>
+                      </a:solidFill>
+                      <a:prstDash val="solid"/>
+                      <a:round/>
+                      <a:headEnd type="none" w="med" len="med"/>
+                      <a:tailEnd type="none" w="med" len="med"/>
+                    </a:lnB>
+                    <a:noFill/>
+                  </a:tcPr>
+                </a:tc>
+                <a:tc>
+                  <a:txBody>
+                    <a:bodyPr/>
+                    <a:lstStyle/>
+                    <a:p>
+                      <a:pPr algn="l" fontAlgn="ctr"/>
+                      <a:r>
+                        <a:rPr lang="en-US" sz="900" b="0" i="0" u="none" strike="noStrike" dirty="0">
+                          <a:solidFill>
+                            <a:srgbClr val="000000"/>
+                          </a:solidFill>
+                          <a:effectLst/>
+                          <a:latin typeface="Nunito" pitchFamily="2" charset="0"/>
+                        </a:rPr>
+                        <a:t>No Promotion: 0.85</a:t>
+                      </a:r>
+                      <a:br>
+                        <a:rPr lang="en-US" sz="900" b="0" i="0" u="none" strike="noStrike" dirty="0">
+                          <a:solidFill>
+                            <a:srgbClr val="000000"/>
+                          </a:solidFill>
+                          <a:effectLst/>
+                          <a:latin typeface="Nunito" pitchFamily="2" charset="0"/>
+                        </a:rPr>
+                      </a:br>
+                      <a:r>
+                        <a:rPr lang="en-US" sz="900" b="0" i="0" u="none" strike="noStrike" dirty="0">
+                          <a:solidFill>
+                            <a:srgbClr val="000000"/>
+                          </a:solidFill>
+                          <a:effectLst/>
+                          <a:latin typeface="Nunito" pitchFamily="2" charset="0"/>
+                        </a:rPr>
+                        <a:t>Promotion: 0.62</a:t>
+                      </a:r>
+                    </a:p>
+                  </a:txBody>
+                  <a:tcPr marL="4497" marR="4497" marT="4497" marB="0" anchor="ctr">
+                    <a:lnL w="6350" cap="flat" cmpd="sng" algn="ctr">
+                      <a:solidFill>
+                        <a:srgbClr val="000000"/>
+                      </a:solidFill>
+                      <a:prstDash val="solid"/>
+                      <a:round/>
+                      <a:headEnd type="none" w="med" len="med"/>
+                      <a:tailEnd type="none" w="med" len="med"/>
+                    </a:lnL>
+                    <a:lnR w="6350" cap="flat" cmpd="sng" algn="ctr">
+                      <a:solidFill>
+                        <a:srgbClr val="000000"/>
+                      </a:solidFill>
+                      <a:prstDash val="solid"/>
+                      <a:round/>
+                      <a:headEnd type="none" w="med" len="med"/>
+                      <a:tailEnd type="none" w="med" len="med"/>
+                    </a:lnR>
+                    <a:lnT w="6350" cap="flat" cmpd="sng" algn="ctr">
+                      <a:solidFill>
+                        <a:srgbClr val="000000"/>
+                      </a:solidFill>
+                      <a:prstDash val="solid"/>
+                      <a:round/>
+                      <a:headEnd type="none" w="med" len="med"/>
+                      <a:tailEnd type="none" w="med" len="med"/>
+                    </a:lnT>
+                    <a:lnB w="6350" cap="flat" cmpd="sng" algn="ctr">
+                      <a:solidFill>
+                        <a:srgbClr val="000000"/>
+                      </a:solidFill>
+                      <a:prstDash val="solid"/>
+                      <a:round/>
+                      <a:headEnd type="none" w="med" len="med"/>
+                      <a:tailEnd type="none" w="med" len="med"/>
+                    </a:lnB>
+                    <a:noFill/>
+                  </a:tcPr>
+                </a:tc>
+                <a:tc>
+                  <a:txBody>
+                    <a:bodyPr/>
+                    <a:lstStyle/>
+                    <a:p>
+                      <a:pPr algn="l" fontAlgn="ctr"/>
+                      <a:r>
+                        <a:rPr lang="en-US" sz="900" b="0" i="0" u="none" strike="noStrike" dirty="0">
+                          <a:solidFill>
+                            <a:srgbClr val="000000"/>
+                          </a:solidFill>
+                          <a:effectLst/>
+                          <a:latin typeface="Nunito" pitchFamily="2" charset="0"/>
+                        </a:rPr>
+                        <a:t>No Promotion: 0.90</a:t>
+                      </a:r>
+                      <a:br>
+                        <a:rPr lang="en-US" sz="900" b="0" i="0" u="none" strike="noStrike" dirty="0">
+                          <a:solidFill>
+                            <a:srgbClr val="000000"/>
+                          </a:solidFill>
+                          <a:effectLst/>
+                          <a:latin typeface="Nunito" pitchFamily="2" charset="0"/>
+                        </a:rPr>
+                      </a:br>
+                      <a:r>
+                        <a:rPr lang="en-US" sz="900" b="0" i="0" u="none" strike="noStrike" dirty="0">
+                          <a:solidFill>
+                            <a:srgbClr val="000000"/>
+                          </a:solidFill>
+                          <a:effectLst/>
+                          <a:latin typeface="Nunito" pitchFamily="2" charset="0"/>
+                        </a:rPr>
+                        <a:t>Promotion: 0.38</a:t>
+                      </a:r>
+                    </a:p>
+                  </a:txBody>
+                  <a:tcPr marL="4497" marR="4497" marT="4497" marB="0" anchor="ctr">
+                    <a:lnL w="6350" cap="flat" cmpd="sng" algn="ctr">
+                      <a:solidFill>
+                        <a:srgbClr val="000000"/>
+                      </a:solidFill>
+                      <a:prstDash val="solid"/>
+                      <a:round/>
+                      <a:headEnd type="none" w="med" len="med"/>
+                      <a:tailEnd type="none" w="med" len="med"/>
+                    </a:lnL>
+                    <a:lnR w="6350" cap="flat" cmpd="sng" algn="ctr">
+                      <a:solidFill>
+                        <a:srgbClr val="000000"/>
+                      </a:solidFill>
+                      <a:prstDash val="solid"/>
+                      <a:round/>
+                      <a:headEnd type="none" w="med" len="med"/>
+                      <a:tailEnd type="none" w="med" len="med"/>
+                    </a:lnR>
+                    <a:lnT w="6350" cap="flat" cmpd="sng" algn="ctr">
+                      <a:solidFill>
+                        <a:srgbClr val="000000"/>
+                      </a:solidFill>
+                      <a:prstDash val="solid"/>
+                      <a:round/>
+                      <a:headEnd type="none" w="med" len="med"/>
+                      <a:tailEnd type="none" w="med" len="med"/>
+                    </a:lnT>
+                    <a:lnB w="6350" cap="flat" cmpd="sng" algn="ctr">
+                      <a:solidFill>
+                        <a:srgbClr val="000000"/>
+                      </a:solidFill>
+                      <a:prstDash val="solid"/>
+                      <a:round/>
+                      <a:headEnd type="none" w="med" len="med"/>
+                      <a:tailEnd type="none" w="med" len="med"/>
+                    </a:lnB>
+                    <a:noFill/>
+                  </a:tcPr>
+                </a:tc>
+                <a:extLst>
+                  <a:ext uri="{0D108BD9-81ED-4DB2-BD59-A6C34878D82A}">
+                    <a16:rowId xmlns:a16="http://schemas.microsoft.com/office/drawing/2014/main" val="2844887041"/>
+                  </a:ext>
+                </a:extLst>
+              </a:tr>
+            </a:tbl>
+          </a:graphicData>
+        </a:graphic>
+      </p:graphicFrame>
+      <p:pic>
+        <p:nvPicPr>
+          <p:cNvPr id="11" name="Picture 10">
+            <a:extLst>
+              <a:ext uri="{FF2B5EF4-FFF2-40B4-BE49-F238E27FC236}">
+                <a16:creationId xmlns:a16="http://schemas.microsoft.com/office/drawing/2014/main" id="{CCDB3E30-3518-FECA-D8B0-7372C9B1AC5B}"/>
+              </a:ext>
+            </a:extLst>
+          </p:cNvPr>
+          <p:cNvPicPr>
+            <a:picLocks noChangeAspect="1"/>
+          </p:cNvPicPr>
+          <p:nvPr/>
+        </p:nvPicPr>
+        <p:blipFill>
+          <a:blip r:embed="rId3"/>
+          <a:stretch>
+            <a:fillRect/>
+          </a:stretch>
+        </p:blipFill>
+        <p:spPr>
+          <a:xfrm>
+            <a:off x="189103" y="3613368"/>
+            <a:ext cx="3401262" cy="1477163"/>
+          </a:xfrm>
+          <a:prstGeom prst="rect">
+            <a:avLst/>
+          </a:prstGeom>
+        </p:spPr>
+      </p:pic>
+      <p:pic>
+        <p:nvPicPr>
+          <p:cNvPr id="13" name="Picture 12">
+            <a:extLst>
+              <a:ext uri="{FF2B5EF4-FFF2-40B4-BE49-F238E27FC236}">
+                <a16:creationId xmlns:a16="http://schemas.microsoft.com/office/drawing/2014/main" id="{9D70407E-FF6E-3D78-D194-11F98CFB4433}"/>
+              </a:ext>
+            </a:extLst>
+          </p:cNvPr>
+          <p:cNvPicPr>
+            <a:picLocks noChangeAspect="1"/>
+          </p:cNvPicPr>
+          <p:nvPr/>
+        </p:nvPicPr>
+        <p:blipFill>
+          <a:blip r:embed="rId4"/>
+          <a:stretch>
+            <a:fillRect/>
+          </a:stretch>
+        </p:blipFill>
+        <p:spPr>
+          <a:xfrm>
+            <a:off x="3886199" y="3613368"/>
+            <a:ext cx="4202503" cy="1307446"/>
+          </a:xfrm>
+          <a:prstGeom prst="rect">
+            <a:avLst/>
+          </a:prstGeom>
+        </p:spPr>
+      </p:pic>
+    </p:spTree>
+    <p:extLst>
+      <p:ext uri="{BB962C8B-B14F-4D97-AF65-F5344CB8AC3E}">
+        <p14:creationId xmlns:p14="http://schemas.microsoft.com/office/powerpoint/2010/main" val="3225697562"/>
+      </p:ext>
+    </p:extLst>
+  </p:cSld>
+  <p:clrMapOvr>
+    <a:masterClrMapping/>
+  </p:clrMapOvr>
+</p:sld>
+</file>
+
+<file path=ppt/slides/slide19.xml><?xml version="1.0" encoding="utf-8"?>
+<p:sld xmlns:a="http://schemas.openxmlformats.org/drawingml/2006/main" xmlns:r="http://schemas.openxmlformats.org/officeDocument/2006/relationships" xmlns:p="http://schemas.openxmlformats.org/presentationml/2006/main">
+  <p:cSld>
+    <p:spTree>
+      <p:nvGrpSpPr>
+        <p:cNvPr id="1" name="Shape 154"/>
+        <p:cNvGrpSpPr/>
+        <p:nvPr/>
+      </p:nvGrpSpPr>
+      <p:grpSpPr>
+        <a:xfrm>
+          <a:off x="0" y="0"/>
+          <a:ext cx="0" cy="0"/>
+          <a:chOff x="0" y="0"/>
+          <a:chExt cx="0" cy="0"/>
+        </a:xfrm>
+      </p:grpSpPr>
+      <p:sp>
+        <p:nvSpPr>
+          <p:cNvPr id="155" name="Google Shape;155;g10ae355dec7_0_0"/>
+          <p:cNvSpPr txBox="1">
+            <a:spLocks noGrp="1"/>
+          </p:cNvSpPr>
+          <p:nvPr>
+            <p:ph type="title"/>
+          </p:nvPr>
+        </p:nvSpPr>
+        <p:spPr>
+          <a:xfrm>
+            <a:off x="189102" y="127636"/>
+            <a:ext cx="8520600" cy="572700"/>
+          </a:xfrm>
+          <a:prstGeom prst="rect">
+            <a:avLst/>
+          </a:prstGeom>
+          <a:noFill/>
+          <a:ln>
+            <a:noFill/>
+          </a:ln>
+        </p:spPr>
+        <p:txBody>
+          <a:bodyPr spcFirstLastPara="1" wrap="square" lIns="91425" tIns="91425" rIns="91425" bIns="91425" anchor="t" anchorCtr="0">
+            <a:noAutofit/>
+          </a:bodyPr>
+          <a:lstStyle/>
+          <a:p>
+            <a:pPr marL="0" lvl="0" indent="0" algn="l" rtl="0">
+              <a:lnSpc>
+                <a:spcPct val="100000"/>
+              </a:lnSpc>
+              <a:spcBef>
+                <a:spcPts val="0"/>
+              </a:spcBef>
+              <a:spcAft>
+                <a:spcPts val="0"/>
+              </a:spcAft>
+              <a:buSzPts val="2200"/>
+              <a:buNone/>
+            </a:pPr>
+            <a:r>
+              <a:rPr lang="en" sz="1600" dirty="0">
+                <a:solidFill>
+                  <a:srgbClr val="1974D2"/>
+                </a:solidFill>
+                <a:latin typeface="Nunito" pitchFamily="2" charset="0"/>
+              </a:rPr>
+              <a:t>Data Background and Contents</a:t>
+            </a:r>
+            <a:endParaRPr sz="1600" dirty="0">
+              <a:solidFill>
+                <a:srgbClr val="1974D2"/>
+              </a:solidFill>
+              <a:latin typeface="Nunito" pitchFamily="2" charset="0"/>
+            </a:endParaRPr>
+          </a:p>
+        </p:txBody>
+      </p:sp>
+      <p:sp>
+        <p:nvSpPr>
+          <p:cNvPr id="5" name="TextBox 4">
+            <a:extLst>
+              <a:ext uri="{FF2B5EF4-FFF2-40B4-BE49-F238E27FC236}">
+                <a16:creationId xmlns:a16="http://schemas.microsoft.com/office/drawing/2014/main" id="{33A6FE1B-75E5-96F2-0C86-550FA0E4050A}"/>
+              </a:ext>
+            </a:extLst>
+          </p:cNvPr>
+          <p:cNvSpPr txBox="1"/>
+          <p:nvPr/>
+        </p:nvSpPr>
+        <p:spPr>
+          <a:xfrm>
+            <a:off x="0" y="523435"/>
+            <a:ext cx="8385815" cy="332014"/>
+          </a:xfrm>
+          <a:prstGeom prst="rect">
+            <a:avLst/>
+          </a:prstGeom>
+          <a:noFill/>
+        </p:spPr>
+        <p:txBody>
+          <a:bodyPr wrap="square">
+            <a:spAutoFit/>
+          </a:bodyPr>
+          <a:lstStyle/>
+          <a:p>
+            <a:pPr marL="139700" lvl="0" algn="l" rtl="0">
+              <a:lnSpc>
+                <a:spcPct val="115000"/>
+              </a:lnSpc>
+              <a:spcBef>
+                <a:spcPts val="1000"/>
+              </a:spcBef>
+              <a:spcAft>
+                <a:spcPts val="1000"/>
+              </a:spcAft>
+              <a:buClr>
+                <a:srgbClr val="000000"/>
+              </a:buClr>
+              <a:buSzPts val="1400"/>
+            </a:pPr>
+            <a:r>
+              <a:rPr lang="en-US" b="1" dirty="0">
+                <a:solidFill>
+                  <a:srgbClr val="FF00FF"/>
+                </a:solidFill>
+                <a:latin typeface="Nunito" pitchFamily="2" charset="0"/>
+              </a:rPr>
+              <a:t>Please mention about the data background and contents</a:t>
+            </a:r>
+          </a:p>
+        </p:txBody>
+      </p:sp>
+      <p:sp>
+        <p:nvSpPr>
+          <p:cNvPr id="7" name="TextBox 6">
+            <a:extLst>
+              <a:ext uri="{FF2B5EF4-FFF2-40B4-BE49-F238E27FC236}">
+                <a16:creationId xmlns:a16="http://schemas.microsoft.com/office/drawing/2014/main" id="{7F857553-6C2D-8398-CF0B-91AFAD3B1730}"/>
+              </a:ext>
+            </a:extLst>
+          </p:cNvPr>
+          <p:cNvSpPr txBox="1"/>
+          <p:nvPr/>
+        </p:nvSpPr>
+        <p:spPr>
+          <a:xfrm>
+            <a:off x="189103" y="882920"/>
+            <a:ext cx="4572000" cy="246221"/>
+          </a:xfrm>
+          <a:prstGeom prst="rect">
+            <a:avLst/>
+          </a:prstGeom>
+          <a:noFill/>
+        </p:spPr>
+        <p:txBody>
+          <a:bodyPr wrap="square">
+            <a:spAutoFit/>
+          </a:bodyPr>
+          <a:lstStyle/>
+          <a:p>
+            <a:r>
+              <a:rPr lang="en-IN" sz="1000" b="1" dirty="0">
+                <a:solidFill>
+                  <a:srgbClr val="0070C0"/>
+                </a:solidFill>
+                <a:latin typeface="Nunito" pitchFamily="2" charset="0"/>
+              </a:rPr>
+              <a:t>Data Description</a:t>
+            </a:r>
+          </a:p>
+        </p:txBody>
+      </p:sp>
+      <p:sp>
+        <p:nvSpPr>
+          <p:cNvPr id="9" name="TextBox 8">
+            <a:extLst>
+              <a:ext uri="{FF2B5EF4-FFF2-40B4-BE49-F238E27FC236}">
+                <a16:creationId xmlns:a16="http://schemas.microsoft.com/office/drawing/2014/main" id="{85E259D4-BDAE-6AB9-64B3-AB5A85B8BC2E}"/>
+              </a:ext>
+            </a:extLst>
+          </p:cNvPr>
+          <p:cNvSpPr txBox="1"/>
+          <p:nvPr/>
+        </p:nvSpPr>
+        <p:spPr>
+          <a:xfrm>
+            <a:off x="189102" y="1110025"/>
+            <a:ext cx="4761933" cy="553998"/>
+          </a:xfrm>
+          <a:prstGeom prst="rect">
+            <a:avLst/>
+          </a:prstGeom>
+          <a:noFill/>
+        </p:spPr>
+        <p:txBody>
+          <a:bodyPr wrap="square">
+            <a:spAutoFit/>
+          </a:bodyPr>
+          <a:lstStyle/>
+          <a:p>
+            <a:r>
+              <a:rPr lang="en-IN" sz="1000" dirty="0">
+                <a:latin typeface="Nunito" pitchFamily="2" charset="0"/>
+              </a:rPr>
+              <a:t>The dataset encompasses a comprehensive record of all employees who were considered for promotion in the previous year, including whether they were promoted or not. </a:t>
+            </a:r>
+            <a:r>
+              <a:rPr lang="en-IN" sz="1000" b="1" dirty="0">
+                <a:latin typeface="Nunito" pitchFamily="2" charset="0"/>
+              </a:rPr>
+              <a:t>Here’s a breakdown of the data attributes</a:t>
+            </a:r>
+          </a:p>
+        </p:txBody>
+      </p:sp>
+      <p:pic>
+        <p:nvPicPr>
+          <p:cNvPr id="11" name="Picture 10">
+            <a:extLst>
+              <a:ext uri="{FF2B5EF4-FFF2-40B4-BE49-F238E27FC236}">
+                <a16:creationId xmlns:a16="http://schemas.microsoft.com/office/drawing/2014/main" id="{F01EB3E0-E954-C72C-728A-AB65DE1C512B}"/>
+              </a:ext>
+            </a:extLst>
+          </p:cNvPr>
+          <p:cNvPicPr>
+            <a:picLocks noChangeAspect="1"/>
+          </p:cNvPicPr>
+          <p:nvPr/>
+        </p:nvPicPr>
+        <p:blipFill>
+          <a:blip r:embed="rId3"/>
+          <a:stretch>
+            <a:fillRect/>
+          </a:stretch>
+        </p:blipFill>
+        <p:spPr>
+          <a:xfrm>
+            <a:off x="226486" y="1737656"/>
+            <a:ext cx="4534617" cy="3117549"/>
+          </a:xfrm>
+          <a:prstGeom prst="rect">
+            <a:avLst/>
+          </a:prstGeom>
+        </p:spPr>
+      </p:pic>
+      <p:sp>
+        <p:nvSpPr>
+          <p:cNvPr id="13" name="TextBox 12">
+            <a:extLst>
+              <a:ext uri="{FF2B5EF4-FFF2-40B4-BE49-F238E27FC236}">
+                <a16:creationId xmlns:a16="http://schemas.microsoft.com/office/drawing/2014/main" id="{CF349C85-32A4-587C-8CCE-0E1C40EB5838}"/>
+              </a:ext>
+            </a:extLst>
+          </p:cNvPr>
+          <p:cNvSpPr txBox="1"/>
+          <p:nvPr/>
+        </p:nvSpPr>
+        <p:spPr>
+          <a:xfrm>
+            <a:off x="4951035" y="956553"/>
+            <a:ext cx="3238223" cy="246221"/>
+          </a:xfrm>
+          <a:prstGeom prst="rect">
+            <a:avLst/>
+          </a:prstGeom>
+          <a:noFill/>
+        </p:spPr>
+        <p:txBody>
+          <a:bodyPr wrap="square">
+            <a:spAutoFit/>
+          </a:bodyPr>
+          <a:lstStyle/>
+          <a:p>
+            <a:r>
+              <a:rPr lang="en-IN" sz="1000" b="1" dirty="0">
+                <a:solidFill>
+                  <a:srgbClr val="0070C0"/>
+                </a:solidFill>
+                <a:latin typeface="Nunito" pitchFamily="2" charset="0"/>
+              </a:rPr>
+              <a:t>Data Challenges and Preprocessing Insights</a:t>
+            </a:r>
+          </a:p>
+        </p:txBody>
+      </p:sp>
+      <p:pic>
+        <p:nvPicPr>
+          <p:cNvPr id="15" name="Picture 14">
+            <a:extLst>
+              <a:ext uri="{FF2B5EF4-FFF2-40B4-BE49-F238E27FC236}">
+                <a16:creationId xmlns:a16="http://schemas.microsoft.com/office/drawing/2014/main" id="{1CFAD27A-88D0-334D-7394-815C5D3C7F41}"/>
+              </a:ext>
+            </a:extLst>
+          </p:cNvPr>
+          <p:cNvPicPr>
+            <a:picLocks noChangeAspect="1"/>
+          </p:cNvPicPr>
+          <p:nvPr/>
+        </p:nvPicPr>
+        <p:blipFill>
+          <a:blip r:embed="rId4"/>
+          <a:stretch>
+            <a:fillRect/>
+          </a:stretch>
+        </p:blipFill>
+        <p:spPr>
+          <a:xfrm>
+            <a:off x="5021632" y="1264772"/>
+            <a:ext cx="4051141" cy="1235326"/>
+          </a:xfrm>
+          <a:prstGeom prst="rect">
+            <a:avLst/>
+          </a:prstGeom>
+        </p:spPr>
+      </p:pic>
+      <p:pic>
+        <p:nvPicPr>
+          <p:cNvPr id="17" name="Picture 16">
+            <a:extLst>
+              <a:ext uri="{FF2B5EF4-FFF2-40B4-BE49-F238E27FC236}">
+                <a16:creationId xmlns:a16="http://schemas.microsoft.com/office/drawing/2014/main" id="{78CF1463-8B1A-9546-7E01-DCA5AB42A018}"/>
+              </a:ext>
+            </a:extLst>
+          </p:cNvPr>
+          <p:cNvPicPr>
+            <a:picLocks noChangeAspect="1"/>
+          </p:cNvPicPr>
+          <p:nvPr/>
+        </p:nvPicPr>
+        <p:blipFill>
+          <a:blip r:embed="rId5"/>
+          <a:stretch>
+            <a:fillRect/>
+          </a:stretch>
+        </p:blipFill>
+        <p:spPr>
+          <a:xfrm>
+            <a:off x="5021632" y="2656177"/>
+            <a:ext cx="3574726" cy="1071986"/>
+          </a:xfrm>
+          <a:prstGeom prst="rect">
+            <a:avLst/>
+          </a:prstGeom>
+        </p:spPr>
+      </p:pic>
+      <p:pic>
+        <p:nvPicPr>
+          <p:cNvPr id="19" name="Picture 18">
+            <a:extLst>
+              <a:ext uri="{FF2B5EF4-FFF2-40B4-BE49-F238E27FC236}">
+                <a16:creationId xmlns:a16="http://schemas.microsoft.com/office/drawing/2014/main" id="{68A36F50-E82A-4B7D-9B77-ACD87EED627A}"/>
+              </a:ext>
+            </a:extLst>
+          </p:cNvPr>
+          <p:cNvPicPr>
+            <a:picLocks noChangeAspect="1"/>
+          </p:cNvPicPr>
+          <p:nvPr/>
+        </p:nvPicPr>
+        <p:blipFill>
+          <a:blip r:embed="rId6"/>
+          <a:stretch>
+            <a:fillRect/>
+          </a:stretch>
+        </p:blipFill>
+        <p:spPr>
+          <a:xfrm>
+            <a:off x="5021631" y="3878728"/>
+            <a:ext cx="4051142" cy="881881"/>
+          </a:xfrm>
+          <a:prstGeom prst="rect">
+            <a:avLst/>
+          </a:prstGeom>
+        </p:spPr>
+      </p:pic>
     </p:spTree>
   </p:cSld>
   <p:clrMapOvr>
@@ -23731,150 +27189,6 @@
   <p:cSld>
     <p:spTree>
       <p:nvGrpSpPr>
-        <p:cNvPr id="1" name="Shape 154"/>
-        <p:cNvGrpSpPr/>
-        <p:nvPr/>
-      </p:nvGrpSpPr>
-      <p:grpSpPr>
-        <a:xfrm>
-          <a:off x="0" y="0"/>
-          <a:ext cx="0" cy="0"/>
-          <a:chOff x="0" y="0"/>
-          <a:chExt cx="0" cy="0"/>
-        </a:xfrm>
-      </p:grpSpPr>
-      <p:sp>
-        <p:nvSpPr>
-          <p:cNvPr id="155" name="Google Shape;155;g10ae355dec7_0_0"/>
-          <p:cNvSpPr txBox="1">
-            <a:spLocks noGrp="1"/>
-          </p:cNvSpPr>
-          <p:nvPr>
-            <p:ph type="title"/>
-          </p:nvPr>
-        </p:nvSpPr>
-        <p:spPr>
-          <a:xfrm>
-            <a:off x="202550" y="289279"/>
-            <a:ext cx="8520600" cy="572700"/>
-          </a:xfrm>
-          <a:prstGeom prst="rect">
-            <a:avLst/>
-          </a:prstGeom>
-          <a:noFill/>
-          <a:ln>
-            <a:noFill/>
-          </a:ln>
-        </p:spPr>
-        <p:txBody>
-          <a:bodyPr spcFirstLastPara="1" wrap="square" lIns="91425" tIns="91425" rIns="91425" bIns="91425" anchor="t" anchorCtr="0">
-            <a:noAutofit/>
-          </a:bodyPr>
-          <a:lstStyle/>
-          <a:p>
-            <a:pPr marL="0" lvl="0" indent="0" algn="l" rtl="0">
-              <a:lnSpc>
-                <a:spcPct val="100000"/>
-              </a:lnSpc>
-              <a:spcBef>
-                <a:spcPts val="0"/>
-              </a:spcBef>
-              <a:spcAft>
-                <a:spcPts val="0"/>
-              </a:spcAft>
-              <a:buSzPts val="2200"/>
-              <a:buNone/>
-            </a:pPr>
-            <a:r>
-              <a:rPr lang="en">
-                <a:solidFill>
-                  <a:srgbClr val="1974D2"/>
-                </a:solidFill>
-              </a:rPr>
-              <a:t>Data Background and Contents</a:t>
-            </a:r>
-            <a:endParaRPr>
-              <a:solidFill>
-                <a:srgbClr val="1974D2"/>
-              </a:solidFill>
-            </a:endParaRPr>
-          </a:p>
-        </p:txBody>
-      </p:sp>
-      <p:sp>
-        <p:nvSpPr>
-          <p:cNvPr id="156" name="Google Shape;156;g10ae355dec7_0_0"/>
-          <p:cNvSpPr txBox="1">
-            <a:spLocks noGrp="1"/>
-          </p:cNvSpPr>
-          <p:nvPr>
-            <p:ph type="body" idx="1"/>
-          </p:nvPr>
-        </p:nvSpPr>
-        <p:spPr>
-          <a:xfrm>
-            <a:off x="202550" y="861975"/>
-            <a:ext cx="8629800" cy="3706800"/>
-          </a:xfrm>
-          <a:prstGeom prst="rect">
-            <a:avLst/>
-          </a:prstGeom>
-          <a:noFill/>
-          <a:ln>
-            <a:noFill/>
-          </a:ln>
-        </p:spPr>
-        <p:txBody>
-          <a:bodyPr spcFirstLastPara="1" wrap="square" lIns="91425" tIns="91425" rIns="91425" bIns="91425" anchor="t" anchorCtr="0">
-            <a:noAutofit/>
-          </a:bodyPr>
-          <a:lstStyle/>
-          <a:p>
-            <a:pPr marL="457200" lvl="0" indent="-317500" algn="l" rtl="0">
-              <a:lnSpc>
-                <a:spcPct val="115000"/>
-              </a:lnSpc>
-              <a:spcBef>
-                <a:spcPts val="1000"/>
-              </a:spcBef>
-              <a:spcAft>
-                <a:spcPts val="1000"/>
-              </a:spcAft>
-              <a:buClr>
-                <a:srgbClr val="000000"/>
-              </a:buClr>
-              <a:buSzPts val="1400"/>
-              <a:buChar char="●"/>
-            </a:pPr>
-            <a:r>
-              <a:rPr lang="en" sz="1400">
-                <a:solidFill>
-                  <a:schemeClr val="dk1"/>
-                </a:solidFill>
-              </a:rPr>
-              <a:t>Please mention about the data background and contents</a:t>
-            </a:r>
-            <a:endParaRPr sz="1400">
-              <a:solidFill>
-                <a:schemeClr val="dk1"/>
-              </a:solidFill>
-            </a:endParaRPr>
-          </a:p>
-        </p:txBody>
-      </p:sp>
-    </p:spTree>
-  </p:cSld>
-  <p:clrMapOvr>
-    <a:masterClrMapping/>
-  </p:clrMapOvr>
-</p:sld>
-</file>
-
-<file path=ppt/slides/slide21.xml><?xml version="1.0" encoding="utf-8"?>
-<p:sld xmlns:a="http://schemas.openxmlformats.org/drawingml/2006/main" xmlns:r="http://schemas.openxmlformats.org/officeDocument/2006/relationships" xmlns:p="http://schemas.openxmlformats.org/presentationml/2006/main">
-  <p:cSld>
-    <p:spTree>
-      <p:nvGrpSpPr>
         <p:cNvPr id="1" name="Shape 174"/>
         <p:cNvGrpSpPr/>
         <p:nvPr/>
@@ -23977,7 +27291,7 @@
             </a:pPr>
             <a:fld id="{00000000-1234-1234-1234-123412341234}" type="slidenum">
               <a:rPr lang="en"/>
-              <a:t>21</a:t>
+              <a:t>20</a:t>
             </a:fld>
             <a:endParaRPr/>
           </a:p>
@@ -24544,8 +27858,8 @@
         </p:nvSpPr>
         <p:spPr>
           <a:xfrm>
-            <a:off x="202550" y="1312451"/>
-            <a:ext cx="8629800" cy="2210678"/>
+            <a:off x="202550" y="1143176"/>
+            <a:ext cx="8629800" cy="1497990"/>
           </a:xfrm>
           <a:prstGeom prst="rect">
             <a:avLst/>
@@ -24628,6 +27942,126 @@
                 </a:solidFill>
               </a:rPr>
               <a:t>Business Problem Overview </a:t>
+            </a:r>
+          </a:p>
+        </p:txBody>
+      </p:sp>
+      <p:sp>
+        <p:nvSpPr>
+          <p:cNvPr id="2" name="TextBox 1">
+            <a:extLst>
+              <a:ext uri="{FF2B5EF4-FFF2-40B4-BE49-F238E27FC236}">
+                <a16:creationId xmlns:a16="http://schemas.microsoft.com/office/drawing/2014/main" id="{FB97BC83-5066-B15F-A3DD-B1821C5948A1}"/>
+              </a:ext>
+            </a:extLst>
+          </p:cNvPr>
+          <p:cNvSpPr txBox="1"/>
+          <p:nvPr/>
+        </p:nvSpPr>
+        <p:spPr>
+          <a:xfrm>
+            <a:off x="383241" y="3260912"/>
+            <a:ext cx="184731" cy="307777"/>
+          </a:xfrm>
+          <a:prstGeom prst="rect">
+            <a:avLst/>
+          </a:prstGeom>
+          <a:noFill/>
+        </p:spPr>
+        <p:txBody>
+          <a:bodyPr wrap="none" rtlCol="0">
+            <a:spAutoFit/>
+          </a:bodyPr>
+          <a:lstStyle/>
+          <a:p>
+            <a:endParaRPr lang="en-IN" dirty="0"/>
+          </a:p>
+        </p:txBody>
+      </p:sp>
+      <p:sp>
+        <p:nvSpPr>
+          <p:cNvPr id="5" name="TextBox 4">
+            <a:extLst>
+              <a:ext uri="{FF2B5EF4-FFF2-40B4-BE49-F238E27FC236}">
+                <a16:creationId xmlns:a16="http://schemas.microsoft.com/office/drawing/2014/main" id="{2D306067-208A-5DAD-AED7-5E5B57768229}"/>
+              </a:ext>
+            </a:extLst>
+          </p:cNvPr>
+          <p:cNvSpPr txBox="1"/>
+          <p:nvPr/>
+        </p:nvSpPr>
+        <p:spPr>
+          <a:xfrm>
+            <a:off x="202550" y="2881788"/>
+            <a:ext cx="4572000" cy="307777"/>
+          </a:xfrm>
+          <a:prstGeom prst="rect">
+            <a:avLst/>
+          </a:prstGeom>
+          <a:noFill/>
+        </p:spPr>
+        <p:txBody>
+          <a:bodyPr wrap="square">
+            <a:spAutoFit/>
+          </a:bodyPr>
+          <a:lstStyle/>
+          <a:p>
+            <a:r>
+              <a:rPr lang="en-IN" b="1" dirty="0">
+                <a:solidFill>
+                  <a:srgbClr val="0070C0"/>
+                </a:solidFill>
+              </a:rPr>
+              <a:t>Objective</a:t>
+            </a:r>
+          </a:p>
+        </p:txBody>
+      </p:sp>
+      <p:sp>
+        <p:nvSpPr>
+          <p:cNvPr id="7" name="TextBox 6">
+            <a:extLst>
+              <a:ext uri="{FF2B5EF4-FFF2-40B4-BE49-F238E27FC236}">
+                <a16:creationId xmlns:a16="http://schemas.microsoft.com/office/drawing/2014/main" id="{B299FC71-743B-0CC4-1B28-CCF35A3B9983}"/>
+              </a:ext>
+            </a:extLst>
+          </p:cNvPr>
+          <p:cNvSpPr txBox="1"/>
+          <p:nvPr/>
+        </p:nvSpPr>
+        <p:spPr>
+          <a:xfrm>
+            <a:off x="202550" y="3260912"/>
+            <a:ext cx="8449109" cy="1075294"/>
+          </a:xfrm>
+          <a:prstGeom prst="rect">
+            <a:avLst/>
+          </a:prstGeom>
+          <a:noFill/>
+        </p:spPr>
+        <p:txBody>
+          <a:bodyPr wrap="square">
+            <a:spAutoFit/>
+          </a:bodyPr>
+          <a:lstStyle/>
+          <a:p>
+            <a:pPr marL="457200" indent="-317500">
+              <a:lnSpc>
+                <a:spcPct val="115000"/>
+              </a:lnSpc>
+              <a:spcBef>
+                <a:spcPts val="1000"/>
+              </a:spcBef>
+              <a:buSzPts val="1400"/>
+              <a:buFont typeface="Nunito"/>
+              <a:buChar char="●"/>
+            </a:pPr>
+            <a:r>
+              <a:rPr lang="en-IN" dirty="0">
+                <a:latin typeface="Nunito"/>
+                <a:sym typeface="Nunito"/>
+              </a:rPr>
+              <a:t>The primary objective for this project is to streamline the employee promotion cycle by leveraging historical data through predictive modeling. The aim is to develop a machine learning model that accurately predicts employee eligibility for promotion, thereby assisting the HR team in making informed, efficient, and timely decisions.</a:t>
             </a:r>
           </a:p>
         </p:txBody>
@@ -25971,237 +29405,6 @@
 </file>
 
 <file path=ppt/slides/slide8.xml><?xml version="1.0" encoding="utf-8"?>
-<p:sld xmlns:a="http://schemas.openxmlformats.org/drawingml/2006/main" xmlns:r="http://schemas.openxmlformats.org/officeDocument/2006/relationships" xmlns:p="http://schemas.openxmlformats.org/presentationml/2006/main">
-  <p:cSld>
-    <p:spTree>
-      <p:nvGrpSpPr>
-        <p:cNvPr id="1" name="Shape 129"/>
-        <p:cNvGrpSpPr/>
-        <p:nvPr/>
-      </p:nvGrpSpPr>
-      <p:grpSpPr>
-        <a:xfrm>
-          <a:off x="0" y="0"/>
-          <a:ext cx="0" cy="0"/>
-          <a:chOff x="0" y="0"/>
-          <a:chExt cx="0" cy="0"/>
-        </a:xfrm>
-      </p:grpSpPr>
-      <p:sp>
-        <p:nvSpPr>
-          <p:cNvPr id="130" name="Google Shape;130;g10e9006cb6c_1_7"/>
-          <p:cNvSpPr txBox="1">
-            <a:spLocks noGrp="1"/>
-          </p:cNvSpPr>
-          <p:nvPr>
-            <p:ph type="title"/>
-          </p:nvPr>
-        </p:nvSpPr>
-        <p:spPr>
-          <a:xfrm>
-            <a:off x="202550" y="289279"/>
-            <a:ext cx="8520600" cy="572700"/>
-          </a:xfrm>
-          <a:prstGeom prst="rect">
-            <a:avLst/>
-          </a:prstGeom>
-          <a:noFill/>
-          <a:ln>
-            <a:noFill/>
-          </a:ln>
-        </p:spPr>
-        <p:txBody>
-          <a:bodyPr spcFirstLastPara="1" wrap="square" lIns="91425" tIns="91425" rIns="91425" bIns="91425" anchor="t" anchorCtr="0">
-            <a:noAutofit/>
-          </a:bodyPr>
-          <a:lstStyle/>
-          <a:p>
-            <a:pPr marL="0" lvl="0" indent="0" algn="l" rtl="0">
-              <a:lnSpc>
-                <a:spcPct val="100000"/>
-              </a:lnSpc>
-              <a:spcBef>
-                <a:spcPts val="0"/>
-              </a:spcBef>
-              <a:spcAft>
-                <a:spcPts val="0"/>
-              </a:spcAft>
-              <a:buSzPts val="2200"/>
-              <a:buNone/>
-            </a:pPr>
-            <a:r>
-              <a:rPr lang="en">
-                <a:solidFill>
-                  <a:srgbClr val="1974D2"/>
-                </a:solidFill>
-              </a:rPr>
-              <a:t>EDA Results</a:t>
-            </a:r>
-            <a:endParaRPr>
-              <a:solidFill>
-                <a:srgbClr val="1974D2"/>
-              </a:solidFill>
-            </a:endParaRPr>
-          </a:p>
-        </p:txBody>
-      </p:sp>
-      <p:sp>
-        <p:nvSpPr>
-          <p:cNvPr id="131" name="Google Shape;131;g10e9006cb6c_1_7"/>
-          <p:cNvSpPr txBox="1">
-            <a:spLocks noGrp="1"/>
-          </p:cNvSpPr>
-          <p:nvPr>
-            <p:ph type="body" idx="1"/>
-          </p:nvPr>
-        </p:nvSpPr>
-        <p:spPr>
-          <a:xfrm>
-            <a:off x="202550" y="861975"/>
-            <a:ext cx="8629800" cy="3706800"/>
-          </a:xfrm>
-          <a:prstGeom prst="rect">
-            <a:avLst/>
-          </a:prstGeom>
-          <a:noFill/>
-          <a:ln>
-            <a:noFill/>
-          </a:ln>
-        </p:spPr>
-        <p:txBody>
-          <a:bodyPr spcFirstLastPara="1" wrap="square" lIns="91425" tIns="91425" rIns="91425" bIns="91425" anchor="t" anchorCtr="0">
-            <a:noAutofit/>
-          </a:bodyPr>
-          <a:lstStyle/>
-          <a:p>
-            <a:pPr marL="457200" lvl="0" indent="-317500" algn="l" rtl="0">
-              <a:lnSpc>
-                <a:spcPct val="115000"/>
-              </a:lnSpc>
-              <a:spcBef>
-                <a:spcPts val="0"/>
-              </a:spcBef>
-              <a:spcAft>
-                <a:spcPts val="0"/>
-              </a:spcAft>
-              <a:buClr>
-                <a:srgbClr val="000000"/>
-              </a:buClr>
-              <a:buSzPts val="1400"/>
-              <a:buChar char="●"/>
-            </a:pPr>
-            <a:r>
-              <a:rPr lang="en" sz="1400" dirty="0">
-                <a:solidFill>
-                  <a:srgbClr val="000000"/>
-                </a:solidFill>
-              </a:rPr>
-              <a:t>Please mention the key results from EDA</a:t>
-            </a:r>
-            <a:endParaRPr sz="1400" dirty="0">
-              <a:solidFill>
-                <a:srgbClr val="000000"/>
-              </a:solidFill>
-            </a:endParaRPr>
-          </a:p>
-          <a:p>
-            <a:pPr marL="457200" lvl="0" indent="-317500" algn="l" rtl="0">
-              <a:lnSpc>
-                <a:spcPct val="115000"/>
-              </a:lnSpc>
-              <a:spcBef>
-                <a:spcPts val="1000"/>
-              </a:spcBef>
-              <a:spcAft>
-                <a:spcPts val="0"/>
-              </a:spcAft>
-              <a:buClr>
-                <a:srgbClr val="000000"/>
-              </a:buClr>
-              <a:buSzPts val="1400"/>
-              <a:buChar char="●"/>
-            </a:pPr>
-            <a:r>
-              <a:rPr lang="en" sz="1400" dirty="0">
-                <a:solidFill>
-                  <a:srgbClr val="000000"/>
-                </a:solidFill>
-              </a:rPr>
-              <a:t>Please mention answers to the insight-based questions provided</a:t>
-            </a:r>
-            <a:endParaRPr sz="1400" dirty="0">
-              <a:solidFill>
-                <a:srgbClr val="000000"/>
-              </a:solidFill>
-            </a:endParaRPr>
-          </a:p>
-          <a:p>
-            <a:pPr marL="0" lvl="0" indent="0" algn="l" rtl="0">
-              <a:lnSpc>
-                <a:spcPct val="115000"/>
-              </a:lnSpc>
-              <a:spcBef>
-                <a:spcPts val="1000"/>
-              </a:spcBef>
-              <a:spcAft>
-                <a:spcPts val="0"/>
-              </a:spcAft>
-              <a:buSzPts val="1500"/>
-              <a:buNone/>
-            </a:pPr>
-            <a:endParaRPr sz="1400" dirty="0">
-              <a:solidFill>
-                <a:srgbClr val="000000"/>
-              </a:solidFill>
-            </a:endParaRPr>
-          </a:p>
-          <a:p>
-            <a:pPr marL="0" lvl="0" indent="0" algn="l" rtl="0">
-              <a:lnSpc>
-                <a:spcPct val="115000"/>
-              </a:lnSpc>
-              <a:spcBef>
-                <a:spcPts val="1000"/>
-              </a:spcBef>
-              <a:spcAft>
-                <a:spcPts val="1000"/>
-              </a:spcAft>
-              <a:buSzPts val="1500"/>
-              <a:buNone/>
-            </a:pPr>
-            <a:r>
-              <a:rPr lang="en" sz="1200" b="1" i="1" dirty="0">
-                <a:solidFill>
-                  <a:srgbClr val="000000"/>
-                </a:solidFill>
-              </a:rPr>
-              <a:t>Note</a:t>
-            </a:r>
-            <a:r>
-              <a:rPr lang="en" sz="1200" i="1" dirty="0">
-                <a:solidFill>
-                  <a:srgbClr val="000000"/>
-                </a:solidFill>
-              </a:rPr>
-              <a:t>: You can use more than one slide if needed </a:t>
-            </a:r>
-            <a:endParaRPr sz="1200" i="1" dirty="0">
-              <a:solidFill>
-                <a:srgbClr val="000000"/>
-              </a:solidFill>
-            </a:endParaRPr>
-          </a:p>
-        </p:txBody>
-      </p:sp>
-    </p:spTree>
-  </p:cSld>
-  <p:clrMapOvr>
-    <a:masterClrMapping/>
-  </p:clrMapOvr>
-</p:sld>
-</file>
-
-<file path=ppt/slides/slide9.xml><?xml version="1.0" encoding="utf-8"?>
 <p:sld xmlns:a="http://schemas.openxmlformats.org/drawingml/2006/main" xmlns:r="http://schemas.openxmlformats.org/officeDocument/2006/relationships" xmlns:p="http://schemas.openxmlformats.org/presentationml/2006/main">
   <p:cSld>
     <p:spTree>
@@ -26614,6 +29817,421 @@
     <p:extLst>
       <p:ext uri="{BB962C8B-B14F-4D97-AF65-F5344CB8AC3E}">
         <p14:creationId xmlns:p14="http://schemas.microsoft.com/office/powerpoint/2010/main" val="660198350"/>
+      </p:ext>
+    </p:extLst>
+  </p:cSld>
+  <p:clrMapOvr>
+    <a:masterClrMapping/>
+  </p:clrMapOvr>
+</p:sld>
+</file>
+
+<file path=ppt/slides/slide9.xml><?xml version="1.0" encoding="utf-8"?>
+<p:sld xmlns:a="http://schemas.openxmlformats.org/drawingml/2006/main" xmlns:r="http://schemas.openxmlformats.org/officeDocument/2006/relationships" xmlns:p="http://schemas.openxmlformats.org/presentationml/2006/main">
+  <p:cSld>
+    <p:spTree>
+      <p:nvGrpSpPr>
+        <p:cNvPr id="1" name="Shape 129"/>
+        <p:cNvGrpSpPr/>
+        <p:nvPr/>
+      </p:nvGrpSpPr>
+      <p:grpSpPr>
+        <a:xfrm>
+          <a:off x="0" y="0"/>
+          <a:ext cx="0" cy="0"/>
+          <a:chOff x="0" y="0"/>
+          <a:chExt cx="0" cy="0"/>
+        </a:xfrm>
+      </p:grpSpPr>
+      <p:sp>
+        <p:nvSpPr>
+          <p:cNvPr id="130" name="Google Shape;130;g10e9006cb6c_1_7"/>
+          <p:cNvSpPr txBox="1">
+            <a:spLocks noGrp="1"/>
+          </p:cNvSpPr>
+          <p:nvPr>
+            <p:ph type="title"/>
+          </p:nvPr>
+        </p:nvSpPr>
+        <p:spPr>
+          <a:xfrm>
+            <a:off x="202550" y="289279"/>
+            <a:ext cx="8520600" cy="572700"/>
+          </a:xfrm>
+          <a:prstGeom prst="rect">
+            <a:avLst/>
+          </a:prstGeom>
+          <a:noFill/>
+          <a:ln>
+            <a:noFill/>
+          </a:ln>
+        </p:spPr>
+        <p:txBody>
+          <a:bodyPr spcFirstLastPara="1" wrap="square" lIns="91425" tIns="91425" rIns="91425" bIns="91425" anchor="t" anchorCtr="0">
+            <a:noAutofit/>
+          </a:bodyPr>
+          <a:lstStyle/>
+          <a:p>
+            <a:pPr marL="0" lvl="0" indent="0" algn="l" rtl="0">
+              <a:lnSpc>
+                <a:spcPct val="100000"/>
+              </a:lnSpc>
+              <a:spcBef>
+                <a:spcPts val="0"/>
+              </a:spcBef>
+              <a:spcAft>
+                <a:spcPts val="0"/>
+              </a:spcAft>
+              <a:buSzPts val="2200"/>
+              <a:buNone/>
+            </a:pPr>
+            <a:r>
+              <a:rPr lang="en" dirty="0">
+                <a:solidFill>
+                  <a:srgbClr val="1974D2"/>
+                </a:solidFill>
+              </a:rPr>
+              <a:t>EDA Results</a:t>
+            </a:r>
+            <a:endParaRPr dirty="0">
+              <a:solidFill>
+                <a:srgbClr val="1974D2"/>
+              </a:solidFill>
+            </a:endParaRPr>
+          </a:p>
+        </p:txBody>
+      </p:sp>
+      <p:sp>
+        <p:nvSpPr>
+          <p:cNvPr id="5" name="TextBox 4">
+            <a:extLst>
+              <a:ext uri="{FF2B5EF4-FFF2-40B4-BE49-F238E27FC236}">
+                <a16:creationId xmlns:a16="http://schemas.microsoft.com/office/drawing/2014/main" id="{0226BE46-3C74-1053-0BA6-DB71191754FB}"/>
+              </a:ext>
+            </a:extLst>
+          </p:cNvPr>
+          <p:cNvSpPr txBox="1"/>
+          <p:nvPr/>
+        </p:nvSpPr>
+        <p:spPr>
+          <a:xfrm>
+            <a:off x="202550" y="861979"/>
+            <a:ext cx="4572000" cy="307777"/>
+          </a:xfrm>
+          <a:prstGeom prst="rect">
+            <a:avLst/>
+          </a:prstGeom>
+          <a:noFill/>
+        </p:spPr>
+        <p:txBody>
+          <a:bodyPr wrap="square">
+            <a:spAutoFit/>
+          </a:bodyPr>
+          <a:lstStyle/>
+          <a:p>
+            <a:r>
+              <a:rPr lang="en-IN" b="1" dirty="0">
+                <a:solidFill>
+                  <a:srgbClr val="FF00FF"/>
+                </a:solidFill>
+              </a:rPr>
+              <a:t>Univariate Analysis</a:t>
+            </a:r>
+          </a:p>
+        </p:txBody>
+      </p:sp>
+      <p:sp>
+        <p:nvSpPr>
+          <p:cNvPr id="9" name="TextBox 8">
+            <a:extLst>
+              <a:ext uri="{FF2B5EF4-FFF2-40B4-BE49-F238E27FC236}">
+                <a16:creationId xmlns:a16="http://schemas.microsoft.com/office/drawing/2014/main" id="{A868A253-7574-A67A-BED5-0C02FB802E3E}"/>
+              </a:ext>
+            </a:extLst>
+          </p:cNvPr>
+          <p:cNvSpPr txBox="1"/>
+          <p:nvPr/>
+        </p:nvSpPr>
+        <p:spPr>
+          <a:xfrm>
+            <a:off x="202550" y="1280790"/>
+            <a:ext cx="3731559" cy="307777"/>
+          </a:xfrm>
+          <a:prstGeom prst="rect">
+            <a:avLst/>
+          </a:prstGeom>
+          <a:noFill/>
+        </p:spPr>
+        <p:txBody>
+          <a:bodyPr wrap="square">
+            <a:spAutoFit/>
+          </a:bodyPr>
+          <a:lstStyle/>
+          <a:p>
+            <a:r>
+              <a:rPr lang="en-IN" b="1" dirty="0">
+                <a:solidFill>
+                  <a:srgbClr val="0070C0"/>
+                </a:solidFill>
+              </a:rPr>
+              <a:t>Length of Service</a:t>
+            </a:r>
+          </a:p>
+        </p:txBody>
+      </p:sp>
+      <p:sp>
+        <p:nvSpPr>
+          <p:cNvPr id="11" name="TextBox 10">
+            <a:extLst>
+              <a:ext uri="{FF2B5EF4-FFF2-40B4-BE49-F238E27FC236}">
+                <a16:creationId xmlns:a16="http://schemas.microsoft.com/office/drawing/2014/main" id="{34268306-0517-25FE-E6F1-86972B0C3700}"/>
+              </a:ext>
+            </a:extLst>
+          </p:cNvPr>
+          <p:cNvSpPr txBox="1"/>
+          <p:nvPr/>
+        </p:nvSpPr>
+        <p:spPr>
+          <a:xfrm>
+            <a:off x="289112" y="1588567"/>
+            <a:ext cx="4920781" cy="1569660"/>
+          </a:xfrm>
+          <a:prstGeom prst="rect">
+            <a:avLst/>
+          </a:prstGeom>
+          <a:noFill/>
+        </p:spPr>
+        <p:txBody>
+          <a:bodyPr wrap="square">
+            <a:spAutoFit/>
+          </a:bodyPr>
+          <a:lstStyle/>
+          <a:p>
+            <a:pPr marL="285750" indent="-285750">
+              <a:buFont typeface="Arial" panose="020B0604020202020204" pitchFamily="34" charset="0"/>
+              <a:buChar char="•"/>
+            </a:pPr>
+            <a:r>
+              <a:rPr lang="en-US" sz="1200" b="1" dirty="0">
+                <a:latin typeface="Nunito" pitchFamily="2" charset="0"/>
+              </a:rPr>
+              <a:t>Observation: </a:t>
+            </a:r>
+            <a:r>
+              <a:rPr lang="en-US" sz="1200" dirty="0">
+                <a:latin typeface="Nunito" pitchFamily="2" charset="0"/>
+              </a:rPr>
+              <a:t>Employee tenure is right-skewed, most having between 1 to 10 years of service, with outliers showing up to 35 years.</a:t>
+            </a:r>
+          </a:p>
+          <a:p>
+            <a:pPr marL="285750" indent="-285750">
+              <a:buFont typeface="Arial" panose="020B0604020202020204" pitchFamily="34" charset="0"/>
+              <a:buChar char="•"/>
+            </a:pPr>
+            <a:endParaRPr lang="en-IN" sz="1200" dirty="0">
+              <a:latin typeface="Nunito" pitchFamily="2" charset="0"/>
+            </a:endParaRPr>
+          </a:p>
+          <a:p>
+            <a:pPr marL="285750" indent="-285750">
+              <a:buFont typeface="Arial" panose="020B0604020202020204" pitchFamily="34" charset="0"/>
+              <a:buChar char="•"/>
+            </a:pPr>
+            <a:r>
+              <a:rPr lang="en-US" sz="1200" b="1" dirty="0">
+                <a:latin typeface="Nunito" pitchFamily="2" charset="0"/>
+              </a:rPr>
+              <a:t>Insight: </a:t>
+            </a:r>
+            <a:r>
+              <a:rPr lang="en-US" sz="1200" dirty="0">
+                <a:latin typeface="Nunito" pitchFamily="2" charset="0"/>
+              </a:rPr>
+              <a:t>While a large part of the workforce is relatively new, there exists a segment of highly experienced employees, potentially indicating loyalty or a lack of career progression opportunities.</a:t>
+            </a:r>
+            <a:endParaRPr lang="en-IN" sz="1200" dirty="0">
+              <a:latin typeface="Nunito" pitchFamily="2" charset="0"/>
+            </a:endParaRPr>
+          </a:p>
+        </p:txBody>
+      </p:sp>
+      <p:sp>
+        <p:nvSpPr>
+          <p:cNvPr id="12" name="TextBox 11">
+            <a:extLst>
+              <a:ext uri="{FF2B5EF4-FFF2-40B4-BE49-F238E27FC236}">
+                <a16:creationId xmlns:a16="http://schemas.microsoft.com/office/drawing/2014/main" id="{BC75912C-3AB4-3407-1816-32D8BC07E8E8}"/>
+              </a:ext>
+            </a:extLst>
+          </p:cNvPr>
+          <p:cNvSpPr txBox="1"/>
+          <p:nvPr/>
+        </p:nvSpPr>
+        <p:spPr>
+          <a:xfrm>
+            <a:off x="202550" y="3247157"/>
+            <a:ext cx="3731559" cy="307777"/>
+          </a:xfrm>
+          <a:prstGeom prst="rect">
+            <a:avLst/>
+          </a:prstGeom>
+          <a:noFill/>
+        </p:spPr>
+        <p:txBody>
+          <a:bodyPr wrap="square">
+            <a:spAutoFit/>
+          </a:bodyPr>
+          <a:lstStyle/>
+          <a:p>
+            <a:r>
+              <a:rPr lang="en-IN" b="1" dirty="0">
+                <a:solidFill>
+                  <a:srgbClr val="0070C0"/>
+                </a:solidFill>
+              </a:rPr>
+              <a:t>Promotion Rates</a:t>
+            </a:r>
+          </a:p>
+        </p:txBody>
+      </p:sp>
+      <p:sp>
+        <p:nvSpPr>
+          <p:cNvPr id="13" name="TextBox 12">
+            <a:extLst>
+              <a:ext uri="{FF2B5EF4-FFF2-40B4-BE49-F238E27FC236}">
+                <a16:creationId xmlns:a16="http://schemas.microsoft.com/office/drawing/2014/main" id="{DB0F268A-E400-8428-69EC-123211A6B184}"/>
+              </a:ext>
+            </a:extLst>
+          </p:cNvPr>
+          <p:cNvSpPr txBox="1"/>
+          <p:nvPr/>
+        </p:nvSpPr>
+        <p:spPr>
+          <a:xfrm>
+            <a:off x="289111" y="3554934"/>
+            <a:ext cx="5035923" cy="1384995"/>
+          </a:xfrm>
+          <a:prstGeom prst="rect">
+            <a:avLst/>
+          </a:prstGeom>
+          <a:noFill/>
+        </p:spPr>
+        <p:txBody>
+          <a:bodyPr wrap="square">
+            <a:spAutoFit/>
+          </a:bodyPr>
+          <a:lstStyle/>
+          <a:p>
+            <a:pPr marL="285750" indent="-285750">
+              <a:buFont typeface="Arial" panose="020B0604020202020204" pitchFamily="34" charset="0"/>
+              <a:buChar char="•"/>
+            </a:pPr>
+            <a:r>
+              <a:rPr lang="en-IN" sz="1200" b="1" dirty="0">
+                <a:latin typeface="Nunito" pitchFamily="2" charset="0"/>
+              </a:rPr>
+              <a:t>Observation </a:t>
+            </a:r>
+            <a:r>
+              <a:rPr lang="en-US" sz="1200" dirty="0">
+                <a:latin typeface="Nunito" pitchFamily="2" charset="0"/>
+              </a:rPr>
+              <a:t>: A stark contrast exists between the large number of employees not promoted versus the few who are, with an overall low promotion rate.</a:t>
+            </a:r>
+          </a:p>
+          <a:p>
+            <a:endParaRPr lang="en-IN" sz="1200" dirty="0">
+              <a:latin typeface="Nunito" pitchFamily="2" charset="0"/>
+            </a:endParaRPr>
+          </a:p>
+          <a:p>
+            <a:pPr marL="285750" indent="-285750">
+              <a:buFont typeface="Arial" panose="020B0604020202020204" pitchFamily="34" charset="0"/>
+              <a:buChar char="•"/>
+            </a:pPr>
+            <a:r>
+              <a:rPr lang="en-US" sz="1200" b="1" dirty="0">
+                <a:latin typeface="Nunito" pitchFamily="2" charset="0"/>
+              </a:rPr>
+              <a:t>Insight </a:t>
+            </a:r>
+            <a:r>
+              <a:rPr lang="en-US" sz="1200" dirty="0">
+                <a:latin typeface="Nunito" pitchFamily="2" charset="0"/>
+              </a:rPr>
+              <a:t>: The competitive or stringent nature of promotions suggests potential morale or retention issues, emphasizing the need for a more transparent or criteria-based promotion system..</a:t>
+            </a:r>
+            <a:endParaRPr lang="en-IN" sz="1200" dirty="0">
+              <a:latin typeface="Nunito" pitchFamily="2" charset="0"/>
+            </a:endParaRPr>
+          </a:p>
+        </p:txBody>
+      </p:sp>
+      <p:pic>
+        <p:nvPicPr>
+          <p:cNvPr id="3" name="Picture 2">
+            <a:extLst>
+              <a:ext uri="{FF2B5EF4-FFF2-40B4-BE49-F238E27FC236}">
+                <a16:creationId xmlns:a16="http://schemas.microsoft.com/office/drawing/2014/main" id="{DC048646-F7B7-31A7-5798-74C79694E489}"/>
+              </a:ext>
+            </a:extLst>
+          </p:cNvPr>
+          <p:cNvPicPr>
+            <a:picLocks noChangeAspect="1"/>
+          </p:cNvPicPr>
+          <p:nvPr/>
+        </p:nvPicPr>
+        <p:blipFill>
+          <a:blip r:embed="rId3"/>
+          <a:stretch>
+            <a:fillRect/>
+          </a:stretch>
+        </p:blipFill>
+        <p:spPr>
+          <a:xfrm>
+            <a:off x="5171566" y="595593"/>
+            <a:ext cx="3638146" cy="2159925"/>
+          </a:xfrm>
+          <a:prstGeom prst="rect">
+            <a:avLst/>
+          </a:prstGeom>
+        </p:spPr>
+      </p:pic>
+      <p:pic>
+        <p:nvPicPr>
+          <p:cNvPr id="6" name="Picture 5">
+            <a:extLst>
+              <a:ext uri="{FF2B5EF4-FFF2-40B4-BE49-F238E27FC236}">
+                <a16:creationId xmlns:a16="http://schemas.microsoft.com/office/drawing/2014/main" id="{0521ECF6-7671-D169-D5AA-9ED903DE902C}"/>
+              </a:ext>
+            </a:extLst>
+          </p:cNvPr>
+          <p:cNvPicPr>
+            <a:picLocks noChangeAspect="1"/>
+          </p:cNvPicPr>
+          <p:nvPr/>
+        </p:nvPicPr>
+        <p:blipFill>
+          <a:blip r:embed="rId4"/>
+          <a:stretch>
+            <a:fillRect/>
+          </a:stretch>
+        </p:blipFill>
+        <p:spPr>
+          <a:xfrm>
+            <a:off x="6216532" y="2755518"/>
+            <a:ext cx="2638356" cy="2273107"/>
+          </a:xfrm>
+          <a:prstGeom prst="rect">
+            <a:avLst/>
+          </a:prstGeom>
+        </p:spPr>
+      </p:pic>
+    </p:spTree>
+    <p:extLst>
+      <p:ext uri="{BB962C8B-B14F-4D97-AF65-F5344CB8AC3E}">
+        <p14:creationId xmlns:p14="http://schemas.microsoft.com/office/powerpoint/2010/main" val="124631022"/>
       </p:ext>
     </p:extLst>
   </p:cSld>
